--- a/Наработки/диздоки/Иран/Иран Комми.pptx
+++ b/Наработки/диздоки/Иран/Иран Комми.pptx
@@ -209,7 +209,7 @@
             <a:fld id="{33E3D7F9-E251-484C-A6FF-FA958879DF69}" type="datetimeFigureOut">
               <a:rPr lang="ru-RU" smtClean="0"/>
               <a:pPr/>
-              <a:t>09.03.2022</a:t>
+              <a:t>12.03.2022</a:t>
             </a:fld>
             <a:endParaRPr lang="ru-RU"/>
           </a:p>
@@ -699,7 +699,7 @@
             <a:fld id="{85A5DE44-605B-4D3B-B2B7-94543DF81A36}" type="datetimeFigureOut">
               <a:rPr lang="ru-RU" smtClean="0"/>
               <a:pPr/>
-              <a:t>09.03.2022</a:t>
+              <a:t>12.03.2022</a:t>
             </a:fld>
             <a:endParaRPr lang="ru-RU"/>
           </a:p>
@@ -871,7 +871,7 @@
             <a:fld id="{85A5DE44-605B-4D3B-B2B7-94543DF81A36}" type="datetimeFigureOut">
               <a:rPr lang="ru-RU" smtClean="0"/>
               <a:pPr/>
-              <a:t>09.03.2022</a:t>
+              <a:t>12.03.2022</a:t>
             </a:fld>
             <a:endParaRPr lang="ru-RU"/>
           </a:p>
@@ -1053,7 +1053,7 @@
             <a:fld id="{85A5DE44-605B-4D3B-B2B7-94543DF81A36}" type="datetimeFigureOut">
               <a:rPr lang="ru-RU" smtClean="0"/>
               <a:pPr/>
-              <a:t>09.03.2022</a:t>
+              <a:t>12.03.2022</a:t>
             </a:fld>
             <a:endParaRPr lang="ru-RU"/>
           </a:p>
@@ -1225,7 +1225,7 @@
             <a:fld id="{85A5DE44-605B-4D3B-B2B7-94543DF81A36}" type="datetimeFigureOut">
               <a:rPr lang="ru-RU" smtClean="0"/>
               <a:pPr/>
-              <a:t>09.03.2022</a:t>
+              <a:t>12.03.2022</a:t>
             </a:fld>
             <a:endParaRPr lang="ru-RU"/>
           </a:p>
@@ -1473,7 +1473,7 @@
             <a:fld id="{85A5DE44-605B-4D3B-B2B7-94543DF81A36}" type="datetimeFigureOut">
               <a:rPr lang="ru-RU" smtClean="0"/>
               <a:pPr/>
-              <a:t>09.03.2022</a:t>
+              <a:t>12.03.2022</a:t>
             </a:fld>
             <a:endParaRPr lang="ru-RU"/>
           </a:p>
@@ -1707,7 +1707,7 @@
             <a:fld id="{85A5DE44-605B-4D3B-B2B7-94543DF81A36}" type="datetimeFigureOut">
               <a:rPr lang="ru-RU" smtClean="0"/>
               <a:pPr/>
-              <a:t>09.03.2022</a:t>
+              <a:t>12.03.2022</a:t>
             </a:fld>
             <a:endParaRPr lang="ru-RU"/>
           </a:p>
@@ -2076,7 +2076,7 @@
             <a:fld id="{85A5DE44-605B-4D3B-B2B7-94543DF81A36}" type="datetimeFigureOut">
               <a:rPr lang="ru-RU" smtClean="0"/>
               <a:pPr/>
-              <a:t>09.03.2022</a:t>
+              <a:t>12.03.2022</a:t>
             </a:fld>
             <a:endParaRPr lang="ru-RU"/>
           </a:p>
@@ -2196,7 +2196,7 @@
             <a:fld id="{85A5DE44-605B-4D3B-B2B7-94543DF81A36}" type="datetimeFigureOut">
               <a:rPr lang="ru-RU" smtClean="0"/>
               <a:pPr/>
-              <a:t>09.03.2022</a:t>
+              <a:t>12.03.2022</a:t>
             </a:fld>
             <a:endParaRPr lang="ru-RU"/>
           </a:p>
@@ -2293,7 +2293,7 @@
             <a:fld id="{85A5DE44-605B-4D3B-B2B7-94543DF81A36}" type="datetimeFigureOut">
               <a:rPr lang="ru-RU" smtClean="0"/>
               <a:pPr/>
-              <a:t>09.03.2022</a:t>
+              <a:t>12.03.2022</a:t>
             </a:fld>
             <a:endParaRPr lang="ru-RU"/>
           </a:p>
@@ -2572,7 +2572,7 @@
             <a:fld id="{85A5DE44-605B-4D3B-B2B7-94543DF81A36}" type="datetimeFigureOut">
               <a:rPr lang="ru-RU" smtClean="0"/>
               <a:pPr/>
-              <a:t>09.03.2022</a:t>
+              <a:t>12.03.2022</a:t>
             </a:fld>
             <a:endParaRPr lang="ru-RU"/>
           </a:p>
@@ -2831,7 +2831,7 @@
             <a:fld id="{85A5DE44-605B-4D3B-B2B7-94543DF81A36}" type="datetimeFigureOut">
               <a:rPr lang="ru-RU" smtClean="0"/>
               <a:pPr/>
-              <a:t>09.03.2022</a:t>
+              <a:t>12.03.2022</a:t>
             </a:fld>
             <a:endParaRPr lang="ru-RU"/>
           </a:p>
@@ -3046,7 +3046,7 @@
             <a:fld id="{85A5DE44-605B-4D3B-B2B7-94543DF81A36}" type="datetimeFigureOut">
               <a:rPr lang="ru-RU" smtClean="0"/>
               <a:pPr/>
-              <a:t>09.03.2022</a:t>
+              <a:t>12.03.2022</a:t>
             </a:fld>
             <a:endParaRPr lang="ru-RU"/>
           </a:p>
@@ -4784,13 +4784,8 @@
             <a:pPr algn="ctr"/>
             <a:r>
               <a:rPr lang="ru-RU" sz="1400" dirty="0"/>
-              <a:t>Принять националистические лозунги </a:t>
-            </a:r>
-            <a:r>
-              <a:rPr lang="ru-RU" sz="800" dirty="0"/>
-              <a:t>(Акцент на национальной идентичности и национальных интересах перед лицом международного коммунизма)</a:t>
-            </a:r>
-            <a:endParaRPr lang="ru-RU" sz="1400" dirty="0"/>
+              <a:t>Принять националистические лозунги</a:t>
+            </a:r>
           </a:p>
         </p:txBody>
       </p:sp>
@@ -4998,6 +4993,22 @@
               <a:rPr lang="ru-RU" sz="1400" dirty="0" err="1"/>
               <a:t>Антибольшевизм</a:t>
             </a:r>
+            <a:r>
+              <a:rPr lang="ru-RU" sz="1400" dirty="0"/>
+              <a:t> </a:t>
+            </a:r>
+            <a:r>
+              <a:rPr lang="ru-RU" sz="1200" dirty="0"/>
+              <a:t>(убрать цель войны с </a:t>
+            </a:r>
+            <a:r>
+              <a:rPr lang="ru-RU" sz="1200" dirty="0" err="1"/>
+              <a:t>ссср</a:t>
+            </a:r>
+            <a:r>
+              <a:rPr lang="ru-RU" sz="1200" dirty="0"/>
+              <a:t>, и сделать условие, что для изучения фокуса ты должен с ним воевать)</a:t>
+            </a:r>
             <a:endParaRPr lang="ru-RU" sz="1400" dirty="0"/>
           </a:p>
         </p:txBody>
@@ -5471,65 +5482,6 @@
         <p:spPr>
           <a:xfrm>
             <a:off x="4898234" y="13289350"/>
-            <a:ext cx="2115918" cy="1080000"/>
-          </a:xfrm>
-          <a:prstGeom prst="rect">
-            <a:avLst/>
-          </a:prstGeom>
-          <a:solidFill>
-            <a:srgbClr val="E87878"/>
-          </a:solidFill>
-          <a:ln w="28575"/>
-        </p:spPr>
-        <p:style>
-          <a:lnRef idx="2">
-            <a:schemeClr val="accent1"/>
-          </a:lnRef>
-          <a:fillRef idx="1">
-            <a:schemeClr val="lt1"/>
-          </a:fillRef>
-          <a:effectRef idx="0">
-            <a:schemeClr val="accent1"/>
-          </a:effectRef>
-          <a:fontRef idx="minor">
-            <a:schemeClr val="dk1"/>
-          </a:fontRef>
-        </p:style>
-        <p:txBody>
-          <a:bodyPr lIns="124733" tIns="62367" rIns="124733" bIns="62367" rtlCol="0" anchor="ctr"/>
-          <a:lstStyle/>
-          <a:p>
-            <a:pPr algn="ctr"/>
-            <a:r>
-              <a:rPr lang="ru-RU" sz="1400" dirty="0"/>
-              <a:t>Объединение иранских народов (решение которое есть </a:t>
-            </a:r>
-            <a:r>
-              <a:rPr lang="ru-RU" sz="1400" dirty="0" err="1"/>
-              <a:t>щас</a:t>
-            </a:r>
-            <a:r>
-              <a:rPr lang="ru-RU" sz="1400" dirty="0"/>
-              <a:t>)</a:t>
-            </a:r>
-          </a:p>
-        </p:txBody>
-      </p:sp>
-      <p:sp>
-        <p:nvSpPr>
-          <p:cNvPr id="314" name="Прямоугольник 313">
-            <a:extLst>
-              <a:ext uri="{FF2B5EF4-FFF2-40B4-BE49-F238E27FC236}">
-                <a16:creationId xmlns:a16="http://schemas.microsoft.com/office/drawing/2014/main" id="{6A5F0FBE-4057-4C7E-9CC8-66C773B90CFD}"/>
-              </a:ext>
-            </a:extLst>
-          </p:cNvPr>
-          <p:cNvSpPr/>
-          <p:nvPr/>
-        </p:nvSpPr>
-        <p:spPr>
-          <a:xfrm>
-            <a:off x="6152735" y="4283641"/>
             <a:ext cx="2115918" cy="1080000"/>
           </a:xfrm>
           <a:prstGeom prst="rect">
@@ -5564,17 +5516,17 @@
             <a:pPr algn="ctr"/>
             <a:r>
               <a:rPr lang="ru-RU" sz="1400" dirty="0"/>
-              <a:t>Укрепление национального суверенитета Ирана</a:t>
-            </a:r>
-          </a:p>
-        </p:txBody>
-      </p:sp>
-      <p:sp>
-        <p:nvSpPr>
-          <p:cNvPr id="315" name="Прямоугольник 314">
-            <a:extLst>
-              <a:ext uri="{FF2B5EF4-FFF2-40B4-BE49-F238E27FC236}">
-                <a16:creationId xmlns:a16="http://schemas.microsoft.com/office/drawing/2014/main" id="{8C03559B-5E28-4A33-96DF-AEAF8A6F3392}"/>
+              <a:t>Объединение иранских народов</a:t>
+            </a:r>
+          </a:p>
+        </p:txBody>
+      </p:sp>
+      <p:sp>
+        <p:nvSpPr>
+          <p:cNvPr id="314" name="Прямоугольник 313">
+            <a:extLst>
+              <a:ext uri="{FF2B5EF4-FFF2-40B4-BE49-F238E27FC236}">
+                <a16:creationId xmlns:a16="http://schemas.microsoft.com/office/drawing/2014/main" id="{6A5F0FBE-4057-4C7E-9CC8-66C773B90CFD}"/>
               </a:ext>
             </a:extLst>
           </p:cNvPr>
@@ -5583,7 +5535,7 @@
         </p:nvSpPr>
         <p:spPr>
           <a:xfrm>
-            <a:off x="6152735" y="5774338"/>
+            <a:off x="6152735" y="4283641"/>
             <a:ext cx="2115918" cy="1080000"/>
           </a:xfrm>
           <a:prstGeom prst="rect">
@@ -5618,17 +5570,17 @@
             <a:pPr algn="ctr"/>
             <a:r>
               <a:rPr lang="ru-RU" sz="1400" dirty="0"/>
-              <a:t>Установить равноправное сотрудничество с другими странами</a:t>
-            </a:r>
-          </a:p>
-        </p:txBody>
-      </p:sp>
-      <p:sp>
-        <p:nvSpPr>
-          <p:cNvPr id="316" name="Прямоугольник 315">
-            <a:extLst>
-              <a:ext uri="{FF2B5EF4-FFF2-40B4-BE49-F238E27FC236}">
-                <a16:creationId xmlns:a16="http://schemas.microsoft.com/office/drawing/2014/main" id="{C3BCD66A-CD17-4E6B-83F8-732F0801F672}"/>
+              <a:t>Укрепление национального суверенитета Ирана</a:t>
+            </a:r>
+          </a:p>
+        </p:txBody>
+      </p:sp>
+      <p:sp>
+        <p:nvSpPr>
+          <p:cNvPr id="315" name="Прямоугольник 314">
+            <a:extLst>
+              <a:ext uri="{FF2B5EF4-FFF2-40B4-BE49-F238E27FC236}">
+                <a16:creationId xmlns:a16="http://schemas.microsoft.com/office/drawing/2014/main" id="{8C03559B-5E28-4A33-96DF-AEAF8A6F3392}"/>
               </a:ext>
             </a:extLst>
           </p:cNvPr>
@@ -5637,7 +5589,7 @@
         </p:nvSpPr>
         <p:spPr>
           <a:xfrm>
-            <a:off x="9888652" y="16303911"/>
+            <a:off x="6152735" y="5774338"/>
             <a:ext cx="2115918" cy="1080000"/>
           </a:xfrm>
           <a:prstGeom prst="rect">
@@ -5672,8 +5624,67 @@
             <a:pPr algn="ctr"/>
             <a:r>
               <a:rPr lang="ru-RU" sz="1400" dirty="0"/>
-              <a:t>Борьба против международного империализма</a:t>
-            </a:r>
+              <a:t>Установить равноправное сотрудничество с другими странами</a:t>
+            </a:r>
+          </a:p>
+        </p:txBody>
+      </p:sp>
+      <p:sp>
+        <p:nvSpPr>
+          <p:cNvPr id="316" name="Прямоугольник 315">
+            <a:extLst>
+              <a:ext uri="{FF2B5EF4-FFF2-40B4-BE49-F238E27FC236}">
+                <a16:creationId xmlns:a16="http://schemas.microsoft.com/office/drawing/2014/main" id="{C3BCD66A-CD17-4E6B-83F8-732F0801F672}"/>
+              </a:ext>
+            </a:extLst>
+          </p:cNvPr>
+          <p:cNvSpPr/>
+          <p:nvPr/>
+        </p:nvSpPr>
+        <p:spPr>
+          <a:xfrm>
+            <a:off x="9888652" y="16303911"/>
+            <a:ext cx="2115918" cy="1080000"/>
+          </a:xfrm>
+          <a:prstGeom prst="rect">
+            <a:avLst/>
+          </a:prstGeom>
+          <a:solidFill>
+            <a:schemeClr val="accent6">
+              <a:lumMod val="60000"/>
+              <a:lumOff val="40000"/>
+            </a:schemeClr>
+          </a:solidFill>
+          <a:ln w="28575"/>
+        </p:spPr>
+        <p:style>
+          <a:lnRef idx="2">
+            <a:schemeClr val="accent1"/>
+          </a:lnRef>
+          <a:fillRef idx="1">
+            <a:schemeClr val="lt1"/>
+          </a:fillRef>
+          <a:effectRef idx="0">
+            <a:schemeClr val="accent1"/>
+          </a:effectRef>
+          <a:fontRef idx="minor">
+            <a:schemeClr val="dk1"/>
+          </a:fontRef>
+        </p:style>
+        <p:txBody>
+          <a:bodyPr lIns="124733" tIns="62367" rIns="124733" bIns="62367" rtlCol="0" anchor="ctr"/>
+          <a:lstStyle/>
+          <a:p>
+            <a:pPr algn="ctr"/>
+            <a:r>
+              <a:rPr lang="ru-RU" sz="1400" dirty="0"/>
+              <a:t>Борьба против международного империализма </a:t>
+            </a:r>
+            <a:r>
+              <a:rPr lang="ru-RU" sz="1000" dirty="0"/>
+              <a:t>(убрать цель войны с ВБ, и сделать условие, что для изучения фокуса ты должен с ним воевать)</a:t>
+            </a:r>
+            <a:endParaRPr lang="ru-RU" sz="1400" dirty="0"/>
           </a:p>
         </p:txBody>
       </p:sp>
@@ -6833,21 +6844,8 @@
             <a:pPr algn="ctr"/>
             <a:r>
               <a:rPr lang="ru-RU" sz="1400" dirty="0"/>
-              <a:t>«Стражи свободы» </a:t>
-            </a:r>
-            <a:r>
-              <a:rPr lang="ru-RU" sz="600" dirty="0"/>
-              <a:t>(</a:t>
-            </a:r>
-            <a:r>
-              <a:rPr lang="ru-RU" sz="600" dirty="0" err="1"/>
-              <a:t>Малеки</a:t>
-            </a:r>
-            <a:r>
-              <a:rPr lang="ru-RU" sz="600" dirty="0"/>
-              <a:t> и его соратники вступили в Национальный фронт во время национализации нефтяной промышленности, и благодаря своей истории партийной деятельности и политической и социальной информации и организации они расширили организацию «Стражи свободы» среди других групп интеллигенции, студентов и рабочих.)</a:t>
-            </a:r>
-            <a:endParaRPr lang="ru-RU" sz="1400" dirty="0"/>
+              <a:t>«Стражи свободы»</a:t>
+            </a:r>
           </a:p>
         </p:txBody>
       </p:sp>
@@ -6900,29 +6898,8 @@
             <a:pPr algn="ctr"/>
             <a:r>
               <a:rPr lang="ru-RU" sz="1400" dirty="0"/>
-              <a:t>Упор на рабочий класс </a:t>
-            </a:r>
-            <a:r>
-              <a:rPr lang="ru-RU" sz="400" dirty="0"/>
-              <a:t>(Эта сила вдохновляется не великими державами, теми, кто совершенно разочаровался в едином руководящем органе и не считает лидеров партии </a:t>
-            </a:r>
-            <a:r>
-              <a:rPr lang="ru-RU" sz="400" dirty="0" err="1"/>
-              <a:t>Туде</a:t>
-            </a:r>
-            <a:r>
-              <a:rPr lang="ru-RU" sz="400" dirty="0"/>
-              <a:t> иностранными агентами. Третья сила — это рабочий класс, стремящийся к обладанию. Достижение и ожидание этого от доктора </a:t>
-            </a:r>
-            <a:r>
-              <a:rPr lang="ru-RU" sz="400" dirty="0" err="1"/>
-              <a:t>Мосаддыка</a:t>
-            </a:r>
-            <a:r>
-              <a:rPr lang="ru-RU" sz="400" dirty="0"/>
-              <a:t>, правильно или неправильно, является третьей силой. Интеллигенция, поставившая себя на службу третьему классу и видящая решение внешних и внутренних проблем в соответствии с социалистическими гипотезами как единственное решение и силой иранской нации, считающая рост и развитие социализма необходимым, третья сила)</a:t>
-            </a:r>
-            <a:endParaRPr lang="ru-RU" sz="1400" dirty="0"/>
+              <a:t>Упор на рабочий класс</a:t>
+            </a:r>
           </a:p>
         </p:txBody>
       </p:sp>
@@ -6975,39 +6952,8 @@
             <a:pPr algn="ctr"/>
             <a:r>
               <a:rPr lang="ru-RU" sz="1400" dirty="0"/>
-              <a:t>Справедливое распределение богатств </a:t>
-            </a:r>
-            <a:r>
-              <a:rPr lang="ru-RU" sz="500" b="0" i="0" dirty="0">
-                <a:solidFill>
-                  <a:srgbClr val="202122"/>
-                </a:solidFill>
-                <a:effectLst/>
-                <a:latin typeface="system-ui"/>
-              </a:rPr>
-              <a:t> (Основная критика доктора </a:t>
-            </a:r>
-            <a:r>
-              <a:rPr lang="ru-RU" sz="500" b="0" i="0" dirty="0" err="1">
-                <a:solidFill>
-                  <a:srgbClr val="202122"/>
-                </a:solidFill>
-                <a:effectLst/>
-                <a:latin typeface="system-ui"/>
-              </a:rPr>
-              <a:t>Мосаддыка</a:t>
-            </a:r>
-            <a:r>
-              <a:rPr lang="ru-RU" sz="500" b="0" i="0" dirty="0">
-                <a:solidFill>
-                  <a:srgbClr val="202122"/>
-                </a:solidFill>
-                <a:effectLst/>
-                <a:latin typeface="system-ui"/>
-              </a:rPr>
-              <a:t> со стороны Третьей силы была связана с его экономической и социальной политикой. Они утверждали, что правительство, вместо того чтобы полагаться на буржуазию (капиталистов), должно справедливо распределять богатство и регулировать экономику(</a:t>
-            </a:r>
-            <a:endParaRPr lang="ru-RU" sz="1400" dirty="0"/>
+              <a:t>Справедливое распределение богатств</a:t>
+            </a:r>
           </a:p>
         </p:txBody>
       </p:sp>
@@ -7060,23 +7006,8 @@
             <a:pPr algn="ctr"/>
             <a:r>
               <a:rPr lang="ru-RU" sz="1400" dirty="0"/>
-              <a:t>Восстановление традиционных иранских отраслей </a:t>
-            </a:r>
-            <a:r>
-              <a:rPr lang="ru-RU" sz="1000" dirty="0"/>
-              <a:t>(</a:t>
-            </a:r>
-            <a:r>
-              <a:rPr lang="ru-RU" sz="600" b="0" i="0" dirty="0">
-                <a:solidFill>
-                  <a:srgbClr val="000000"/>
-                </a:solidFill>
-                <a:effectLst/>
-                <a:latin typeface="-apple-system"/>
-              </a:rPr>
-              <a:t>Он утверждал, что упадок традиционных иранских отраслей, таких как ковроткачество, стал началом «экономических и экзистенциальных побед Запада над Востоком»)</a:t>
-            </a:r>
-            <a:endParaRPr lang="ru-RU" sz="1400" dirty="0"/>
+              <a:t>Восстановление традиционных иранских отраслей</a:t>
+            </a:r>
           </a:p>
         </p:txBody>
       </p:sp>
@@ -10029,6 +9960,105 @@
           <a:prstGeom prst="bentConnector3">
             <a:avLst>
               <a:gd name="adj1" fmla="val 50000"/>
+            </a:avLst>
+          </a:prstGeom>
+          <a:ln w="28575">
+            <a:tailEnd type="arrow"/>
+          </a:ln>
+        </p:spPr>
+        <p:style>
+          <a:lnRef idx="1">
+            <a:schemeClr val="accent1"/>
+          </a:lnRef>
+          <a:fillRef idx="0">
+            <a:schemeClr val="accent1"/>
+          </a:fillRef>
+          <a:effectRef idx="0">
+            <a:schemeClr val="accent1"/>
+          </a:effectRef>
+          <a:fontRef idx="minor">
+            <a:schemeClr val="tx1"/>
+          </a:fontRef>
+        </p:style>
+      </p:cxnSp>
+      <p:sp>
+        <p:nvSpPr>
+          <p:cNvPr id="128" name="Прямоугольник 127">
+            <a:extLst>
+              <a:ext uri="{FF2B5EF4-FFF2-40B4-BE49-F238E27FC236}">
+                <a16:creationId xmlns:a16="http://schemas.microsoft.com/office/drawing/2014/main" id="{1B602A8B-8088-4375-BC09-240528BDBC22}"/>
+              </a:ext>
+            </a:extLst>
+          </p:cNvPr>
+          <p:cNvSpPr/>
+          <p:nvPr/>
+        </p:nvSpPr>
+        <p:spPr>
+          <a:xfrm>
+            <a:off x="3639273" y="17771641"/>
+            <a:ext cx="2115918" cy="1080000"/>
+          </a:xfrm>
+          <a:prstGeom prst="rect">
+            <a:avLst/>
+          </a:prstGeom>
+          <a:solidFill>
+            <a:schemeClr val="accent6">
+              <a:lumMod val="60000"/>
+              <a:lumOff val="40000"/>
+            </a:schemeClr>
+          </a:solidFill>
+          <a:ln w="28575"/>
+        </p:spPr>
+        <p:style>
+          <a:lnRef idx="2">
+            <a:schemeClr val="accent1"/>
+          </a:lnRef>
+          <a:fillRef idx="1">
+            <a:schemeClr val="lt1"/>
+          </a:fillRef>
+          <a:effectRef idx="0">
+            <a:schemeClr val="accent1"/>
+          </a:effectRef>
+          <a:fontRef idx="minor">
+            <a:schemeClr val="dk1"/>
+          </a:fontRef>
+        </p:style>
+        <p:txBody>
+          <a:bodyPr lIns="124733" tIns="62367" rIns="124733" bIns="62367" rtlCol="0" anchor="ctr"/>
+          <a:lstStyle/>
+          <a:p>
+            <a:pPr algn="ctr"/>
+            <a:r>
+              <a:rPr lang="ru-RU" sz="1400" dirty="0"/>
+              <a:t>Поиск утерянных народов (бывший фокус Объединение иранских народов)</a:t>
+            </a:r>
+          </a:p>
+        </p:txBody>
+      </p:sp>
+      <p:cxnSp>
+        <p:nvCxnSpPr>
+          <p:cNvPr id="129" name="Соединительная линия уступом 175">
+            <a:extLst>
+              <a:ext uri="{FF2B5EF4-FFF2-40B4-BE49-F238E27FC236}">
+                <a16:creationId xmlns:a16="http://schemas.microsoft.com/office/drawing/2014/main" id="{F4223B92-D4DC-461A-832B-2AA38F5CA1B1}"/>
+              </a:ext>
+            </a:extLst>
+          </p:cNvPr>
+          <p:cNvCxnSpPr>
+            <a:cxnSpLocks/>
+            <a:stCxn id="267" idx="2"/>
+            <a:endCxn id="128" idx="0"/>
+          </p:cNvCxnSpPr>
+          <p:nvPr/>
+        </p:nvCxnSpPr>
+        <p:spPr>
+          <a:xfrm rot="5400000">
+            <a:off x="4383064" y="16203406"/>
+            <a:ext cx="1882403" cy="1254066"/>
+          </a:xfrm>
+          <a:prstGeom prst="bentConnector3">
+            <a:avLst>
+              <a:gd name="adj1" fmla="val 11011"/>
             </a:avLst>
           </a:prstGeom>
           <a:ln w="28575">

--- a/Наработки/диздоки/Иран/Иран Комми.pptx
+++ b/Наработки/диздоки/Иран/Иран Комми.pptx
@@ -209,7 +209,7 @@
             <a:fld id="{33E3D7F9-E251-484C-A6FF-FA958879DF69}" type="datetimeFigureOut">
               <a:rPr lang="ru-RU" smtClean="0"/>
               <a:pPr/>
-              <a:t>12.03.2022</a:t>
+              <a:t>14.03.2022</a:t>
             </a:fld>
             <a:endParaRPr lang="ru-RU"/>
           </a:p>
@@ -699,7 +699,7 @@
             <a:fld id="{85A5DE44-605B-4D3B-B2B7-94543DF81A36}" type="datetimeFigureOut">
               <a:rPr lang="ru-RU" smtClean="0"/>
               <a:pPr/>
-              <a:t>12.03.2022</a:t>
+              <a:t>14.03.2022</a:t>
             </a:fld>
             <a:endParaRPr lang="ru-RU"/>
           </a:p>
@@ -871,7 +871,7 @@
             <a:fld id="{85A5DE44-605B-4D3B-B2B7-94543DF81A36}" type="datetimeFigureOut">
               <a:rPr lang="ru-RU" smtClean="0"/>
               <a:pPr/>
-              <a:t>12.03.2022</a:t>
+              <a:t>14.03.2022</a:t>
             </a:fld>
             <a:endParaRPr lang="ru-RU"/>
           </a:p>
@@ -1053,7 +1053,7 @@
             <a:fld id="{85A5DE44-605B-4D3B-B2B7-94543DF81A36}" type="datetimeFigureOut">
               <a:rPr lang="ru-RU" smtClean="0"/>
               <a:pPr/>
-              <a:t>12.03.2022</a:t>
+              <a:t>14.03.2022</a:t>
             </a:fld>
             <a:endParaRPr lang="ru-RU"/>
           </a:p>
@@ -1225,7 +1225,7 @@
             <a:fld id="{85A5DE44-605B-4D3B-B2B7-94543DF81A36}" type="datetimeFigureOut">
               <a:rPr lang="ru-RU" smtClean="0"/>
               <a:pPr/>
-              <a:t>12.03.2022</a:t>
+              <a:t>14.03.2022</a:t>
             </a:fld>
             <a:endParaRPr lang="ru-RU"/>
           </a:p>
@@ -1473,7 +1473,7 @@
             <a:fld id="{85A5DE44-605B-4D3B-B2B7-94543DF81A36}" type="datetimeFigureOut">
               <a:rPr lang="ru-RU" smtClean="0"/>
               <a:pPr/>
-              <a:t>12.03.2022</a:t>
+              <a:t>14.03.2022</a:t>
             </a:fld>
             <a:endParaRPr lang="ru-RU"/>
           </a:p>
@@ -1707,7 +1707,7 @@
             <a:fld id="{85A5DE44-605B-4D3B-B2B7-94543DF81A36}" type="datetimeFigureOut">
               <a:rPr lang="ru-RU" smtClean="0"/>
               <a:pPr/>
-              <a:t>12.03.2022</a:t>
+              <a:t>14.03.2022</a:t>
             </a:fld>
             <a:endParaRPr lang="ru-RU"/>
           </a:p>
@@ -2076,7 +2076,7 @@
             <a:fld id="{85A5DE44-605B-4D3B-B2B7-94543DF81A36}" type="datetimeFigureOut">
               <a:rPr lang="ru-RU" smtClean="0"/>
               <a:pPr/>
-              <a:t>12.03.2022</a:t>
+              <a:t>14.03.2022</a:t>
             </a:fld>
             <a:endParaRPr lang="ru-RU"/>
           </a:p>
@@ -2196,7 +2196,7 @@
             <a:fld id="{85A5DE44-605B-4D3B-B2B7-94543DF81A36}" type="datetimeFigureOut">
               <a:rPr lang="ru-RU" smtClean="0"/>
               <a:pPr/>
-              <a:t>12.03.2022</a:t>
+              <a:t>14.03.2022</a:t>
             </a:fld>
             <a:endParaRPr lang="ru-RU"/>
           </a:p>
@@ -2293,7 +2293,7 @@
             <a:fld id="{85A5DE44-605B-4D3B-B2B7-94543DF81A36}" type="datetimeFigureOut">
               <a:rPr lang="ru-RU" smtClean="0"/>
               <a:pPr/>
-              <a:t>12.03.2022</a:t>
+              <a:t>14.03.2022</a:t>
             </a:fld>
             <a:endParaRPr lang="ru-RU"/>
           </a:p>
@@ -2572,7 +2572,7 @@
             <a:fld id="{85A5DE44-605B-4D3B-B2B7-94543DF81A36}" type="datetimeFigureOut">
               <a:rPr lang="ru-RU" smtClean="0"/>
               <a:pPr/>
-              <a:t>12.03.2022</a:t>
+              <a:t>14.03.2022</a:t>
             </a:fld>
             <a:endParaRPr lang="ru-RU"/>
           </a:p>
@@ -2831,7 +2831,7 @@
             <a:fld id="{85A5DE44-605B-4D3B-B2B7-94543DF81A36}" type="datetimeFigureOut">
               <a:rPr lang="ru-RU" smtClean="0"/>
               <a:pPr/>
-              <a:t>12.03.2022</a:t>
+              <a:t>14.03.2022</a:t>
             </a:fld>
             <a:endParaRPr lang="ru-RU"/>
           </a:p>
@@ -3046,7 +3046,7 @@
             <a:fld id="{85A5DE44-605B-4D3B-B2B7-94543DF81A36}" type="datetimeFigureOut">
               <a:rPr lang="ru-RU" smtClean="0"/>
               <a:pPr/>
-              <a:t>12.03.2022</a:t>
+              <a:t>14.03.2022</a:t>
             </a:fld>
             <a:endParaRPr lang="ru-RU"/>
           </a:p>
@@ -5681,6 +5681,22 @@
               <a:t>Борьба против международного империализма </a:t>
             </a:r>
             <a:r>
+              <a:rPr lang="en-US" sz="1400" dirty="0"/>
+              <a:t>(</a:t>
+            </a:r>
+            <a:r>
+              <a:rPr lang="ru-RU" sz="1400" dirty="0"/>
+              <a:t>бывший </a:t>
+            </a:r>
+            <a:r>
+              <a:rPr lang="ru-RU" sz="1400" dirty="0" err="1"/>
+              <a:t>антиимперализм</a:t>
+            </a:r>
+            <a:r>
+              <a:rPr lang="ru-RU" sz="1400" dirty="0"/>
+              <a:t>) </a:t>
+            </a:r>
+            <a:r>
               <a:rPr lang="ru-RU" sz="1000" dirty="0"/>
               <a:t>(убрать цель войны с ВБ, и сделать условие, что для изучения фокуса ты должен с ним воевать)</a:t>
             </a:r>
@@ -5791,27 +5807,8 @@
             <a:pPr algn="ctr"/>
             <a:r>
               <a:rPr lang="ru-RU" sz="1400" dirty="0"/>
-              <a:t>Аграрная реформа по передаче земель </a:t>
-            </a:r>
-            <a:r>
-              <a:rPr lang="ru-RU" sz="1100" dirty="0"/>
-              <a:t>(</a:t>
-            </a:r>
-            <a:r>
-              <a:rPr lang="ru-RU" sz="800" b="0" i="0" dirty="0">
-                <a:solidFill>
-                  <a:srgbClr val="202122"/>
-                </a:solidFill>
-                <a:effectLst/>
-                <a:latin typeface="Arial" panose="020B0604020202020204" pitchFamily="34" charset="0"/>
-              </a:rPr>
-              <a:t>проведение аграрной реформы в интересах трудового крестьянства и безвозмездной передачи крестьянам государственных земель</a:t>
-            </a:r>
-            <a:r>
-              <a:rPr lang="ru-RU" sz="1100" dirty="0"/>
-              <a:t>)</a:t>
-            </a:r>
-            <a:endParaRPr lang="ru-RU" sz="1400" dirty="0"/>
+              <a:t>Аграрная реформа по передаче земель</a:t>
+            </a:r>
           </a:p>
         </p:txBody>
       </p:sp>
@@ -5864,45 +5861,8 @@
             <a:pPr algn="ctr"/>
             <a:r>
               <a:rPr lang="ru-RU" sz="1400" dirty="0"/>
-              <a:t>Создание военной организации партии </a:t>
-            </a:r>
-            <a:r>
-              <a:rPr lang="ru-RU" sz="800" dirty="0"/>
-              <a:t>(создана Военная организация НПИ ("</a:t>
-            </a:r>
-            <a:r>
-              <a:rPr lang="ru-RU" sz="800" dirty="0" err="1"/>
-              <a:t>Sazman</a:t>
-            </a:r>
-            <a:r>
-              <a:rPr lang="ru-RU" sz="800" dirty="0"/>
-              <a:t>-e </a:t>
-            </a:r>
-            <a:r>
-              <a:rPr lang="ru-RU" sz="800" dirty="0" err="1"/>
-              <a:t>Nezami-ye</a:t>
-            </a:r>
-            <a:r>
-              <a:rPr lang="ru-RU" sz="800" dirty="0"/>
-              <a:t> </a:t>
-            </a:r>
-            <a:r>
-              <a:rPr lang="ru-RU" sz="800" dirty="0" err="1"/>
-              <a:t>Hezb</a:t>
-            </a:r>
-            <a:r>
-              <a:rPr lang="ru-RU" sz="800" dirty="0"/>
-              <a:t>-e </a:t>
-            </a:r>
-            <a:r>
-              <a:rPr lang="ru-RU" sz="800" dirty="0" err="1"/>
-              <a:t>Tudeh-ye</a:t>
-            </a:r>
-            <a:r>
-              <a:rPr lang="ru-RU" sz="800" dirty="0"/>
-              <a:t> Iran") из числа армейских офицеров, предназначенная для защиты партии от спецслужб.[</a:t>
-            </a:r>
-            <a:endParaRPr lang="ru-RU" sz="1400" dirty="0"/>
+              <a:t>Создание военной организации партии</a:t>
+            </a:r>
           </a:p>
         </p:txBody>
       </p:sp>
@@ -5963,29 +5923,8 @@
             </a:r>
             <a:r>
               <a:rPr lang="ru-RU" sz="1400" dirty="0"/>
-              <a:t>» </a:t>
-            </a:r>
-            <a:r>
-              <a:rPr lang="ru-RU" sz="900" dirty="0"/>
-              <a:t>(Тираж партийной газеты «</a:t>
-            </a:r>
-            <a:r>
-              <a:rPr lang="ru-RU" sz="900" dirty="0" err="1"/>
-              <a:t>Рахбар</a:t>
-            </a:r>
-            <a:r>
-              <a:rPr lang="ru-RU" sz="900" dirty="0"/>
-              <a:t>» достиг 100 тысяч экземпляров - в три раза больше, чем у правительственной газеты «</a:t>
-            </a:r>
-            <a:r>
-              <a:rPr lang="ru-RU" sz="900" dirty="0" err="1"/>
-              <a:t>Ettela’at</a:t>
-            </a:r>
-            <a:r>
-              <a:rPr lang="ru-RU" sz="900" dirty="0"/>
-              <a:t>»)</a:t>
-            </a:r>
-            <a:endParaRPr lang="ru-RU" sz="1400" dirty="0"/>
+              <a:t>»</a:t>
+            </a:r>
           </a:p>
         </p:txBody>
       </p:sp>
@@ -9696,138 +9635,6 @@
               <a:rPr lang="ru-RU" sz="1400" dirty="0" err="1"/>
               <a:t>Туде</a:t>
             </a:r>
-            <a:r>
-              <a:rPr lang="ru-RU" sz="1400" dirty="0"/>
-              <a:t> </a:t>
-            </a:r>
-            <a:r>
-              <a:rPr lang="ru-RU" sz="300" dirty="0"/>
-              <a:t>(Молодёжная организация </a:t>
-            </a:r>
-            <a:r>
-              <a:rPr lang="ru-RU" sz="300" dirty="0" err="1"/>
-              <a:t>Туде</a:t>
-            </a:r>
-            <a:r>
-              <a:rPr lang="ru-RU" sz="300" dirty="0"/>
-              <a:t> (перс. </a:t>
-            </a:r>
-            <a:r>
-              <a:rPr lang="ar-AE" sz="300" dirty="0"/>
-              <a:t>سازمان جوانان توده, </a:t>
-            </a:r>
-            <a:r>
-              <a:rPr lang="ru-RU" sz="300" dirty="0"/>
-              <a:t>романизировано: </a:t>
-            </a:r>
-            <a:r>
-              <a:rPr lang="en-US" sz="300" dirty="0" err="1"/>
-              <a:t>Sāzmān</a:t>
-            </a:r>
-            <a:r>
-              <a:rPr lang="en-US" sz="300" dirty="0"/>
-              <a:t>-e </a:t>
-            </a:r>
-            <a:r>
-              <a:rPr lang="en-US" sz="300" dirty="0" err="1"/>
-              <a:t>javānān</a:t>
-            </a:r>
-            <a:r>
-              <a:rPr lang="en-US" sz="300" dirty="0"/>
-              <a:t>-e </a:t>
-            </a:r>
-            <a:r>
-              <a:rPr lang="en-US" sz="300" dirty="0" err="1"/>
-              <a:t>Tuda</a:t>
-            </a:r>
-            <a:r>
-              <a:rPr lang="en-US" sz="300" dirty="0"/>
-              <a:t>) — </a:t>
-            </a:r>
-            <a:r>
-              <a:rPr lang="ru-RU" sz="300" dirty="0"/>
-              <a:t>молодёжное крыло партии </a:t>
-            </a:r>
-            <a:r>
-              <a:rPr lang="ru-RU" sz="300" dirty="0" err="1"/>
-              <a:t>Туде</a:t>
-            </a:r>
-            <a:r>
-              <a:rPr lang="ru-RU" sz="300" dirty="0"/>
-              <a:t> Ирана, основанной в 1943 году. [2] Организация входит во Всемирную федерацию демократической молодежи (ВФДМ). [3]Он издавал еженедельные газеты </a:t>
-            </a:r>
-            <a:r>
-              <a:rPr lang="en-US" sz="300" dirty="0" err="1"/>
-              <a:t>Mardom</a:t>
-            </a:r>
-            <a:r>
-              <a:rPr lang="en-US" sz="300" dirty="0"/>
-              <a:t> </a:t>
-            </a:r>
-            <a:r>
-              <a:rPr lang="en-US" sz="300" dirty="0" err="1"/>
-              <a:t>Baraye</a:t>
-            </a:r>
-            <a:r>
-              <a:rPr lang="en-US" sz="300" dirty="0"/>
-              <a:t> </a:t>
-            </a:r>
-            <a:r>
-              <a:rPr lang="en-US" sz="300" dirty="0" err="1"/>
-              <a:t>Javanan</a:t>
-            </a:r>
-            <a:r>
-              <a:rPr lang="en-US" sz="300" dirty="0"/>
-              <a:t> (</a:t>
-            </a:r>
-            <a:r>
-              <a:rPr lang="ru-RU" sz="300" dirty="0"/>
-              <a:t>букв. «Люди для молодежи»), а затем ежедневные газеты </a:t>
-            </a:r>
-            <a:r>
-              <a:rPr lang="en-US" sz="300" dirty="0" err="1"/>
-              <a:t>Razm</a:t>
-            </a:r>
-            <a:r>
-              <a:rPr lang="en-US" sz="300" dirty="0"/>
-              <a:t> (</a:t>
-            </a:r>
-            <a:r>
-              <a:rPr lang="ru-RU" sz="300" dirty="0"/>
-              <a:t>букв. «</a:t>
-            </a:r>
-            <a:r>
-              <a:rPr lang="en-US" sz="300" dirty="0"/>
-              <a:t>Combat»). [4]</a:t>
-            </a:r>
-            <a:r>
-              <a:rPr lang="ru-RU" sz="300" dirty="0"/>
-              <a:t>Организацию возглавлял Реза </a:t>
-            </a:r>
-            <a:r>
-              <a:rPr lang="ru-RU" sz="300" dirty="0" err="1"/>
-              <a:t>Радманеш</a:t>
-            </a:r>
-            <a:r>
-              <a:rPr lang="ru-RU" sz="300" dirty="0"/>
-              <a:t>[5], которого сменил </a:t>
-            </a:r>
-            <a:r>
-              <a:rPr lang="ru-RU" sz="300" dirty="0" err="1"/>
-              <a:t>Надер</a:t>
-            </a:r>
-            <a:r>
-              <a:rPr lang="ru-RU" sz="300" dirty="0"/>
-              <a:t> </a:t>
-            </a:r>
-            <a:r>
-              <a:rPr lang="ru-RU" sz="300" dirty="0" err="1"/>
-              <a:t>Шармини</a:t>
-            </a:r>
-            <a:r>
-              <a:rPr lang="ru-RU" sz="300" dirty="0"/>
-              <a:t> с 1947[6] по 1952 год. [7] Под руководством последнего организация предлагала более радикальные лозунги, встав на сторону умеренной фракции партии и нападая на фракцию сторонников жесткой линии за то, что она недостаточно революционна. [7)</a:t>
-            </a:r>
             <a:endParaRPr lang="ru-RU" sz="1400" dirty="0"/>
           </a:p>
         </p:txBody>
@@ -9926,13 +9733,8 @@
             <a:pPr algn="ctr"/>
             <a:r>
               <a:rPr lang="ru-RU" sz="1400" dirty="0"/>
-              <a:t>Центральный совет объединенных профсоюзов </a:t>
-            </a:r>
-            <a:r>
-              <a:rPr lang="ru-RU" sz="900" dirty="0"/>
-              <a:t>(Центральный объединённый совет профсоюзов рабочих и трудящихся Ирана») — профсоюзный центр в Иране..</a:t>
-            </a:r>
-            <a:endParaRPr lang="ru-RU" sz="1400" dirty="0"/>
+              <a:t>Центральный совет объединенных профсоюзов</a:t>
+            </a:r>
           </a:p>
         </p:txBody>
       </p:sp>

--- a/Наработки/диздоки/Иран/Иран Комми.pptx
+++ b/Наработки/диздоки/Иран/Иран Комми.pptx
@@ -209,7 +209,7 @@
             <a:fld id="{33E3D7F9-E251-484C-A6FF-FA958879DF69}" type="datetimeFigureOut">
               <a:rPr lang="ru-RU" smtClean="0"/>
               <a:pPr/>
-              <a:t>14.03.2022</a:t>
+              <a:t>15.03.2022</a:t>
             </a:fld>
             <a:endParaRPr lang="ru-RU"/>
           </a:p>
@@ -699,7 +699,7 @@
             <a:fld id="{85A5DE44-605B-4D3B-B2B7-94543DF81A36}" type="datetimeFigureOut">
               <a:rPr lang="ru-RU" smtClean="0"/>
               <a:pPr/>
-              <a:t>14.03.2022</a:t>
+              <a:t>15.03.2022</a:t>
             </a:fld>
             <a:endParaRPr lang="ru-RU"/>
           </a:p>
@@ -871,7 +871,7 @@
             <a:fld id="{85A5DE44-605B-4D3B-B2B7-94543DF81A36}" type="datetimeFigureOut">
               <a:rPr lang="ru-RU" smtClean="0"/>
               <a:pPr/>
-              <a:t>14.03.2022</a:t>
+              <a:t>15.03.2022</a:t>
             </a:fld>
             <a:endParaRPr lang="ru-RU"/>
           </a:p>
@@ -1053,7 +1053,7 @@
             <a:fld id="{85A5DE44-605B-4D3B-B2B7-94543DF81A36}" type="datetimeFigureOut">
               <a:rPr lang="ru-RU" smtClean="0"/>
               <a:pPr/>
-              <a:t>14.03.2022</a:t>
+              <a:t>15.03.2022</a:t>
             </a:fld>
             <a:endParaRPr lang="ru-RU"/>
           </a:p>
@@ -1225,7 +1225,7 @@
             <a:fld id="{85A5DE44-605B-4D3B-B2B7-94543DF81A36}" type="datetimeFigureOut">
               <a:rPr lang="ru-RU" smtClean="0"/>
               <a:pPr/>
-              <a:t>14.03.2022</a:t>
+              <a:t>15.03.2022</a:t>
             </a:fld>
             <a:endParaRPr lang="ru-RU"/>
           </a:p>
@@ -1473,7 +1473,7 @@
             <a:fld id="{85A5DE44-605B-4D3B-B2B7-94543DF81A36}" type="datetimeFigureOut">
               <a:rPr lang="ru-RU" smtClean="0"/>
               <a:pPr/>
-              <a:t>14.03.2022</a:t>
+              <a:t>15.03.2022</a:t>
             </a:fld>
             <a:endParaRPr lang="ru-RU"/>
           </a:p>
@@ -1707,7 +1707,7 @@
             <a:fld id="{85A5DE44-605B-4D3B-B2B7-94543DF81A36}" type="datetimeFigureOut">
               <a:rPr lang="ru-RU" smtClean="0"/>
               <a:pPr/>
-              <a:t>14.03.2022</a:t>
+              <a:t>15.03.2022</a:t>
             </a:fld>
             <a:endParaRPr lang="ru-RU"/>
           </a:p>
@@ -2076,7 +2076,7 @@
             <a:fld id="{85A5DE44-605B-4D3B-B2B7-94543DF81A36}" type="datetimeFigureOut">
               <a:rPr lang="ru-RU" smtClean="0"/>
               <a:pPr/>
-              <a:t>14.03.2022</a:t>
+              <a:t>15.03.2022</a:t>
             </a:fld>
             <a:endParaRPr lang="ru-RU"/>
           </a:p>
@@ -2196,7 +2196,7 @@
             <a:fld id="{85A5DE44-605B-4D3B-B2B7-94543DF81A36}" type="datetimeFigureOut">
               <a:rPr lang="ru-RU" smtClean="0"/>
               <a:pPr/>
-              <a:t>14.03.2022</a:t>
+              <a:t>15.03.2022</a:t>
             </a:fld>
             <a:endParaRPr lang="ru-RU"/>
           </a:p>
@@ -2293,7 +2293,7 @@
             <a:fld id="{85A5DE44-605B-4D3B-B2B7-94543DF81A36}" type="datetimeFigureOut">
               <a:rPr lang="ru-RU" smtClean="0"/>
               <a:pPr/>
-              <a:t>14.03.2022</a:t>
+              <a:t>15.03.2022</a:t>
             </a:fld>
             <a:endParaRPr lang="ru-RU"/>
           </a:p>
@@ -2572,7 +2572,7 @@
             <a:fld id="{85A5DE44-605B-4D3B-B2B7-94543DF81A36}" type="datetimeFigureOut">
               <a:rPr lang="ru-RU" smtClean="0"/>
               <a:pPr/>
-              <a:t>14.03.2022</a:t>
+              <a:t>15.03.2022</a:t>
             </a:fld>
             <a:endParaRPr lang="ru-RU"/>
           </a:p>
@@ -2831,7 +2831,7 @@
             <a:fld id="{85A5DE44-605B-4D3B-B2B7-94543DF81A36}" type="datetimeFigureOut">
               <a:rPr lang="ru-RU" smtClean="0"/>
               <a:pPr/>
-              <a:t>14.03.2022</a:t>
+              <a:t>15.03.2022</a:t>
             </a:fld>
             <a:endParaRPr lang="ru-RU"/>
           </a:p>
@@ -3046,7 +3046,7 @@
             <a:fld id="{85A5DE44-605B-4D3B-B2B7-94543DF81A36}" type="datetimeFigureOut">
               <a:rPr lang="ru-RU" smtClean="0"/>
               <a:pPr/>
-              <a:t>14.03.2022</a:t>
+              <a:t>15.03.2022</a:t>
             </a:fld>
             <a:endParaRPr lang="ru-RU"/>
           </a:p>

--- a/Наработки/диздоки/Иран/Иран Комми.pptx
+++ b/Наработки/диздоки/Иран/Иран Комми.pptx
@@ -209,7 +209,7 @@
             <a:fld id="{33E3D7F9-E251-484C-A6FF-FA958879DF69}" type="datetimeFigureOut">
               <a:rPr lang="ru-RU" smtClean="0"/>
               <a:pPr/>
-              <a:t>15.03.2022</a:t>
+              <a:t>16.03.2022</a:t>
             </a:fld>
             <a:endParaRPr lang="ru-RU"/>
           </a:p>
@@ -699,7 +699,7 @@
             <a:fld id="{85A5DE44-605B-4D3B-B2B7-94543DF81A36}" type="datetimeFigureOut">
               <a:rPr lang="ru-RU" smtClean="0"/>
               <a:pPr/>
-              <a:t>15.03.2022</a:t>
+              <a:t>16.03.2022</a:t>
             </a:fld>
             <a:endParaRPr lang="ru-RU"/>
           </a:p>
@@ -871,7 +871,7 @@
             <a:fld id="{85A5DE44-605B-4D3B-B2B7-94543DF81A36}" type="datetimeFigureOut">
               <a:rPr lang="ru-RU" smtClean="0"/>
               <a:pPr/>
-              <a:t>15.03.2022</a:t>
+              <a:t>16.03.2022</a:t>
             </a:fld>
             <a:endParaRPr lang="ru-RU"/>
           </a:p>
@@ -1053,7 +1053,7 @@
             <a:fld id="{85A5DE44-605B-4D3B-B2B7-94543DF81A36}" type="datetimeFigureOut">
               <a:rPr lang="ru-RU" smtClean="0"/>
               <a:pPr/>
-              <a:t>15.03.2022</a:t>
+              <a:t>16.03.2022</a:t>
             </a:fld>
             <a:endParaRPr lang="ru-RU"/>
           </a:p>
@@ -1225,7 +1225,7 @@
             <a:fld id="{85A5DE44-605B-4D3B-B2B7-94543DF81A36}" type="datetimeFigureOut">
               <a:rPr lang="ru-RU" smtClean="0"/>
               <a:pPr/>
-              <a:t>15.03.2022</a:t>
+              <a:t>16.03.2022</a:t>
             </a:fld>
             <a:endParaRPr lang="ru-RU"/>
           </a:p>
@@ -1473,7 +1473,7 @@
             <a:fld id="{85A5DE44-605B-4D3B-B2B7-94543DF81A36}" type="datetimeFigureOut">
               <a:rPr lang="ru-RU" smtClean="0"/>
               <a:pPr/>
-              <a:t>15.03.2022</a:t>
+              <a:t>16.03.2022</a:t>
             </a:fld>
             <a:endParaRPr lang="ru-RU"/>
           </a:p>
@@ -1707,7 +1707,7 @@
             <a:fld id="{85A5DE44-605B-4D3B-B2B7-94543DF81A36}" type="datetimeFigureOut">
               <a:rPr lang="ru-RU" smtClean="0"/>
               <a:pPr/>
-              <a:t>15.03.2022</a:t>
+              <a:t>16.03.2022</a:t>
             </a:fld>
             <a:endParaRPr lang="ru-RU"/>
           </a:p>
@@ -2076,7 +2076,7 @@
             <a:fld id="{85A5DE44-605B-4D3B-B2B7-94543DF81A36}" type="datetimeFigureOut">
               <a:rPr lang="ru-RU" smtClean="0"/>
               <a:pPr/>
-              <a:t>15.03.2022</a:t>
+              <a:t>16.03.2022</a:t>
             </a:fld>
             <a:endParaRPr lang="ru-RU"/>
           </a:p>
@@ -2196,7 +2196,7 @@
             <a:fld id="{85A5DE44-605B-4D3B-B2B7-94543DF81A36}" type="datetimeFigureOut">
               <a:rPr lang="ru-RU" smtClean="0"/>
               <a:pPr/>
-              <a:t>15.03.2022</a:t>
+              <a:t>16.03.2022</a:t>
             </a:fld>
             <a:endParaRPr lang="ru-RU"/>
           </a:p>
@@ -2293,7 +2293,7 @@
             <a:fld id="{85A5DE44-605B-4D3B-B2B7-94543DF81A36}" type="datetimeFigureOut">
               <a:rPr lang="ru-RU" smtClean="0"/>
               <a:pPr/>
-              <a:t>15.03.2022</a:t>
+              <a:t>16.03.2022</a:t>
             </a:fld>
             <a:endParaRPr lang="ru-RU"/>
           </a:p>
@@ -2572,7 +2572,7 @@
             <a:fld id="{85A5DE44-605B-4D3B-B2B7-94543DF81A36}" type="datetimeFigureOut">
               <a:rPr lang="ru-RU" smtClean="0"/>
               <a:pPr/>
-              <a:t>15.03.2022</a:t>
+              <a:t>16.03.2022</a:t>
             </a:fld>
             <a:endParaRPr lang="ru-RU"/>
           </a:p>
@@ -2831,7 +2831,7 @@
             <a:fld id="{85A5DE44-605B-4D3B-B2B7-94543DF81A36}" type="datetimeFigureOut">
               <a:rPr lang="ru-RU" smtClean="0"/>
               <a:pPr/>
-              <a:t>15.03.2022</a:t>
+              <a:t>16.03.2022</a:t>
             </a:fld>
             <a:endParaRPr lang="ru-RU"/>
           </a:p>
@@ -3046,7 +3046,7 @@
             <a:fld id="{85A5DE44-605B-4D3B-B2B7-94543DF81A36}" type="datetimeFigureOut">
               <a:rPr lang="ru-RU" smtClean="0"/>
               <a:pPr/>
-              <a:t>15.03.2022</a:t>
+              <a:t>16.03.2022</a:t>
             </a:fld>
             <a:endParaRPr lang="ru-RU"/>
           </a:p>
@@ -7722,19 +7722,11 @@
             <a:pPr algn="ctr"/>
             <a:r>
               <a:rPr lang="ru-RU" sz="1400" dirty="0"/>
-              <a:t>Достижение социального равенства и справедливости </a:t>
-            </a:r>
-            <a:r>
-              <a:rPr lang="ru-RU" sz="600" dirty="0"/>
-              <a:t>(Движение </a:t>
-            </a:r>
-            <a:r>
-              <a:rPr lang="ru-RU" sz="600" dirty="0" err="1"/>
-              <a:t>Нахшаба</a:t>
-            </a:r>
-            <a:r>
-              <a:rPr lang="ru-RU" sz="600" dirty="0"/>
-              <a:t> было основано на принципе, что ислам и социализм не являются несовместимыми, поскольку оба стремились к достижению социального равенства и справедливости. Его теории были выражены в его дипломной работе о законах этики)</a:t>
+              <a:t>Достижение социального равенства </a:t>
+            </a:r>
+            <a:r>
+              <a:rPr lang="ru-RU" sz="1400"/>
+              <a:t>и справедливости</a:t>
             </a:r>
             <a:endParaRPr lang="ru-RU" sz="1400" dirty="0"/>
           </a:p>
@@ -8046,13 +8038,8 @@
             <a:pPr algn="ctr"/>
             <a:r>
               <a:rPr lang="ru-RU" sz="1400" dirty="0"/>
-              <a:t>Земельные реформы </a:t>
-            </a:r>
-            <a:r>
-              <a:rPr lang="ru-RU" sz="1050" dirty="0"/>
-              <a:t>(Тем не менее, несомненно, были различия, поскольку Мирза поддерживал земельные реформы, а не перераспределение земли.)</a:t>
-            </a:r>
-            <a:endParaRPr lang="ru-RU" sz="1400" dirty="0"/>
+              <a:t>Земельные реформы</a:t>
+            </a:r>
           </a:p>
         </p:txBody>
       </p:sp>

--- a/Наработки/диздоки/Иран/Иран Комми.pptx
+++ b/Наработки/диздоки/Иран/Иран Комми.pptx
@@ -209,7 +209,7 @@
             <a:fld id="{33E3D7F9-E251-484C-A6FF-FA958879DF69}" type="datetimeFigureOut">
               <a:rPr lang="ru-RU" smtClean="0"/>
               <a:pPr/>
-              <a:t>16.03.2022</a:t>
+              <a:t>17.03.2022</a:t>
             </a:fld>
             <a:endParaRPr lang="ru-RU"/>
           </a:p>
@@ -699,7 +699,7 @@
             <a:fld id="{85A5DE44-605B-4D3B-B2B7-94543DF81A36}" type="datetimeFigureOut">
               <a:rPr lang="ru-RU" smtClean="0"/>
               <a:pPr/>
-              <a:t>16.03.2022</a:t>
+              <a:t>17.03.2022</a:t>
             </a:fld>
             <a:endParaRPr lang="ru-RU"/>
           </a:p>
@@ -871,7 +871,7 @@
             <a:fld id="{85A5DE44-605B-4D3B-B2B7-94543DF81A36}" type="datetimeFigureOut">
               <a:rPr lang="ru-RU" smtClean="0"/>
               <a:pPr/>
-              <a:t>16.03.2022</a:t>
+              <a:t>17.03.2022</a:t>
             </a:fld>
             <a:endParaRPr lang="ru-RU"/>
           </a:p>
@@ -1053,7 +1053,7 @@
             <a:fld id="{85A5DE44-605B-4D3B-B2B7-94543DF81A36}" type="datetimeFigureOut">
               <a:rPr lang="ru-RU" smtClean="0"/>
               <a:pPr/>
-              <a:t>16.03.2022</a:t>
+              <a:t>17.03.2022</a:t>
             </a:fld>
             <a:endParaRPr lang="ru-RU"/>
           </a:p>
@@ -1225,7 +1225,7 @@
             <a:fld id="{85A5DE44-605B-4D3B-B2B7-94543DF81A36}" type="datetimeFigureOut">
               <a:rPr lang="ru-RU" smtClean="0"/>
               <a:pPr/>
-              <a:t>16.03.2022</a:t>
+              <a:t>17.03.2022</a:t>
             </a:fld>
             <a:endParaRPr lang="ru-RU"/>
           </a:p>
@@ -1473,7 +1473,7 @@
             <a:fld id="{85A5DE44-605B-4D3B-B2B7-94543DF81A36}" type="datetimeFigureOut">
               <a:rPr lang="ru-RU" smtClean="0"/>
               <a:pPr/>
-              <a:t>16.03.2022</a:t>
+              <a:t>17.03.2022</a:t>
             </a:fld>
             <a:endParaRPr lang="ru-RU"/>
           </a:p>
@@ -1707,7 +1707,7 @@
             <a:fld id="{85A5DE44-605B-4D3B-B2B7-94543DF81A36}" type="datetimeFigureOut">
               <a:rPr lang="ru-RU" smtClean="0"/>
               <a:pPr/>
-              <a:t>16.03.2022</a:t>
+              <a:t>17.03.2022</a:t>
             </a:fld>
             <a:endParaRPr lang="ru-RU"/>
           </a:p>
@@ -2076,7 +2076,7 @@
             <a:fld id="{85A5DE44-605B-4D3B-B2B7-94543DF81A36}" type="datetimeFigureOut">
               <a:rPr lang="ru-RU" smtClean="0"/>
               <a:pPr/>
-              <a:t>16.03.2022</a:t>
+              <a:t>17.03.2022</a:t>
             </a:fld>
             <a:endParaRPr lang="ru-RU"/>
           </a:p>
@@ -2196,7 +2196,7 @@
             <a:fld id="{85A5DE44-605B-4D3B-B2B7-94543DF81A36}" type="datetimeFigureOut">
               <a:rPr lang="ru-RU" smtClean="0"/>
               <a:pPr/>
-              <a:t>16.03.2022</a:t>
+              <a:t>17.03.2022</a:t>
             </a:fld>
             <a:endParaRPr lang="ru-RU"/>
           </a:p>
@@ -2293,7 +2293,7 @@
             <a:fld id="{85A5DE44-605B-4D3B-B2B7-94543DF81A36}" type="datetimeFigureOut">
               <a:rPr lang="ru-RU" smtClean="0"/>
               <a:pPr/>
-              <a:t>16.03.2022</a:t>
+              <a:t>17.03.2022</a:t>
             </a:fld>
             <a:endParaRPr lang="ru-RU"/>
           </a:p>
@@ -2572,7 +2572,7 @@
             <a:fld id="{85A5DE44-605B-4D3B-B2B7-94543DF81A36}" type="datetimeFigureOut">
               <a:rPr lang="ru-RU" smtClean="0"/>
               <a:pPr/>
-              <a:t>16.03.2022</a:t>
+              <a:t>17.03.2022</a:t>
             </a:fld>
             <a:endParaRPr lang="ru-RU"/>
           </a:p>
@@ -2831,7 +2831,7 @@
             <a:fld id="{85A5DE44-605B-4D3B-B2B7-94543DF81A36}" type="datetimeFigureOut">
               <a:rPr lang="ru-RU" smtClean="0"/>
               <a:pPr/>
-              <a:t>16.03.2022</a:t>
+              <a:t>17.03.2022</a:t>
             </a:fld>
             <a:endParaRPr lang="ru-RU"/>
           </a:p>
@@ -3046,7 +3046,7 @@
             <a:fld id="{85A5DE44-605B-4D3B-B2B7-94543DF81A36}" type="datetimeFigureOut">
               <a:rPr lang="ru-RU" smtClean="0"/>
               <a:pPr/>
-              <a:t>16.03.2022</a:t>
+              <a:t>17.03.2022</a:t>
             </a:fld>
             <a:endParaRPr lang="ru-RU"/>
           </a:p>
@@ -6031,31 +6031,7 @@
             <a:pPr algn="ctr"/>
             <a:r>
               <a:rPr lang="ru-RU" sz="1400" dirty="0"/>
-              <a:t>Проект буферных республик (будут различные </a:t>
-            </a:r>
-            <a:r>
-              <a:rPr lang="ru-RU" sz="1400" dirty="0" err="1"/>
-              <a:t>бафы</a:t>
-            </a:r>
-            <a:r>
-              <a:rPr lang="ru-RU" sz="1400" dirty="0"/>
-              <a:t> </a:t>
-            </a:r>
-            <a:r>
-              <a:rPr lang="ru-RU" sz="1400" dirty="0" err="1"/>
-              <a:t>азербайджану</a:t>
-            </a:r>
-            <a:r>
-              <a:rPr lang="ru-RU" sz="1400" dirty="0"/>
-              <a:t> и </a:t>
-            </a:r>
-            <a:r>
-              <a:rPr lang="ru-RU" sz="1400" dirty="0" err="1"/>
-              <a:t>Мехабаду</a:t>
-            </a:r>
-            <a:r>
-              <a:rPr lang="ru-RU" sz="1400" dirty="0"/>
-              <a:t>)</a:t>
+              <a:t>Проект буферных республик</a:t>
             </a:r>
           </a:p>
         </p:txBody>
@@ -7722,13 +7698,8 @@
             <a:pPr algn="ctr"/>
             <a:r>
               <a:rPr lang="ru-RU" sz="1400" dirty="0"/>
-              <a:t>Достижение социального равенства </a:t>
-            </a:r>
-            <a:r>
-              <a:rPr lang="ru-RU" sz="1400"/>
-              <a:t>и справедливости</a:t>
-            </a:r>
-            <a:endParaRPr lang="ru-RU" sz="1400" dirty="0"/>
+              <a:t>Достижение социального равенства и справедливости</a:t>
+            </a:r>
           </a:p>
         </p:txBody>
       </p:sp>
@@ -8195,85 +8166,8 @@
             </a:r>
             <a:r>
               <a:rPr lang="ru-RU" sz="1400" dirty="0"/>
-              <a:t>-и-Ислам </a:t>
-            </a:r>
-            <a:r>
-              <a:rPr lang="ru-RU" sz="900" dirty="0"/>
-              <a:t>(</a:t>
-            </a:r>
-            <a:r>
-              <a:rPr lang="ru-RU" sz="500" b="0" i="0" dirty="0">
-                <a:solidFill>
-                  <a:srgbClr val="202122"/>
-                </a:solidFill>
-                <a:effectLst/>
-                <a:latin typeface="-apple-system"/>
-              </a:rPr>
-              <a:t>Первоначально, начиная движение, Мирза и его союзники сформировали союз под названием </a:t>
-            </a:r>
-            <a:r>
-              <a:rPr lang="ru-RU" sz="500" b="0" i="1" dirty="0" err="1">
-                <a:solidFill>
-                  <a:srgbClr val="202122"/>
-                </a:solidFill>
-                <a:effectLst/>
-                <a:latin typeface="-apple-system"/>
-              </a:rPr>
-              <a:t>Эттехад</a:t>
-            </a:r>
-            <a:r>
-              <a:rPr lang="ru-RU" sz="500" b="0" i="1" dirty="0">
-                <a:solidFill>
-                  <a:srgbClr val="202122"/>
-                </a:solidFill>
-                <a:effectLst/>
-                <a:latin typeface="-apple-system"/>
-              </a:rPr>
               <a:t>-и-Ислам</a:t>
             </a:r>
-            <a:r>
-              <a:rPr lang="ru-RU" sz="500" b="0" i="0" dirty="0">
-                <a:solidFill>
-                  <a:srgbClr val="202122"/>
-                </a:solidFill>
-                <a:effectLst/>
-                <a:latin typeface="-apple-system"/>
-              </a:rPr>
-              <a:t> (Исламский союз). Хотя вначале они были согласны с целями движения, в конце концов движение стало свидетелем значительных трений, поскольку некоторые члены имели разные склонности к </a:t>
-            </a:r>
-            <a:r>
-              <a:rPr lang="ru-RU" sz="500" b="0" i="0" u="none" strike="noStrike" dirty="0">
-                <a:solidFill>
-                  <a:srgbClr val="3366CC"/>
-                </a:solidFill>
-                <a:effectLst/>
-                <a:latin typeface="-apple-system"/>
-                <a:hlinkClick r:id="rId5" tooltip="Ахмад Шах Каджар"/>
-              </a:rPr>
-              <a:t>Ахмад Шаху </a:t>
-            </a:r>
-            <a:r>
-              <a:rPr lang="ru-RU" sz="500" b="0" i="0" u="none" strike="noStrike" dirty="0" err="1">
-                <a:solidFill>
-                  <a:srgbClr val="3366CC"/>
-                </a:solidFill>
-                <a:effectLst/>
-                <a:latin typeface="-apple-system"/>
-                <a:hlinkClick r:id="rId5" tooltip="Ахмад Шах Каджар"/>
-              </a:rPr>
-              <a:t>Каджару</a:t>
-            </a:r>
-            <a:r>
-              <a:rPr lang="ru-RU" sz="500" b="0" i="0" dirty="0">
-                <a:solidFill>
-                  <a:srgbClr val="202122"/>
-                </a:solidFill>
-                <a:effectLst/>
-                <a:latin typeface="-apple-system"/>
-              </a:rPr>
-              <a:t> , в то время как другие, такие как Мирза, специально призывали к созданию иранской «республики».)</a:t>
-            </a:r>
-            <a:endParaRPr lang="ru-RU" sz="1400" dirty="0"/>
           </a:p>
         </p:txBody>
       </p:sp>
@@ -9253,23 +9147,7 @@
             <a:pPr algn="ctr"/>
             <a:r>
               <a:rPr lang="ru-RU" sz="1400" dirty="0"/>
-              <a:t>Спасти арабов от империалистов (</a:t>
-            </a:r>
-            <a:r>
-              <a:rPr lang="ru-RU" sz="1400" dirty="0" err="1"/>
-              <a:t>ирак</a:t>
-            </a:r>
-            <a:r>
-              <a:rPr lang="ru-RU" sz="1400" dirty="0"/>
-              <a:t>, </a:t>
-            </a:r>
-            <a:r>
-              <a:rPr lang="ru-RU" sz="1400" dirty="0" err="1"/>
-              <a:t>палестина</a:t>
-            </a:r>
-            <a:r>
-              <a:rPr lang="ru-RU" sz="1400" dirty="0"/>
-              <a:t> и Сирия)</a:t>
+              <a:t>Спасти арабов от империалистов</a:t>
             </a:r>
           </a:p>
         </p:txBody>
@@ -9533,19 +9411,19 @@
           </p:cNvPr>
           <p:cNvCxnSpPr>
             <a:cxnSpLocks/>
-            <a:stCxn id="172" idx="2"/>
+            <a:stCxn id="103" idx="2"/>
             <a:endCxn id="186" idx="0"/>
           </p:cNvCxnSpPr>
           <p:nvPr/>
         </p:nvCxnSpPr>
         <p:spPr>
           <a:xfrm rot="16200000" flipH="1">
-            <a:off x="21337771" y="15465044"/>
-            <a:ext cx="414640" cy="1221311"/>
+            <a:off x="19959441" y="14086714"/>
+            <a:ext cx="1913670" cy="2478942"/>
           </a:xfrm>
           <a:prstGeom prst="bentConnector3">
             <a:avLst>
-              <a:gd name="adj1" fmla="val 50000"/>
+              <a:gd name="adj1" fmla="val 11107"/>
             </a:avLst>
           </a:prstGeom>
           <a:ln w="28575">

--- a/Наработки/диздоки/Иран/Иран Комми.pptx
+++ b/Наработки/диздоки/Иран/Иран Комми.pptx
@@ -209,7 +209,7 @@
             <a:fld id="{33E3D7F9-E251-484C-A6FF-FA958879DF69}" type="datetimeFigureOut">
               <a:rPr lang="ru-RU" smtClean="0"/>
               <a:pPr/>
-              <a:t>17.03.2022</a:t>
+              <a:t>27.04.2022</a:t>
             </a:fld>
             <a:endParaRPr lang="ru-RU"/>
           </a:p>
@@ -699,7 +699,7 @@
             <a:fld id="{85A5DE44-605B-4D3B-B2B7-94543DF81A36}" type="datetimeFigureOut">
               <a:rPr lang="ru-RU" smtClean="0"/>
               <a:pPr/>
-              <a:t>17.03.2022</a:t>
+              <a:t>27.04.2022</a:t>
             </a:fld>
             <a:endParaRPr lang="ru-RU"/>
           </a:p>
@@ -871,7 +871,7 @@
             <a:fld id="{85A5DE44-605B-4D3B-B2B7-94543DF81A36}" type="datetimeFigureOut">
               <a:rPr lang="ru-RU" smtClean="0"/>
               <a:pPr/>
-              <a:t>17.03.2022</a:t>
+              <a:t>27.04.2022</a:t>
             </a:fld>
             <a:endParaRPr lang="ru-RU"/>
           </a:p>
@@ -1053,7 +1053,7 @@
             <a:fld id="{85A5DE44-605B-4D3B-B2B7-94543DF81A36}" type="datetimeFigureOut">
               <a:rPr lang="ru-RU" smtClean="0"/>
               <a:pPr/>
-              <a:t>17.03.2022</a:t>
+              <a:t>27.04.2022</a:t>
             </a:fld>
             <a:endParaRPr lang="ru-RU"/>
           </a:p>
@@ -1225,7 +1225,7 @@
             <a:fld id="{85A5DE44-605B-4D3B-B2B7-94543DF81A36}" type="datetimeFigureOut">
               <a:rPr lang="ru-RU" smtClean="0"/>
               <a:pPr/>
-              <a:t>17.03.2022</a:t>
+              <a:t>27.04.2022</a:t>
             </a:fld>
             <a:endParaRPr lang="ru-RU"/>
           </a:p>
@@ -1473,7 +1473,7 @@
             <a:fld id="{85A5DE44-605B-4D3B-B2B7-94543DF81A36}" type="datetimeFigureOut">
               <a:rPr lang="ru-RU" smtClean="0"/>
               <a:pPr/>
-              <a:t>17.03.2022</a:t>
+              <a:t>27.04.2022</a:t>
             </a:fld>
             <a:endParaRPr lang="ru-RU"/>
           </a:p>
@@ -1707,7 +1707,7 @@
             <a:fld id="{85A5DE44-605B-4D3B-B2B7-94543DF81A36}" type="datetimeFigureOut">
               <a:rPr lang="ru-RU" smtClean="0"/>
               <a:pPr/>
-              <a:t>17.03.2022</a:t>
+              <a:t>27.04.2022</a:t>
             </a:fld>
             <a:endParaRPr lang="ru-RU"/>
           </a:p>
@@ -2076,7 +2076,7 @@
             <a:fld id="{85A5DE44-605B-4D3B-B2B7-94543DF81A36}" type="datetimeFigureOut">
               <a:rPr lang="ru-RU" smtClean="0"/>
               <a:pPr/>
-              <a:t>17.03.2022</a:t>
+              <a:t>27.04.2022</a:t>
             </a:fld>
             <a:endParaRPr lang="ru-RU"/>
           </a:p>
@@ -2196,7 +2196,7 @@
             <a:fld id="{85A5DE44-605B-4D3B-B2B7-94543DF81A36}" type="datetimeFigureOut">
               <a:rPr lang="ru-RU" smtClean="0"/>
               <a:pPr/>
-              <a:t>17.03.2022</a:t>
+              <a:t>27.04.2022</a:t>
             </a:fld>
             <a:endParaRPr lang="ru-RU"/>
           </a:p>
@@ -2293,7 +2293,7 @@
             <a:fld id="{85A5DE44-605B-4D3B-B2B7-94543DF81A36}" type="datetimeFigureOut">
               <a:rPr lang="ru-RU" smtClean="0"/>
               <a:pPr/>
-              <a:t>17.03.2022</a:t>
+              <a:t>27.04.2022</a:t>
             </a:fld>
             <a:endParaRPr lang="ru-RU"/>
           </a:p>
@@ -2572,7 +2572,7 @@
             <a:fld id="{85A5DE44-605B-4D3B-B2B7-94543DF81A36}" type="datetimeFigureOut">
               <a:rPr lang="ru-RU" smtClean="0"/>
               <a:pPr/>
-              <a:t>17.03.2022</a:t>
+              <a:t>27.04.2022</a:t>
             </a:fld>
             <a:endParaRPr lang="ru-RU"/>
           </a:p>
@@ -2831,7 +2831,7 @@
             <a:fld id="{85A5DE44-605B-4D3B-B2B7-94543DF81A36}" type="datetimeFigureOut">
               <a:rPr lang="ru-RU" smtClean="0"/>
               <a:pPr/>
-              <a:t>17.03.2022</a:t>
+              <a:t>27.04.2022</a:t>
             </a:fld>
             <a:endParaRPr lang="ru-RU"/>
           </a:p>
@@ -3046,7 +3046,7 @@
             <a:fld id="{85A5DE44-605B-4D3B-B2B7-94543DF81A36}" type="datetimeFigureOut">
               <a:rPr lang="ru-RU" smtClean="0"/>
               <a:pPr/>
-              <a:t>17.03.2022</a:t>
+              <a:t>27.04.2022</a:t>
             </a:fld>
             <a:endParaRPr lang="ru-RU"/>
           </a:p>
@@ -8268,7 +8268,7 @@
             <a:pPr algn="ctr"/>
             <a:r>
               <a:rPr lang="ru-RU" sz="2400" dirty="0"/>
-              <a:t>13</a:t>
+              <a:t>14</a:t>
             </a:r>
           </a:p>
         </p:txBody>
@@ -9662,7 +9662,7 @@
         </p:nvSpPr>
         <p:spPr>
           <a:xfrm>
-            <a:off x="3639273" y="17771641"/>
+            <a:off x="6136656" y="17832202"/>
             <a:ext cx="2115918" cy="1080000"/>
           </a:xfrm>
           <a:prstGeom prst="rect">
@@ -9719,13 +9719,112 @@
           <p:nvPr/>
         </p:nvCxnSpPr>
         <p:spPr>
-          <a:xfrm rot="5400000">
-            <a:off x="4383064" y="16203406"/>
-            <a:ext cx="1882403" cy="1254066"/>
+          <a:xfrm rot="16200000" flipH="1">
+            <a:off x="5601474" y="16239061"/>
+            <a:ext cx="1942964" cy="1243317"/>
           </a:xfrm>
           <a:prstGeom prst="bentConnector3">
             <a:avLst>
-              <a:gd name="adj1" fmla="val 11011"/>
+              <a:gd name="adj1" fmla="val 11194"/>
+            </a:avLst>
+          </a:prstGeom>
+          <a:ln w="28575">
+            <a:tailEnd type="arrow"/>
+          </a:ln>
+        </p:spPr>
+        <p:style>
+          <a:lnRef idx="1">
+            <a:schemeClr val="accent1"/>
+          </a:lnRef>
+          <a:fillRef idx="0">
+            <a:schemeClr val="accent1"/>
+          </a:fillRef>
+          <a:effectRef idx="0">
+            <a:schemeClr val="accent1"/>
+          </a:effectRef>
+          <a:fontRef idx="minor">
+            <a:schemeClr val="tx1"/>
+          </a:fontRef>
+        </p:style>
+      </p:cxnSp>
+      <p:sp>
+        <p:nvSpPr>
+          <p:cNvPr id="131" name="Прямоугольник 130">
+            <a:extLst>
+              <a:ext uri="{FF2B5EF4-FFF2-40B4-BE49-F238E27FC236}">
+                <a16:creationId xmlns:a16="http://schemas.microsoft.com/office/drawing/2014/main" id="{0B5A93EC-4934-4ACC-AB11-8AEB1717AC02}"/>
+              </a:ext>
+            </a:extLst>
+          </p:cNvPr>
+          <p:cNvSpPr/>
+          <p:nvPr/>
+        </p:nvSpPr>
+        <p:spPr>
+          <a:xfrm>
+            <a:off x="3644056" y="17832202"/>
+            <a:ext cx="2115918" cy="1080000"/>
+          </a:xfrm>
+          <a:prstGeom prst="rect">
+            <a:avLst/>
+          </a:prstGeom>
+          <a:solidFill>
+            <a:schemeClr val="accent6">
+              <a:lumMod val="60000"/>
+              <a:lumOff val="40000"/>
+            </a:schemeClr>
+          </a:solidFill>
+          <a:ln w="28575"/>
+        </p:spPr>
+        <p:style>
+          <a:lnRef idx="2">
+            <a:schemeClr val="accent1"/>
+          </a:lnRef>
+          <a:fillRef idx="1">
+            <a:schemeClr val="lt1"/>
+          </a:fillRef>
+          <a:effectRef idx="0">
+            <a:schemeClr val="accent1"/>
+          </a:effectRef>
+          <a:fontRef idx="minor">
+            <a:schemeClr val="dk1"/>
+          </a:fontRef>
+        </p:style>
+        <p:txBody>
+          <a:bodyPr lIns="124733" tIns="62367" rIns="124733" bIns="62367" rtlCol="0" anchor="ctr"/>
+          <a:lstStyle/>
+          <a:p>
+            <a:pPr algn="ctr"/>
+            <a:r>
+              <a:rPr lang="ru-RU" sz="1400" dirty="0"/>
+              <a:t>Вернуть персов  Ормузского пролива</a:t>
+            </a:r>
+          </a:p>
+        </p:txBody>
+      </p:sp>
+      <p:cxnSp>
+        <p:nvCxnSpPr>
+          <p:cNvPr id="134" name="Соединительная линия уступом 175">
+            <a:extLst>
+              <a:ext uri="{FF2B5EF4-FFF2-40B4-BE49-F238E27FC236}">
+                <a16:creationId xmlns:a16="http://schemas.microsoft.com/office/drawing/2014/main" id="{4D8D36B3-E4E5-4D03-B3E7-8460EA696E7B}"/>
+              </a:ext>
+            </a:extLst>
+          </p:cNvPr>
+          <p:cNvCxnSpPr>
+            <a:cxnSpLocks/>
+            <a:stCxn id="298" idx="2"/>
+            <a:endCxn id="131" idx="0"/>
+          </p:cNvCxnSpPr>
+          <p:nvPr/>
+        </p:nvCxnSpPr>
+        <p:spPr>
+          <a:xfrm rot="5400000">
+            <a:off x="3597678" y="15473687"/>
+            <a:ext cx="3462852" cy="1254178"/>
+          </a:xfrm>
+          <a:prstGeom prst="bentConnector3">
+            <a:avLst>
+              <a:gd name="adj1" fmla="val 6453"/>
             </a:avLst>
           </a:prstGeom>
           <a:ln w="28575">

--- a/Наработки/диздоки/Иран/Иран Комми.pptx
+++ b/Наработки/диздоки/Иран/Иран Комми.pptx
@@ -209,7 +209,7 @@
             <a:fld id="{33E3D7F9-E251-484C-A6FF-FA958879DF69}" type="datetimeFigureOut">
               <a:rPr lang="ru-RU" smtClean="0"/>
               <a:pPr/>
-              <a:t>27.04.2022</a:t>
+              <a:t>03.05.2022</a:t>
             </a:fld>
             <a:endParaRPr lang="ru-RU"/>
           </a:p>
@@ -699,7 +699,7 @@
             <a:fld id="{85A5DE44-605B-4D3B-B2B7-94543DF81A36}" type="datetimeFigureOut">
               <a:rPr lang="ru-RU" smtClean="0"/>
               <a:pPr/>
-              <a:t>27.04.2022</a:t>
+              <a:t>03.05.2022</a:t>
             </a:fld>
             <a:endParaRPr lang="ru-RU"/>
           </a:p>
@@ -871,7 +871,7 @@
             <a:fld id="{85A5DE44-605B-4D3B-B2B7-94543DF81A36}" type="datetimeFigureOut">
               <a:rPr lang="ru-RU" smtClean="0"/>
               <a:pPr/>
-              <a:t>27.04.2022</a:t>
+              <a:t>03.05.2022</a:t>
             </a:fld>
             <a:endParaRPr lang="ru-RU"/>
           </a:p>
@@ -1053,7 +1053,7 @@
             <a:fld id="{85A5DE44-605B-4D3B-B2B7-94543DF81A36}" type="datetimeFigureOut">
               <a:rPr lang="ru-RU" smtClean="0"/>
               <a:pPr/>
-              <a:t>27.04.2022</a:t>
+              <a:t>03.05.2022</a:t>
             </a:fld>
             <a:endParaRPr lang="ru-RU"/>
           </a:p>
@@ -1225,7 +1225,7 @@
             <a:fld id="{85A5DE44-605B-4D3B-B2B7-94543DF81A36}" type="datetimeFigureOut">
               <a:rPr lang="ru-RU" smtClean="0"/>
               <a:pPr/>
-              <a:t>27.04.2022</a:t>
+              <a:t>03.05.2022</a:t>
             </a:fld>
             <a:endParaRPr lang="ru-RU"/>
           </a:p>
@@ -1473,7 +1473,7 @@
             <a:fld id="{85A5DE44-605B-4D3B-B2B7-94543DF81A36}" type="datetimeFigureOut">
               <a:rPr lang="ru-RU" smtClean="0"/>
               <a:pPr/>
-              <a:t>27.04.2022</a:t>
+              <a:t>03.05.2022</a:t>
             </a:fld>
             <a:endParaRPr lang="ru-RU"/>
           </a:p>
@@ -1707,7 +1707,7 @@
             <a:fld id="{85A5DE44-605B-4D3B-B2B7-94543DF81A36}" type="datetimeFigureOut">
               <a:rPr lang="ru-RU" smtClean="0"/>
               <a:pPr/>
-              <a:t>27.04.2022</a:t>
+              <a:t>03.05.2022</a:t>
             </a:fld>
             <a:endParaRPr lang="ru-RU"/>
           </a:p>
@@ -2076,7 +2076,7 @@
             <a:fld id="{85A5DE44-605B-4D3B-B2B7-94543DF81A36}" type="datetimeFigureOut">
               <a:rPr lang="ru-RU" smtClean="0"/>
               <a:pPr/>
-              <a:t>27.04.2022</a:t>
+              <a:t>03.05.2022</a:t>
             </a:fld>
             <a:endParaRPr lang="ru-RU"/>
           </a:p>
@@ -2196,7 +2196,7 @@
             <a:fld id="{85A5DE44-605B-4D3B-B2B7-94543DF81A36}" type="datetimeFigureOut">
               <a:rPr lang="ru-RU" smtClean="0"/>
               <a:pPr/>
-              <a:t>27.04.2022</a:t>
+              <a:t>03.05.2022</a:t>
             </a:fld>
             <a:endParaRPr lang="ru-RU"/>
           </a:p>
@@ -2293,7 +2293,7 @@
             <a:fld id="{85A5DE44-605B-4D3B-B2B7-94543DF81A36}" type="datetimeFigureOut">
               <a:rPr lang="ru-RU" smtClean="0"/>
               <a:pPr/>
-              <a:t>27.04.2022</a:t>
+              <a:t>03.05.2022</a:t>
             </a:fld>
             <a:endParaRPr lang="ru-RU"/>
           </a:p>
@@ -2572,7 +2572,7 @@
             <a:fld id="{85A5DE44-605B-4D3B-B2B7-94543DF81A36}" type="datetimeFigureOut">
               <a:rPr lang="ru-RU" smtClean="0"/>
               <a:pPr/>
-              <a:t>27.04.2022</a:t>
+              <a:t>03.05.2022</a:t>
             </a:fld>
             <a:endParaRPr lang="ru-RU"/>
           </a:p>
@@ -2831,7 +2831,7 @@
             <a:fld id="{85A5DE44-605B-4D3B-B2B7-94543DF81A36}" type="datetimeFigureOut">
               <a:rPr lang="ru-RU" smtClean="0"/>
               <a:pPr/>
-              <a:t>27.04.2022</a:t>
+              <a:t>03.05.2022</a:t>
             </a:fld>
             <a:endParaRPr lang="ru-RU"/>
           </a:p>
@@ -3046,7 +3046,7 @@
             <a:fld id="{85A5DE44-605B-4D3B-B2B7-94543DF81A36}" type="datetimeFigureOut">
               <a:rPr lang="ru-RU" smtClean="0"/>
               <a:pPr/>
-              <a:t>27.04.2022</a:t>
+              <a:t>03.05.2022</a:t>
             </a:fld>
             <a:endParaRPr lang="ru-RU"/>
           </a:p>

--- a/Наработки/диздоки/Иран/Иран Комми.pptx
+++ b/Наработки/диздоки/Иран/Иран Комми.pptx
@@ -209,7 +209,7 @@
             <a:fld id="{33E3D7F9-E251-484C-A6FF-FA958879DF69}" type="datetimeFigureOut">
               <a:rPr lang="ru-RU" smtClean="0"/>
               <a:pPr/>
-              <a:t>03.05.2022</a:t>
+              <a:t>04.05.2022</a:t>
             </a:fld>
             <a:endParaRPr lang="ru-RU"/>
           </a:p>
@@ -699,7 +699,7 @@
             <a:fld id="{85A5DE44-605B-4D3B-B2B7-94543DF81A36}" type="datetimeFigureOut">
               <a:rPr lang="ru-RU" smtClean="0"/>
               <a:pPr/>
-              <a:t>03.05.2022</a:t>
+              <a:t>04.05.2022</a:t>
             </a:fld>
             <a:endParaRPr lang="ru-RU"/>
           </a:p>
@@ -871,7 +871,7 @@
             <a:fld id="{85A5DE44-605B-4D3B-B2B7-94543DF81A36}" type="datetimeFigureOut">
               <a:rPr lang="ru-RU" smtClean="0"/>
               <a:pPr/>
-              <a:t>03.05.2022</a:t>
+              <a:t>04.05.2022</a:t>
             </a:fld>
             <a:endParaRPr lang="ru-RU"/>
           </a:p>
@@ -1053,7 +1053,7 @@
             <a:fld id="{85A5DE44-605B-4D3B-B2B7-94543DF81A36}" type="datetimeFigureOut">
               <a:rPr lang="ru-RU" smtClean="0"/>
               <a:pPr/>
-              <a:t>03.05.2022</a:t>
+              <a:t>04.05.2022</a:t>
             </a:fld>
             <a:endParaRPr lang="ru-RU"/>
           </a:p>
@@ -1225,7 +1225,7 @@
             <a:fld id="{85A5DE44-605B-4D3B-B2B7-94543DF81A36}" type="datetimeFigureOut">
               <a:rPr lang="ru-RU" smtClean="0"/>
               <a:pPr/>
-              <a:t>03.05.2022</a:t>
+              <a:t>04.05.2022</a:t>
             </a:fld>
             <a:endParaRPr lang="ru-RU"/>
           </a:p>
@@ -1473,7 +1473,7 @@
             <a:fld id="{85A5DE44-605B-4D3B-B2B7-94543DF81A36}" type="datetimeFigureOut">
               <a:rPr lang="ru-RU" smtClean="0"/>
               <a:pPr/>
-              <a:t>03.05.2022</a:t>
+              <a:t>04.05.2022</a:t>
             </a:fld>
             <a:endParaRPr lang="ru-RU"/>
           </a:p>
@@ -1707,7 +1707,7 @@
             <a:fld id="{85A5DE44-605B-4D3B-B2B7-94543DF81A36}" type="datetimeFigureOut">
               <a:rPr lang="ru-RU" smtClean="0"/>
               <a:pPr/>
-              <a:t>03.05.2022</a:t>
+              <a:t>04.05.2022</a:t>
             </a:fld>
             <a:endParaRPr lang="ru-RU"/>
           </a:p>
@@ -2076,7 +2076,7 @@
             <a:fld id="{85A5DE44-605B-4D3B-B2B7-94543DF81A36}" type="datetimeFigureOut">
               <a:rPr lang="ru-RU" smtClean="0"/>
               <a:pPr/>
-              <a:t>03.05.2022</a:t>
+              <a:t>04.05.2022</a:t>
             </a:fld>
             <a:endParaRPr lang="ru-RU"/>
           </a:p>
@@ -2196,7 +2196,7 @@
             <a:fld id="{85A5DE44-605B-4D3B-B2B7-94543DF81A36}" type="datetimeFigureOut">
               <a:rPr lang="ru-RU" smtClean="0"/>
               <a:pPr/>
-              <a:t>03.05.2022</a:t>
+              <a:t>04.05.2022</a:t>
             </a:fld>
             <a:endParaRPr lang="ru-RU"/>
           </a:p>
@@ -2293,7 +2293,7 @@
             <a:fld id="{85A5DE44-605B-4D3B-B2B7-94543DF81A36}" type="datetimeFigureOut">
               <a:rPr lang="ru-RU" smtClean="0"/>
               <a:pPr/>
-              <a:t>03.05.2022</a:t>
+              <a:t>04.05.2022</a:t>
             </a:fld>
             <a:endParaRPr lang="ru-RU"/>
           </a:p>
@@ -2572,7 +2572,7 @@
             <a:fld id="{85A5DE44-605B-4D3B-B2B7-94543DF81A36}" type="datetimeFigureOut">
               <a:rPr lang="ru-RU" smtClean="0"/>
               <a:pPr/>
-              <a:t>03.05.2022</a:t>
+              <a:t>04.05.2022</a:t>
             </a:fld>
             <a:endParaRPr lang="ru-RU"/>
           </a:p>
@@ -2831,7 +2831,7 @@
             <a:fld id="{85A5DE44-605B-4D3B-B2B7-94543DF81A36}" type="datetimeFigureOut">
               <a:rPr lang="ru-RU" smtClean="0"/>
               <a:pPr/>
-              <a:t>03.05.2022</a:t>
+              <a:t>04.05.2022</a:t>
             </a:fld>
             <a:endParaRPr lang="ru-RU"/>
           </a:p>
@@ -3046,7 +3046,7 @@
             <a:fld id="{85A5DE44-605B-4D3B-B2B7-94543DF81A36}" type="datetimeFigureOut">
               <a:rPr lang="ru-RU" smtClean="0"/>
               <a:pPr/>
-              <a:t>03.05.2022</a:t>
+              <a:t>04.05.2022</a:t>
             </a:fld>
             <a:endParaRPr lang="ru-RU"/>
           </a:p>
@@ -7807,7 +7807,7 @@
         </p:nvSpPr>
         <p:spPr>
           <a:xfrm>
-            <a:off x="16139904" y="11810205"/>
+            <a:off x="16139904" y="11794163"/>
             <a:ext cx="2115918" cy="1080000"/>
           </a:xfrm>
           <a:prstGeom prst="rect">
@@ -8428,8 +8428,8 @@
         </p:nvCxnSpPr>
         <p:spPr>
           <a:xfrm rot="16200000" flipH="1">
-            <a:off x="15737285" y="10349626"/>
-            <a:ext cx="442963" cy="2478193"/>
+            <a:off x="15745306" y="10341605"/>
+            <a:ext cx="426921" cy="2478193"/>
           </a:xfrm>
           <a:prstGeom prst="bentConnector3">
             <a:avLst>
@@ -8608,8 +8608,8 @@
         </p:nvCxnSpPr>
         <p:spPr>
           <a:xfrm rot="5400000">
-            <a:off x="16366027" y="12465919"/>
-            <a:ext cx="407550" cy="1256123"/>
+            <a:off x="16358006" y="12457898"/>
+            <a:ext cx="423592" cy="1256123"/>
           </a:xfrm>
           <a:prstGeom prst="bentConnector3">
             <a:avLst>

--- a/Наработки/диздоки/Иран/Иран Комми.pptx
+++ b/Наработки/диздоки/Иран/Иран Комми.pptx
@@ -209,7 +209,7 @@
             <a:fld id="{33E3D7F9-E251-484C-A6FF-FA958879DF69}" type="datetimeFigureOut">
               <a:rPr lang="ru-RU" smtClean="0"/>
               <a:pPr/>
-              <a:t>04.05.2022</a:t>
+              <a:t>11.05.2022</a:t>
             </a:fld>
             <a:endParaRPr lang="ru-RU"/>
           </a:p>
@@ -699,7 +699,7 @@
             <a:fld id="{85A5DE44-605B-4D3B-B2B7-94543DF81A36}" type="datetimeFigureOut">
               <a:rPr lang="ru-RU" smtClean="0"/>
               <a:pPr/>
-              <a:t>04.05.2022</a:t>
+              <a:t>11.05.2022</a:t>
             </a:fld>
             <a:endParaRPr lang="ru-RU"/>
           </a:p>
@@ -871,7 +871,7 @@
             <a:fld id="{85A5DE44-605B-4D3B-B2B7-94543DF81A36}" type="datetimeFigureOut">
               <a:rPr lang="ru-RU" smtClean="0"/>
               <a:pPr/>
-              <a:t>04.05.2022</a:t>
+              <a:t>11.05.2022</a:t>
             </a:fld>
             <a:endParaRPr lang="ru-RU"/>
           </a:p>
@@ -1053,7 +1053,7 @@
             <a:fld id="{85A5DE44-605B-4D3B-B2B7-94543DF81A36}" type="datetimeFigureOut">
               <a:rPr lang="ru-RU" smtClean="0"/>
               <a:pPr/>
-              <a:t>04.05.2022</a:t>
+              <a:t>11.05.2022</a:t>
             </a:fld>
             <a:endParaRPr lang="ru-RU"/>
           </a:p>
@@ -1225,7 +1225,7 @@
             <a:fld id="{85A5DE44-605B-4D3B-B2B7-94543DF81A36}" type="datetimeFigureOut">
               <a:rPr lang="ru-RU" smtClean="0"/>
               <a:pPr/>
-              <a:t>04.05.2022</a:t>
+              <a:t>11.05.2022</a:t>
             </a:fld>
             <a:endParaRPr lang="ru-RU"/>
           </a:p>
@@ -1473,7 +1473,7 @@
             <a:fld id="{85A5DE44-605B-4D3B-B2B7-94543DF81A36}" type="datetimeFigureOut">
               <a:rPr lang="ru-RU" smtClean="0"/>
               <a:pPr/>
-              <a:t>04.05.2022</a:t>
+              <a:t>11.05.2022</a:t>
             </a:fld>
             <a:endParaRPr lang="ru-RU"/>
           </a:p>
@@ -1707,7 +1707,7 @@
             <a:fld id="{85A5DE44-605B-4D3B-B2B7-94543DF81A36}" type="datetimeFigureOut">
               <a:rPr lang="ru-RU" smtClean="0"/>
               <a:pPr/>
-              <a:t>04.05.2022</a:t>
+              <a:t>11.05.2022</a:t>
             </a:fld>
             <a:endParaRPr lang="ru-RU"/>
           </a:p>
@@ -2076,7 +2076,7 @@
             <a:fld id="{85A5DE44-605B-4D3B-B2B7-94543DF81A36}" type="datetimeFigureOut">
               <a:rPr lang="ru-RU" smtClean="0"/>
               <a:pPr/>
-              <a:t>04.05.2022</a:t>
+              <a:t>11.05.2022</a:t>
             </a:fld>
             <a:endParaRPr lang="ru-RU"/>
           </a:p>
@@ -2196,7 +2196,7 @@
             <a:fld id="{85A5DE44-605B-4D3B-B2B7-94543DF81A36}" type="datetimeFigureOut">
               <a:rPr lang="ru-RU" smtClean="0"/>
               <a:pPr/>
-              <a:t>04.05.2022</a:t>
+              <a:t>11.05.2022</a:t>
             </a:fld>
             <a:endParaRPr lang="ru-RU"/>
           </a:p>
@@ -2293,7 +2293,7 @@
             <a:fld id="{85A5DE44-605B-4D3B-B2B7-94543DF81A36}" type="datetimeFigureOut">
               <a:rPr lang="ru-RU" smtClean="0"/>
               <a:pPr/>
-              <a:t>04.05.2022</a:t>
+              <a:t>11.05.2022</a:t>
             </a:fld>
             <a:endParaRPr lang="ru-RU"/>
           </a:p>
@@ -2572,7 +2572,7 @@
             <a:fld id="{85A5DE44-605B-4D3B-B2B7-94543DF81A36}" type="datetimeFigureOut">
               <a:rPr lang="ru-RU" smtClean="0"/>
               <a:pPr/>
-              <a:t>04.05.2022</a:t>
+              <a:t>11.05.2022</a:t>
             </a:fld>
             <a:endParaRPr lang="ru-RU"/>
           </a:p>
@@ -2831,7 +2831,7 @@
             <a:fld id="{85A5DE44-605B-4D3B-B2B7-94543DF81A36}" type="datetimeFigureOut">
               <a:rPr lang="ru-RU" smtClean="0"/>
               <a:pPr/>
-              <a:t>04.05.2022</a:t>
+              <a:t>11.05.2022</a:t>
             </a:fld>
             <a:endParaRPr lang="ru-RU"/>
           </a:p>
@@ -3046,7 +3046,7 @@
             <a:fld id="{85A5DE44-605B-4D3B-B2B7-94543DF81A36}" type="datetimeFigureOut">
               <a:rPr lang="ru-RU" smtClean="0"/>
               <a:pPr/>
-              <a:t>04.05.2022</a:t>
+              <a:t>11.05.2022</a:t>
             </a:fld>
             <a:endParaRPr lang="ru-RU"/>
           </a:p>
@@ -9826,6 +9826,2650 @@
             <a:avLst>
               <a:gd name="adj1" fmla="val 6453"/>
             </a:avLst>
+          </a:prstGeom>
+          <a:ln w="28575">
+            <a:tailEnd type="arrow"/>
+          </a:ln>
+        </p:spPr>
+        <p:style>
+          <a:lnRef idx="1">
+            <a:schemeClr val="accent1"/>
+          </a:lnRef>
+          <a:fillRef idx="0">
+            <a:schemeClr val="accent1"/>
+          </a:fillRef>
+          <a:effectRef idx="0">
+            <a:schemeClr val="accent1"/>
+          </a:effectRef>
+          <a:fontRef idx="minor">
+            <a:schemeClr val="tx1"/>
+          </a:fontRef>
+        </p:style>
+      </p:cxnSp>
+      <p:sp>
+        <p:nvSpPr>
+          <p:cNvPr id="135" name="Прямоугольник 134">
+            <a:extLst>
+              <a:ext uri="{FF2B5EF4-FFF2-40B4-BE49-F238E27FC236}">
+                <a16:creationId xmlns:a16="http://schemas.microsoft.com/office/drawing/2014/main" id="{F87D31CF-F371-40B6-889C-658AEEB8DA78}"/>
+              </a:ext>
+            </a:extLst>
+          </p:cNvPr>
+          <p:cNvSpPr/>
+          <p:nvPr/>
+        </p:nvSpPr>
+        <p:spPr>
+          <a:xfrm>
+            <a:off x="30255689" y="2776203"/>
+            <a:ext cx="2115918" cy="1080000"/>
+          </a:xfrm>
+          <a:prstGeom prst="rect">
+            <a:avLst/>
+          </a:prstGeom>
+          <a:solidFill>
+            <a:srgbClr val="FF0000"/>
+          </a:solidFill>
+          <a:ln w="28575"/>
+        </p:spPr>
+        <p:style>
+          <a:lnRef idx="2">
+            <a:schemeClr val="accent1"/>
+          </a:lnRef>
+          <a:fillRef idx="1">
+            <a:schemeClr val="lt1"/>
+          </a:fillRef>
+          <a:effectRef idx="0">
+            <a:schemeClr val="accent1"/>
+          </a:effectRef>
+          <a:fontRef idx="minor">
+            <a:schemeClr val="dk1"/>
+          </a:fontRef>
+        </p:style>
+        <p:txBody>
+          <a:bodyPr lIns="124733" tIns="62367" rIns="124733" bIns="62367" rtlCol="0" anchor="ctr"/>
+          <a:lstStyle/>
+          <a:p>
+            <a:pPr algn="ctr"/>
+            <a:r>
+              <a:rPr lang="ru-RU" sz="1400" dirty="0"/>
+              <a:t>Создание Красной Армии Ирана </a:t>
+            </a:r>
+            <a:r>
+              <a:rPr lang="ru-RU" sz="700" dirty="0"/>
+              <a:t>(Однако целью этих офицеров в этом восстании было устранение системы слепого повиновения в армии, заявить о недовольстве тогдашним начальником штаба армии генерал-майором Арфой и провести реформы в прогнившей системе императорской армии.)</a:t>
+            </a:r>
+            <a:endParaRPr lang="ru-RU" sz="1400" dirty="0"/>
+          </a:p>
+        </p:txBody>
+      </p:sp>
+      <p:sp>
+        <p:nvSpPr>
+          <p:cNvPr id="137" name="Прямоугольник 136">
+            <a:extLst>
+              <a:ext uri="{FF2B5EF4-FFF2-40B4-BE49-F238E27FC236}">
+                <a16:creationId xmlns:a16="http://schemas.microsoft.com/office/drawing/2014/main" id="{49BA36A3-6301-491A-A6CF-7E93A7A1B671}"/>
+              </a:ext>
+            </a:extLst>
+          </p:cNvPr>
+          <p:cNvSpPr/>
+          <p:nvPr/>
+        </p:nvSpPr>
+        <p:spPr>
+          <a:xfrm>
+            <a:off x="29051969" y="5778004"/>
+            <a:ext cx="2115918" cy="1080000"/>
+          </a:xfrm>
+          <a:prstGeom prst="rect">
+            <a:avLst/>
+          </a:prstGeom>
+          <a:solidFill>
+            <a:srgbClr val="FF0000"/>
+          </a:solidFill>
+          <a:ln w="28575"/>
+        </p:spPr>
+        <p:style>
+          <a:lnRef idx="2">
+            <a:schemeClr val="accent1"/>
+          </a:lnRef>
+          <a:fillRef idx="1">
+            <a:schemeClr val="lt1"/>
+          </a:fillRef>
+          <a:effectRef idx="0">
+            <a:schemeClr val="accent1"/>
+          </a:effectRef>
+          <a:fontRef idx="minor">
+            <a:schemeClr val="dk1"/>
+          </a:fontRef>
+        </p:style>
+        <p:txBody>
+          <a:bodyPr lIns="124733" tIns="62367" rIns="124733" bIns="62367" rtlCol="0" anchor="ctr"/>
+          <a:lstStyle/>
+          <a:p>
+            <a:pPr algn="ctr"/>
+            <a:r>
+              <a:rPr lang="ru-RU" sz="1400" dirty="0"/>
+              <a:t>Следовать доктрине </a:t>
+            </a:r>
+            <a:r>
+              <a:rPr lang="ru-RU" sz="1400" dirty="0" err="1"/>
+              <a:t>Хосро</a:t>
+            </a:r>
+            <a:r>
+              <a:rPr lang="ru-RU" sz="1400" dirty="0"/>
+              <a:t> </a:t>
+            </a:r>
+            <a:r>
+              <a:rPr lang="ru-RU" sz="1050" dirty="0"/>
+              <a:t>(доктрина на партизанскую войну, </a:t>
+            </a:r>
+            <a:r>
+              <a:rPr lang="ru-RU" sz="1050" dirty="0" err="1"/>
+              <a:t>Хосро</a:t>
+            </a:r>
+            <a:r>
+              <a:rPr lang="ru-RU" sz="1050" dirty="0"/>
+              <a:t> становится фельдмаршалом, и станет доступен как теоретик</a:t>
+            </a:r>
+            <a:endParaRPr lang="ru-RU" sz="1400" dirty="0"/>
+          </a:p>
+        </p:txBody>
+      </p:sp>
+      <p:sp>
+        <p:nvSpPr>
+          <p:cNvPr id="138" name="Прямоугольник 137">
+            <a:extLst>
+              <a:ext uri="{FF2B5EF4-FFF2-40B4-BE49-F238E27FC236}">
+                <a16:creationId xmlns:a16="http://schemas.microsoft.com/office/drawing/2014/main" id="{EB77241D-3768-47B9-84B4-976D469D4510}"/>
+              </a:ext>
+            </a:extLst>
+          </p:cNvPr>
+          <p:cNvSpPr/>
+          <p:nvPr/>
+        </p:nvSpPr>
+        <p:spPr>
+          <a:xfrm>
+            <a:off x="31484765" y="5783175"/>
+            <a:ext cx="2115918" cy="1080000"/>
+          </a:xfrm>
+          <a:prstGeom prst="rect">
+            <a:avLst/>
+          </a:prstGeom>
+          <a:solidFill>
+            <a:srgbClr val="FF0000"/>
+          </a:solidFill>
+          <a:ln w="28575"/>
+        </p:spPr>
+        <p:style>
+          <a:lnRef idx="2">
+            <a:schemeClr val="accent1"/>
+          </a:lnRef>
+          <a:fillRef idx="1">
+            <a:schemeClr val="lt1"/>
+          </a:fillRef>
+          <a:effectRef idx="0">
+            <a:schemeClr val="accent1"/>
+          </a:effectRef>
+          <a:fontRef idx="minor">
+            <a:schemeClr val="dk1"/>
+          </a:fontRef>
+        </p:style>
+        <p:txBody>
+          <a:bodyPr lIns="124733" tIns="62367" rIns="124733" bIns="62367" rtlCol="0" anchor="ctr"/>
+          <a:lstStyle/>
+          <a:p>
+            <a:pPr algn="ctr"/>
+            <a:r>
+              <a:rPr lang="ru-RU" sz="1400" dirty="0"/>
+              <a:t>Современная Красная Армия </a:t>
+            </a:r>
+            <a:r>
+              <a:rPr lang="ru-RU" sz="1050" dirty="0"/>
+              <a:t>(доктрина на арту, </a:t>
+            </a:r>
+            <a:r>
+              <a:rPr lang="ru-RU" sz="1050" dirty="0" err="1"/>
+              <a:t>Лохак</a:t>
+            </a:r>
+            <a:r>
+              <a:rPr lang="ru-RU" sz="1050" dirty="0"/>
+              <a:t> становится фельдмаршалом, и станет доступен как теоретик</a:t>
+            </a:r>
+            <a:endParaRPr lang="ru-RU" sz="1400" dirty="0"/>
+          </a:p>
+        </p:txBody>
+      </p:sp>
+      <p:cxnSp>
+        <p:nvCxnSpPr>
+          <p:cNvPr id="141" name="Прямая соединительная линия 140">
+            <a:extLst>
+              <a:ext uri="{FF2B5EF4-FFF2-40B4-BE49-F238E27FC236}">
+                <a16:creationId xmlns:a16="http://schemas.microsoft.com/office/drawing/2014/main" id="{DA92BAF1-BBB9-4B2C-9791-CC263F2B6C19}"/>
+              </a:ext>
+            </a:extLst>
+          </p:cNvPr>
+          <p:cNvCxnSpPr>
+            <a:cxnSpLocks/>
+            <a:stCxn id="137" idx="3"/>
+            <a:endCxn id="138" idx="1"/>
+          </p:cNvCxnSpPr>
+          <p:nvPr/>
+        </p:nvCxnSpPr>
+        <p:spPr>
+          <a:xfrm>
+            <a:off x="31167887" y="6318004"/>
+            <a:ext cx="316878" cy="5171"/>
+          </a:xfrm>
+          <a:prstGeom prst="line">
+            <a:avLst/>
+          </a:prstGeom>
+          <a:ln w="28575">
+            <a:solidFill>
+              <a:srgbClr val="FF0000"/>
+            </a:solidFill>
+          </a:ln>
+        </p:spPr>
+        <p:style>
+          <a:lnRef idx="1">
+            <a:schemeClr val="accent1"/>
+          </a:lnRef>
+          <a:fillRef idx="0">
+            <a:schemeClr val="accent1"/>
+          </a:fillRef>
+          <a:effectRef idx="0">
+            <a:schemeClr val="accent1"/>
+          </a:effectRef>
+          <a:fontRef idx="minor">
+            <a:schemeClr val="tx1"/>
+          </a:fontRef>
+        </p:style>
+      </p:cxnSp>
+      <p:sp>
+        <p:nvSpPr>
+          <p:cNvPr id="143" name="Прямоугольник 142">
+            <a:extLst>
+              <a:ext uri="{FF2B5EF4-FFF2-40B4-BE49-F238E27FC236}">
+                <a16:creationId xmlns:a16="http://schemas.microsoft.com/office/drawing/2014/main" id="{0BF8BF63-3B9E-4EC2-9F7A-D4F49956CCF0}"/>
+              </a:ext>
+            </a:extLst>
+          </p:cNvPr>
+          <p:cNvSpPr/>
+          <p:nvPr/>
+        </p:nvSpPr>
+        <p:spPr>
+          <a:xfrm>
+            <a:off x="29051969" y="7285441"/>
+            <a:ext cx="2115918" cy="1080000"/>
+          </a:xfrm>
+          <a:prstGeom prst="rect">
+            <a:avLst/>
+          </a:prstGeom>
+          <a:solidFill>
+            <a:srgbClr val="FF0000"/>
+          </a:solidFill>
+          <a:ln w="28575"/>
+        </p:spPr>
+        <p:style>
+          <a:lnRef idx="2">
+            <a:schemeClr val="accent1"/>
+          </a:lnRef>
+          <a:fillRef idx="1">
+            <a:schemeClr val="lt1"/>
+          </a:fillRef>
+          <a:effectRef idx="0">
+            <a:schemeClr val="accent1"/>
+          </a:effectRef>
+          <a:fontRef idx="minor">
+            <a:schemeClr val="dk1"/>
+          </a:fontRef>
+        </p:style>
+        <p:txBody>
+          <a:bodyPr lIns="124733" tIns="62367" rIns="124733" bIns="62367" rtlCol="0" anchor="ctr"/>
+          <a:lstStyle/>
+          <a:p>
+            <a:pPr algn="ctr"/>
+            <a:r>
+              <a:rPr lang="ru-RU" sz="1400" dirty="0"/>
+              <a:t>Использовать армию в деле революции (шпионы от числа </a:t>
+            </a:r>
+            <a:r>
+              <a:rPr lang="ru-RU" sz="1400" dirty="0" err="1"/>
+              <a:t>дивок</a:t>
+            </a:r>
+            <a:r>
+              <a:rPr lang="ru-RU" sz="1400" dirty="0"/>
+              <a:t> может быть?)</a:t>
+            </a:r>
+          </a:p>
+        </p:txBody>
+      </p:sp>
+      <p:sp>
+        <p:nvSpPr>
+          <p:cNvPr id="144" name="Прямоугольник 143">
+            <a:extLst>
+              <a:ext uri="{FF2B5EF4-FFF2-40B4-BE49-F238E27FC236}">
+                <a16:creationId xmlns:a16="http://schemas.microsoft.com/office/drawing/2014/main" id="{486D98A0-EB1B-43D1-9BA1-9ADD77FCC31C}"/>
+              </a:ext>
+            </a:extLst>
+          </p:cNvPr>
+          <p:cNvSpPr/>
+          <p:nvPr/>
+        </p:nvSpPr>
+        <p:spPr>
+          <a:xfrm>
+            <a:off x="31477959" y="7285441"/>
+            <a:ext cx="2115918" cy="1080000"/>
+          </a:xfrm>
+          <a:prstGeom prst="rect">
+            <a:avLst/>
+          </a:prstGeom>
+          <a:solidFill>
+            <a:srgbClr val="FF0000"/>
+          </a:solidFill>
+          <a:ln w="28575"/>
+        </p:spPr>
+        <p:style>
+          <a:lnRef idx="2">
+            <a:schemeClr val="accent1"/>
+          </a:lnRef>
+          <a:fillRef idx="1">
+            <a:schemeClr val="lt1"/>
+          </a:fillRef>
+          <a:effectRef idx="0">
+            <a:schemeClr val="accent1"/>
+          </a:effectRef>
+          <a:fontRef idx="minor">
+            <a:schemeClr val="dk1"/>
+          </a:fontRef>
+        </p:style>
+        <p:txBody>
+          <a:bodyPr lIns="124733" tIns="62367" rIns="124733" bIns="62367" rtlCol="0" anchor="ctr"/>
+          <a:lstStyle/>
+          <a:p>
+            <a:pPr algn="ctr"/>
+            <a:r>
+              <a:rPr lang="ru-RU" sz="1400" dirty="0"/>
+              <a:t>Военная академия КАИ </a:t>
+            </a:r>
+            <a:r>
+              <a:rPr lang="ru-RU" sz="700" dirty="0"/>
+              <a:t>(Некогда восставший против шаха офицер, после разгрома вместе со своими солдатами был сослан в СССР, где он изучал артиллерийское ремесло в военной академии Красной армии Хмурого и даже получил звание майора)</a:t>
+            </a:r>
+            <a:endParaRPr lang="ru-RU" sz="1400" dirty="0"/>
+          </a:p>
+        </p:txBody>
+      </p:sp>
+      <p:sp>
+        <p:nvSpPr>
+          <p:cNvPr id="146" name="Прямоугольник 145">
+            <a:extLst>
+              <a:ext uri="{FF2B5EF4-FFF2-40B4-BE49-F238E27FC236}">
+                <a16:creationId xmlns:a16="http://schemas.microsoft.com/office/drawing/2014/main" id="{D3CF3B55-2E39-4F94-BE47-D83FF2E79512}"/>
+              </a:ext>
+            </a:extLst>
+          </p:cNvPr>
+          <p:cNvSpPr/>
+          <p:nvPr/>
+        </p:nvSpPr>
+        <p:spPr>
+          <a:xfrm>
+            <a:off x="35329925" y="4270568"/>
+            <a:ext cx="2115918" cy="1080000"/>
+          </a:xfrm>
+          <a:prstGeom prst="rect">
+            <a:avLst/>
+          </a:prstGeom>
+          <a:solidFill>
+            <a:srgbClr val="FF0000"/>
+          </a:solidFill>
+          <a:ln w="28575"/>
+        </p:spPr>
+        <p:style>
+          <a:lnRef idx="2">
+            <a:schemeClr val="accent1"/>
+          </a:lnRef>
+          <a:fillRef idx="1">
+            <a:schemeClr val="lt1"/>
+          </a:fillRef>
+          <a:effectRef idx="0">
+            <a:schemeClr val="accent1"/>
+          </a:effectRef>
+          <a:fontRef idx="minor">
+            <a:schemeClr val="dk1"/>
+          </a:fontRef>
+        </p:style>
+        <p:txBody>
+          <a:bodyPr lIns="124733" tIns="62367" rIns="124733" bIns="62367" rtlCol="0" anchor="ctr"/>
+          <a:lstStyle/>
+          <a:p>
+            <a:pPr algn="ctr"/>
+            <a:r>
+              <a:rPr lang="ru-RU" sz="1400" dirty="0"/>
+              <a:t>Возрождение военной промышленности</a:t>
+            </a:r>
+          </a:p>
+        </p:txBody>
+      </p:sp>
+      <p:cxnSp>
+        <p:nvCxnSpPr>
+          <p:cNvPr id="147" name="Прямая со стрелкой 146">
+            <a:extLst>
+              <a:ext uri="{FF2B5EF4-FFF2-40B4-BE49-F238E27FC236}">
+                <a16:creationId xmlns:a16="http://schemas.microsoft.com/office/drawing/2014/main" id="{82B4BB3C-B2F8-4482-9ABA-D0F7555522ED}"/>
+              </a:ext>
+            </a:extLst>
+          </p:cNvPr>
+          <p:cNvCxnSpPr>
+            <a:cxnSpLocks/>
+            <a:stCxn id="138" idx="2"/>
+            <a:endCxn id="144" idx="0"/>
+          </p:cNvCxnSpPr>
+          <p:nvPr/>
+        </p:nvCxnSpPr>
+        <p:spPr>
+          <a:xfrm flipH="1">
+            <a:off x="32535918" y="6863175"/>
+            <a:ext cx="6806" cy="422266"/>
+          </a:xfrm>
+          <a:prstGeom prst="straightConnector1">
+            <a:avLst/>
+          </a:prstGeom>
+          <a:ln w="28575">
+            <a:tailEnd type="arrow"/>
+          </a:ln>
+        </p:spPr>
+        <p:style>
+          <a:lnRef idx="1">
+            <a:schemeClr val="accent1"/>
+          </a:lnRef>
+          <a:fillRef idx="0">
+            <a:schemeClr val="accent1"/>
+          </a:fillRef>
+          <a:effectRef idx="0">
+            <a:schemeClr val="accent1"/>
+          </a:effectRef>
+          <a:fontRef idx="minor">
+            <a:schemeClr val="tx1"/>
+          </a:fontRef>
+        </p:style>
+      </p:cxnSp>
+      <p:cxnSp>
+        <p:nvCxnSpPr>
+          <p:cNvPr id="149" name="Соединительная линия уступом 175">
+            <a:extLst>
+              <a:ext uri="{FF2B5EF4-FFF2-40B4-BE49-F238E27FC236}">
+                <a16:creationId xmlns:a16="http://schemas.microsoft.com/office/drawing/2014/main" id="{2B17403C-EEE6-4896-B3BA-436C9BE92065}"/>
+              </a:ext>
+            </a:extLst>
+          </p:cNvPr>
+          <p:cNvCxnSpPr>
+            <a:cxnSpLocks/>
+            <a:stCxn id="135" idx="2"/>
+            <a:endCxn id="146" idx="0"/>
+          </p:cNvCxnSpPr>
+          <p:nvPr/>
+        </p:nvCxnSpPr>
+        <p:spPr>
+          <a:xfrm rot="16200000" flipH="1">
+            <a:off x="33643584" y="1526267"/>
+            <a:ext cx="414365" cy="5074236"/>
+          </a:xfrm>
+          <a:prstGeom prst="bentConnector3">
+            <a:avLst>
+              <a:gd name="adj1" fmla="val 50000"/>
+            </a:avLst>
+          </a:prstGeom>
+          <a:ln w="28575">
+            <a:tailEnd type="arrow"/>
+          </a:ln>
+        </p:spPr>
+        <p:style>
+          <a:lnRef idx="1">
+            <a:schemeClr val="accent1"/>
+          </a:lnRef>
+          <a:fillRef idx="0">
+            <a:schemeClr val="accent1"/>
+          </a:fillRef>
+          <a:effectRef idx="0">
+            <a:schemeClr val="accent1"/>
+          </a:effectRef>
+          <a:fontRef idx="minor">
+            <a:schemeClr val="tx1"/>
+          </a:fontRef>
+        </p:style>
+      </p:cxnSp>
+      <p:cxnSp>
+        <p:nvCxnSpPr>
+          <p:cNvPr id="152" name="Прямая со стрелкой 151">
+            <a:extLst>
+              <a:ext uri="{FF2B5EF4-FFF2-40B4-BE49-F238E27FC236}">
+                <a16:creationId xmlns:a16="http://schemas.microsoft.com/office/drawing/2014/main" id="{728075E2-998C-408C-8A54-BDC2F39E6687}"/>
+              </a:ext>
+            </a:extLst>
+          </p:cNvPr>
+          <p:cNvCxnSpPr>
+            <a:cxnSpLocks/>
+            <a:stCxn id="137" idx="2"/>
+            <a:endCxn id="143" idx="0"/>
+          </p:cNvCxnSpPr>
+          <p:nvPr/>
+        </p:nvCxnSpPr>
+        <p:spPr>
+          <a:xfrm>
+            <a:off x="30109928" y="6858004"/>
+            <a:ext cx="0" cy="427437"/>
+          </a:xfrm>
+          <a:prstGeom prst="straightConnector1">
+            <a:avLst/>
+          </a:prstGeom>
+          <a:ln w="28575">
+            <a:tailEnd type="arrow"/>
+          </a:ln>
+        </p:spPr>
+        <p:style>
+          <a:lnRef idx="1">
+            <a:schemeClr val="accent1"/>
+          </a:lnRef>
+          <a:fillRef idx="0">
+            <a:schemeClr val="accent1"/>
+          </a:fillRef>
+          <a:effectRef idx="0">
+            <a:schemeClr val="accent1"/>
+          </a:effectRef>
+          <a:fontRef idx="minor">
+            <a:schemeClr val="tx1"/>
+          </a:fontRef>
+        </p:style>
+      </p:cxnSp>
+      <p:cxnSp>
+        <p:nvCxnSpPr>
+          <p:cNvPr id="153" name="Прямая со стрелкой 152">
+            <a:extLst>
+              <a:ext uri="{FF2B5EF4-FFF2-40B4-BE49-F238E27FC236}">
+                <a16:creationId xmlns:a16="http://schemas.microsoft.com/office/drawing/2014/main" id="{EA9D8264-455A-4551-ABF8-6296062B33D9}"/>
+              </a:ext>
+            </a:extLst>
+          </p:cNvPr>
+          <p:cNvCxnSpPr>
+            <a:cxnSpLocks/>
+            <a:stCxn id="135" idx="2"/>
+            <a:endCxn id="169" idx="0"/>
+          </p:cNvCxnSpPr>
+          <p:nvPr/>
+        </p:nvCxnSpPr>
+        <p:spPr>
+          <a:xfrm>
+            <a:off x="31313648" y="3856203"/>
+            <a:ext cx="0" cy="414366"/>
+          </a:xfrm>
+          <a:prstGeom prst="straightConnector1">
+            <a:avLst/>
+          </a:prstGeom>
+          <a:ln w="28575">
+            <a:tailEnd type="arrow"/>
+          </a:ln>
+        </p:spPr>
+        <p:style>
+          <a:lnRef idx="1">
+            <a:schemeClr val="accent1"/>
+          </a:lnRef>
+          <a:fillRef idx="0">
+            <a:schemeClr val="accent1"/>
+          </a:fillRef>
+          <a:effectRef idx="0">
+            <a:schemeClr val="accent1"/>
+          </a:effectRef>
+          <a:fontRef idx="minor">
+            <a:schemeClr val="tx1"/>
+          </a:fontRef>
+        </p:style>
+      </p:cxnSp>
+      <p:sp>
+        <p:nvSpPr>
+          <p:cNvPr id="156" name="Прямоугольник 155">
+            <a:extLst>
+              <a:ext uri="{FF2B5EF4-FFF2-40B4-BE49-F238E27FC236}">
+                <a16:creationId xmlns:a16="http://schemas.microsoft.com/office/drawing/2014/main" id="{377D5909-415A-4F8E-95B2-1775A6D6FF33}"/>
+              </a:ext>
+            </a:extLst>
+          </p:cNvPr>
+          <p:cNvSpPr/>
+          <p:nvPr/>
+        </p:nvSpPr>
+        <p:spPr>
+          <a:xfrm>
+            <a:off x="34055790" y="5768819"/>
+            <a:ext cx="2115918" cy="1080000"/>
+          </a:xfrm>
+          <a:prstGeom prst="rect">
+            <a:avLst/>
+          </a:prstGeom>
+          <a:solidFill>
+            <a:srgbClr val="FF0000"/>
+          </a:solidFill>
+          <a:ln w="28575"/>
+        </p:spPr>
+        <p:style>
+          <a:lnRef idx="2">
+            <a:schemeClr val="accent1"/>
+          </a:lnRef>
+          <a:fillRef idx="1">
+            <a:schemeClr val="lt1"/>
+          </a:fillRef>
+          <a:effectRef idx="0">
+            <a:schemeClr val="accent1"/>
+          </a:effectRef>
+          <a:fontRef idx="minor">
+            <a:schemeClr val="dk1"/>
+          </a:fontRef>
+        </p:style>
+        <p:txBody>
+          <a:bodyPr lIns="124733" tIns="62367" rIns="124733" bIns="62367" rtlCol="0" anchor="ctr"/>
+          <a:lstStyle/>
+          <a:p>
+            <a:pPr algn="ctr"/>
+            <a:r>
+              <a:rPr lang="ru-RU" sz="1400" dirty="0"/>
+              <a:t>Автоматизация кавалерии</a:t>
+            </a:r>
+          </a:p>
+        </p:txBody>
+      </p:sp>
+      <p:sp>
+        <p:nvSpPr>
+          <p:cNvPr id="158" name="Прямоугольник 157">
+            <a:extLst>
+              <a:ext uri="{FF2B5EF4-FFF2-40B4-BE49-F238E27FC236}">
+                <a16:creationId xmlns:a16="http://schemas.microsoft.com/office/drawing/2014/main" id="{2B29B70B-8A2E-4086-A613-0AF82C7A82D5}"/>
+              </a:ext>
+            </a:extLst>
+          </p:cNvPr>
+          <p:cNvSpPr/>
+          <p:nvPr/>
+        </p:nvSpPr>
+        <p:spPr>
+          <a:xfrm>
+            <a:off x="36635958" y="5768819"/>
+            <a:ext cx="2115918" cy="1080000"/>
+          </a:xfrm>
+          <a:prstGeom prst="rect">
+            <a:avLst/>
+          </a:prstGeom>
+          <a:solidFill>
+            <a:srgbClr val="FF0000"/>
+          </a:solidFill>
+          <a:ln w="28575"/>
+        </p:spPr>
+        <p:style>
+          <a:lnRef idx="2">
+            <a:schemeClr val="accent1"/>
+          </a:lnRef>
+          <a:fillRef idx="1">
+            <a:schemeClr val="lt1"/>
+          </a:fillRef>
+          <a:effectRef idx="0">
+            <a:schemeClr val="accent1"/>
+          </a:effectRef>
+          <a:fontRef idx="minor">
+            <a:schemeClr val="dk1"/>
+          </a:fontRef>
+        </p:style>
+        <p:txBody>
+          <a:bodyPr lIns="124733" tIns="62367" rIns="124733" bIns="62367" rtlCol="0" anchor="ctr"/>
+          <a:lstStyle/>
+          <a:p>
+            <a:pPr algn="ctr"/>
+            <a:r>
+              <a:rPr lang="ru-RU" sz="1400" dirty="0"/>
+              <a:t>Реформировать кавалерию</a:t>
+            </a:r>
+          </a:p>
+        </p:txBody>
+      </p:sp>
+      <p:cxnSp>
+        <p:nvCxnSpPr>
+          <p:cNvPr id="160" name="Прямая соединительная линия 159">
+            <a:extLst>
+              <a:ext uri="{FF2B5EF4-FFF2-40B4-BE49-F238E27FC236}">
+                <a16:creationId xmlns:a16="http://schemas.microsoft.com/office/drawing/2014/main" id="{7B93C457-F8D5-4FC9-A67F-99B4C1247992}"/>
+              </a:ext>
+            </a:extLst>
+          </p:cNvPr>
+          <p:cNvCxnSpPr>
+            <a:cxnSpLocks/>
+            <a:stCxn id="158" idx="1"/>
+            <a:endCxn id="156" idx="3"/>
+          </p:cNvCxnSpPr>
+          <p:nvPr/>
+        </p:nvCxnSpPr>
+        <p:spPr>
+          <a:xfrm flipH="1">
+            <a:off x="36171708" y="6308819"/>
+            <a:ext cx="464250" cy="0"/>
+          </a:xfrm>
+          <a:prstGeom prst="line">
+            <a:avLst/>
+          </a:prstGeom>
+          <a:ln w="28575">
+            <a:solidFill>
+              <a:srgbClr val="FF0000"/>
+            </a:solidFill>
+          </a:ln>
+        </p:spPr>
+        <p:style>
+          <a:lnRef idx="1">
+            <a:schemeClr val="accent1"/>
+          </a:lnRef>
+          <a:fillRef idx="0">
+            <a:schemeClr val="accent1"/>
+          </a:fillRef>
+          <a:effectRef idx="0">
+            <a:schemeClr val="accent1"/>
+          </a:effectRef>
+          <a:fontRef idx="minor">
+            <a:schemeClr val="tx1"/>
+          </a:fontRef>
+        </p:style>
+      </p:cxnSp>
+      <p:cxnSp>
+        <p:nvCxnSpPr>
+          <p:cNvPr id="161" name="Соединительная линия уступом 175">
+            <a:extLst>
+              <a:ext uri="{FF2B5EF4-FFF2-40B4-BE49-F238E27FC236}">
+                <a16:creationId xmlns:a16="http://schemas.microsoft.com/office/drawing/2014/main" id="{78417968-5148-43D3-9A73-22689540E1F1}"/>
+              </a:ext>
+            </a:extLst>
+          </p:cNvPr>
+          <p:cNvCxnSpPr>
+            <a:cxnSpLocks/>
+            <a:stCxn id="146" idx="2"/>
+            <a:endCxn id="158" idx="0"/>
+          </p:cNvCxnSpPr>
+          <p:nvPr/>
+        </p:nvCxnSpPr>
+        <p:spPr>
+          <a:xfrm rot="16200000" flipH="1">
+            <a:off x="36831775" y="4906676"/>
+            <a:ext cx="418251" cy="1306033"/>
+          </a:xfrm>
+          <a:prstGeom prst="bentConnector3">
+            <a:avLst>
+              <a:gd name="adj1" fmla="val 50000"/>
+            </a:avLst>
+          </a:prstGeom>
+          <a:ln w="28575">
+            <a:tailEnd type="arrow"/>
+          </a:ln>
+        </p:spPr>
+        <p:style>
+          <a:lnRef idx="1">
+            <a:schemeClr val="accent1"/>
+          </a:lnRef>
+          <a:fillRef idx="0">
+            <a:schemeClr val="accent1"/>
+          </a:fillRef>
+          <a:effectRef idx="0">
+            <a:schemeClr val="accent1"/>
+          </a:effectRef>
+          <a:fontRef idx="minor">
+            <a:schemeClr val="tx1"/>
+          </a:fontRef>
+        </p:style>
+      </p:cxnSp>
+      <p:cxnSp>
+        <p:nvCxnSpPr>
+          <p:cNvPr id="168" name="Соединительная линия уступом 175">
+            <a:extLst>
+              <a:ext uri="{FF2B5EF4-FFF2-40B4-BE49-F238E27FC236}">
+                <a16:creationId xmlns:a16="http://schemas.microsoft.com/office/drawing/2014/main" id="{BEB12358-8129-41E0-B0CD-D58B7EFA044A}"/>
+              </a:ext>
+            </a:extLst>
+          </p:cNvPr>
+          <p:cNvCxnSpPr>
+            <a:cxnSpLocks/>
+            <a:stCxn id="146" idx="2"/>
+            <a:endCxn id="156" idx="0"/>
+          </p:cNvCxnSpPr>
+          <p:nvPr/>
+        </p:nvCxnSpPr>
+        <p:spPr>
+          <a:xfrm rot="5400000">
+            <a:off x="35541692" y="4922626"/>
+            <a:ext cx="418251" cy="1274135"/>
+          </a:xfrm>
+          <a:prstGeom prst="bentConnector3">
+            <a:avLst>
+              <a:gd name="adj1" fmla="val 50000"/>
+            </a:avLst>
+          </a:prstGeom>
+          <a:ln w="28575">
+            <a:tailEnd type="arrow"/>
+          </a:ln>
+        </p:spPr>
+        <p:style>
+          <a:lnRef idx="1">
+            <a:schemeClr val="accent1"/>
+          </a:lnRef>
+          <a:fillRef idx="0">
+            <a:schemeClr val="accent1"/>
+          </a:fillRef>
+          <a:effectRef idx="0">
+            <a:schemeClr val="accent1"/>
+          </a:effectRef>
+          <a:fontRef idx="minor">
+            <a:schemeClr val="tx1"/>
+          </a:fontRef>
+        </p:style>
+      </p:cxnSp>
+      <p:sp>
+        <p:nvSpPr>
+          <p:cNvPr id="169" name="Прямоугольник 168">
+            <a:extLst>
+              <a:ext uri="{FF2B5EF4-FFF2-40B4-BE49-F238E27FC236}">
+                <a16:creationId xmlns:a16="http://schemas.microsoft.com/office/drawing/2014/main" id="{B2A2D316-5D41-4326-BAB8-6BB5FF211D8B}"/>
+              </a:ext>
+            </a:extLst>
+          </p:cNvPr>
+          <p:cNvSpPr/>
+          <p:nvPr/>
+        </p:nvSpPr>
+        <p:spPr>
+          <a:xfrm>
+            <a:off x="30255689" y="4270569"/>
+            <a:ext cx="2115918" cy="1080000"/>
+          </a:xfrm>
+          <a:prstGeom prst="rect">
+            <a:avLst/>
+          </a:prstGeom>
+          <a:solidFill>
+            <a:srgbClr val="FF0000"/>
+          </a:solidFill>
+          <a:ln w="28575"/>
+        </p:spPr>
+        <p:style>
+          <a:lnRef idx="2">
+            <a:schemeClr val="accent1"/>
+          </a:lnRef>
+          <a:fillRef idx="1">
+            <a:schemeClr val="lt1"/>
+          </a:fillRef>
+          <a:effectRef idx="0">
+            <a:schemeClr val="accent1"/>
+          </a:effectRef>
+          <a:fontRef idx="minor">
+            <a:schemeClr val="dk1"/>
+          </a:fontRef>
+        </p:style>
+        <p:txBody>
+          <a:bodyPr lIns="124733" tIns="62367" rIns="124733" bIns="62367" rtlCol="0" anchor="ctr"/>
+          <a:lstStyle/>
+          <a:p>
+            <a:pPr algn="ctr"/>
+            <a:r>
+              <a:rPr lang="ru-RU" sz="1400" dirty="0"/>
+              <a:t>Совет секретарей Красной Армии Ирана </a:t>
+            </a:r>
+            <a:r>
+              <a:rPr lang="ru-RU" sz="700" dirty="0"/>
+              <a:t>(Однако целью этих офицеров в этом восстании было устранение системы слепого повиновения в армии, заявить о недовольстве тогдашним начальником штаба армии генерал-майором Арфой и провести реформы в прогнившей системе императорской армии.)</a:t>
+            </a:r>
+            <a:endParaRPr lang="ru-RU" sz="1400" dirty="0"/>
+          </a:p>
+        </p:txBody>
+      </p:sp>
+      <p:cxnSp>
+        <p:nvCxnSpPr>
+          <p:cNvPr id="198" name="Соединительная линия уступом 175">
+            <a:extLst>
+              <a:ext uri="{FF2B5EF4-FFF2-40B4-BE49-F238E27FC236}">
+                <a16:creationId xmlns:a16="http://schemas.microsoft.com/office/drawing/2014/main" id="{3F70111F-ACD9-4338-BD33-9EF7ABBD3ACB}"/>
+              </a:ext>
+            </a:extLst>
+          </p:cNvPr>
+          <p:cNvCxnSpPr>
+            <a:cxnSpLocks/>
+            <a:stCxn id="169" idx="2"/>
+            <a:endCxn id="138" idx="0"/>
+          </p:cNvCxnSpPr>
+          <p:nvPr/>
+        </p:nvCxnSpPr>
+        <p:spPr>
+          <a:xfrm rot="16200000" flipH="1">
+            <a:off x="31711883" y="4952334"/>
+            <a:ext cx="432606" cy="1229076"/>
+          </a:xfrm>
+          <a:prstGeom prst="bentConnector3">
+            <a:avLst>
+              <a:gd name="adj1" fmla="val 50000"/>
+            </a:avLst>
+          </a:prstGeom>
+          <a:ln w="28575">
+            <a:tailEnd type="arrow"/>
+          </a:ln>
+        </p:spPr>
+        <p:style>
+          <a:lnRef idx="1">
+            <a:schemeClr val="accent1"/>
+          </a:lnRef>
+          <a:fillRef idx="0">
+            <a:schemeClr val="accent1"/>
+          </a:fillRef>
+          <a:effectRef idx="0">
+            <a:schemeClr val="accent1"/>
+          </a:effectRef>
+          <a:fontRef idx="minor">
+            <a:schemeClr val="tx1"/>
+          </a:fontRef>
+        </p:style>
+      </p:cxnSp>
+      <p:cxnSp>
+        <p:nvCxnSpPr>
+          <p:cNvPr id="200" name="Соединительная линия уступом 175">
+            <a:extLst>
+              <a:ext uri="{FF2B5EF4-FFF2-40B4-BE49-F238E27FC236}">
+                <a16:creationId xmlns:a16="http://schemas.microsoft.com/office/drawing/2014/main" id="{B74973C9-CF6A-4D85-8A53-42DCB083CB73}"/>
+              </a:ext>
+            </a:extLst>
+          </p:cNvPr>
+          <p:cNvCxnSpPr>
+            <a:cxnSpLocks/>
+            <a:stCxn id="169" idx="2"/>
+            <a:endCxn id="137" idx="0"/>
+          </p:cNvCxnSpPr>
+          <p:nvPr/>
+        </p:nvCxnSpPr>
+        <p:spPr>
+          <a:xfrm rot="5400000">
+            <a:off x="30498071" y="4962426"/>
+            <a:ext cx="427435" cy="1203720"/>
+          </a:xfrm>
+          <a:prstGeom prst="bentConnector3">
+            <a:avLst>
+              <a:gd name="adj1" fmla="val 50000"/>
+            </a:avLst>
+          </a:prstGeom>
+          <a:ln w="28575">
+            <a:tailEnd type="arrow"/>
+          </a:ln>
+        </p:spPr>
+        <p:style>
+          <a:lnRef idx="1">
+            <a:schemeClr val="accent1"/>
+          </a:lnRef>
+          <a:fillRef idx="0">
+            <a:schemeClr val="accent1"/>
+          </a:fillRef>
+          <a:effectRef idx="0">
+            <a:schemeClr val="accent1"/>
+          </a:effectRef>
+          <a:fontRef idx="minor">
+            <a:schemeClr val="tx1"/>
+          </a:fontRef>
+        </p:style>
+      </p:cxnSp>
+      <p:sp>
+        <p:nvSpPr>
+          <p:cNvPr id="206" name="Прямоугольник 205">
+            <a:extLst>
+              <a:ext uri="{FF2B5EF4-FFF2-40B4-BE49-F238E27FC236}">
+                <a16:creationId xmlns:a16="http://schemas.microsoft.com/office/drawing/2014/main" id="{C166DCB1-5F79-4E75-94C5-CB720CC9BEF1}"/>
+              </a:ext>
+            </a:extLst>
+          </p:cNvPr>
+          <p:cNvSpPr/>
+          <p:nvPr/>
+        </p:nvSpPr>
+        <p:spPr>
+          <a:xfrm>
+            <a:off x="27725154" y="4270567"/>
+            <a:ext cx="2115918" cy="1080000"/>
+          </a:xfrm>
+          <a:prstGeom prst="rect">
+            <a:avLst/>
+          </a:prstGeom>
+          <a:solidFill>
+            <a:srgbClr val="FF0000"/>
+          </a:solidFill>
+          <a:ln w="28575"/>
+        </p:spPr>
+        <p:style>
+          <a:lnRef idx="2">
+            <a:schemeClr val="accent1"/>
+          </a:lnRef>
+          <a:fillRef idx="1">
+            <a:schemeClr val="lt1"/>
+          </a:fillRef>
+          <a:effectRef idx="0">
+            <a:schemeClr val="accent1"/>
+          </a:effectRef>
+          <a:fontRef idx="minor">
+            <a:schemeClr val="dk1"/>
+          </a:fontRef>
+        </p:style>
+        <p:txBody>
+          <a:bodyPr lIns="124733" tIns="62367" rIns="124733" bIns="62367" rtlCol="0" anchor="ctr"/>
+          <a:lstStyle/>
+          <a:p>
+            <a:pPr algn="ctr"/>
+            <a:r>
+              <a:rPr lang="ru-RU" sz="1400" dirty="0"/>
+              <a:t>Отдел военной разведки </a:t>
+            </a:r>
+            <a:r>
+              <a:rPr lang="ru-RU" sz="1200" dirty="0"/>
+              <a:t>(Капитан Хосров </a:t>
+            </a:r>
+            <a:r>
+              <a:rPr lang="ru-RU" sz="1200" dirty="0" err="1"/>
+              <a:t>Розбех</a:t>
+            </a:r>
+            <a:r>
+              <a:rPr lang="ru-RU" sz="1200" dirty="0"/>
+              <a:t> руководил отделом военной разведки партии.)</a:t>
+            </a:r>
+            <a:endParaRPr lang="ru-RU" sz="1400" dirty="0"/>
+          </a:p>
+        </p:txBody>
+      </p:sp>
+      <p:cxnSp>
+        <p:nvCxnSpPr>
+          <p:cNvPr id="212" name="Соединительная линия уступом 175">
+            <a:extLst>
+              <a:ext uri="{FF2B5EF4-FFF2-40B4-BE49-F238E27FC236}">
+                <a16:creationId xmlns:a16="http://schemas.microsoft.com/office/drawing/2014/main" id="{A74B013F-A059-42DB-84A2-24888EA5DA4C}"/>
+              </a:ext>
+            </a:extLst>
+          </p:cNvPr>
+          <p:cNvCxnSpPr>
+            <a:cxnSpLocks/>
+            <a:stCxn id="206" idx="2"/>
+            <a:endCxn id="137" idx="0"/>
+          </p:cNvCxnSpPr>
+          <p:nvPr/>
+        </p:nvCxnSpPr>
+        <p:spPr>
+          <a:xfrm rot="16200000" flipH="1">
+            <a:off x="29232802" y="4900877"/>
+            <a:ext cx="427437" cy="1326815"/>
+          </a:xfrm>
+          <a:prstGeom prst="bentConnector3">
+            <a:avLst>
+              <a:gd name="adj1" fmla="val 50000"/>
+            </a:avLst>
+          </a:prstGeom>
+          <a:ln w="28575">
+            <a:tailEnd type="arrow"/>
+          </a:ln>
+        </p:spPr>
+        <p:style>
+          <a:lnRef idx="1">
+            <a:schemeClr val="accent1"/>
+          </a:lnRef>
+          <a:fillRef idx="0">
+            <a:schemeClr val="accent1"/>
+          </a:fillRef>
+          <a:effectRef idx="0">
+            <a:schemeClr val="accent1"/>
+          </a:effectRef>
+          <a:fontRef idx="minor">
+            <a:schemeClr val="tx1"/>
+          </a:fontRef>
+        </p:style>
+      </p:cxnSp>
+      <p:cxnSp>
+        <p:nvCxnSpPr>
+          <p:cNvPr id="215" name="Соединительная линия уступом 175">
+            <a:extLst>
+              <a:ext uri="{FF2B5EF4-FFF2-40B4-BE49-F238E27FC236}">
+                <a16:creationId xmlns:a16="http://schemas.microsoft.com/office/drawing/2014/main" id="{6E88CED9-6007-413B-B269-C40360827C4A}"/>
+              </a:ext>
+            </a:extLst>
+          </p:cNvPr>
+          <p:cNvCxnSpPr>
+            <a:cxnSpLocks/>
+            <a:stCxn id="135" idx="2"/>
+            <a:endCxn id="206" idx="0"/>
+          </p:cNvCxnSpPr>
+          <p:nvPr/>
+        </p:nvCxnSpPr>
+        <p:spPr>
+          <a:xfrm rot="5400000">
+            <a:off x="29841199" y="2798118"/>
+            <a:ext cx="414364" cy="2530535"/>
+          </a:xfrm>
+          <a:prstGeom prst="bentConnector3">
+            <a:avLst>
+              <a:gd name="adj1" fmla="val 50000"/>
+            </a:avLst>
+          </a:prstGeom>
+          <a:ln w="28575">
+            <a:tailEnd type="arrow"/>
+          </a:ln>
+        </p:spPr>
+        <p:style>
+          <a:lnRef idx="1">
+            <a:schemeClr val="accent1"/>
+          </a:lnRef>
+          <a:fillRef idx="0">
+            <a:schemeClr val="accent1"/>
+          </a:fillRef>
+          <a:effectRef idx="0">
+            <a:schemeClr val="accent1"/>
+          </a:effectRef>
+          <a:fontRef idx="minor">
+            <a:schemeClr val="tx1"/>
+          </a:fontRef>
+        </p:style>
+      </p:cxnSp>
+      <p:sp>
+        <p:nvSpPr>
+          <p:cNvPr id="216" name="Прямоугольник 215">
+            <a:extLst>
+              <a:ext uri="{FF2B5EF4-FFF2-40B4-BE49-F238E27FC236}">
+                <a16:creationId xmlns:a16="http://schemas.microsoft.com/office/drawing/2014/main" id="{FA0F0E31-A588-49D9-906D-07782A740C37}"/>
+              </a:ext>
+            </a:extLst>
+          </p:cNvPr>
+          <p:cNvSpPr/>
+          <p:nvPr/>
+        </p:nvSpPr>
+        <p:spPr>
+          <a:xfrm>
+            <a:off x="37857245" y="8803066"/>
+            <a:ext cx="2115918" cy="1080000"/>
+          </a:xfrm>
+          <a:prstGeom prst="rect">
+            <a:avLst/>
+          </a:prstGeom>
+          <a:solidFill>
+            <a:srgbClr val="FF0000"/>
+          </a:solidFill>
+          <a:ln w="28575"/>
+        </p:spPr>
+        <p:style>
+          <a:lnRef idx="2">
+            <a:schemeClr val="accent1"/>
+          </a:lnRef>
+          <a:fillRef idx="1">
+            <a:schemeClr val="lt1"/>
+          </a:fillRef>
+          <a:effectRef idx="0">
+            <a:schemeClr val="accent1"/>
+          </a:effectRef>
+          <a:fontRef idx="minor">
+            <a:schemeClr val="dk1"/>
+          </a:fontRef>
+        </p:style>
+        <p:txBody>
+          <a:bodyPr lIns="124733" tIns="62367" rIns="124733" bIns="62367" rtlCol="0" anchor="ctr"/>
+          <a:lstStyle/>
+          <a:p>
+            <a:pPr algn="ctr"/>
+            <a:r>
+              <a:rPr lang="ru-RU" sz="1400" dirty="0"/>
+              <a:t>Подготовка верблюжьей кавалерии</a:t>
+            </a:r>
+          </a:p>
+        </p:txBody>
+      </p:sp>
+      <p:sp>
+        <p:nvSpPr>
+          <p:cNvPr id="217" name="Прямоугольник 216">
+            <a:extLst>
+              <a:ext uri="{FF2B5EF4-FFF2-40B4-BE49-F238E27FC236}">
+                <a16:creationId xmlns:a16="http://schemas.microsoft.com/office/drawing/2014/main" id="{ED56EC24-DAFD-4758-A10D-F6F44F78E81F}"/>
+              </a:ext>
+            </a:extLst>
+          </p:cNvPr>
+          <p:cNvSpPr/>
+          <p:nvPr/>
+        </p:nvSpPr>
+        <p:spPr>
+          <a:xfrm>
+            <a:off x="32792807" y="8797232"/>
+            <a:ext cx="2115918" cy="1080000"/>
+          </a:xfrm>
+          <a:prstGeom prst="rect">
+            <a:avLst/>
+          </a:prstGeom>
+          <a:solidFill>
+            <a:srgbClr val="FF0000"/>
+          </a:solidFill>
+          <a:ln w="28575"/>
+        </p:spPr>
+        <p:style>
+          <a:lnRef idx="2">
+            <a:schemeClr val="accent1"/>
+          </a:lnRef>
+          <a:fillRef idx="1">
+            <a:schemeClr val="lt1"/>
+          </a:fillRef>
+          <a:effectRef idx="0">
+            <a:schemeClr val="accent1"/>
+          </a:effectRef>
+          <a:fontRef idx="minor">
+            <a:schemeClr val="dk1"/>
+          </a:fontRef>
+        </p:style>
+        <p:txBody>
+          <a:bodyPr lIns="124733" tIns="62367" rIns="124733" bIns="62367" rtlCol="0" anchor="ctr"/>
+          <a:lstStyle/>
+          <a:p>
+            <a:pPr algn="ctr"/>
+            <a:r>
+              <a:rPr lang="ru-RU" sz="1400" dirty="0"/>
+              <a:t>Создание бронетанковых дивизий</a:t>
+            </a:r>
+          </a:p>
+        </p:txBody>
+      </p:sp>
+      <p:cxnSp>
+        <p:nvCxnSpPr>
+          <p:cNvPr id="250" name="Соединительная линия уступом 175">
+            <a:extLst>
+              <a:ext uri="{FF2B5EF4-FFF2-40B4-BE49-F238E27FC236}">
+                <a16:creationId xmlns:a16="http://schemas.microsoft.com/office/drawing/2014/main" id="{E64614AE-189E-4EDF-86AC-54FDCB76F5D9}"/>
+              </a:ext>
+            </a:extLst>
+          </p:cNvPr>
+          <p:cNvCxnSpPr>
+            <a:cxnSpLocks/>
+            <a:stCxn id="156" idx="2"/>
+            <a:endCxn id="217" idx="0"/>
+          </p:cNvCxnSpPr>
+          <p:nvPr/>
+        </p:nvCxnSpPr>
+        <p:spPr>
+          <a:xfrm rot="5400000">
+            <a:off x="33508052" y="7191534"/>
+            <a:ext cx="1948413" cy="1262983"/>
+          </a:xfrm>
+          <a:prstGeom prst="bentConnector3">
+            <a:avLst>
+              <a:gd name="adj1" fmla="val 10709"/>
+            </a:avLst>
+          </a:prstGeom>
+          <a:ln w="28575">
+            <a:tailEnd type="arrow"/>
+          </a:ln>
+        </p:spPr>
+        <p:style>
+          <a:lnRef idx="1">
+            <a:schemeClr val="accent1"/>
+          </a:lnRef>
+          <a:fillRef idx="0">
+            <a:schemeClr val="accent1"/>
+          </a:fillRef>
+          <a:effectRef idx="0">
+            <a:schemeClr val="accent1"/>
+          </a:effectRef>
+          <a:fontRef idx="minor">
+            <a:schemeClr val="tx1"/>
+          </a:fontRef>
+        </p:style>
+      </p:cxnSp>
+      <p:cxnSp>
+        <p:nvCxnSpPr>
+          <p:cNvPr id="254" name="Соединительная линия уступом 175">
+            <a:extLst>
+              <a:ext uri="{FF2B5EF4-FFF2-40B4-BE49-F238E27FC236}">
+                <a16:creationId xmlns:a16="http://schemas.microsoft.com/office/drawing/2014/main" id="{25BBF92D-4831-4347-A7CC-C0BE962A1887}"/>
+              </a:ext>
+            </a:extLst>
+          </p:cNvPr>
+          <p:cNvCxnSpPr>
+            <a:cxnSpLocks/>
+            <a:stCxn id="144" idx="2"/>
+            <a:endCxn id="217" idx="0"/>
+          </p:cNvCxnSpPr>
+          <p:nvPr/>
+        </p:nvCxnSpPr>
+        <p:spPr>
+          <a:xfrm rot="16200000" flipH="1">
+            <a:off x="32977447" y="7923912"/>
+            <a:ext cx="431791" cy="1314848"/>
+          </a:xfrm>
+          <a:prstGeom prst="bentConnector3">
+            <a:avLst>
+              <a:gd name="adj1" fmla="val 50000"/>
+            </a:avLst>
+          </a:prstGeom>
+          <a:ln w="28575">
+            <a:tailEnd type="arrow"/>
+          </a:ln>
+        </p:spPr>
+        <p:style>
+          <a:lnRef idx="1">
+            <a:schemeClr val="accent1"/>
+          </a:lnRef>
+          <a:fillRef idx="0">
+            <a:schemeClr val="accent1"/>
+          </a:fillRef>
+          <a:effectRef idx="0">
+            <a:schemeClr val="accent1"/>
+          </a:effectRef>
+          <a:fontRef idx="minor">
+            <a:schemeClr val="tx1"/>
+          </a:fontRef>
+        </p:style>
+      </p:cxnSp>
+      <p:sp>
+        <p:nvSpPr>
+          <p:cNvPr id="260" name="Прямоугольник 259">
+            <a:extLst>
+              <a:ext uri="{FF2B5EF4-FFF2-40B4-BE49-F238E27FC236}">
+                <a16:creationId xmlns:a16="http://schemas.microsoft.com/office/drawing/2014/main" id="{6F96A6F9-45C5-4070-A295-A94862F721FC}"/>
+              </a:ext>
+            </a:extLst>
+          </p:cNvPr>
+          <p:cNvSpPr/>
+          <p:nvPr/>
+        </p:nvSpPr>
+        <p:spPr>
+          <a:xfrm>
+            <a:off x="34056524" y="7283025"/>
+            <a:ext cx="2115918" cy="1080000"/>
+          </a:xfrm>
+          <a:prstGeom prst="rect">
+            <a:avLst/>
+          </a:prstGeom>
+          <a:solidFill>
+            <a:srgbClr val="FF0000"/>
+          </a:solidFill>
+          <a:ln w="28575"/>
+        </p:spPr>
+        <p:style>
+          <a:lnRef idx="2">
+            <a:schemeClr val="accent1"/>
+          </a:lnRef>
+          <a:fillRef idx="1">
+            <a:schemeClr val="lt1"/>
+          </a:fillRef>
+          <a:effectRef idx="0">
+            <a:schemeClr val="accent1"/>
+          </a:effectRef>
+          <a:fontRef idx="minor">
+            <a:schemeClr val="dk1"/>
+          </a:fontRef>
+        </p:style>
+        <p:txBody>
+          <a:bodyPr lIns="124733" tIns="62367" rIns="124733" bIns="62367" rtlCol="0" anchor="ctr"/>
+          <a:lstStyle/>
+          <a:p>
+            <a:pPr algn="ctr"/>
+            <a:r>
+              <a:rPr lang="ru-RU" sz="1400" dirty="0"/>
+              <a:t>Реформирование армейской логистики</a:t>
+            </a:r>
+          </a:p>
+        </p:txBody>
+      </p:sp>
+      <p:cxnSp>
+        <p:nvCxnSpPr>
+          <p:cNvPr id="261" name="Прямая со стрелкой 260">
+            <a:extLst>
+              <a:ext uri="{FF2B5EF4-FFF2-40B4-BE49-F238E27FC236}">
+                <a16:creationId xmlns:a16="http://schemas.microsoft.com/office/drawing/2014/main" id="{C313E580-DA0A-45C9-B638-D91CED067BCA}"/>
+              </a:ext>
+            </a:extLst>
+          </p:cNvPr>
+          <p:cNvCxnSpPr>
+            <a:cxnSpLocks/>
+            <a:stCxn id="156" idx="2"/>
+            <a:endCxn id="260" idx="0"/>
+          </p:cNvCxnSpPr>
+          <p:nvPr/>
+        </p:nvCxnSpPr>
+        <p:spPr>
+          <a:xfrm>
+            <a:off x="35113749" y="6848819"/>
+            <a:ext cx="734" cy="434206"/>
+          </a:xfrm>
+          <a:prstGeom prst="straightConnector1">
+            <a:avLst/>
+          </a:prstGeom>
+          <a:ln w="28575">
+            <a:prstDash val="dash"/>
+            <a:tailEnd type="arrow"/>
+          </a:ln>
+        </p:spPr>
+        <p:style>
+          <a:lnRef idx="1">
+            <a:schemeClr val="accent1"/>
+          </a:lnRef>
+          <a:fillRef idx="0">
+            <a:schemeClr val="accent1"/>
+          </a:fillRef>
+          <a:effectRef idx="0">
+            <a:schemeClr val="accent1"/>
+          </a:effectRef>
+          <a:fontRef idx="minor">
+            <a:schemeClr val="tx1"/>
+          </a:fontRef>
+        </p:style>
+      </p:cxnSp>
+      <p:cxnSp>
+        <p:nvCxnSpPr>
+          <p:cNvPr id="266" name="Соединительная линия уступом 175">
+            <a:extLst>
+              <a:ext uri="{FF2B5EF4-FFF2-40B4-BE49-F238E27FC236}">
+                <a16:creationId xmlns:a16="http://schemas.microsoft.com/office/drawing/2014/main" id="{BB28B076-6515-44D5-91C7-0A5EC27B1EE6}"/>
+              </a:ext>
+            </a:extLst>
+          </p:cNvPr>
+          <p:cNvCxnSpPr>
+            <a:cxnSpLocks/>
+            <a:stCxn id="158" idx="2"/>
+            <a:endCxn id="260" idx="0"/>
+          </p:cNvCxnSpPr>
+          <p:nvPr/>
+        </p:nvCxnSpPr>
+        <p:spPr>
+          <a:xfrm rot="5400000">
+            <a:off x="36187097" y="5776205"/>
+            <a:ext cx="434206" cy="2579434"/>
+          </a:xfrm>
+          <a:prstGeom prst="bentConnector3">
+            <a:avLst>
+              <a:gd name="adj1" fmla="val 50000"/>
+            </a:avLst>
+          </a:prstGeom>
+          <a:ln w="28575">
+            <a:prstDash val="dash"/>
+            <a:tailEnd type="arrow"/>
+          </a:ln>
+        </p:spPr>
+        <p:style>
+          <a:lnRef idx="1">
+            <a:schemeClr val="accent1"/>
+          </a:lnRef>
+          <a:fillRef idx="0">
+            <a:schemeClr val="accent1"/>
+          </a:fillRef>
+          <a:effectRef idx="0">
+            <a:schemeClr val="accent1"/>
+          </a:effectRef>
+          <a:fontRef idx="minor">
+            <a:schemeClr val="tx1"/>
+          </a:fontRef>
+        </p:style>
+      </p:cxnSp>
+      <p:sp>
+        <p:nvSpPr>
+          <p:cNvPr id="268" name="Прямоугольник 267">
+            <a:extLst>
+              <a:ext uri="{FF2B5EF4-FFF2-40B4-BE49-F238E27FC236}">
+                <a16:creationId xmlns:a16="http://schemas.microsoft.com/office/drawing/2014/main" id="{B0D6C94D-9A2B-481C-AB59-A367C73342FE}"/>
+              </a:ext>
+            </a:extLst>
+          </p:cNvPr>
+          <p:cNvSpPr/>
+          <p:nvPr/>
+        </p:nvSpPr>
+        <p:spPr>
+          <a:xfrm>
+            <a:off x="40456443" y="4269759"/>
+            <a:ext cx="2115918" cy="1080000"/>
+          </a:xfrm>
+          <a:prstGeom prst="rect">
+            <a:avLst/>
+          </a:prstGeom>
+          <a:solidFill>
+            <a:srgbClr val="FF0000"/>
+          </a:solidFill>
+          <a:ln w="28575"/>
+        </p:spPr>
+        <p:style>
+          <a:lnRef idx="2">
+            <a:schemeClr val="accent1"/>
+          </a:lnRef>
+          <a:fillRef idx="1">
+            <a:schemeClr val="lt1"/>
+          </a:fillRef>
+          <a:effectRef idx="0">
+            <a:schemeClr val="accent1"/>
+          </a:effectRef>
+          <a:fontRef idx="minor">
+            <a:schemeClr val="dk1"/>
+          </a:fontRef>
+        </p:style>
+        <p:txBody>
+          <a:bodyPr lIns="124733" tIns="62367" rIns="124733" bIns="62367" rtlCol="0" anchor="ctr"/>
+          <a:lstStyle/>
+          <a:p>
+            <a:pPr algn="ctr"/>
+            <a:r>
+              <a:rPr lang="ru-RU" sz="1400" dirty="0"/>
+              <a:t>Лётчики верные Марксу </a:t>
+            </a:r>
+            <a:r>
+              <a:rPr lang="ru-RU" sz="900" dirty="0"/>
+              <a:t>(с самого начала существования партии </a:t>
+            </a:r>
+            <a:r>
+              <a:rPr lang="ru-RU" sz="900" dirty="0" err="1"/>
+              <a:t>Туде</a:t>
+            </a:r>
+            <a:r>
+              <a:rPr lang="ru-RU" sz="900" dirty="0"/>
+              <a:t> к ней присоединились несколько армейских офицеров, особенно </a:t>
+            </a:r>
+            <a:r>
+              <a:rPr lang="ru-RU" sz="900" dirty="0" err="1"/>
+              <a:t>марксистски</a:t>
+            </a:r>
+            <a:r>
+              <a:rPr lang="ru-RU" sz="900" dirty="0"/>
+              <a:t> настроенных ВВС)</a:t>
+            </a:r>
+            <a:endParaRPr lang="ru-RU" sz="1400" dirty="0"/>
+          </a:p>
+        </p:txBody>
+      </p:sp>
+      <p:cxnSp>
+        <p:nvCxnSpPr>
+          <p:cNvPr id="269" name="Соединительная линия уступом 175">
+            <a:extLst>
+              <a:ext uri="{FF2B5EF4-FFF2-40B4-BE49-F238E27FC236}">
+                <a16:creationId xmlns:a16="http://schemas.microsoft.com/office/drawing/2014/main" id="{E5063ED7-9C89-40E3-92EA-F0A44644F498}"/>
+              </a:ext>
+            </a:extLst>
+          </p:cNvPr>
+          <p:cNvCxnSpPr>
+            <a:cxnSpLocks/>
+            <a:stCxn id="135" idx="2"/>
+            <a:endCxn id="268" idx="0"/>
+          </p:cNvCxnSpPr>
+          <p:nvPr/>
+        </p:nvCxnSpPr>
+        <p:spPr>
+          <a:xfrm rot="16200000" flipH="1">
+            <a:off x="36207247" y="-1037396"/>
+            <a:ext cx="413556" cy="10200754"/>
+          </a:xfrm>
+          <a:prstGeom prst="bentConnector3">
+            <a:avLst>
+              <a:gd name="adj1" fmla="val 50000"/>
+            </a:avLst>
+          </a:prstGeom>
+          <a:ln w="28575">
+            <a:tailEnd type="arrow"/>
+          </a:ln>
+        </p:spPr>
+        <p:style>
+          <a:lnRef idx="1">
+            <a:schemeClr val="accent1"/>
+          </a:lnRef>
+          <a:fillRef idx="0">
+            <a:schemeClr val="accent1"/>
+          </a:fillRef>
+          <a:effectRef idx="0">
+            <a:schemeClr val="accent1"/>
+          </a:effectRef>
+          <a:fontRef idx="minor">
+            <a:schemeClr val="tx1"/>
+          </a:fontRef>
+        </p:style>
+      </p:cxnSp>
+      <p:cxnSp>
+        <p:nvCxnSpPr>
+          <p:cNvPr id="273" name="Соединительная линия уступом 175">
+            <a:extLst>
+              <a:ext uri="{FF2B5EF4-FFF2-40B4-BE49-F238E27FC236}">
+                <a16:creationId xmlns:a16="http://schemas.microsoft.com/office/drawing/2014/main" id="{FAB12AD6-E143-4381-B5EB-508651C800B7}"/>
+              </a:ext>
+            </a:extLst>
+          </p:cNvPr>
+          <p:cNvCxnSpPr>
+            <a:cxnSpLocks/>
+            <a:stCxn id="144" idx="2"/>
+            <a:endCxn id="276" idx="0"/>
+          </p:cNvCxnSpPr>
+          <p:nvPr/>
+        </p:nvCxnSpPr>
+        <p:spPr>
+          <a:xfrm rot="5400000">
+            <a:off x="31708888" y="7970201"/>
+            <a:ext cx="431791" cy="1222270"/>
+          </a:xfrm>
+          <a:prstGeom prst="bentConnector3">
+            <a:avLst>
+              <a:gd name="adj1" fmla="val 50000"/>
+            </a:avLst>
+          </a:prstGeom>
+          <a:ln w="28575">
+            <a:prstDash val="dash"/>
+            <a:tailEnd type="arrow"/>
+          </a:ln>
+        </p:spPr>
+        <p:style>
+          <a:lnRef idx="1">
+            <a:schemeClr val="accent1"/>
+          </a:lnRef>
+          <a:fillRef idx="0">
+            <a:schemeClr val="accent1"/>
+          </a:fillRef>
+          <a:effectRef idx="0">
+            <a:schemeClr val="accent1"/>
+          </a:effectRef>
+          <a:fontRef idx="minor">
+            <a:schemeClr val="tx1"/>
+          </a:fontRef>
+        </p:style>
+      </p:cxnSp>
+      <p:sp>
+        <p:nvSpPr>
+          <p:cNvPr id="276" name="Прямоугольник 275">
+            <a:extLst>
+              <a:ext uri="{FF2B5EF4-FFF2-40B4-BE49-F238E27FC236}">
+                <a16:creationId xmlns:a16="http://schemas.microsoft.com/office/drawing/2014/main" id="{BFFA81ED-E8EF-4295-A123-44371E58EA47}"/>
+              </a:ext>
+            </a:extLst>
+          </p:cNvPr>
+          <p:cNvSpPr/>
+          <p:nvPr/>
+        </p:nvSpPr>
+        <p:spPr>
+          <a:xfrm>
+            <a:off x="30255689" y="8797232"/>
+            <a:ext cx="2115918" cy="1080000"/>
+          </a:xfrm>
+          <a:prstGeom prst="rect">
+            <a:avLst/>
+          </a:prstGeom>
+          <a:solidFill>
+            <a:srgbClr val="FF0000"/>
+          </a:solidFill>
+          <a:ln w="28575"/>
+        </p:spPr>
+        <p:style>
+          <a:lnRef idx="2">
+            <a:schemeClr val="accent1"/>
+          </a:lnRef>
+          <a:fillRef idx="1">
+            <a:schemeClr val="lt1"/>
+          </a:fillRef>
+          <a:effectRef idx="0">
+            <a:schemeClr val="accent1"/>
+          </a:effectRef>
+          <a:fontRef idx="minor">
+            <a:schemeClr val="dk1"/>
+          </a:fontRef>
+        </p:style>
+        <p:txBody>
+          <a:bodyPr lIns="124733" tIns="62367" rIns="124733" bIns="62367" rtlCol="0" anchor="ctr"/>
+          <a:lstStyle/>
+          <a:p>
+            <a:pPr algn="ctr"/>
+            <a:r>
+              <a:rPr lang="ru-RU" sz="1400" dirty="0"/>
+              <a:t>Народные офицеры </a:t>
+            </a:r>
+            <a:r>
+              <a:rPr lang="ru-RU" sz="500" dirty="0"/>
+              <a:t>(Первоначально военная академия была основным центром деятельности массового офицерства, но позже усилиями полковника </a:t>
+            </a:r>
+            <a:r>
+              <a:rPr lang="ru-RU" sz="500" dirty="0" err="1"/>
+              <a:t>Абдолреза</a:t>
+            </a:r>
+            <a:r>
+              <a:rPr lang="ru-RU" sz="500" dirty="0"/>
+              <a:t> Азара эта военная организация была организована. Али </a:t>
+            </a:r>
+            <a:r>
+              <a:rPr lang="ru-RU" sz="500" dirty="0" err="1"/>
+              <a:t>Асгар</a:t>
+            </a:r>
+            <a:r>
+              <a:rPr lang="ru-RU" sz="500" dirty="0"/>
+              <a:t> </a:t>
+            </a:r>
+            <a:r>
+              <a:rPr lang="ru-RU" sz="500" dirty="0" err="1"/>
+              <a:t>Эхсани</a:t>
+            </a:r>
+            <a:r>
+              <a:rPr lang="ru-RU" sz="500" dirty="0"/>
+              <a:t> описывает мотивы вербовки некоторых офицеров в партию </a:t>
+            </a:r>
+            <a:r>
+              <a:rPr lang="ru-RU" sz="500" dirty="0" err="1"/>
+              <a:t>Туде</a:t>
+            </a:r>
+            <a:r>
+              <a:rPr lang="ru-RU" sz="500" dirty="0"/>
+              <a:t> следующим образом: «Потому что на нас, не из влиятельных и богатых семей, смотрели свысока»)</a:t>
+            </a:r>
+          </a:p>
+        </p:txBody>
+      </p:sp>
+      <p:cxnSp>
+        <p:nvCxnSpPr>
+          <p:cNvPr id="278" name="Соединительная линия уступом 175">
+            <a:extLst>
+              <a:ext uri="{FF2B5EF4-FFF2-40B4-BE49-F238E27FC236}">
+                <a16:creationId xmlns:a16="http://schemas.microsoft.com/office/drawing/2014/main" id="{81607F1D-D0B5-4EA4-894D-E74EC4F5B485}"/>
+              </a:ext>
+            </a:extLst>
+          </p:cNvPr>
+          <p:cNvCxnSpPr>
+            <a:cxnSpLocks/>
+            <a:stCxn id="143" idx="2"/>
+            <a:endCxn id="276" idx="0"/>
+          </p:cNvCxnSpPr>
+          <p:nvPr/>
+        </p:nvCxnSpPr>
+        <p:spPr>
+          <a:xfrm rot="16200000" flipH="1">
+            <a:off x="30495893" y="7979476"/>
+            <a:ext cx="431791" cy="1203720"/>
+          </a:xfrm>
+          <a:prstGeom prst="bentConnector3">
+            <a:avLst>
+              <a:gd name="adj1" fmla="val 50000"/>
+            </a:avLst>
+          </a:prstGeom>
+          <a:ln w="28575">
+            <a:prstDash val="dash"/>
+            <a:tailEnd type="arrow"/>
+          </a:ln>
+        </p:spPr>
+        <p:style>
+          <a:lnRef idx="1">
+            <a:schemeClr val="accent1"/>
+          </a:lnRef>
+          <a:fillRef idx="0">
+            <a:schemeClr val="accent1"/>
+          </a:fillRef>
+          <a:effectRef idx="0">
+            <a:schemeClr val="accent1"/>
+          </a:effectRef>
+          <a:fontRef idx="minor">
+            <a:schemeClr val="tx1"/>
+          </a:fontRef>
+        </p:style>
+      </p:cxnSp>
+      <p:sp>
+        <p:nvSpPr>
+          <p:cNvPr id="283" name="Прямоугольник 282">
+            <a:extLst>
+              <a:ext uri="{FF2B5EF4-FFF2-40B4-BE49-F238E27FC236}">
+                <a16:creationId xmlns:a16="http://schemas.microsoft.com/office/drawing/2014/main" id="{23F47D6A-F2C2-4717-AA78-E5300EEF8D3B}"/>
+              </a:ext>
+            </a:extLst>
+          </p:cNvPr>
+          <p:cNvSpPr/>
+          <p:nvPr/>
+        </p:nvSpPr>
+        <p:spPr>
+          <a:xfrm>
+            <a:off x="36635958" y="7283025"/>
+            <a:ext cx="2115918" cy="1080000"/>
+          </a:xfrm>
+          <a:prstGeom prst="rect">
+            <a:avLst/>
+          </a:prstGeom>
+          <a:solidFill>
+            <a:srgbClr val="FF0000"/>
+          </a:solidFill>
+          <a:ln w="28575"/>
+        </p:spPr>
+        <p:style>
+          <a:lnRef idx="2">
+            <a:schemeClr val="accent1"/>
+          </a:lnRef>
+          <a:fillRef idx="1">
+            <a:schemeClr val="lt1"/>
+          </a:fillRef>
+          <a:effectRef idx="0">
+            <a:schemeClr val="accent1"/>
+          </a:effectRef>
+          <a:fontRef idx="minor">
+            <a:schemeClr val="dk1"/>
+          </a:fontRef>
+        </p:style>
+        <p:txBody>
+          <a:bodyPr lIns="124733" tIns="62367" rIns="124733" bIns="62367" rtlCol="0" anchor="ctr"/>
+          <a:lstStyle/>
+          <a:p>
+            <a:pPr algn="ctr"/>
+            <a:r>
+              <a:rPr lang="ru-RU" sz="1400" dirty="0"/>
+              <a:t>Подготовка к войне в пустыне</a:t>
+            </a:r>
+          </a:p>
+        </p:txBody>
+      </p:sp>
+      <p:cxnSp>
+        <p:nvCxnSpPr>
+          <p:cNvPr id="289" name="Соединительная линия уступом 175">
+            <a:extLst>
+              <a:ext uri="{FF2B5EF4-FFF2-40B4-BE49-F238E27FC236}">
+                <a16:creationId xmlns:a16="http://schemas.microsoft.com/office/drawing/2014/main" id="{38933410-BBAE-49A5-8E61-5B0F25DCE413}"/>
+              </a:ext>
+            </a:extLst>
+          </p:cNvPr>
+          <p:cNvCxnSpPr>
+            <a:cxnSpLocks/>
+            <a:stCxn id="156" idx="2"/>
+            <a:endCxn id="283" idx="0"/>
+          </p:cNvCxnSpPr>
+          <p:nvPr/>
+        </p:nvCxnSpPr>
+        <p:spPr>
+          <a:xfrm rot="16200000" flipH="1">
+            <a:off x="36186730" y="5775838"/>
+            <a:ext cx="434206" cy="2580168"/>
+          </a:xfrm>
+          <a:prstGeom prst="bentConnector3">
+            <a:avLst>
+              <a:gd name="adj1" fmla="val 50000"/>
+            </a:avLst>
+          </a:prstGeom>
+          <a:ln w="28575">
+            <a:prstDash val="dash"/>
+            <a:tailEnd type="arrow"/>
+          </a:ln>
+        </p:spPr>
+        <p:style>
+          <a:lnRef idx="1">
+            <a:schemeClr val="accent1"/>
+          </a:lnRef>
+          <a:fillRef idx="0">
+            <a:schemeClr val="accent1"/>
+          </a:fillRef>
+          <a:effectRef idx="0">
+            <a:schemeClr val="accent1"/>
+          </a:effectRef>
+          <a:fontRef idx="minor">
+            <a:schemeClr val="tx1"/>
+          </a:fontRef>
+        </p:style>
+      </p:cxnSp>
+      <p:cxnSp>
+        <p:nvCxnSpPr>
+          <p:cNvPr id="290" name="Прямая со стрелкой 289">
+            <a:extLst>
+              <a:ext uri="{FF2B5EF4-FFF2-40B4-BE49-F238E27FC236}">
+                <a16:creationId xmlns:a16="http://schemas.microsoft.com/office/drawing/2014/main" id="{672128C6-8ECE-4FD3-99DC-31FF4B9CDB6B}"/>
+              </a:ext>
+            </a:extLst>
+          </p:cNvPr>
+          <p:cNvCxnSpPr>
+            <a:cxnSpLocks/>
+            <a:stCxn id="158" idx="2"/>
+            <a:endCxn id="283" idx="0"/>
+          </p:cNvCxnSpPr>
+          <p:nvPr/>
+        </p:nvCxnSpPr>
+        <p:spPr>
+          <a:xfrm>
+            <a:off x="37693917" y="6848819"/>
+            <a:ext cx="0" cy="434206"/>
+          </a:xfrm>
+          <a:prstGeom prst="straightConnector1">
+            <a:avLst/>
+          </a:prstGeom>
+          <a:ln w="28575">
+            <a:prstDash val="dash"/>
+            <a:tailEnd type="arrow"/>
+          </a:ln>
+        </p:spPr>
+        <p:style>
+          <a:lnRef idx="1">
+            <a:schemeClr val="accent1"/>
+          </a:lnRef>
+          <a:fillRef idx="0">
+            <a:schemeClr val="accent1"/>
+          </a:fillRef>
+          <a:effectRef idx="0">
+            <a:schemeClr val="accent1"/>
+          </a:effectRef>
+          <a:fontRef idx="minor">
+            <a:schemeClr val="tx1"/>
+          </a:fontRef>
+        </p:style>
+      </p:cxnSp>
+      <p:cxnSp>
+        <p:nvCxnSpPr>
+          <p:cNvPr id="291" name="Соединительная линия уступом 175">
+            <a:extLst>
+              <a:ext uri="{FF2B5EF4-FFF2-40B4-BE49-F238E27FC236}">
+                <a16:creationId xmlns:a16="http://schemas.microsoft.com/office/drawing/2014/main" id="{BC61209C-F780-491E-82AD-CA454C714FA3}"/>
+              </a:ext>
+            </a:extLst>
+          </p:cNvPr>
+          <p:cNvCxnSpPr>
+            <a:cxnSpLocks/>
+            <a:stCxn id="158" idx="2"/>
+            <a:endCxn id="216" idx="0"/>
+          </p:cNvCxnSpPr>
+          <p:nvPr/>
+        </p:nvCxnSpPr>
+        <p:spPr>
+          <a:xfrm rot="16200000" flipH="1">
+            <a:off x="37327437" y="7215298"/>
+            <a:ext cx="1954247" cy="1221287"/>
+          </a:xfrm>
+          <a:prstGeom prst="bentConnector3">
+            <a:avLst>
+              <a:gd name="adj1" fmla="val 10827"/>
+            </a:avLst>
+          </a:prstGeom>
+          <a:ln w="28575">
+            <a:tailEnd type="arrow"/>
+          </a:ln>
+        </p:spPr>
+        <p:style>
+          <a:lnRef idx="1">
+            <a:schemeClr val="accent1"/>
+          </a:lnRef>
+          <a:fillRef idx="0">
+            <a:schemeClr val="accent1"/>
+          </a:fillRef>
+          <a:effectRef idx="0">
+            <a:schemeClr val="accent1"/>
+          </a:effectRef>
+          <a:fontRef idx="minor">
+            <a:schemeClr val="tx1"/>
+          </a:fontRef>
+        </p:style>
+      </p:cxnSp>
+      <p:cxnSp>
+        <p:nvCxnSpPr>
+          <p:cNvPr id="295" name="Соединительная линия уступом 175">
+            <a:extLst>
+              <a:ext uri="{FF2B5EF4-FFF2-40B4-BE49-F238E27FC236}">
+                <a16:creationId xmlns:a16="http://schemas.microsoft.com/office/drawing/2014/main" id="{EEA79DDF-E420-4D9A-9126-75E15BD2A149}"/>
+              </a:ext>
+            </a:extLst>
+          </p:cNvPr>
+          <p:cNvCxnSpPr>
+            <a:cxnSpLocks/>
+            <a:stCxn id="283" idx="2"/>
+            <a:endCxn id="216" idx="0"/>
+          </p:cNvCxnSpPr>
+          <p:nvPr/>
+        </p:nvCxnSpPr>
+        <p:spPr>
+          <a:xfrm rot="16200000" flipH="1">
+            <a:off x="38084540" y="7972401"/>
+            <a:ext cx="440041" cy="1221287"/>
+          </a:xfrm>
+          <a:prstGeom prst="bentConnector3">
+            <a:avLst>
+              <a:gd name="adj1" fmla="val 50000"/>
+            </a:avLst>
+          </a:prstGeom>
+          <a:ln w="28575">
+            <a:tailEnd type="arrow"/>
+          </a:ln>
+        </p:spPr>
+        <p:style>
+          <a:lnRef idx="1">
+            <a:schemeClr val="accent1"/>
+          </a:lnRef>
+          <a:fillRef idx="0">
+            <a:schemeClr val="accent1"/>
+          </a:fillRef>
+          <a:effectRef idx="0">
+            <a:schemeClr val="accent1"/>
+          </a:effectRef>
+          <a:fontRef idx="minor">
+            <a:schemeClr val="tx1"/>
+          </a:fontRef>
+        </p:style>
+      </p:cxnSp>
+      <p:sp>
+        <p:nvSpPr>
+          <p:cNvPr id="302" name="Прямоугольник 301">
+            <a:extLst>
+              <a:ext uri="{FF2B5EF4-FFF2-40B4-BE49-F238E27FC236}">
+                <a16:creationId xmlns:a16="http://schemas.microsoft.com/office/drawing/2014/main" id="{8E631C04-3388-4E66-AAC4-5A73E9FE06DB}"/>
+              </a:ext>
+            </a:extLst>
+          </p:cNvPr>
+          <p:cNvSpPr/>
+          <p:nvPr/>
+        </p:nvSpPr>
+        <p:spPr>
+          <a:xfrm>
+            <a:off x="35329925" y="8806168"/>
+            <a:ext cx="2115918" cy="1080000"/>
+          </a:xfrm>
+          <a:prstGeom prst="rect">
+            <a:avLst/>
+          </a:prstGeom>
+          <a:solidFill>
+            <a:srgbClr val="FF0000"/>
+          </a:solidFill>
+          <a:ln w="28575"/>
+        </p:spPr>
+        <p:style>
+          <a:lnRef idx="2">
+            <a:schemeClr val="accent1"/>
+          </a:lnRef>
+          <a:fillRef idx="1">
+            <a:schemeClr val="lt1"/>
+          </a:fillRef>
+          <a:effectRef idx="0">
+            <a:schemeClr val="accent1"/>
+          </a:effectRef>
+          <a:fontRef idx="minor">
+            <a:schemeClr val="dk1"/>
+          </a:fontRef>
+        </p:style>
+        <p:txBody>
+          <a:bodyPr lIns="124733" tIns="62367" rIns="124733" bIns="62367" rtlCol="0" anchor="ctr"/>
+          <a:lstStyle/>
+          <a:p>
+            <a:pPr algn="ctr"/>
+            <a:r>
+              <a:rPr lang="ru-RU" sz="1400" dirty="0"/>
+              <a:t>Национализация военной академии Давос</a:t>
+            </a:r>
+          </a:p>
+        </p:txBody>
+      </p:sp>
+      <p:cxnSp>
+        <p:nvCxnSpPr>
+          <p:cNvPr id="305" name="Соединительная линия уступом 175">
+            <a:extLst>
+              <a:ext uri="{FF2B5EF4-FFF2-40B4-BE49-F238E27FC236}">
+                <a16:creationId xmlns:a16="http://schemas.microsoft.com/office/drawing/2014/main" id="{BEC6142B-1911-4233-90FF-55440DC12062}"/>
+              </a:ext>
+            </a:extLst>
+          </p:cNvPr>
+          <p:cNvCxnSpPr>
+            <a:cxnSpLocks/>
+            <a:stCxn id="156" idx="2"/>
+            <a:endCxn id="302" idx="0"/>
+          </p:cNvCxnSpPr>
+          <p:nvPr/>
+        </p:nvCxnSpPr>
+        <p:spPr>
+          <a:xfrm rot="16200000" flipH="1">
+            <a:off x="34772142" y="7190425"/>
+            <a:ext cx="1957349" cy="1274135"/>
+          </a:xfrm>
+          <a:prstGeom prst="bentConnector3">
+            <a:avLst>
+              <a:gd name="adj1" fmla="val 11432"/>
+            </a:avLst>
+          </a:prstGeom>
+          <a:ln w="28575">
+            <a:prstDash val="dash"/>
+            <a:tailEnd type="arrow"/>
+          </a:ln>
+        </p:spPr>
+        <p:style>
+          <a:lnRef idx="1">
+            <a:schemeClr val="accent1"/>
+          </a:lnRef>
+          <a:fillRef idx="0">
+            <a:schemeClr val="accent1"/>
+          </a:fillRef>
+          <a:effectRef idx="0">
+            <a:schemeClr val="accent1"/>
+          </a:effectRef>
+          <a:fontRef idx="minor">
+            <a:schemeClr val="tx1"/>
+          </a:fontRef>
+        </p:style>
+      </p:cxnSp>
+      <p:cxnSp>
+        <p:nvCxnSpPr>
+          <p:cNvPr id="309" name="Соединительная линия уступом 175">
+            <a:extLst>
+              <a:ext uri="{FF2B5EF4-FFF2-40B4-BE49-F238E27FC236}">
+                <a16:creationId xmlns:a16="http://schemas.microsoft.com/office/drawing/2014/main" id="{75D47999-4D7F-44C6-9F70-A79B5B0C8A2C}"/>
+              </a:ext>
+            </a:extLst>
+          </p:cNvPr>
+          <p:cNvCxnSpPr>
+            <a:cxnSpLocks/>
+            <a:stCxn id="158" idx="2"/>
+            <a:endCxn id="302" idx="0"/>
+          </p:cNvCxnSpPr>
+          <p:nvPr/>
+        </p:nvCxnSpPr>
+        <p:spPr>
+          <a:xfrm rot="5400000">
+            <a:off x="36062227" y="7174477"/>
+            <a:ext cx="1957349" cy="1306033"/>
+          </a:xfrm>
+          <a:prstGeom prst="bentConnector3">
+            <a:avLst>
+              <a:gd name="adj1" fmla="val 11432"/>
+            </a:avLst>
+          </a:prstGeom>
+          <a:ln w="28575">
+            <a:prstDash val="dash"/>
+            <a:tailEnd type="arrow"/>
+          </a:ln>
+        </p:spPr>
+        <p:style>
+          <a:lnRef idx="1">
+            <a:schemeClr val="accent1"/>
+          </a:lnRef>
+          <a:fillRef idx="0">
+            <a:schemeClr val="accent1"/>
+          </a:fillRef>
+          <a:effectRef idx="0">
+            <a:schemeClr val="accent1"/>
+          </a:effectRef>
+          <a:fontRef idx="minor">
+            <a:schemeClr val="tx1"/>
+          </a:fontRef>
+        </p:style>
+      </p:cxnSp>
+      <p:sp>
+        <p:nvSpPr>
+          <p:cNvPr id="317" name="Прямоугольник 316">
+            <a:extLst>
+              <a:ext uri="{FF2B5EF4-FFF2-40B4-BE49-F238E27FC236}">
+                <a16:creationId xmlns:a16="http://schemas.microsoft.com/office/drawing/2014/main" id="{AF6B82F5-6B00-4594-99CE-127FF5CC9FB5}"/>
+              </a:ext>
+            </a:extLst>
+          </p:cNvPr>
+          <p:cNvSpPr/>
+          <p:nvPr/>
+        </p:nvSpPr>
+        <p:spPr>
+          <a:xfrm>
+            <a:off x="40453479" y="5768819"/>
+            <a:ext cx="2115918" cy="1080000"/>
+          </a:xfrm>
+          <a:prstGeom prst="rect">
+            <a:avLst/>
+          </a:prstGeom>
+          <a:solidFill>
+            <a:srgbClr val="FF0000"/>
+          </a:solidFill>
+          <a:ln w="28575"/>
+        </p:spPr>
+        <p:style>
+          <a:lnRef idx="2">
+            <a:schemeClr val="accent1"/>
+          </a:lnRef>
+          <a:fillRef idx="1">
+            <a:schemeClr val="lt1"/>
+          </a:fillRef>
+          <a:effectRef idx="0">
+            <a:schemeClr val="accent1"/>
+          </a:effectRef>
+          <a:fontRef idx="minor">
+            <a:schemeClr val="dk1"/>
+          </a:fontRef>
+        </p:style>
+        <p:txBody>
+          <a:bodyPr lIns="124733" tIns="62367" rIns="124733" bIns="62367" rtlCol="0" anchor="ctr"/>
+          <a:lstStyle/>
+          <a:p>
+            <a:pPr algn="ctr"/>
+            <a:r>
+              <a:rPr lang="ru-RU" sz="1400" dirty="0"/>
+              <a:t>Конструкторское бюро </a:t>
+            </a:r>
+            <a:r>
+              <a:rPr lang="ru-RU" sz="1400" dirty="0" err="1"/>
+              <a:t>Каджара</a:t>
+            </a:r>
+            <a:r>
+              <a:rPr lang="ru-RU" sz="1400" dirty="0"/>
+              <a:t> (будет доступен как министр)</a:t>
+            </a:r>
+          </a:p>
+        </p:txBody>
+      </p:sp>
+      <p:sp>
+        <p:nvSpPr>
+          <p:cNvPr id="323" name="Прямоугольник 322">
+            <a:extLst>
+              <a:ext uri="{FF2B5EF4-FFF2-40B4-BE49-F238E27FC236}">
+                <a16:creationId xmlns:a16="http://schemas.microsoft.com/office/drawing/2014/main" id="{85CF8CBD-33A5-49E1-B533-E4B7C3A2505A}"/>
+              </a:ext>
+            </a:extLst>
+          </p:cNvPr>
+          <p:cNvSpPr/>
+          <p:nvPr/>
+        </p:nvSpPr>
+        <p:spPr>
+          <a:xfrm>
+            <a:off x="39216126" y="7283025"/>
+            <a:ext cx="2115918" cy="1080000"/>
+          </a:xfrm>
+          <a:prstGeom prst="rect">
+            <a:avLst/>
+          </a:prstGeom>
+          <a:solidFill>
+            <a:srgbClr val="FF0000"/>
+          </a:solidFill>
+          <a:ln w="28575"/>
+        </p:spPr>
+        <p:style>
+          <a:lnRef idx="2">
+            <a:schemeClr val="accent1"/>
+          </a:lnRef>
+          <a:fillRef idx="1">
+            <a:schemeClr val="lt1"/>
+          </a:fillRef>
+          <a:effectRef idx="0">
+            <a:schemeClr val="accent1"/>
+          </a:effectRef>
+          <a:fontRef idx="minor">
+            <a:schemeClr val="dk1"/>
+          </a:fontRef>
+        </p:style>
+        <p:txBody>
+          <a:bodyPr lIns="124733" tIns="62367" rIns="124733" bIns="62367" rtlCol="0" anchor="ctr"/>
+          <a:lstStyle/>
+          <a:p>
+            <a:pPr algn="ctr"/>
+            <a:r>
+              <a:rPr lang="ru-RU" sz="1400" dirty="0"/>
+              <a:t>Красная земля</a:t>
+            </a:r>
+          </a:p>
+        </p:txBody>
+      </p:sp>
+      <p:sp>
+        <p:nvSpPr>
+          <p:cNvPr id="324" name="Прямоугольник 323">
+            <a:extLst>
+              <a:ext uri="{FF2B5EF4-FFF2-40B4-BE49-F238E27FC236}">
+                <a16:creationId xmlns:a16="http://schemas.microsoft.com/office/drawing/2014/main" id="{5C47D2D0-77DF-4D07-8067-E655AAA6F914}"/>
+              </a:ext>
+            </a:extLst>
+          </p:cNvPr>
+          <p:cNvSpPr/>
+          <p:nvPr/>
+        </p:nvSpPr>
+        <p:spPr>
+          <a:xfrm>
+            <a:off x="41721201" y="7283024"/>
+            <a:ext cx="2115918" cy="1080000"/>
+          </a:xfrm>
+          <a:prstGeom prst="rect">
+            <a:avLst/>
+          </a:prstGeom>
+          <a:solidFill>
+            <a:srgbClr val="FF0000"/>
+          </a:solidFill>
+          <a:ln w="28575"/>
+        </p:spPr>
+        <p:style>
+          <a:lnRef idx="2">
+            <a:schemeClr val="accent1"/>
+          </a:lnRef>
+          <a:fillRef idx="1">
+            <a:schemeClr val="lt1"/>
+          </a:fillRef>
+          <a:effectRef idx="0">
+            <a:schemeClr val="accent1"/>
+          </a:effectRef>
+          <a:fontRef idx="minor">
+            <a:schemeClr val="dk1"/>
+          </a:fontRef>
+        </p:style>
+        <p:txBody>
+          <a:bodyPr lIns="124733" tIns="62367" rIns="124733" bIns="62367" rtlCol="0" anchor="ctr"/>
+          <a:lstStyle/>
+          <a:p>
+            <a:pPr algn="ctr"/>
+            <a:r>
+              <a:rPr lang="ru-RU" sz="1400" dirty="0"/>
+              <a:t>Красное небо</a:t>
+            </a:r>
+          </a:p>
+        </p:txBody>
+      </p:sp>
+      <p:cxnSp>
+        <p:nvCxnSpPr>
+          <p:cNvPr id="325" name="Прямая соединительная линия 324">
+            <a:extLst>
+              <a:ext uri="{FF2B5EF4-FFF2-40B4-BE49-F238E27FC236}">
+                <a16:creationId xmlns:a16="http://schemas.microsoft.com/office/drawing/2014/main" id="{A1A2D9B4-645C-428A-A09F-BDDF758CE045}"/>
+              </a:ext>
+            </a:extLst>
+          </p:cNvPr>
+          <p:cNvCxnSpPr>
+            <a:cxnSpLocks/>
+            <a:stCxn id="324" idx="1"/>
+            <a:endCxn id="323" idx="3"/>
+          </p:cNvCxnSpPr>
+          <p:nvPr/>
+        </p:nvCxnSpPr>
+        <p:spPr>
+          <a:xfrm flipH="1">
+            <a:off x="41332044" y="7823024"/>
+            <a:ext cx="389157" cy="1"/>
+          </a:xfrm>
+          <a:prstGeom prst="line">
+            <a:avLst/>
+          </a:prstGeom>
+          <a:ln w="28575">
+            <a:solidFill>
+              <a:srgbClr val="FF0000"/>
+            </a:solidFill>
+          </a:ln>
+        </p:spPr>
+        <p:style>
+          <a:lnRef idx="1">
+            <a:schemeClr val="accent1"/>
+          </a:lnRef>
+          <a:fillRef idx="0">
+            <a:schemeClr val="accent1"/>
+          </a:fillRef>
+          <a:effectRef idx="0">
+            <a:schemeClr val="accent1"/>
+          </a:effectRef>
+          <a:fontRef idx="minor">
+            <a:schemeClr val="tx1"/>
+          </a:fontRef>
+        </p:style>
+      </p:cxnSp>
+      <p:cxnSp>
+        <p:nvCxnSpPr>
+          <p:cNvPr id="328" name="Соединительная линия уступом 175">
+            <a:extLst>
+              <a:ext uri="{FF2B5EF4-FFF2-40B4-BE49-F238E27FC236}">
+                <a16:creationId xmlns:a16="http://schemas.microsoft.com/office/drawing/2014/main" id="{DD2EEFDB-9CD8-4A2E-8030-FB63CD030AE0}"/>
+              </a:ext>
+            </a:extLst>
+          </p:cNvPr>
+          <p:cNvCxnSpPr>
+            <a:cxnSpLocks/>
+            <a:stCxn id="317" idx="2"/>
+            <a:endCxn id="324" idx="0"/>
+          </p:cNvCxnSpPr>
+          <p:nvPr/>
+        </p:nvCxnSpPr>
+        <p:spPr>
+          <a:xfrm rot="16200000" flipH="1">
+            <a:off x="41928197" y="6432060"/>
+            <a:ext cx="434205" cy="1267722"/>
+          </a:xfrm>
+          <a:prstGeom prst="bentConnector3">
+            <a:avLst>
+              <a:gd name="adj1" fmla="val 50000"/>
+            </a:avLst>
+          </a:prstGeom>
+          <a:ln w="28575">
+            <a:tailEnd type="arrow"/>
+          </a:ln>
+        </p:spPr>
+        <p:style>
+          <a:lnRef idx="1">
+            <a:schemeClr val="accent1"/>
+          </a:lnRef>
+          <a:fillRef idx="0">
+            <a:schemeClr val="accent1"/>
+          </a:fillRef>
+          <a:effectRef idx="0">
+            <a:schemeClr val="accent1"/>
+          </a:effectRef>
+          <a:fontRef idx="minor">
+            <a:schemeClr val="tx1"/>
+          </a:fontRef>
+        </p:style>
+      </p:cxnSp>
+      <p:sp>
+        <p:nvSpPr>
+          <p:cNvPr id="329" name="Прямоугольник 328">
+            <a:extLst>
+              <a:ext uri="{FF2B5EF4-FFF2-40B4-BE49-F238E27FC236}">
+                <a16:creationId xmlns:a16="http://schemas.microsoft.com/office/drawing/2014/main" id="{366B5609-F8E8-4337-BEE2-D472328A694B}"/>
+              </a:ext>
+            </a:extLst>
+          </p:cNvPr>
+          <p:cNvSpPr/>
+          <p:nvPr/>
+        </p:nvSpPr>
+        <p:spPr>
+          <a:xfrm>
+            <a:off x="40450410" y="8797231"/>
+            <a:ext cx="2115918" cy="1080000"/>
+          </a:xfrm>
+          <a:prstGeom prst="rect">
+            <a:avLst/>
+          </a:prstGeom>
+          <a:solidFill>
+            <a:srgbClr val="FF0000"/>
+          </a:solidFill>
+          <a:ln w="28575"/>
+        </p:spPr>
+        <p:style>
+          <a:lnRef idx="2">
+            <a:schemeClr val="accent1"/>
+          </a:lnRef>
+          <a:fillRef idx="1">
+            <a:schemeClr val="lt1"/>
+          </a:fillRef>
+          <a:effectRef idx="0">
+            <a:schemeClr val="accent1"/>
+          </a:effectRef>
+          <a:fontRef idx="minor">
+            <a:schemeClr val="dk1"/>
+          </a:fontRef>
+        </p:style>
+        <p:txBody>
+          <a:bodyPr lIns="124733" tIns="62367" rIns="124733" bIns="62367" rtlCol="0" anchor="ctr"/>
+          <a:lstStyle/>
+          <a:p>
+            <a:pPr algn="ctr"/>
+            <a:r>
+              <a:rPr lang="ru-RU" sz="1400" dirty="0"/>
+              <a:t>Следовать новой доктрине ВВС</a:t>
+            </a:r>
+          </a:p>
+        </p:txBody>
+      </p:sp>
+      <p:cxnSp>
+        <p:nvCxnSpPr>
+          <p:cNvPr id="335" name="Соединительная линия уступом 175">
+            <a:extLst>
+              <a:ext uri="{FF2B5EF4-FFF2-40B4-BE49-F238E27FC236}">
+                <a16:creationId xmlns:a16="http://schemas.microsoft.com/office/drawing/2014/main" id="{ED34560B-43F4-43B0-B80C-F3CE2DEDCEF4}"/>
+              </a:ext>
+            </a:extLst>
+          </p:cNvPr>
+          <p:cNvCxnSpPr>
+            <a:cxnSpLocks/>
+            <a:stCxn id="324" idx="2"/>
+            <a:endCxn id="329" idx="0"/>
+          </p:cNvCxnSpPr>
+          <p:nvPr/>
+        </p:nvCxnSpPr>
+        <p:spPr>
+          <a:xfrm rot="5400000">
+            <a:off x="41926662" y="7944732"/>
+            <a:ext cx="434207" cy="1270791"/>
+          </a:xfrm>
+          <a:prstGeom prst="bentConnector3">
+            <a:avLst>
+              <a:gd name="adj1" fmla="val 50000"/>
+            </a:avLst>
+          </a:prstGeom>
+          <a:ln w="28575">
+            <a:prstDash val="dash"/>
+            <a:tailEnd type="arrow"/>
+          </a:ln>
+        </p:spPr>
+        <p:style>
+          <a:lnRef idx="1">
+            <a:schemeClr val="accent1"/>
+          </a:lnRef>
+          <a:fillRef idx="0">
+            <a:schemeClr val="accent1"/>
+          </a:fillRef>
+          <a:effectRef idx="0">
+            <a:schemeClr val="accent1"/>
+          </a:effectRef>
+          <a:fontRef idx="minor">
+            <a:schemeClr val="tx1"/>
+          </a:fontRef>
+        </p:style>
+      </p:cxnSp>
+      <p:cxnSp>
+        <p:nvCxnSpPr>
+          <p:cNvPr id="340" name="Соединительная линия уступом 175">
+            <a:extLst>
+              <a:ext uri="{FF2B5EF4-FFF2-40B4-BE49-F238E27FC236}">
+                <a16:creationId xmlns:a16="http://schemas.microsoft.com/office/drawing/2014/main" id="{06E2D247-72E3-4467-AF08-59E8E1E994D2}"/>
+              </a:ext>
+            </a:extLst>
+          </p:cNvPr>
+          <p:cNvCxnSpPr>
+            <a:cxnSpLocks/>
+            <a:stCxn id="323" idx="2"/>
+            <a:endCxn id="329" idx="0"/>
+          </p:cNvCxnSpPr>
+          <p:nvPr/>
+        </p:nvCxnSpPr>
+        <p:spPr>
+          <a:xfrm rot="16200000" flipH="1">
+            <a:off x="40674124" y="7962986"/>
+            <a:ext cx="434206" cy="1234284"/>
+          </a:xfrm>
+          <a:prstGeom prst="bentConnector3">
+            <a:avLst>
+              <a:gd name="adj1" fmla="val 50000"/>
+            </a:avLst>
+          </a:prstGeom>
+          <a:ln w="28575">
+            <a:prstDash val="dash"/>
+            <a:tailEnd type="arrow"/>
+          </a:ln>
+        </p:spPr>
+        <p:style>
+          <a:lnRef idx="1">
+            <a:schemeClr val="accent1"/>
+          </a:lnRef>
+          <a:fillRef idx="0">
+            <a:schemeClr val="accent1"/>
+          </a:fillRef>
+          <a:effectRef idx="0">
+            <a:schemeClr val="accent1"/>
+          </a:effectRef>
+          <a:fontRef idx="minor">
+            <a:schemeClr val="tx1"/>
+          </a:fontRef>
+        </p:style>
+      </p:cxnSp>
+      <p:cxnSp>
+        <p:nvCxnSpPr>
+          <p:cNvPr id="345" name="Соединительная линия уступом 175">
+            <a:extLst>
+              <a:ext uri="{FF2B5EF4-FFF2-40B4-BE49-F238E27FC236}">
+                <a16:creationId xmlns:a16="http://schemas.microsoft.com/office/drawing/2014/main" id="{3EA9064E-86B9-41E7-81C2-591BD9C7EEB4}"/>
+              </a:ext>
+            </a:extLst>
+          </p:cNvPr>
+          <p:cNvCxnSpPr>
+            <a:cxnSpLocks/>
+            <a:stCxn id="317" idx="2"/>
+            <a:endCxn id="323" idx="0"/>
+          </p:cNvCxnSpPr>
+          <p:nvPr/>
+        </p:nvCxnSpPr>
+        <p:spPr>
+          <a:xfrm rot="5400000">
+            <a:off x="40675659" y="6447246"/>
+            <a:ext cx="434206" cy="1237353"/>
+          </a:xfrm>
+          <a:prstGeom prst="bentConnector3">
+            <a:avLst>
+              <a:gd name="adj1" fmla="val 50000"/>
+            </a:avLst>
+          </a:prstGeom>
+          <a:ln w="28575">
+            <a:tailEnd type="arrow"/>
+          </a:ln>
+        </p:spPr>
+        <p:style>
+          <a:lnRef idx="1">
+            <a:schemeClr val="accent1"/>
+          </a:lnRef>
+          <a:fillRef idx="0">
+            <a:schemeClr val="accent1"/>
+          </a:fillRef>
+          <a:effectRef idx="0">
+            <a:schemeClr val="accent1"/>
+          </a:effectRef>
+          <a:fontRef idx="minor">
+            <a:schemeClr val="tx1"/>
+          </a:fontRef>
+        </p:style>
+      </p:cxnSp>
+      <p:cxnSp>
+        <p:nvCxnSpPr>
+          <p:cNvPr id="348" name="Соединительная линия уступом 175">
+            <a:extLst>
+              <a:ext uri="{FF2B5EF4-FFF2-40B4-BE49-F238E27FC236}">
+                <a16:creationId xmlns:a16="http://schemas.microsoft.com/office/drawing/2014/main" id="{0048EA7C-D521-4158-B3DA-BCAD4A8E6E76}"/>
+              </a:ext>
+            </a:extLst>
+          </p:cNvPr>
+          <p:cNvCxnSpPr>
+            <a:cxnSpLocks/>
+            <a:stCxn id="146" idx="2"/>
+            <a:endCxn id="317" idx="0"/>
+          </p:cNvCxnSpPr>
+          <p:nvPr/>
+        </p:nvCxnSpPr>
+        <p:spPr>
+          <a:xfrm rot="16200000" flipH="1">
+            <a:off x="38740536" y="2997916"/>
+            <a:ext cx="418251" cy="5123554"/>
+          </a:xfrm>
+          <a:prstGeom prst="bentConnector3">
+            <a:avLst>
+              <a:gd name="adj1" fmla="val 50000"/>
+            </a:avLst>
+          </a:prstGeom>
+          <a:ln w="28575">
+            <a:tailEnd type="arrow"/>
+          </a:ln>
+        </p:spPr>
+        <p:style>
+          <a:lnRef idx="1">
+            <a:schemeClr val="accent1"/>
+          </a:lnRef>
+          <a:fillRef idx="0">
+            <a:schemeClr val="accent1"/>
+          </a:fillRef>
+          <a:effectRef idx="0">
+            <a:schemeClr val="accent1"/>
+          </a:effectRef>
+          <a:fontRef idx="minor">
+            <a:schemeClr val="tx1"/>
+          </a:fontRef>
+        </p:style>
+      </p:cxnSp>
+      <p:cxnSp>
+        <p:nvCxnSpPr>
+          <p:cNvPr id="351" name="Прямая со стрелкой 350">
+            <a:extLst>
+              <a:ext uri="{FF2B5EF4-FFF2-40B4-BE49-F238E27FC236}">
+                <a16:creationId xmlns:a16="http://schemas.microsoft.com/office/drawing/2014/main" id="{5C71E8BE-E84C-4EF4-A88D-2A51E676CA5D}"/>
+              </a:ext>
+            </a:extLst>
+          </p:cNvPr>
+          <p:cNvCxnSpPr>
+            <a:cxnSpLocks/>
+            <a:stCxn id="268" idx="2"/>
+            <a:endCxn id="317" idx="0"/>
+          </p:cNvCxnSpPr>
+          <p:nvPr/>
+        </p:nvCxnSpPr>
+        <p:spPr>
+          <a:xfrm flipH="1">
+            <a:off x="41511438" y="5349759"/>
+            <a:ext cx="2964" cy="419060"/>
+          </a:xfrm>
+          <a:prstGeom prst="straightConnector1">
+            <a:avLst/>
           </a:prstGeom>
           <a:ln w="28575">
             <a:tailEnd type="arrow"/>

--- a/Наработки/диздоки/Иран/Иран Комми.pptx
+++ b/Наработки/диздоки/Иран/Иран Комми.pptx
@@ -209,7 +209,7 @@
             <a:fld id="{33E3D7F9-E251-484C-A6FF-FA958879DF69}" type="datetimeFigureOut">
               <a:rPr lang="ru-RU" smtClean="0"/>
               <a:pPr/>
-              <a:t>11.05.2022</a:t>
+              <a:t>12.05.2022</a:t>
             </a:fld>
             <a:endParaRPr lang="ru-RU"/>
           </a:p>
@@ -699,7 +699,7 @@
             <a:fld id="{85A5DE44-605B-4D3B-B2B7-94543DF81A36}" type="datetimeFigureOut">
               <a:rPr lang="ru-RU" smtClean="0"/>
               <a:pPr/>
-              <a:t>11.05.2022</a:t>
+              <a:t>12.05.2022</a:t>
             </a:fld>
             <a:endParaRPr lang="ru-RU"/>
           </a:p>
@@ -871,7 +871,7 @@
             <a:fld id="{85A5DE44-605B-4D3B-B2B7-94543DF81A36}" type="datetimeFigureOut">
               <a:rPr lang="ru-RU" smtClean="0"/>
               <a:pPr/>
-              <a:t>11.05.2022</a:t>
+              <a:t>12.05.2022</a:t>
             </a:fld>
             <a:endParaRPr lang="ru-RU"/>
           </a:p>
@@ -1053,7 +1053,7 @@
             <a:fld id="{85A5DE44-605B-4D3B-B2B7-94543DF81A36}" type="datetimeFigureOut">
               <a:rPr lang="ru-RU" smtClean="0"/>
               <a:pPr/>
-              <a:t>11.05.2022</a:t>
+              <a:t>12.05.2022</a:t>
             </a:fld>
             <a:endParaRPr lang="ru-RU"/>
           </a:p>
@@ -1225,7 +1225,7 @@
             <a:fld id="{85A5DE44-605B-4D3B-B2B7-94543DF81A36}" type="datetimeFigureOut">
               <a:rPr lang="ru-RU" smtClean="0"/>
               <a:pPr/>
-              <a:t>11.05.2022</a:t>
+              <a:t>12.05.2022</a:t>
             </a:fld>
             <a:endParaRPr lang="ru-RU"/>
           </a:p>
@@ -1473,7 +1473,7 @@
             <a:fld id="{85A5DE44-605B-4D3B-B2B7-94543DF81A36}" type="datetimeFigureOut">
               <a:rPr lang="ru-RU" smtClean="0"/>
               <a:pPr/>
-              <a:t>11.05.2022</a:t>
+              <a:t>12.05.2022</a:t>
             </a:fld>
             <a:endParaRPr lang="ru-RU"/>
           </a:p>
@@ -1707,7 +1707,7 @@
             <a:fld id="{85A5DE44-605B-4D3B-B2B7-94543DF81A36}" type="datetimeFigureOut">
               <a:rPr lang="ru-RU" smtClean="0"/>
               <a:pPr/>
-              <a:t>11.05.2022</a:t>
+              <a:t>12.05.2022</a:t>
             </a:fld>
             <a:endParaRPr lang="ru-RU"/>
           </a:p>
@@ -2076,7 +2076,7 @@
             <a:fld id="{85A5DE44-605B-4D3B-B2B7-94543DF81A36}" type="datetimeFigureOut">
               <a:rPr lang="ru-RU" smtClean="0"/>
               <a:pPr/>
-              <a:t>11.05.2022</a:t>
+              <a:t>12.05.2022</a:t>
             </a:fld>
             <a:endParaRPr lang="ru-RU"/>
           </a:p>
@@ -2196,7 +2196,7 @@
             <a:fld id="{85A5DE44-605B-4D3B-B2B7-94543DF81A36}" type="datetimeFigureOut">
               <a:rPr lang="ru-RU" smtClean="0"/>
               <a:pPr/>
-              <a:t>11.05.2022</a:t>
+              <a:t>12.05.2022</a:t>
             </a:fld>
             <a:endParaRPr lang="ru-RU"/>
           </a:p>
@@ -2293,7 +2293,7 @@
             <a:fld id="{85A5DE44-605B-4D3B-B2B7-94543DF81A36}" type="datetimeFigureOut">
               <a:rPr lang="ru-RU" smtClean="0"/>
               <a:pPr/>
-              <a:t>11.05.2022</a:t>
+              <a:t>12.05.2022</a:t>
             </a:fld>
             <a:endParaRPr lang="ru-RU"/>
           </a:p>
@@ -2572,7 +2572,7 @@
             <a:fld id="{85A5DE44-605B-4D3B-B2B7-94543DF81A36}" type="datetimeFigureOut">
               <a:rPr lang="ru-RU" smtClean="0"/>
               <a:pPr/>
-              <a:t>11.05.2022</a:t>
+              <a:t>12.05.2022</a:t>
             </a:fld>
             <a:endParaRPr lang="ru-RU"/>
           </a:p>
@@ -2831,7 +2831,7 @@
             <a:fld id="{85A5DE44-605B-4D3B-B2B7-94543DF81A36}" type="datetimeFigureOut">
               <a:rPr lang="ru-RU" smtClean="0"/>
               <a:pPr/>
-              <a:t>11.05.2022</a:t>
+              <a:t>12.05.2022</a:t>
             </a:fld>
             <a:endParaRPr lang="ru-RU"/>
           </a:p>
@@ -3046,7 +3046,7 @@
             <a:fld id="{85A5DE44-605B-4D3B-B2B7-94543DF81A36}" type="datetimeFigureOut">
               <a:rPr lang="ru-RU" smtClean="0"/>
               <a:pPr/>
-              <a:t>11.05.2022</a:t>
+              <a:t>12.05.2022</a:t>
             </a:fld>
             <a:endParaRPr lang="ru-RU"/>
           </a:p>
@@ -9860,7 +9860,7 @@
         </p:nvSpPr>
         <p:spPr>
           <a:xfrm>
-            <a:off x="30255689" y="2776203"/>
+            <a:off x="32792807" y="2748390"/>
             <a:ext cx="2115918" cy="1080000"/>
           </a:xfrm>
           <a:prstGeom prst="rect">
@@ -10310,8 +10310,8 @@
         </p:nvCxnSpPr>
         <p:spPr>
           <a:xfrm rot="16200000" flipH="1">
-            <a:off x="33643584" y="1526267"/>
-            <a:ext cx="414365" cy="5074236"/>
+            <a:off x="34898236" y="2780920"/>
+            <a:ext cx="442178" cy="2537118"/>
           </a:xfrm>
           <a:prstGeom prst="bentConnector3">
             <a:avLst>
@@ -10380,12 +10380,2834 @@
           </a:fontRef>
         </p:style>
       </p:cxnSp>
+      <p:sp>
+        <p:nvSpPr>
+          <p:cNvPr id="156" name="Прямоугольник 155">
+            <a:extLst>
+              <a:ext uri="{FF2B5EF4-FFF2-40B4-BE49-F238E27FC236}">
+                <a16:creationId xmlns:a16="http://schemas.microsoft.com/office/drawing/2014/main" id="{377D5909-415A-4F8E-95B2-1775A6D6FF33}"/>
+              </a:ext>
+            </a:extLst>
+          </p:cNvPr>
+          <p:cNvSpPr/>
+          <p:nvPr/>
+        </p:nvSpPr>
+        <p:spPr>
+          <a:xfrm>
+            <a:off x="34055790" y="5768819"/>
+            <a:ext cx="2115918" cy="1080000"/>
+          </a:xfrm>
+          <a:prstGeom prst="rect">
+            <a:avLst/>
+          </a:prstGeom>
+          <a:solidFill>
+            <a:srgbClr val="FF0000"/>
+          </a:solidFill>
+          <a:ln w="28575"/>
+        </p:spPr>
+        <p:style>
+          <a:lnRef idx="2">
+            <a:schemeClr val="accent1"/>
+          </a:lnRef>
+          <a:fillRef idx="1">
+            <a:schemeClr val="lt1"/>
+          </a:fillRef>
+          <a:effectRef idx="0">
+            <a:schemeClr val="accent1"/>
+          </a:effectRef>
+          <a:fontRef idx="minor">
+            <a:schemeClr val="dk1"/>
+          </a:fontRef>
+        </p:style>
+        <p:txBody>
+          <a:bodyPr lIns="124733" tIns="62367" rIns="124733" bIns="62367" rtlCol="0" anchor="ctr"/>
+          <a:lstStyle/>
+          <a:p>
+            <a:pPr algn="ctr"/>
+            <a:r>
+              <a:rPr lang="ru-RU" sz="1400" dirty="0"/>
+              <a:t>Автоматизация кавалерии</a:t>
+            </a:r>
+          </a:p>
+        </p:txBody>
+      </p:sp>
+      <p:sp>
+        <p:nvSpPr>
+          <p:cNvPr id="158" name="Прямоугольник 157">
+            <a:extLst>
+              <a:ext uri="{FF2B5EF4-FFF2-40B4-BE49-F238E27FC236}">
+                <a16:creationId xmlns:a16="http://schemas.microsoft.com/office/drawing/2014/main" id="{2B29B70B-8A2E-4086-A613-0AF82C7A82D5}"/>
+              </a:ext>
+            </a:extLst>
+          </p:cNvPr>
+          <p:cNvSpPr/>
+          <p:nvPr/>
+        </p:nvSpPr>
+        <p:spPr>
+          <a:xfrm>
+            <a:off x="36635958" y="5768819"/>
+            <a:ext cx="2115918" cy="1080000"/>
+          </a:xfrm>
+          <a:prstGeom prst="rect">
+            <a:avLst/>
+          </a:prstGeom>
+          <a:solidFill>
+            <a:srgbClr val="FF0000"/>
+          </a:solidFill>
+          <a:ln w="28575"/>
+        </p:spPr>
+        <p:style>
+          <a:lnRef idx="2">
+            <a:schemeClr val="accent1"/>
+          </a:lnRef>
+          <a:fillRef idx="1">
+            <a:schemeClr val="lt1"/>
+          </a:fillRef>
+          <a:effectRef idx="0">
+            <a:schemeClr val="accent1"/>
+          </a:effectRef>
+          <a:fontRef idx="minor">
+            <a:schemeClr val="dk1"/>
+          </a:fontRef>
+        </p:style>
+        <p:txBody>
+          <a:bodyPr lIns="124733" tIns="62367" rIns="124733" bIns="62367" rtlCol="0" anchor="ctr"/>
+          <a:lstStyle/>
+          <a:p>
+            <a:pPr algn="ctr"/>
+            <a:r>
+              <a:rPr lang="ru-RU" sz="1400" dirty="0"/>
+              <a:t>Реформировать кавалерию</a:t>
+            </a:r>
+          </a:p>
+        </p:txBody>
+      </p:sp>
       <p:cxnSp>
         <p:nvCxnSpPr>
-          <p:cNvPr id="153" name="Прямая со стрелкой 152">
-            <a:extLst>
-              <a:ext uri="{FF2B5EF4-FFF2-40B4-BE49-F238E27FC236}">
-                <a16:creationId xmlns:a16="http://schemas.microsoft.com/office/drawing/2014/main" id="{EA9D8264-455A-4551-ABF8-6296062B33D9}"/>
+          <p:cNvPr id="160" name="Прямая соединительная линия 159">
+            <a:extLst>
+              <a:ext uri="{FF2B5EF4-FFF2-40B4-BE49-F238E27FC236}">
+                <a16:creationId xmlns:a16="http://schemas.microsoft.com/office/drawing/2014/main" id="{7B93C457-F8D5-4FC9-A67F-99B4C1247992}"/>
+              </a:ext>
+            </a:extLst>
+          </p:cNvPr>
+          <p:cNvCxnSpPr>
+            <a:cxnSpLocks/>
+            <a:stCxn id="158" idx="1"/>
+            <a:endCxn id="156" idx="3"/>
+          </p:cNvCxnSpPr>
+          <p:nvPr/>
+        </p:nvCxnSpPr>
+        <p:spPr>
+          <a:xfrm flipH="1">
+            <a:off x="36171708" y="6308819"/>
+            <a:ext cx="464250" cy="0"/>
+          </a:xfrm>
+          <a:prstGeom prst="line">
+            <a:avLst/>
+          </a:prstGeom>
+          <a:ln w="28575">
+            <a:solidFill>
+              <a:srgbClr val="FF0000"/>
+            </a:solidFill>
+          </a:ln>
+        </p:spPr>
+        <p:style>
+          <a:lnRef idx="1">
+            <a:schemeClr val="accent1"/>
+          </a:lnRef>
+          <a:fillRef idx="0">
+            <a:schemeClr val="accent1"/>
+          </a:fillRef>
+          <a:effectRef idx="0">
+            <a:schemeClr val="accent1"/>
+          </a:effectRef>
+          <a:fontRef idx="minor">
+            <a:schemeClr val="tx1"/>
+          </a:fontRef>
+        </p:style>
+      </p:cxnSp>
+      <p:cxnSp>
+        <p:nvCxnSpPr>
+          <p:cNvPr id="161" name="Соединительная линия уступом 175">
+            <a:extLst>
+              <a:ext uri="{FF2B5EF4-FFF2-40B4-BE49-F238E27FC236}">
+                <a16:creationId xmlns:a16="http://schemas.microsoft.com/office/drawing/2014/main" id="{78417968-5148-43D3-9A73-22689540E1F1}"/>
+              </a:ext>
+            </a:extLst>
+          </p:cNvPr>
+          <p:cNvCxnSpPr>
+            <a:cxnSpLocks/>
+            <a:stCxn id="146" idx="2"/>
+            <a:endCxn id="158" idx="0"/>
+          </p:cNvCxnSpPr>
+          <p:nvPr/>
+        </p:nvCxnSpPr>
+        <p:spPr>
+          <a:xfrm rot="16200000" flipH="1">
+            <a:off x="36831775" y="4906676"/>
+            <a:ext cx="418251" cy="1306033"/>
+          </a:xfrm>
+          <a:prstGeom prst="bentConnector3">
+            <a:avLst>
+              <a:gd name="adj1" fmla="val 50000"/>
+            </a:avLst>
+          </a:prstGeom>
+          <a:ln w="28575">
+            <a:tailEnd type="arrow"/>
+          </a:ln>
+        </p:spPr>
+        <p:style>
+          <a:lnRef idx="1">
+            <a:schemeClr val="accent1"/>
+          </a:lnRef>
+          <a:fillRef idx="0">
+            <a:schemeClr val="accent1"/>
+          </a:fillRef>
+          <a:effectRef idx="0">
+            <a:schemeClr val="accent1"/>
+          </a:effectRef>
+          <a:fontRef idx="minor">
+            <a:schemeClr val="tx1"/>
+          </a:fontRef>
+        </p:style>
+      </p:cxnSp>
+      <p:cxnSp>
+        <p:nvCxnSpPr>
+          <p:cNvPr id="168" name="Соединительная линия уступом 175">
+            <a:extLst>
+              <a:ext uri="{FF2B5EF4-FFF2-40B4-BE49-F238E27FC236}">
+                <a16:creationId xmlns:a16="http://schemas.microsoft.com/office/drawing/2014/main" id="{BEB12358-8129-41E0-B0CD-D58B7EFA044A}"/>
+              </a:ext>
+            </a:extLst>
+          </p:cNvPr>
+          <p:cNvCxnSpPr>
+            <a:cxnSpLocks/>
+            <a:stCxn id="146" idx="2"/>
+            <a:endCxn id="156" idx="0"/>
+          </p:cNvCxnSpPr>
+          <p:nvPr/>
+        </p:nvCxnSpPr>
+        <p:spPr>
+          <a:xfrm rot="5400000">
+            <a:off x="35541692" y="4922626"/>
+            <a:ext cx="418251" cy="1274135"/>
+          </a:xfrm>
+          <a:prstGeom prst="bentConnector3">
+            <a:avLst>
+              <a:gd name="adj1" fmla="val 50000"/>
+            </a:avLst>
+          </a:prstGeom>
+          <a:ln w="28575">
+            <a:tailEnd type="arrow"/>
+          </a:ln>
+        </p:spPr>
+        <p:style>
+          <a:lnRef idx="1">
+            <a:schemeClr val="accent1"/>
+          </a:lnRef>
+          <a:fillRef idx="0">
+            <a:schemeClr val="accent1"/>
+          </a:fillRef>
+          <a:effectRef idx="0">
+            <a:schemeClr val="accent1"/>
+          </a:effectRef>
+          <a:fontRef idx="minor">
+            <a:schemeClr val="tx1"/>
+          </a:fontRef>
+        </p:style>
+      </p:cxnSp>
+      <p:sp>
+        <p:nvSpPr>
+          <p:cNvPr id="169" name="Прямоугольник 168">
+            <a:extLst>
+              <a:ext uri="{FF2B5EF4-FFF2-40B4-BE49-F238E27FC236}">
+                <a16:creationId xmlns:a16="http://schemas.microsoft.com/office/drawing/2014/main" id="{B2A2D316-5D41-4326-BAB8-6BB5FF211D8B}"/>
+              </a:ext>
+            </a:extLst>
+          </p:cNvPr>
+          <p:cNvSpPr/>
+          <p:nvPr/>
+        </p:nvSpPr>
+        <p:spPr>
+          <a:xfrm>
+            <a:off x="30255689" y="4270569"/>
+            <a:ext cx="2115918" cy="1080000"/>
+          </a:xfrm>
+          <a:prstGeom prst="rect">
+            <a:avLst/>
+          </a:prstGeom>
+          <a:solidFill>
+            <a:srgbClr val="FF0000"/>
+          </a:solidFill>
+          <a:ln w="28575"/>
+        </p:spPr>
+        <p:style>
+          <a:lnRef idx="2">
+            <a:schemeClr val="accent1"/>
+          </a:lnRef>
+          <a:fillRef idx="1">
+            <a:schemeClr val="lt1"/>
+          </a:fillRef>
+          <a:effectRef idx="0">
+            <a:schemeClr val="accent1"/>
+          </a:effectRef>
+          <a:fontRef idx="minor">
+            <a:schemeClr val="dk1"/>
+          </a:fontRef>
+        </p:style>
+        <p:txBody>
+          <a:bodyPr lIns="124733" tIns="62367" rIns="124733" bIns="62367" rtlCol="0" anchor="ctr"/>
+          <a:lstStyle/>
+          <a:p>
+            <a:pPr algn="ctr"/>
+            <a:r>
+              <a:rPr lang="ru-RU" sz="1400" dirty="0"/>
+              <a:t>Совет секретарей Красной Армии Ирана </a:t>
+            </a:r>
+            <a:r>
+              <a:rPr lang="ru-RU" sz="700" dirty="0"/>
+              <a:t>(Однако целью этих офицеров в этом восстании было устранение системы слепого повиновения в армии, заявить о недовольстве тогдашним начальником штаба армии генерал-майором Арфой и провести реформы в прогнившей системе императорской армии.)</a:t>
+            </a:r>
+            <a:endParaRPr lang="ru-RU" sz="1400" dirty="0"/>
+          </a:p>
+        </p:txBody>
+      </p:sp>
+      <p:cxnSp>
+        <p:nvCxnSpPr>
+          <p:cNvPr id="198" name="Соединительная линия уступом 175">
+            <a:extLst>
+              <a:ext uri="{FF2B5EF4-FFF2-40B4-BE49-F238E27FC236}">
+                <a16:creationId xmlns:a16="http://schemas.microsoft.com/office/drawing/2014/main" id="{3F70111F-ACD9-4338-BD33-9EF7ABBD3ACB}"/>
+              </a:ext>
+            </a:extLst>
+          </p:cNvPr>
+          <p:cNvCxnSpPr>
+            <a:cxnSpLocks/>
+            <a:stCxn id="169" idx="2"/>
+            <a:endCxn id="138" idx="0"/>
+          </p:cNvCxnSpPr>
+          <p:nvPr/>
+        </p:nvCxnSpPr>
+        <p:spPr>
+          <a:xfrm rot="16200000" flipH="1">
+            <a:off x="31711883" y="4952334"/>
+            <a:ext cx="432606" cy="1229076"/>
+          </a:xfrm>
+          <a:prstGeom prst="bentConnector3">
+            <a:avLst>
+              <a:gd name="adj1" fmla="val 50000"/>
+            </a:avLst>
+          </a:prstGeom>
+          <a:ln w="28575">
+            <a:tailEnd type="arrow"/>
+          </a:ln>
+        </p:spPr>
+        <p:style>
+          <a:lnRef idx="1">
+            <a:schemeClr val="accent1"/>
+          </a:lnRef>
+          <a:fillRef idx="0">
+            <a:schemeClr val="accent1"/>
+          </a:fillRef>
+          <a:effectRef idx="0">
+            <a:schemeClr val="accent1"/>
+          </a:effectRef>
+          <a:fontRef idx="minor">
+            <a:schemeClr val="tx1"/>
+          </a:fontRef>
+        </p:style>
+      </p:cxnSp>
+      <p:cxnSp>
+        <p:nvCxnSpPr>
+          <p:cNvPr id="200" name="Соединительная линия уступом 175">
+            <a:extLst>
+              <a:ext uri="{FF2B5EF4-FFF2-40B4-BE49-F238E27FC236}">
+                <a16:creationId xmlns:a16="http://schemas.microsoft.com/office/drawing/2014/main" id="{B74973C9-CF6A-4D85-8A53-42DCB083CB73}"/>
+              </a:ext>
+            </a:extLst>
+          </p:cNvPr>
+          <p:cNvCxnSpPr>
+            <a:cxnSpLocks/>
+            <a:stCxn id="169" idx="2"/>
+            <a:endCxn id="137" idx="0"/>
+          </p:cNvCxnSpPr>
+          <p:nvPr/>
+        </p:nvCxnSpPr>
+        <p:spPr>
+          <a:xfrm rot="5400000">
+            <a:off x="30498071" y="4962426"/>
+            <a:ext cx="427435" cy="1203720"/>
+          </a:xfrm>
+          <a:prstGeom prst="bentConnector3">
+            <a:avLst>
+              <a:gd name="adj1" fmla="val 50000"/>
+            </a:avLst>
+          </a:prstGeom>
+          <a:ln w="28575">
+            <a:tailEnd type="arrow"/>
+          </a:ln>
+        </p:spPr>
+        <p:style>
+          <a:lnRef idx="1">
+            <a:schemeClr val="accent1"/>
+          </a:lnRef>
+          <a:fillRef idx="0">
+            <a:schemeClr val="accent1"/>
+          </a:fillRef>
+          <a:effectRef idx="0">
+            <a:schemeClr val="accent1"/>
+          </a:effectRef>
+          <a:fontRef idx="minor">
+            <a:schemeClr val="tx1"/>
+          </a:fontRef>
+        </p:style>
+      </p:cxnSp>
+      <p:sp>
+        <p:nvSpPr>
+          <p:cNvPr id="206" name="Прямоугольник 205">
+            <a:extLst>
+              <a:ext uri="{FF2B5EF4-FFF2-40B4-BE49-F238E27FC236}">
+                <a16:creationId xmlns:a16="http://schemas.microsoft.com/office/drawing/2014/main" id="{C166DCB1-5F79-4E75-94C5-CB720CC9BEF1}"/>
+              </a:ext>
+            </a:extLst>
+          </p:cNvPr>
+          <p:cNvSpPr/>
+          <p:nvPr/>
+        </p:nvSpPr>
+        <p:spPr>
+          <a:xfrm>
+            <a:off x="27855285" y="4270568"/>
+            <a:ext cx="2115918" cy="1080000"/>
+          </a:xfrm>
+          <a:prstGeom prst="rect">
+            <a:avLst/>
+          </a:prstGeom>
+          <a:solidFill>
+            <a:srgbClr val="FF0000"/>
+          </a:solidFill>
+          <a:ln w="28575"/>
+        </p:spPr>
+        <p:style>
+          <a:lnRef idx="2">
+            <a:schemeClr val="accent1"/>
+          </a:lnRef>
+          <a:fillRef idx="1">
+            <a:schemeClr val="lt1"/>
+          </a:fillRef>
+          <a:effectRef idx="0">
+            <a:schemeClr val="accent1"/>
+          </a:effectRef>
+          <a:fontRef idx="minor">
+            <a:schemeClr val="dk1"/>
+          </a:fontRef>
+        </p:style>
+        <p:txBody>
+          <a:bodyPr lIns="124733" tIns="62367" rIns="124733" bIns="62367" rtlCol="0" anchor="ctr"/>
+          <a:lstStyle/>
+          <a:p>
+            <a:pPr algn="ctr"/>
+            <a:r>
+              <a:rPr lang="ru-RU" sz="1400" dirty="0"/>
+              <a:t>Отдел военной разведки </a:t>
+            </a:r>
+            <a:r>
+              <a:rPr lang="ru-RU" sz="1200" dirty="0"/>
+              <a:t>(Капитан Хосров </a:t>
+            </a:r>
+            <a:r>
+              <a:rPr lang="ru-RU" sz="1200" dirty="0" err="1"/>
+              <a:t>Розбех</a:t>
+            </a:r>
+            <a:r>
+              <a:rPr lang="ru-RU" sz="1200" dirty="0"/>
+              <a:t> руководил отделом военной разведки партии.)</a:t>
+            </a:r>
+            <a:endParaRPr lang="ru-RU" sz="1400" dirty="0"/>
+          </a:p>
+        </p:txBody>
+      </p:sp>
+      <p:cxnSp>
+        <p:nvCxnSpPr>
+          <p:cNvPr id="212" name="Соединительная линия уступом 175">
+            <a:extLst>
+              <a:ext uri="{FF2B5EF4-FFF2-40B4-BE49-F238E27FC236}">
+                <a16:creationId xmlns:a16="http://schemas.microsoft.com/office/drawing/2014/main" id="{A74B013F-A059-42DB-84A2-24888EA5DA4C}"/>
+              </a:ext>
+            </a:extLst>
+          </p:cNvPr>
+          <p:cNvCxnSpPr>
+            <a:cxnSpLocks/>
+            <a:stCxn id="206" idx="2"/>
+            <a:endCxn id="137" idx="0"/>
+          </p:cNvCxnSpPr>
+          <p:nvPr/>
+        </p:nvCxnSpPr>
+        <p:spPr>
+          <a:xfrm rot="16200000" flipH="1">
+            <a:off x="29297868" y="4965944"/>
+            <a:ext cx="427436" cy="1196684"/>
+          </a:xfrm>
+          <a:prstGeom prst="bentConnector3">
+            <a:avLst>
+              <a:gd name="adj1" fmla="val 50000"/>
+            </a:avLst>
+          </a:prstGeom>
+          <a:ln w="28575">
+            <a:tailEnd type="arrow"/>
+          </a:ln>
+        </p:spPr>
+        <p:style>
+          <a:lnRef idx="1">
+            <a:schemeClr val="accent1"/>
+          </a:lnRef>
+          <a:fillRef idx="0">
+            <a:schemeClr val="accent1"/>
+          </a:fillRef>
+          <a:effectRef idx="0">
+            <a:schemeClr val="accent1"/>
+          </a:effectRef>
+          <a:fontRef idx="minor">
+            <a:schemeClr val="tx1"/>
+          </a:fontRef>
+        </p:style>
+      </p:cxnSp>
+      <p:cxnSp>
+        <p:nvCxnSpPr>
+          <p:cNvPr id="215" name="Соединительная линия уступом 175">
+            <a:extLst>
+              <a:ext uri="{FF2B5EF4-FFF2-40B4-BE49-F238E27FC236}">
+                <a16:creationId xmlns:a16="http://schemas.microsoft.com/office/drawing/2014/main" id="{6E88CED9-6007-413B-B269-C40360827C4A}"/>
+              </a:ext>
+            </a:extLst>
+          </p:cNvPr>
+          <p:cNvCxnSpPr>
+            <a:cxnSpLocks/>
+            <a:stCxn id="135" idx="2"/>
+            <a:endCxn id="206" idx="0"/>
+          </p:cNvCxnSpPr>
+          <p:nvPr/>
+        </p:nvCxnSpPr>
+        <p:spPr>
+          <a:xfrm rot="5400000">
+            <a:off x="31160916" y="1580718"/>
+            <a:ext cx="442178" cy="4937522"/>
+          </a:xfrm>
+          <a:prstGeom prst="bentConnector3">
+            <a:avLst>
+              <a:gd name="adj1" fmla="val 50000"/>
+            </a:avLst>
+          </a:prstGeom>
+          <a:ln w="28575">
+            <a:tailEnd type="arrow"/>
+          </a:ln>
+        </p:spPr>
+        <p:style>
+          <a:lnRef idx="1">
+            <a:schemeClr val="accent1"/>
+          </a:lnRef>
+          <a:fillRef idx="0">
+            <a:schemeClr val="accent1"/>
+          </a:fillRef>
+          <a:effectRef idx="0">
+            <a:schemeClr val="accent1"/>
+          </a:effectRef>
+          <a:fontRef idx="minor">
+            <a:schemeClr val="tx1"/>
+          </a:fontRef>
+        </p:style>
+      </p:cxnSp>
+      <p:sp>
+        <p:nvSpPr>
+          <p:cNvPr id="216" name="Прямоугольник 215">
+            <a:extLst>
+              <a:ext uri="{FF2B5EF4-FFF2-40B4-BE49-F238E27FC236}">
+                <a16:creationId xmlns:a16="http://schemas.microsoft.com/office/drawing/2014/main" id="{FA0F0E31-A588-49D9-906D-07782A740C37}"/>
+              </a:ext>
+            </a:extLst>
+          </p:cNvPr>
+          <p:cNvSpPr/>
+          <p:nvPr/>
+        </p:nvSpPr>
+        <p:spPr>
+          <a:xfrm>
+            <a:off x="37857245" y="8803066"/>
+            <a:ext cx="2115918" cy="1080000"/>
+          </a:xfrm>
+          <a:prstGeom prst="rect">
+            <a:avLst/>
+          </a:prstGeom>
+          <a:solidFill>
+            <a:srgbClr val="FF0000"/>
+          </a:solidFill>
+          <a:ln w="28575"/>
+        </p:spPr>
+        <p:style>
+          <a:lnRef idx="2">
+            <a:schemeClr val="accent1"/>
+          </a:lnRef>
+          <a:fillRef idx="1">
+            <a:schemeClr val="lt1"/>
+          </a:fillRef>
+          <a:effectRef idx="0">
+            <a:schemeClr val="accent1"/>
+          </a:effectRef>
+          <a:fontRef idx="minor">
+            <a:schemeClr val="dk1"/>
+          </a:fontRef>
+        </p:style>
+        <p:txBody>
+          <a:bodyPr lIns="124733" tIns="62367" rIns="124733" bIns="62367" rtlCol="0" anchor="ctr"/>
+          <a:lstStyle/>
+          <a:p>
+            <a:pPr algn="ctr"/>
+            <a:r>
+              <a:rPr lang="ru-RU" sz="1400" dirty="0"/>
+              <a:t>Подготовка верблюжьей кавалерии</a:t>
+            </a:r>
+          </a:p>
+        </p:txBody>
+      </p:sp>
+      <p:sp>
+        <p:nvSpPr>
+          <p:cNvPr id="217" name="Прямоугольник 216">
+            <a:extLst>
+              <a:ext uri="{FF2B5EF4-FFF2-40B4-BE49-F238E27FC236}">
+                <a16:creationId xmlns:a16="http://schemas.microsoft.com/office/drawing/2014/main" id="{ED56EC24-DAFD-4758-A10D-F6F44F78E81F}"/>
+              </a:ext>
+            </a:extLst>
+          </p:cNvPr>
+          <p:cNvSpPr/>
+          <p:nvPr/>
+        </p:nvSpPr>
+        <p:spPr>
+          <a:xfrm>
+            <a:off x="32792807" y="8797232"/>
+            <a:ext cx="2115918" cy="1080000"/>
+          </a:xfrm>
+          <a:prstGeom prst="rect">
+            <a:avLst/>
+          </a:prstGeom>
+          <a:solidFill>
+            <a:srgbClr val="FF0000"/>
+          </a:solidFill>
+          <a:ln w="28575"/>
+        </p:spPr>
+        <p:style>
+          <a:lnRef idx="2">
+            <a:schemeClr val="accent1"/>
+          </a:lnRef>
+          <a:fillRef idx="1">
+            <a:schemeClr val="lt1"/>
+          </a:fillRef>
+          <a:effectRef idx="0">
+            <a:schemeClr val="accent1"/>
+          </a:effectRef>
+          <a:fontRef idx="minor">
+            <a:schemeClr val="dk1"/>
+          </a:fontRef>
+        </p:style>
+        <p:txBody>
+          <a:bodyPr lIns="124733" tIns="62367" rIns="124733" bIns="62367" rtlCol="0" anchor="ctr"/>
+          <a:lstStyle/>
+          <a:p>
+            <a:pPr algn="ctr"/>
+            <a:r>
+              <a:rPr lang="ru-RU" sz="1400" dirty="0"/>
+              <a:t>Создание бронетанковых дивизий</a:t>
+            </a:r>
+          </a:p>
+        </p:txBody>
+      </p:sp>
+      <p:cxnSp>
+        <p:nvCxnSpPr>
+          <p:cNvPr id="250" name="Соединительная линия уступом 175">
+            <a:extLst>
+              <a:ext uri="{FF2B5EF4-FFF2-40B4-BE49-F238E27FC236}">
+                <a16:creationId xmlns:a16="http://schemas.microsoft.com/office/drawing/2014/main" id="{E64614AE-189E-4EDF-86AC-54FDCB76F5D9}"/>
+              </a:ext>
+            </a:extLst>
+          </p:cNvPr>
+          <p:cNvCxnSpPr>
+            <a:cxnSpLocks/>
+            <a:stCxn id="156" idx="2"/>
+            <a:endCxn id="217" idx="0"/>
+          </p:cNvCxnSpPr>
+          <p:nvPr/>
+        </p:nvCxnSpPr>
+        <p:spPr>
+          <a:xfrm rot="5400000">
+            <a:off x="33508052" y="7191534"/>
+            <a:ext cx="1948413" cy="1262983"/>
+          </a:xfrm>
+          <a:prstGeom prst="bentConnector3">
+            <a:avLst>
+              <a:gd name="adj1" fmla="val 10709"/>
+            </a:avLst>
+          </a:prstGeom>
+          <a:ln w="28575">
+            <a:tailEnd type="arrow"/>
+          </a:ln>
+        </p:spPr>
+        <p:style>
+          <a:lnRef idx="1">
+            <a:schemeClr val="accent1"/>
+          </a:lnRef>
+          <a:fillRef idx="0">
+            <a:schemeClr val="accent1"/>
+          </a:fillRef>
+          <a:effectRef idx="0">
+            <a:schemeClr val="accent1"/>
+          </a:effectRef>
+          <a:fontRef idx="minor">
+            <a:schemeClr val="tx1"/>
+          </a:fontRef>
+        </p:style>
+      </p:cxnSp>
+      <p:cxnSp>
+        <p:nvCxnSpPr>
+          <p:cNvPr id="254" name="Соединительная линия уступом 175">
+            <a:extLst>
+              <a:ext uri="{FF2B5EF4-FFF2-40B4-BE49-F238E27FC236}">
+                <a16:creationId xmlns:a16="http://schemas.microsoft.com/office/drawing/2014/main" id="{25BBF92D-4831-4347-A7CC-C0BE962A1887}"/>
+              </a:ext>
+            </a:extLst>
+          </p:cNvPr>
+          <p:cNvCxnSpPr>
+            <a:cxnSpLocks/>
+            <a:stCxn id="144" idx="2"/>
+            <a:endCxn id="217" idx="0"/>
+          </p:cNvCxnSpPr>
+          <p:nvPr/>
+        </p:nvCxnSpPr>
+        <p:spPr>
+          <a:xfrm rot="16200000" flipH="1">
+            <a:off x="32977447" y="7923912"/>
+            <a:ext cx="431791" cy="1314848"/>
+          </a:xfrm>
+          <a:prstGeom prst="bentConnector3">
+            <a:avLst>
+              <a:gd name="adj1" fmla="val 50000"/>
+            </a:avLst>
+          </a:prstGeom>
+          <a:ln w="28575">
+            <a:tailEnd type="arrow"/>
+          </a:ln>
+        </p:spPr>
+        <p:style>
+          <a:lnRef idx="1">
+            <a:schemeClr val="accent1"/>
+          </a:lnRef>
+          <a:fillRef idx="0">
+            <a:schemeClr val="accent1"/>
+          </a:fillRef>
+          <a:effectRef idx="0">
+            <a:schemeClr val="accent1"/>
+          </a:effectRef>
+          <a:fontRef idx="minor">
+            <a:schemeClr val="tx1"/>
+          </a:fontRef>
+        </p:style>
+      </p:cxnSp>
+      <p:sp>
+        <p:nvSpPr>
+          <p:cNvPr id="260" name="Прямоугольник 259">
+            <a:extLst>
+              <a:ext uri="{FF2B5EF4-FFF2-40B4-BE49-F238E27FC236}">
+                <a16:creationId xmlns:a16="http://schemas.microsoft.com/office/drawing/2014/main" id="{6F96A6F9-45C5-4070-A295-A94862F721FC}"/>
+              </a:ext>
+            </a:extLst>
+          </p:cNvPr>
+          <p:cNvSpPr/>
+          <p:nvPr/>
+        </p:nvSpPr>
+        <p:spPr>
+          <a:xfrm>
+            <a:off x="34056524" y="7283025"/>
+            <a:ext cx="2115918" cy="1080000"/>
+          </a:xfrm>
+          <a:prstGeom prst="rect">
+            <a:avLst/>
+          </a:prstGeom>
+          <a:solidFill>
+            <a:srgbClr val="FF0000"/>
+          </a:solidFill>
+          <a:ln w="28575"/>
+        </p:spPr>
+        <p:style>
+          <a:lnRef idx="2">
+            <a:schemeClr val="accent1"/>
+          </a:lnRef>
+          <a:fillRef idx="1">
+            <a:schemeClr val="lt1"/>
+          </a:fillRef>
+          <a:effectRef idx="0">
+            <a:schemeClr val="accent1"/>
+          </a:effectRef>
+          <a:fontRef idx="minor">
+            <a:schemeClr val="dk1"/>
+          </a:fontRef>
+        </p:style>
+        <p:txBody>
+          <a:bodyPr lIns="124733" tIns="62367" rIns="124733" bIns="62367" rtlCol="0" anchor="ctr"/>
+          <a:lstStyle/>
+          <a:p>
+            <a:pPr algn="ctr"/>
+            <a:r>
+              <a:rPr lang="ru-RU" sz="1400" dirty="0"/>
+              <a:t>Реформирование армейской логистики</a:t>
+            </a:r>
+          </a:p>
+        </p:txBody>
+      </p:sp>
+      <p:cxnSp>
+        <p:nvCxnSpPr>
+          <p:cNvPr id="261" name="Прямая со стрелкой 260">
+            <a:extLst>
+              <a:ext uri="{FF2B5EF4-FFF2-40B4-BE49-F238E27FC236}">
+                <a16:creationId xmlns:a16="http://schemas.microsoft.com/office/drawing/2014/main" id="{C313E580-DA0A-45C9-B638-D91CED067BCA}"/>
+              </a:ext>
+            </a:extLst>
+          </p:cNvPr>
+          <p:cNvCxnSpPr>
+            <a:cxnSpLocks/>
+            <a:stCxn id="156" idx="2"/>
+            <a:endCxn id="260" idx="0"/>
+          </p:cNvCxnSpPr>
+          <p:nvPr/>
+        </p:nvCxnSpPr>
+        <p:spPr>
+          <a:xfrm>
+            <a:off x="35113749" y="6848819"/>
+            <a:ext cx="734" cy="434206"/>
+          </a:xfrm>
+          <a:prstGeom prst="straightConnector1">
+            <a:avLst/>
+          </a:prstGeom>
+          <a:ln w="28575">
+            <a:prstDash val="dash"/>
+            <a:tailEnd type="arrow"/>
+          </a:ln>
+        </p:spPr>
+        <p:style>
+          <a:lnRef idx="1">
+            <a:schemeClr val="accent1"/>
+          </a:lnRef>
+          <a:fillRef idx="0">
+            <a:schemeClr val="accent1"/>
+          </a:fillRef>
+          <a:effectRef idx="0">
+            <a:schemeClr val="accent1"/>
+          </a:effectRef>
+          <a:fontRef idx="minor">
+            <a:schemeClr val="tx1"/>
+          </a:fontRef>
+        </p:style>
+      </p:cxnSp>
+      <p:cxnSp>
+        <p:nvCxnSpPr>
+          <p:cNvPr id="266" name="Соединительная линия уступом 175">
+            <a:extLst>
+              <a:ext uri="{FF2B5EF4-FFF2-40B4-BE49-F238E27FC236}">
+                <a16:creationId xmlns:a16="http://schemas.microsoft.com/office/drawing/2014/main" id="{BB28B076-6515-44D5-91C7-0A5EC27B1EE6}"/>
+              </a:ext>
+            </a:extLst>
+          </p:cNvPr>
+          <p:cNvCxnSpPr>
+            <a:cxnSpLocks/>
+            <a:stCxn id="158" idx="2"/>
+            <a:endCxn id="260" idx="0"/>
+          </p:cNvCxnSpPr>
+          <p:nvPr/>
+        </p:nvCxnSpPr>
+        <p:spPr>
+          <a:xfrm rot="5400000">
+            <a:off x="36187097" y="5776205"/>
+            <a:ext cx="434206" cy="2579434"/>
+          </a:xfrm>
+          <a:prstGeom prst="bentConnector3">
+            <a:avLst>
+              <a:gd name="adj1" fmla="val 50000"/>
+            </a:avLst>
+          </a:prstGeom>
+          <a:ln w="28575">
+            <a:prstDash val="dash"/>
+            <a:tailEnd type="arrow"/>
+          </a:ln>
+        </p:spPr>
+        <p:style>
+          <a:lnRef idx="1">
+            <a:schemeClr val="accent1"/>
+          </a:lnRef>
+          <a:fillRef idx="0">
+            <a:schemeClr val="accent1"/>
+          </a:fillRef>
+          <a:effectRef idx="0">
+            <a:schemeClr val="accent1"/>
+          </a:effectRef>
+          <a:fontRef idx="minor">
+            <a:schemeClr val="tx1"/>
+          </a:fontRef>
+        </p:style>
+      </p:cxnSp>
+      <p:sp>
+        <p:nvSpPr>
+          <p:cNvPr id="268" name="Прямоугольник 267">
+            <a:extLst>
+              <a:ext uri="{FF2B5EF4-FFF2-40B4-BE49-F238E27FC236}">
+                <a16:creationId xmlns:a16="http://schemas.microsoft.com/office/drawing/2014/main" id="{B0D6C94D-9A2B-481C-AB59-A367C73342FE}"/>
+              </a:ext>
+            </a:extLst>
+          </p:cNvPr>
+          <p:cNvSpPr/>
+          <p:nvPr/>
+        </p:nvSpPr>
+        <p:spPr>
+          <a:xfrm>
+            <a:off x="40456443" y="4269759"/>
+            <a:ext cx="2115918" cy="1080000"/>
+          </a:xfrm>
+          <a:prstGeom prst="rect">
+            <a:avLst/>
+          </a:prstGeom>
+          <a:solidFill>
+            <a:srgbClr val="FF0000"/>
+          </a:solidFill>
+          <a:ln w="28575"/>
+        </p:spPr>
+        <p:style>
+          <a:lnRef idx="2">
+            <a:schemeClr val="accent1"/>
+          </a:lnRef>
+          <a:fillRef idx="1">
+            <a:schemeClr val="lt1"/>
+          </a:fillRef>
+          <a:effectRef idx="0">
+            <a:schemeClr val="accent1"/>
+          </a:effectRef>
+          <a:fontRef idx="minor">
+            <a:schemeClr val="dk1"/>
+          </a:fontRef>
+        </p:style>
+        <p:txBody>
+          <a:bodyPr lIns="124733" tIns="62367" rIns="124733" bIns="62367" rtlCol="0" anchor="ctr"/>
+          <a:lstStyle/>
+          <a:p>
+            <a:pPr algn="ctr"/>
+            <a:r>
+              <a:rPr lang="ru-RU" sz="1400" dirty="0"/>
+              <a:t>Лётчики верные Марксу </a:t>
+            </a:r>
+            <a:r>
+              <a:rPr lang="ru-RU" sz="900" dirty="0"/>
+              <a:t>(с самого начала существования партии </a:t>
+            </a:r>
+            <a:r>
+              <a:rPr lang="ru-RU" sz="900" dirty="0" err="1"/>
+              <a:t>Туде</a:t>
+            </a:r>
+            <a:r>
+              <a:rPr lang="ru-RU" sz="900" dirty="0"/>
+              <a:t> к ней присоединились несколько армейских офицеров, особенно </a:t>
+            </a:r>
+            <a:r>
+              <a:rPr lang="ru-RU" sz="900" dirty="0" err="1"/>
+              <a:t>марксистски</a:t>
+            </a:r>
+            <a:r>
+              <a:rPr lang="ru-RU" sz="900" dirty="0"/>
+              <a:t> настроенных ВВС)</a:t>
+            </a:r>
+            <a:endParaRPr lang="ru-RU" sz="1400" dirty="0"/>
+          </a:p>
+        </p:txBody>
+      </p:sp>
+      <p:cxnSp>
+        <p:nvCxnSpPr>
+          <p:cNvPr id="269" name="Соединительная линия уступом 175">
+            <a:extLst>
+              <a:ext uri="{FF2B5EF4-FFF2-40B4-BE49-F238E27FC236}">
+                <a16:creationId xmlns:a16="http://schemas.microsoft.com/office/drawing/2014/main" id="{E5063ED7-9C89-40E3-92EA-F0A44644F498}"/>
+              </a:ext>
+            </a:extLst>
+          </p:cNvPr>
+          <p:cNvCxnSpPr>
+            <a:cxnSpLocks/>
+            <a:stCxn id="135" idx="2"/>
+            <a:endCxn id="268" idx="0"/>
+          </p:cNvCxnSpPr>
+          <p:nvPr/>
+        </p:nvCxnSpPr>
+        <p:spPr>
+          <a:xfrm rot="16200000" flipH="1">
+            <a:off x="37461900" y="217256"/>
+            <a:ext cx="441369" cy="7663636"/>
+          </a:xfrm>
+          <a:prstGeom prst="bentConnector3">
+            <a:avLst>
+              <a:gd name="adj1" fmla="val 50000"/>
+            </a:avLst>
+          </a:prstGeom>
+          <a:ln w="28575">
+            <a:tailEnd type="arrow"/>
+          </a:ln>
+        </p:spPr>
+        <p:style>
+          <a:lnRef idx="1">
+            <a:schemeClr val="accent1"/>
+          </a:lnRef>
+          <a:fillRef idx="0">
+            <a:schemeClr val="accent1"/>
+          </a:fillRef>
+          <a:effectRef idx="0">
+            <a:schemeClr val="accent1"/>
+          </a:effectRef>
+          <a:fontRef idx="minor">
+            <a:schemeClr val="tx1"/>
+          </a:fontRef>
+        </p:style>
+      </p:cxnSp>
+      <p:cxnSp>
+        <p:nvCxnSpPr>
+          <p:cNvPr id="273" name="Соединительная линия уступом 175">
+            <a:extLst>
+              <a:ext uri="{FF2B5EF4-FFF2-40B4-BE49-F238E27FC236}">
+                <a16:creationId xmlns:a16="http://schemas.microsoft.com/office/drawing/2014/main" id="{FAB12AD6-E143-4381-B5EB-508651C800B7}"/>
+              </a:ext>
+            </a:extLst>
+          </p:cNvPr>
+          <p:cNvCxnSpPr>
+            <a:cxnSpLocks/>
+            <a:stCxn id="144" idx="2"/>
+            <a:endCxn id="276" idx="0"/>
+          </p:cNvCxnSpPr>
+          <p:nvPr/>
+        </p:nvCxnSpPr>
+        <p:spPr>
+          <a:xfrm rot="5400000">
+            <a:off x="31708888" y="7970201"/>
+            <a:ext cx="431791" cy="1222270"/>
+          </a:xfrm>
+          <a:prstGeom prst="bentConnector3">
+            <a:avLst>
+              <a:gd name="adj1" fmla="val 50000"/>
+            </a:avLst>
+          </a:prstGeom>
+          <a:ln w="28575">
+            <a:prstDash val="dash"/>
+            <a:tailEnd type="arrow"/>
+          </a:ln>
+        </p:spPr>
+        <p:style>
+          <a:lnRef idx="1">
+            <a:schemeClr val="accent1"/>
+          </a:lnRef>
+          <a:fillRef idx="0">
+            <a:schemeClr val="accent1"/>
+          </a:fillRef>
+          <a:effectRef idx="0">
+            <a:schemeClr val="accent1"/>
+          </a:effectRef>
+          <a:fontRef idx="minor">
+            <a:schemeClr val="tx1"/>
+          </a:fontRef>
+        </p:style>
+      </p:cxnSp>
+      <p:sp>
+        <p:nvSpPr>
+          <p:cNvPr id="276" name="Прямоугольник 275">
+            <a:extLst>
+              <a:ext uri="{FF2B5EF4-FFF2-40B4-BE49-F238E27FC236}">
+                <a16:creationId xmlns:a16="http://schemas.microsoft.com/office/drawing/2014/main" id="{BFFA81ED-E8EF-4295-A123-44371E58EA47}"/>
+              </a:ext>
+            </a:extLst>
+          </p:cNvPr>
+          <p:cNvSpPr/>
+          <p:nvPr/>
+        </p:nvSpPr>
+        <p:spPr>
+          <a:xfrm>
+            <a:off x="30255689" y="8797232"/>
+            <a:ext cx="2115918" cy="1080000"/>
+          </a:xfrm>
+          <a:prstGeom prst="rect">
+            <a:avLst/>
+          </a:prstGeom>
+          <a:solidFill>
+            <a:srgbClr val="FF0000"/>
+          </a:solidFill>
+          <a:ln w="28575"/>
+        </p:spPr>
+        <p:style>
+          <a:lnRef idx="2">
+            <a:schemeClr val="accent1"/>
+          </a:lnRef>
+          <a:fillRef idx="1">
+            <a:schemeClr val="lt1"/>
+          </a:fillRef>
+          <a:effectRef idx="0">
+            <a:schemeClr val="accent1"/>
+          </a:effectRef>
+          <a:fontRef idx="minor">
+            <a:schemeClr val="dk1"/>
+          </a:fontRef>
+        </p:style>
+        <p:txBody>
+          <a:bodyPr lIns="124733" tIns="62367" rIns="124733" bIns="62367" rtlCol="0" anchor="ctr"/>
+          <a:lstStyle/>
+          <a:p>
+            <a:pPr algn="ctr"/>
+            <a:r>
+              <a:rPr lang="ru-RU" sz="1400" dirty="0"/>
+              <a:t>Народные офицеры </a:t>
+            </a:r>
+            <a:r>
+              <a:rPr lang="ru-RU" sz="500" dirty="0"/>
+              <a:t>(Первоначально военная академия была основным центром деятельности массового офицерства, но позже усилиями полковника </a:t>
+            </a:r>
+            <a:r>
+              <a:rPr lang="ru-RU" sz="500" dirty="0" err="1"/>
+              <a:t>Абдолреза</a:t>
+            </a:r>
+            <a:r>
+              <a:rPr lang="ru-RU" sz="500" dirty="0"/>
+              <a:t> Азара эта военная организация была организована. Али </a:t>
+            </a:r>
+            <a:r>
+              <a:rPr lang="ru-RU" sz="500" dirty="0" err="1"/>
+              <a:t>Асгар</a:t>
+            </a:r>
+            <a:r>
+              <a:rPr lang="ru-RU" sz="500" dirty="0"/>
+              <a:t> </a:t>
+            </a:r>
+            <a:r>
+              <a:rPr lang="ru-RU" sz="500" dirty="0" err="1"/>
+              <a:t>Эхсани</a:t>
+            </a:r>
+            <a:r>
+              <a:rPr lang="ru-RU" sz="500" dirty="0"/>
+              <a:t> описывает мотивы вербовки некоторых офицеров в партию </a:t>
+            </a:r>
+            <a:r>
+              <a:rPr lang="ru-RU" sz="500" dirty="0" err="1"/>
+              <a:t>Туде</a:t>
+            </a:r>
+            <a:r>
+              <a:rPr lang="ru-RU" sz="500" dirty="0"/>
+              <a:t> следующим образом: «Потому что на нас, не из влиятельных и богатых семей, смотрели свысока»)</a:t>
+            </a:r>
+          </a:p>
+        </p:txBody>
+      </p:sp>
+      <p:cxnSp>
+        <p:nvCxnSpPr>
+          <p:cNvPr id="278" name="Соединительная линия уступом 175">
+            <a:extLst>
+              <a:ext uri="{FF2B5EF4-FFF2-40B4-BE49-F238E27FC236}">
+                <a16:creationId xmlns:a16="http://schemas.microsoft.com/office/drawing/2014/main" id="{81607F1D-D0B5-4EA4-894D-E74EC4F5B485}"/>
+              </a:ext>
+            </a:extLst>
+          </p:cNvPr>
+          <p:cNvCxnSpPr>
+            <a:cxnSpLocks/>
+            <a:stCxn id="143" idx="2"/>
+            <a:endCxn id="276" idx="0"/>
+          </p:cNvCxnSpPr>
+          <p:nvPr/>
+        </p:nvCxnSpPr>
+        <p:spPr>
+          <a:xfrm rot="16200000" flipH="1">
+            <a:off x="30495893" y="7979476"/>
+            <a:ext cx="431791" cy="1203720"/>
+          </a:xfrm>
+          <a:prstGeom prst="bentConnector3">
+            <a:avLst>
+              <a:gd name="adj1" fmla="val 50000"/>
+            </a:avLst>
+          </a:prstGeom>
+          <a:ln w="28575">
+            <a:prstDash val="dash"/>
+            <a:tailEnd type="arrow"/>
+          </a:ln>
+        </p:spPr>
+        <p:style>
+          <a:lnRef idx="1">
+            <a:schemeClr val="accent1"/>
+          </a:lnRef>
+          <a:fillRef idx="0">
+            <a:schemeClr val="accent1"/>
+          </a:fillRef>
+          <a:effectRef idx="0">
+            <a:schemeClr val="accent1"/>
+          </a:effectRef>
+          <a:fontRef idx="minor">
+            <a:schemeClr val="tx1"/>
+          </a:fontRef>
+        </p:style>
+      </p:cxnSp>
+      <p:sp>
+        <p:nvSpPr>
+          <p:cNvPr id="283" name="Прямоугольник 282">
+            <a:extLst>
+              <a:ext uri="{FF2B5EF4-FFF2-40B4-BE49-F238E27FC236}">
+                <a16:creationId xmlns:a16="http://schemas.microsoft.com/office/drawing/2014/main" id="{23F47D6A-F2C2-4717-AA78-E5300EEF8D3B}"/>
+              </a:ext>
+            </a:extLst>
+          </p:cNvPr>
+          <p:cNvSpPr/>
+          <p:nvPr/>
+        </p:nvSpPr>
+        <p:spPr>
+          <a:xfrm>
+            <a:off x="36635958" y="7283025"/>
+            <a:ext cx="2115918" cy="1080000"/>
+          </a:xfrm>
+          <a:prstGeom prst="rect">
+            <a:avLst/>
+          </a:prstGeom>
+          <a:solidFill>
+            <a:srgbClr val="FF0000"/>
+          </a:solidFill>
+          <a:ln w="28575"/>
+        </p:spPr>
+        <p:style>
+          <a:lnRef idx="2">
+            <a:schemeClr val="accent1"/>
+          </a:lnRef>
+          <a:fillRef idx="1">
+            <a:schemeClr val="lt1"/>
+          </a:fillRef>
+          <a:effectRef idx="0">
+            <a:schemeClr val="accent1"/>
+          </a:effectRef>
+          <a:fontRef idx="minor">
+            <a:schemeClr val="dk1"/>
+          </a:fontRef>
+        </p:style>
+        <p:txBody>
+          <a:bodyPr lIns="124733" tIns="62367" rIns="124733" bIns="62367" rtlCol="0" anchor="ctr"/>
+          <a:lstStyle/>
+          <a:p>
+            <a:pPr algn="ctr"/>
+            <a:r>
+              <a:rPr lang="ru-RU" sz="1400" dirty="0"/>
+              <a:t>Подготовка к войне в пустыне</a:t>
+            </a:r>
+          </a:p>
+        </p:txBody>
+      </p:sp>
+      <p:cxnSp>
+        <p:nvCxnSpPr>
+          <p:cNvPr id="289" name="Соединительная линия уступом 175">
+            <a:extLst>
+              <a:ext uri="{FF2B5EF4-FFF2-40B4-BE49-F238E27FC236}">
+                <a16:creationId xmlns:a16="http://schemas.microsoft.com/office/drawing/2014/main" id="{38933410-BBAE-49A5-8E61-5B0F25DCE413}"/>
+              </a:ext>
+            </a:extLst>
+          </p:cNvPr>
+          <p:cNvCxnSpPr>
+            <a:cxnSpLocks/>
+            <a:stCxn id="156" idx="2"/>
+            <a:endCxn id="283" idx="0"/>
+          </p:cNvCxnSpPr>
+          <p:nvPr/>
+        </p:nvCxnSpPr>
+        <p:spPr>
+          <a:xfrm rot="16200000" flipH="1">
+            <a:off x="36186730" y="5775838"/>
+            <a:ext cx="434206" cy="2580168"/>
+          </a:xfrm>
+          <a:prstGeom prst="bentConnector3">
+            <a:avLst>
+              <a:gd name="adj1" fmla="val 50000"/>
+            </a:avLst>
+          </a:prstGeom>
+          <a:ln w="28575">
+            <a:prstDash val="dash"/>
+            <a:tailEnd type="arrow"/>
+          </a:ln>
+        </p:spPr>
+        <p:style>
+          <a:lnRef idx="1">
+            <a:schemeClr val="accent1"/>
+          </a:lnRef>
+          <a:fillRef idx="0">
+            <a:schemeClr val="accent1"/>
+          </a:fillRef>
+          <a:effectRef idx="0">
+            <a:schemeClr val="accent1"/>
+          </a:effectRef>
+          <a:fontRef idx="minor">
+            <a:schemeClr val="tx1"/>
+          </a:fontRef>
+        </p:style>
+      </p:cxnSp>
+      <p:cxnSp>
+        <p:nvCxnSpPr>
+          <p:cNvPr id="290" name="Прямая со стрелкой 289">
+            <a:extLst>
+              <a:ext uri="{FF2B5EF4-FFF2-40B4-BE49-F238E27FC236}">
+                <a16:creationId xmlns:a16="http://schemas.microsoft.com/office/drawing/2014/main" id="{672128C6-8ECE-4FD3-99DC-31FF4B9CDB6B}"/>
+              </a:ext>
+            </a:extLst>
+          </p:cNvPr>
+          <p:cNvCxnSpPr>
+            <a:cxnSpLocks/>
+            <a:stCxn id="158" idx="2"/>
+            <a:endCxn id="283" idx="0"/>
+          </p:cNvCxnSpPr>
+          <p:nvPr/>
+        </p:nvCxnSpPr>
+        <p:spPr>
+          <a:xfrm>
+            <a:off x="37693917" y="6848819"/>
+            <a:ext cx="0" cy="434206"/>
+          </a:xfrm>
+          <a:prstGeom prst="straightConnector1">
+            <a:avLst/>
+          </a:prstGeom>
+          <a:ln w="28575">
+            <a:prstDash val="dash"/>
+            <a:tailEnd type="arrow"/>
+          </a:ln>
+        </p:spPr>
+        <p:style>
+          <a:lnRef idx="1">
+            <a:schemeClr val="accent1"/>
+          </a:lnRef>
+          <a:fillRef idx="0">
+            <a:schemeClr val="accent1"/>
+          </a:fillRef>
+          <a:effectRef idx="0">
+            <a:schemeClr val="accent1"/>
+          </a:effectRef>
+          <a:fontRef idx="minor">
+            <a:schemeClr val="tx1"/>
+          </a:fontRef>
+        </p:style>
+      </p:cxnSp>
+      <p:cxnSp>
+        <p:nvCxnSpPr>
+          <p:cNvPr id="291" name="Соединительная линия уступом 175">
+            <a:extLst>
+              <a:ext uri="{FF2B5EF4-FFF2-40B4-BE49-F238E27FC236}">
+                <a16:creationId xmlns:a16="http://schemas.microsoft.com/office/drawing/2014/main" id="{BC61209C-F780-491E-82AD-CA454C714FA3}"/>
+              </a:ext>
+            </a:extLst>
+          </p:cNvPr>
+          <p:cNvCxnSpPr>
+            <a:cxnSpLocks/>
+            <a:stCxn id="158" idx="2"/>
+            <a:endCxn id="216" idx="0"/>
+          </p:cNvCxnSpPr>
+          <p:nvPr/>
+        </p:nvCxnSpPr>
+        <p:spPr>
+          <a:xfrm rot="16200000" flipH="1">
+            <a:off x="37327437" y="7215298"/>
+            <a:ext cx="1954247" cy="1221287"/>
+          </a:xfrm>
+          <a:prstGeom prst="bentConnector3">
+            <a:avLst>
+              <a:gd name="adj1" fmla="val 10827"/>
+            </a:avLst>
+          </a:prstGeom>
+          <a:ln w="28575">
+            <a:tailEnd type="arrow"/>
+          </a:ln>
+        </p:spPr>
+        <p:style>
+          <a:lnRef idx="1">
+            <a:schemeClr val="accent1"/>
+          </a:lnRef>
+          <a:fillRef idx="0">
+            <a:schemeClr val="accent1"/>
+          </a:fillRef>
+          <a:effectRef idx="0">
+            <a:schemeClr val="accent1"/>
+          </a:effectRef>
+          <a:fontRef idx="minor">
+            <a:schemeClr val="tx1"/>
+          </a:fontRef>
+        </p:style>
+      </p:cxnSp>
+      <p:cxnSp>
+        <p:nvCxnSpPr>
+          <p:cNvPr id="295" name="Соединительная линия уступом 175">
+            <a:extLst>
+              <a:ext uri="{FF2B5EF4-FFF2-40B4-BE49-F238E27FC236}">
+                <a16:creationId xmlns:a16="http://schemas.microsoft.com/office/drawing/2014/main" id="{EEA79DDF-E420-4D9A-9126-75E15BD2A149}"/>
+              </a:ext>
+            </a:extLst>
+          </p:cNvPr>
+          <p:cNvCxnSpPr>
+            <a:cxnSpLocks/>
+            <a:stCxn id="283" idx="2"/>
+            <a:endCxn id="216" idx="0"/>
+          </p:cNvCxnSpPr>
+          <p:nvPr/>
+        </p:nvCxnSpPr>
+        <p:spPr>
+          <a:xfrm rot="16200000" flipH="1">
+            <a:off x="38084540" y="7972401"/>
+            <a:ext cx="440041" cy="1221287"/>
+          </a:xfrm>
+          <a:prstGeom prst="bentConnector3">
+            <a:avLst>
+              <a:gd name="adj1" fmla="val 50000"/>
+            </a:avLst>
+          </a:prstGeom>
+          <a:ln w="28575">
+            <a:tailEnd type="arrow"/>
+          </a:ln>
+        </p:spPr>
+        <p:style>
+          <a:lnRef idx="1">
+            <a:schemeClr val="accent1"/>
+          </a:lnRef>
+          <a:fillRef idx="0">
+            <a:schemeClr val="accent1"/>
+          </a:fillRef>
+          <a:effectRef idx="0">
+            <a:schemeClr val="accent1"/>
+          </a:effectRef>
+          <a:fontRef idx="minor">
+            <a:schemeClr val="tx1"/>
+          </a:fontRef>
+        </p:style>
+      </p:cxnSp>
+      <p:sp>
+        <p:nvSpPr>
+          <p:cNvPr id="302" name="Прямоугольник 301">
+            <a:extLst>
+              <a:ext uri="{FF2B5EF4-FFF2-40B4-BE49-F238E27FC236}">
+                <a16:creationId xmlns:a16="http://schemas.microsoft.com/office/drawing/2014/main" id="{8E631C04-3388-4E66-AAC4-5A73E9FE06DB}"/>
+              </a:ext>
+            </a:extLst>
+          </p:cNvPr>
+          <p:cNvSpPr/>
+          <p:nvPr/>
+        </p:nvSpPr>
+        <p:spPr>
+          <a:xfrm>
+            <a:off x="35329925" y="8806168"/>
+            <a:ext cx="2115918" cy="1080000"/>
+          </a:xfrm>
+          <a:prstGeom prst="rect">
+            <a:avLst/>
+          </a:prstGeom>
+          <a:solidFill>
+            <a:srgbClr val="FF0000"/>
+          </a:solidFill>
+          <a:ln w="28575"/>
+        </p:spPr>
+        <p:style>
+          <a:lnRef idx="2">
+            <a:schemeClr val="accent1"/>
+          </a:lnRef>
+          <a:fillRef idx="1">
+            <a:schemeClr val="lt1"/>
+          </a:fillRef>
+          <a:effectRef idx="0">
+            <a:schemeClr val="accent1"/>
+          </a:effectRef>
+          <a:fontRef idx="minor">
+            <a:schemeClr val="dk1"/>
+          </a:fontRef>
+        </p:style>
+        <p:txBody>
+          <a:bodyPr lIns="124733" tIns="62367" rIns="124733" bIns="62367" rtlCol="0" anchor="ctr"/>
+          <a:lstStyle/>
+          <a:p>
+            <a:pPr algn="ctr"/>
+            <a:r>
+              <a:rPr lang="ru-RU" sz="1400" dirty="0"/>
+              <a:t>Национализация военной академии Давос</a:t>
+            </a:r>
+          </a:p>
+        </p:txBody>
+      </p:sp>
+      <p:cxnSp>
+        <p:nvCxnSpPr>
+          <p:cNvPr id="305" name="Соединительная линия уступом 175">
+            <a:extLst>
+              <a:ext uri="{FF2B5EF4-FFF2-40B4-BE49-F238E27FC236}">
+                <a16:creationId xmlns:a16="http://schemas.microsoft.com/office/drawing/2014/main" id="{BEC6142B-1911-4233-90FF-55440DC12062}"/>
+              </a:ext>
+            </a:extLst>
+          </p:cNvPr>
+          <p:cNvCxnSpPr>
+            <a:cxnSpLocks/>
+            <a:stCxn id="156" idx="2"/>
+            <a:endCxn id="302" idx="0"/>
+          </p:cNvCxnSpPr>
+          <p:nvPr/>
+        </p:nvCxnSpPr>
+        <p:spPr>
+          <a:xfrm rot="16200000" flipH="1">
+            <a:off x="34772142" y="7190425"/>
+            <a:ext cx="1957349" cy="1274135"/>
+          </a:xfrm>
+          <a:prstGeom prst="bentConnector3">
+            <a:avLst>
+              <a:gd name="adj1" fmla="val 11432"/>
+            </a:avLst>
+          </a:prstGeom>
+          <a:ln w="28575">
+            <a:prstDash val="dash"/>
+            <a:tailEnd type="arrow"/>
+          </a:ln>
+        </p:spPr>
+        <p:style>
+          <a:lnRef idx="1">
+            <a:schemeClr val="accent1"/>
+          </a:lnRef>
+          <a:fillRef idx="0">
+            <a:schemeClr val="accent1"/>
+          </a:fillRef>
+          <a:effectRef idx="0">
+            <a:schemeClr val="accent1"/>
+          </a:effectRef>
+          <a:fontRef idx="minor">
+            <a:schemeClr val="tx1"/>
+          </a:fontRef>
+        </p:style>
+      </p:cxnSp>
+      <p:cxnSp>
+        <p:nvCxnSpPr>
+          <p:cNvPr id="309" name="Соединительная линия уступом 175">
+            <a:extLst>
+              <a:ext uri="{FF2B5EF4-FFF2-40B4-BE49-F238E27FC236}">
+                <a16:creationId xmlns:a16="http://schemas.microsoft.com/office/drawing/2014/main" id="{75D47999-4D7F-44C6-9F70-A79B5B0C8A2C}"/>
+              </a:ext>
+            </a:extLst>
+          </p:cNvPr>
+          <p:cNvCxnSpPr>
+            <a:cxnSpLocks/>
+            <a:stCxn id="158" idx="2"/>
+            <a:endCxn id="302" idx="0"/>
+          </p:cNvCxnSpPr>
+          <p:nvPr/>
+        </p:nvCxnSpPr>
+        <p:spPr>
+          <a:xfrm rot="5400000">
+            <a:off x="36062227" y="7174477"/>
+            <a:ext cx="1957349" cy="1306033"/>
+          </a:xfrm>
+          <a:prstGeom prst="bentConnector3">
+            <a:avLst>
+              <a:gd name="adj1" fmla="val 11432"/>
+            </a:avLst>
+          </a:prstGeom>
+          <a:ln w="28575">
+            <a:prstDash val="dash"/>
+            <a:tailEnd type="arrow"/>
+          </a:ln>
+        </p:spPr>
+        <p:style>
+          <a:lnRef idx="1">
+            <a:schemeClr val="accent1"/>
+          </a:lnRef>
+          <a:fillRef idx="0">
+            <a:schemeClr val="accent1"/>
+          </a:fillRef>
+          <a:effectRef idx="0">
+            <a:schemeClr val="accent1"/>
+          </a:effectRef>
+          <a:fontRef idx="minor">
+            <a:schemeClr val="tx1"/>
+          </a:fontRef>
+        </p:style>
+      </p:cxnSp>
+      <p:sp>
+        <p:nvSpPr>
+          <p:cNvPr id="317" name="Прямоугольник 316">
+            <a:extLst>
+              <a:ext uri="{FF2B5EF4-FFF2-40B4-BE49-F238E27FC236}">
+                <a16:creationId xmlns:a16="http://schemas.microsoft.com/office/drawing/2014/main" id="{AF6B82F5-6B00-4594-99CE-127FF5CC9FB5}"/>
+              </a:ext>
+            </a:extLst>
+          </p:cNvPr>
+          <p:cNvSpPr/>
+          <p:nvPr/>
+        </p:nvSpPr>
+        <p:spPr>
+          <a:xfrm>
+            <a:off x="40453479" y="5768819"/>
+            <a:ext cx="2115918" cy="1080000"/>
+          </a:xfrm>
+          <a:prstGeom prst="rect">
+            <a:avLst/>
+          </a:prstGeom>
+          <a:solidFill>
+            <a:srgbClr val="FF0000"/>
+          </a:solidFill>
+          <a:ln w="28575"/>
+        </p:spPr>
+        <p:style>
+          <a:lnRef idx="2">
+            <a:schemeClr val="accent1"/>
+          </a:lnRef>
+          <a:fillRef idx="1">
+            <a:schemeClr val="lt1"/>
+          </a:fillRef>
+          <a:effectRef idx="0">
+            <a:schemeClr val="accent1"/>
+          </a:effectRef>
+          <a:fontRef idx="minor">
+            <a:schemeClr val="dk1"/>
+          </a:fontRef>
+        </p:style>
+        <p:txBody>
+          <a:bodyPr lIns="124733" tIns="62367" rIns="124733" bIns="62367" rtlCol="0" anchor="ctr"/>
+          <a:lstStyle/>
+          <a:p>
+            <a:pPr algn="ctr"/>
+            <a:r>
+              <a:rPr lang="ru-RU" sz="1400" dirty="0"/>
+              <a:t>Конструкторское бюро </a:t>
+            </a:r>
+            <a:r>
+              <a:rPr lang="ru-RU" sz="1400" dirty="0" err="1"/>
+              <a:t>Каджара</a:t>
+            </a:r>
+            <a:r>
+              <a:rPr lang="ru-RU" sz="1400" dirty="0"/>
+              <a:t> (будет доступен как министр)</a:t>
+            </a:r>
+          </a:p>
+        </p:txBody>
+      </p:sp>
+      <p:sp>
+        <p:nvSpPr>
+          <p:cNvPr id="323" name="Прямоугольник 322">
+            <a:extLst>
+              <a:ext uri="{FF2B5EF4-FFF2-40B4-BE49-F238E27FC236}">
+                <a16:creationId xmlns:a16="http://schemas.microsoft.com/office/drawing/2014/main" id="{85CF8CBD-33A5-49E1-B533-E4B7C3A2505A}"/>
+              </a:ext>
+            </a:extLst>
+          </p:cNvPr>
+          <p:cNvSpPr/>
+          <p:nvPr/>
+        </p:nvSpPr>
+        <p:spPr>
+          <a:xfrm>
+            <a:off x="39216126" y="7283025"/>
+            <a:ext cx="2115918" cy="1080000"/>
+          </a:xfrm>
+          <a:prstGeom prst="rect">
+            <a:avLst/>
+          </a:prstGeom>
+          <a:solidFill>
+            <a:srgbClr val="FF0000"/>
+          </a:solidFill>
+          <a:ln w="28575"/>
+        </p:spPr>
+        <p:style>
+          <a:lnRef idx="2">
+            <a:schemeClr val="accent1"/>
+          </a:lnRef>
+          <a:fillRef idx="1">
+            <a:schemeClr val="lt1"/>
+          </a:fillRef>
+          <a:effectRef idx="0">
+            <a:schemeClr val="accent1"/>
+          </a:effectRef>
+          <a:fontRef idx="minor">
+            <a:schemeClr val="dk1"/>
+          </a:fontRef>
+        </p:style>
+        <p:txBody>
+          <a:bodyPr lIns="124733" tIns="62367" rIns="124733" bIns="62367" rtlCol="0" anchor="ctr"/>
+          <a:lstStyle/>
+          <a:p>
+            <a:pPr algn="ctr"/>
+            <a:r>
+              <a:rPr lang="ru-RU" sz="1400" dirty="0"/>
+              <a:t>Красная земля</a:t>
+            </a:r>
+          </a:p>
+        </p:txBody>
+      </p:sp>
+      <p:sp>
+        <p:nvSpPr>
+          <p:cNvPr id="324" name="Прямоугольник 323">
+            <a:extLst>
+              <a:ext uri="{FF2B5EF4-FFF2-40B4-BE49-F238E27FC236}">
+                <a16:creationId xmlns:a16="http://schemas.microsoft.com/office/drawing/2014/main" id="{5C47D2D0-77DF-4D07-8067-E655AAA6F914}"/>
+              </a:ext>
+            </a:extLst>
+          </p:cNvPr>
+          <p:cNvSpPr/>
+          <p:nvPr/>
+        </p:nvSpPr>
+        <p:spPr>
+          <a:xfrm>
+            <a:off x="41721201" y="7283024"/>
+            <a:ext cx="2115918" cy="1080000"/>
+          </a:xfrm>
+          <a:prstGeom prst="rect">
+            <a:avLst/>
+          </a:prstGeom>
+          <a:solidFill>
+            <a:srgbClr val="FF0000"/>
+          </a:solidFill>
+          <a:ln w="28575"/>
+        </p:spPr>
+        <p:style>
+          <a:lnRef idx="2">
+            <a:schemeClr val="accent1"/>
+          </a:lnRef>
+          <a:fillRef idx="1">
+            <a:schemeClr val="lt1"/>
+          </a:fillRef>
+          <a:effectRef idx="0">
+            <a:schemeClr val="accent1"/>
+          </a:effectRef>
+          <a:fontRef idx="minor">
+            <a:schemeClr val="dk1"/>
+          </a:fontRef>
+        </p:style>
+        <p:txBody>
+          <a:bodyPr lIns="124733" tIns="62367" rIns="124733" bIns="62367" rtlCol="0" anchor="ctr"/>
+          <a:lstStyle/>
+          <a:p>
+            <a:pPr algn="ctr"/>
+            <a:r>
+              <a:rPr lang="ru-RU" sz="1400" dirty="0"/>
+              <a:t>Красное небо</a:t>
+            </a:r>
+          </a:p>
+        </p:txBody>
+      </p:sp>
+      <p:cxnSp>
+        <p:nvCxnSpPr>
+          <p:cNvPr id="325" name="Прямая соединительная линия 324">
+            <a:extLst>
+              <a:ext uri="{FF2B5EF4-FFF2-40B4-BE49-F238E27FC236}">
+                <a16:creationId xmlns:a16="http://schemas.microsoft.com/office/drawing/2014/main" id="{A1A2D9B4-645C-428A-A09F-BDDF758CE045}"/>
+              </a:ext>
+            </a:extLst>
+          </p:cNvPr>
+          <p:cNvCxnSpPr>
+            <a:cxnSpLocks/>
+            <a:stCxn id="324" idx="1"/>
+            <a:endCxn id="323" idx="3"/>
+          </p:cNvCxnSpPr>
+          <p:nvPr/>
+        </p:nvCxnSpPr>
+        <p:spPr>
+          <a:xfrm flipH="1">
+            <a:off x="41332044" y="7823024"/>
+            <a:ext cx="389157" cy="1"/>
+          </a:xfrm>
+          <a:prstGeom prst="line">
+            <a:avLst/>
+          </a:prstGeom>
+          <a:ln w="28575">
+            <a:solidFill>
+              <a:srgbClr val="FF0000"/>
+            </a:solidFill>
+          </a:ln>
+        </p:spPr>
+        <p:style>
+          <a:lnRef idx="1">
+            <a:schemeClr val="accent1"/>
+          </a:lnRef>
+          <a:fillRef idx="0">
+            <a:schemeClr val="accent1"/>
+          </a:fillRef>
+          <a:effectRef idx="0">
+            <a:schemeClr val="accent1"/>
+          </a:effectRef>
+          <a:fontRef idx="minor">
+            <a:schemeClr val="tx1"/>
+          </a:fontRef>
+        </p:style>
+      </p:cxnSp>
+      <p:cxnSp>
+        <p:nvCxnSpPr>
+          <p:cNvPr id="328" name="Соединительная линия уступом 175">
+            <a:extLst>
+              <a:ext uri="{FF2B5EF4-FFF2-40B4-BE49-F238E27FC236}">
+                <a16:creationId xmlns:a16="http://schemas.microsoft.com/office/drawing/2014/main" id="{DD2EEFDB-9CD8-4A2E-8030-FB63CD030AE0}"/>
+              </a:ext>
+            </a:extLst>
+          </p:cNvPr>
+          <p:cNvCxnSpPr>
+            <a:cxnSpLocks/>
+            <a:stCxn id="317" idx="2"/>
+            <a:endCxn id="324" idx="0"/>
+          </p:cNvCxnSpPr>
+          <p:nvPr/>
+        </p:nvCxnSpPr>
+        <p:spPr>
+          <a:xfrm rot="16200000" flipH="1">
+            <a:off x="41928197" y="6432060"/>
+            <a:ext cx="434205" cy="1267722"/>
+          </a:xfrm>
+          <a:prstGeom prst="bentConnector3">
+            <a:avLst>
+              <a:gd name="adj1" fmla="val 50000"/>
+            </a:avLst>
+          </a:prstGeom>
+          <a:ln w="28575">
+            <a:tailEnd type="arrow"/>
+          </a:ln>
+        </p:spPr>
+        <p:style>
+          <a:lnRef idx="1">
+            <a:schemeClr val="accent1"/>
+          </a:lnRef>
+          <a:fillRef idx="0">
+            <a:schemeClr val="accent1"/>
+          </a:fillRef>
+          <a:effectRef idx="0">
+            <a:schemeClr val="accent1"/>
+          </a:effectRef>
+          <a:fontRef idx="minor">
+            <a:schemeClr val="tx1"/>
+          </a:fontRef>
+        </p:style>
+      </p:cxnSp>
+      <p:sp>
+        <p:nvSpPr>
+          <p:cNvPr id="329" name="Прямоугольник 328">
+            <a:extLst>
+              <a:ext uri="{FF2B5EF4-FFF2-40B4-BE49-F238E27FC236}">
+                <a16:creationId xmlns:a16="http://schemas.microsoft.com/office/drawing/2014/main" id="{366B5609-F8E8-4337-BEE2-D472328A694B}"/>
+              </a:ext>
+            </a:extLst>
+          </p:cNvPr>
+          <p:cNvSpPr/>
+          <p:nvPr/>
+        </p:nvSpPr>
+        <p:spPr>
+          <a:xfrm>
+            <a:off x="40450410" y="8797231"/>
+            <a:ext cx="2115918" cy="1080000"/>
+          </a:xfrm>
+          <a:prstGeom prst="rect">
+            <a:avLst/>
+          </a:prstGeom>
+          <a:solidFill>
+            <a:srgbClr val="FF0000"/>
+          </a:solidFill>
+          <a:ln w="28575"/>
+        </p:spPr>
+        <p:style>
+          <a:lnRef idx="2">
+            <a:schemeClr val="accent1"/>
+          </a:lnRef>
+          <a:fillRef idx="1">
+            <a:schemeClr val="lt1"/>
+          </a:fillRef>
+          <a:effectRef idx="0">
+            <a:schemeClr val="accent1"/>
+          </a:effectRef>
+          <a:fontRef idx="minor">
+            <a:schemeClr val="dk1"/>
+          </a:fontRef>
+        </p:style>
+        <p:txBody>
+          <a:bodyPr lIns="124733" tIns="62367" rIns="124733" bIns="62367" rtlCol="0" anchor="ctr"/>
+          <a:lstStyle/>
+          <a:p>
+            <a:pPr algn="ctr"/>
+            <a:r>
+              <a:rPr lang="ru-RU" sz="1400" dirty="0"/>
+              <a:t>Следовать новой доктрине ВВС</a:t>
+            </a:r>
+          </a:p>
+        </p:txBody>
+      </p:sp>
+      <p:cxnSp>
+        <p:nvCxnSpPr>
+          <p:cNvPr id="335" name="Соединительная линия уступом 175">
+            <a:extLst>
+              <a:ext uri="{FF2B5EF4-FFF2-40B4-BE49-F238E27FC236}">
+                <a16:creationId xmlns:a16="http://schemas.microsoft.com/office/drawing/2014/main" id="{ED34560B-43F4-43B0-B80C-F3CE2DEDCEF4}"/>
+              </a:ext>
+            </a:extLst>
+          </p:cNvPr>
+          <p:cNvCxnSpPr>
+            <a:cxnSpLocks/>
+            <a:stCxn id="324" idx="2"/>
+            <a:endCxn id="329" idx="0"/>
+          </p:cNvCxnSpPr>
+          <p:nvPr/>
+        </p:nvCxnSpPr>
+        <p:spPr>
+          <a:xfrm rot="5400000">
+            <a:off x="41926662" y="7944732"/>
+            <a:ext cx="434207" cy="1270791"/>
+          </a:xfrm>
+          <a:prstGeom prst="bentConnector3">
+            <a:avLst>
+              <a:gd name="adj1" fmla="val 50000"/>
+            </a:avLst>
+          </a:prstGeom>
+          <a:ln w="28575">
+            <a:prstDash val="dash"/>
+            <a:tailEnd type="arrow"/>
+          </a:ln>
+        </p:spPr>
+        <p:style>
+          <a:lnRef idx="1">
+            <a:schemeClr val="accent1"/>
+          </a:lnRef>
+          <a:fillRef idx="0">
+            <a:schemeClr val="accent1"/>
+          </a:fillRef>
+          <a:effectRef idx="0">
+            <a:schemeClr val="accent1"/>
+          </a:effectRef>
+          <a:fontRef idx="minor">
+            <a:schemeClr val="tx1"/>
+          </a:fontRef>
+        </p:style>
+      </p:cxnSp>
+      <p:cxnSp>
+        <p:nvCxnSpPr>
+          <p:cNvPr id="340" name="Соединительная линия уступом 175">
+            <a:extLst>
+              <a:ext uri="{FF2B5EF4-FFF2-40B4-BE49-F238E27FC236}">
+                <a16:creationId xmlns:a16="http://schemas.microsoft.com/office/drawing/2014/main" id="{06E2D247-72E3-4467-AF08-59E8E1E994D2}"/>
+              </a:ext>
+            </a:extLst>
+          </p:cNvPr>
+          <p:cNvCxnSpPr>
+            <a:cxnSpLocks/>
+            <a:stCxn id="323" idx="2"/>
+            <a:endCxn id="329" idx="0"/>
+          </p:cNvCxnSpPr>
+          <p:nvPr/>
+        </p:nvCxnSpPr>
+        <p:spPr>
+          <a:xfrm rot="16200000" flipH="1">
+            <a:off x="40674124" y="7962986"/>
+            <a:ext cx="434206" cy="1234284"/>
+          </a:xfrm>
+          <a:prstGeom prst="bentConnector3">
+            <a:avLst>
+              <a:gd name="adj1" fmla="val 50000"/>
+            </a:avLst>
+          </a:prstGeom>
+          <a:ln w="28575">
+            <a:prstDash val="dash"/>
+            <a:tailEnd type="arrow"/>
+          </a:ln>
+        </p:spPr>
+        <p:style>
+          <a:lnRef idx="1">
+            <a:schemeClr val="accent1"/>
+          </a:lnRef>
+          <a:fillRef idx="0">
+            <a:schemeClr val="accent1"/>
+          </a:fillRef>
+          <a:effectRef idx="0">
+            <a:schemeClr val="accent1"/>
+          </a:effectRef>
+          <a:fontRef idx="minor">
+            <a:schemeClr val="tx1"/>
+          </a:fontRef>
+        </p:style>
+      </p:cxnSp>
+      <p:cxnSp>
+        <p:nvCxnSpPr>
+          <p:cNvPr id="345" name="Соединительная линия уступом 175">
+            <a:extLst>
+              <a:ext uri="{FF2B5EF4-FFF2-40B4-BE49-F238E27FC236}">
+                <a16:creationId xmlns:a16="http://schemas.microsoft.com/office/drawing/2014/main" id="{3EA9064E-86B9-41E7-81C2-591BD9C7EEB4}"/>
+              </a:ext>
+            </a:extLst>
+          </p:cNvPr>
+          <p:cNvCxnSpPr>
+            <a:cxnSpLocks/>
+            <a:stCxn id="317" idx="2"/>
+            <a:endCxn id="323" idx="0"/>
+          </p:cNvCxnSpPr>
+          <p:nvPr/>
+        </p:nvCxnSpPr>
+        <p:spPr>
+          <a:xfrm rot="5400000">
+            <a:off x="40675659" y="6447246"/>
+            <a:ext cx="434206" cy="1237353"/>
+          </a:xfrm>
+          <a:prstGeom prst="bentConnector3">
+            <a:avLst>
+              <a:gd name="adj1" fmla="val 50000"/>
+            </a:avLst>
+          </a:prstGeom>
+          <a:ln w="28575">
+            <a:tailEnd type="arrow"/>
+          </a:ln>
+        </p:spPr>
+        <p:style>
+          <a:lnRef idx="1">
+            <a:schemeClr val="accent1"/>
+          </a:lnRef>
+          <a:fillRef idx="0">
+            <a:schemeClr val="accent1"/>
+          </a:fillRef>
+          <a:effectRef idx="0">
+            <a:schemeClr val="accent1"/>
+          </a:effectRef>
+          <a:fontRef idx="minor">
+            <a:schemeClr val="tx1"/>
+          </a:fontRef>
+        </p:style>
+      </p:cxnSp>
+      <p:cxnSp>
+        <p:nvCxnSpPr>
+          <p:cNvPr id="348" name="Соединительная линия уступом 175">
+            <a:extLst>
+              <a:ext uri="{FF2B5EF4-FFF2-40B4-BE49-F238E27FC236}">
+                <a16:creationId xmlns:a16="http://schemas.microsoft.com/office/drawing/2014/main" id="{0048EA7C-D521-4158-B3DA-BCAD4A8E6E76}"/>
+              </a:ext>
+            </a:extLst>
+          </p:cNvPr>
+          <p:cNvCxnSpPr>
+            <a:cxnSpLocks/>
+            <a:stCxn id="146" idx="2"/>
+            <a:endCxn id="317" idx="0"/>
+          </p:cNvCxnSpPr>
+          <p:nvPr/>
+        </p:nvCxnSpPr>
+        <p:spPr>
+          <a:xfrm rot="16200000" flipH="1">
+            <a:off x="38740536" y="2997916"/>
+            <a:ext cx="418251" cy="5123554"/>
+          </a:xfrm>
+          <a:prstGeom prst="bentConnector3">
+            <a:avLst>
+              <a:gd name="adj1" fmla="val 50000"/>
+            </a:avLst>
+          </a:prstGeom>
+          <a:ln w="28575">
+            <a:tailEnd type="arrow"/>
+          </a:ln>
+        </p:spPr>
+        <p:style>
+          <a:lnRef idx="1">
+            <a:schemeClr val="accent1"/>
+          </a:lnRef>
+          <a:fillRef idx="0">
+            <a:schemeClr val="accent1"/>
+          </a:fillRef>
+          <a:effectRef idx="0">
+            <a:schemeClr val="accent1"/>
+          </a:effectRef>
+          <a:fontRef idx="minor">
+            <a:schemeClr val="tx1"/>
+          </a:fontRef>
+        </p:style>
+      </p:cxnSp>
+      <p:cxnSp>
+        <p:nvCxnSpPr>
+          <p:cNvPr id="351" name="Прямая со стрелкой 350">
+            <a:extLst>
+              <a:ext uri="{FF2B5EF4-FFF2-40B4-BE49-F238E27FC236}">
+                <a16:creationId xmlns:a16="http://schemas.microsoft.com/office/drawing/2014/main" id="{5C71E8BE-E84C-4EF4-A88D-2A51E676CA5D}"/>
+              </a:ext>
+            </a:extLst>
+          </p:cNvPr>
+          <p:cNvCxnSpPr>
+            <a:cxnSpLocks/>
+            <a:stCxn id="268" idx="2"/>
+            <a:endCxn id="317" idx="0"/>
+          </p:cNvCxnSpPr>
+          <p:nvPr/>
+        </p:nvCxnSpPr>
+        <p:spPr>
+          <a:xfrm flipH="1">
+            <a:off x="41511438" y="5349759"/>
+            <a:ext cx="2964" cy="419060"/>
+          </a:xfrm>
+          <a:prstGeom prst="straightConnector1">
+            <a:avLst/>
+          </a:prstGeom>
+          <a:ln w="28575">
+            <a:tailEnd type="arrow"/>
+          </a:ln>
+        </p:spPr>
+        <p:style>
+          <a:lnRef idx="1">
+            <a:schemeClr val="accent1"/>
+          </a:lnRef>
+          <a:fillRef idx="0">
+            <a:schemeClr val="accent1"/>
+          </a:fillRef>
+          <a:effectRef idx="0">
+            <a:schemeClr val="accent1"/>
+          </a:effectRef>
+          <a:fontRef idx="minor">
+            <a:schemeClr val="tx1"/>
+          </a:fontRef>
+        </p:style>
+      </p:cxnSp>
+      <p:sp>
+        <p:nvSpPr>
+          <p:cNvPr id="183" name="Прямоугольник 182">
+            <a:extLst>
+              <a:ext uri="{FF2B5EF4-FFF2-40B4-BE49-F238E27FC236}">
+                <a16:creationId xmlns:a16="http://schemas.microsoft.com/office/drawing/2014/main" id="{FB76991C-F95D-46AA-B459-ACFD08786DF0}"/>
+              </a:ext>
+            </a:extLst>
+          </p:cNvPr>
+          <p:cNvSpPr/>
+          <p:nvPr/>
+        </p:nvSpPr>
+        <p:spPr>
+          <a:xfrm>
+            <a:off x="25451497" y="2761717"/>
+            <a:ext cx="2115918" cy="1080000"/>
+          </a:xfrm>
+          <a:prstGeom prst="rect">
+            <a:avLst/>
+          </a:prstGeom>
+          <a:solidFill>
+            <a:srgbClr val="FF0000"/>
+          </a:solidFill>
+          <a:ln w="28575"/>
+        </p:spPr>
+        <p:style>
+          <a:lnRef idx="2">
+            <a:schemeClr val="accent1"/>
+          </a:lnRef>
+          <a:fillRef idx="1">
+            <a:schemeClr val="lt1"/>
+          </a:fillRef>
+          <a:effectRef idx="0">
+            <a:schemeClr val="accent1"/>
+          </a:effectRef>
+          <a:fontRef idx="minor">
+            <a:schemeClr val="dk1"/>
+          </a:fontRef>
+        </p:style>
+        <p:txBody>
+          <a:bodyPr lIns="124733" tIns="62367" rIns="124733" bIns="62367" rtlCol="0" anchor="ctr"/>
+          <a:lstStyle/>
+          <a:p>
+            <a:pPr algn="ctr"/>
+            <a:r>
+              <a:rPr lang="ru-RU" sz="1400" dirty="0"/>
+              <a:t>Создание Красного Флота</a:t>
+            </a:r>
+          </a:p>
+        </p:txBody>
+      </p:sp>
+      <p:sp>
+        <p:nvSpPr>
+          <p:cNvPr id="184" name="Прямоугольник 183">
+            <a:extLst>
+              <a:ext uri="{FF2B5EF4-FFF2-40B4-BE49-F238E27FC236}">
+                <a16:creationId xmlns:a16="http://schemas.microsoft.com/office/drawing/2014/main" id="{F37869BF-9159-43F0-9E1A-D2BAC1FCA52F}"/>
+              </a:ext>
+            </a:extLst>
+          </p:cNvPr>
+          <p:cNvSpPr/>
+          <p:nvPr/>
+        </p:nvSpPr>
+        <p:spPr>
+          <a:xfrm>
+            <a:off x="25454881" y="4279284"/>
+            <a:ext cx="2115918" cy="1080000"/>
+          </a:xfrm>
+          <a:prstGeom prst="rect">
+            <a:avLst/>
+          </a:prstGeom>
+          <a:solidFill>
+            <a:srgbClr val="FF0000"/>
+          </a:solidFill>
+          <a:ln w="28575"/>
+        </p:spPr>
+        <p:style>
+          <a:lnRef idx="2">
+            <a:schemeClr val="accent1"/>
+          </a:lnRef>
+          <a:fillRef idx="1">
+            <a:schemeClr val="lt1"/>
+          </a:fillRef>
+          <a:effectRef idx="0">
+            <a:schemeClr val="accent1"/>
+          </a:effectRef>
+          <a:fontRef idx="minor">
+            <a:schemeClr val="dk1"/>
+          </a:fontRef>
+        </p:style>
+        <p:txBody>
+          <a:bodyPr lIns="124733" tIns="62367" rIns="124733" bIns="62367" rtlCol="0" anchor="ctr"/>
+          <a:lstStyle/>
+          <a:p>
+            <a:pPr algn="ctr"/>
+            <a:r>
+              <a:rPr lang="ru-RU" sz="1400" dirty="0"/>
+              <a:t>Школа </a:t>
+            </a:r>
+            <a:r>
+              <a:rPr lang="ru-RU" sz="1400" dirty="0" err="1"/>
+              <a:t>Махвани</a:t>
+            </a:r>
+            <a:r>
+              <a:rPr lang="ru-RU" sz="1400" dirty="0"/>
+              <a:t> (остаётся с общего древа флота)</a:t>
+            </a:r>
+          </a:p>
+        </p:txBody>
+      </p:sp>
+      <p:sp>
+        <p:nvSpPr>
+          <p:cNvPr id="188" name="Прямоугольник 187">
+            <a:extLst>
+              <a:ext uri="{FF2B5EF4-FFF2-40B4-BE49-F238E27FC236}">
+                <a16:creationId xmlns:a16="http://schemas.microsoft.com/office/drawing/2014/main" id="{377C0291-760C-42B6-BF9E-18ABC8CC2708}"/>
+              </a:ext>
+            </a:extLst>
+          </p:cNvPr>
+          <p:cNvSpPr/>
+          <p:nvPr/>
+        </p:nvSpPr>
+        <p:spPr>
+          <a:xfrm>
+            <a:off x="25451497" y="7286385"/>
+            <a:ext cx="2115918" cy="1080000"/>
+          </a:xfrm>
+          <a:prstGeom prst="rect">
+            <a:avLst/>
+          </a:prstGeom>
+          <a:solidFill>
+            <a:srgbClr val="FF0000"/>
+          </a:solidFill>
+          <a:ln w="28575"/>
+        </p:spPr>
+        <p:style>
+          <a:lnRef idx="2">
+            <a:schemeClr val="accent1"/>
+          </a:lnRef>
+          <a:fillRef idx="1">
+            <a:schemeClr val="lt1"/>
+          </a:fillRef>
+          <a:effectRef idx="0">
+            <a:schemeClr val="accent1"/>
+          </a:effectRef>
+          <a:fontRef idx="minor">
+            <a:schemeClr val="dk1"/>
+          </a:fontRef>
+        </p:style>
+        <p:txBody>
+          <a:bodyPr lIns="124733" tIns="62367" rIns="124733" bIns="62367" rtlCol="0" anchor="ctr"/>
+          <a:lstStyle/>
+          <a:p>
+            <a:pPr algn="ctr"/>
+            <a:r>
+              <a:rPr lang="ru-RU" sz="1400" dirty="0"/>
+              <a:t>Вернуть контроль над островами Ормузского пролива </a:t>
+            </a:r>
+            <a:r>
+              <a:rPr lang="ru-RU" sz="400" dirty="0"/>
+              <a:t>(Согласно </a:t>
+            </a:r>
+            <a:r>
+              <a:rPr lang="ru-RU" sz="400" dirty="0" err="1"/>
+              <a:t>иранологу</a:t>
+            </a:r>
+            <a:r>
+              <a:rPr lang="ru-RU" sz="400" dirty="0"/>
+              <a:t> </a:t>
+            </a:r>
+            <a:r>
+              <a:rPr lang="ru-RU" sz="400" dirty="0" err="1"/>
+              <a:t>Пирузу</a:t>
+            </a:r>
+            <a:r>
+              <a:rPr lang="ru-RU" sz="400" dirty="0"/>
+              <a:t> </a:t>
+            </a:r>
+            <a:r>
+              <a:rPr lang="ru-RU" sz="400" dirty="0" err="1"/>
+              <a:t>Моджтахедзаде</a:t>
+            </a:r>
+            <a:r>
+              <a:rPr lang="ru-RU" sz="400" dirty="0"/>
+              <a:t> , </a:t>
+            </a:r>
+            <a:r>
+              <a:rPr lang="ru-RU" sz="400" dirty="0" err="1"/>
+              <a:t>тунбы</a:t>
+            </a:r>
+            <a:r>
+              <a:rPr lang="ru-RU" sz="400" dirty="0"/>
+              <a:t> находились во владениях королей </a:t>
+            </a:r>
+            <a:r>
+              <a:rPr lang="ru-RU" sz="400" dirty="0" err="1"/>
+              <a:t>Ормуза</a:t>
+            </a:r>
+            <a:r>
+              <a:rPr lang="ru-RU" sz="400" dirty="0"/>
+              <a:t> с 1330 по 1507 год, когда они были захвачены Португалией . Португальцы оккупировали остров до 1622 года, когда они были изгнаны шахом Аббасом . Острова были частью различных персидских империй с 1622 по 7 июня 1921 года, когда они были оккупированы Британской империей и переданы под управление эмирата </a:t>
+            </a:r>
+            <a:r>
+              <a:rPr lang="ru-RU" sz="400" dirty="0" err="1"/>
+              <a:t>Шарджа</a:t>
+            </a:r>
+            <a:r>
+              <a:rPr lang="ru-RU" sz="400" dirty="0"/>
+              <a:t> .)</a:t>
+            </a:r>
+            <a:endParaRPr lang="ru-RU" sz="1400" dirty="0"/>
+          </a:p>
+        </p:txBody>
+      </p:sp>
+      <p:sp>
+        <p:nvSpPr>
+          <p:cNvPr id="189" name="Прямоугольник 188">
+            <a:extLst>
+              <a:ext uri="{FF2B5EF4-FFF2-40B4-BE49-F238E27FC236}">
+                <a16:creationId xmlns:a16="http://schemas.microsoft.com/office/drawing/2014/main" id="{A1F6AD46-652E-4B01-9BF3-C457D83AC3B2}"/>
+              </a:ext>
+            </a:extLst>
+          </p:cNvPr>
+          <p:cNvSpPr/>
+          <p:nvPr/>
+        </p:nvSpPr>
+        <p:spPr>
+          <a:xfrm>
+            <a:off x="26660117" y="5782365"/>
+            <a:ext cx="2115918" cy="1080000"/>
+          </a:xfrm>
+          <a:prstGeom prst="rect">
+            <a:avLst/>
+          </a:prstGeom>
+          <a:solidFill>
+            <a:srgbClr val="FF0000"/>
+          </a:solidFill>
+          <a:ln w="28575"/>
+        </p:spPr>
+        <p:style>
+          <a:lnRef idx="2">
+            <a:schemeClr val="accent1"/>
+          </a:lnRef>
+          <a:fillRef idx="1">
+            <a:schemeClr val="lt1"/>
+          </a:fillRef>
+          <a:effectRef idx="0">
+            <a:schemeClr val="accent1"/>
+          </a:effectRef>
+          <a:fontRef idx="minor">
+            <a:schemeClr val="dk1"/>
+          </a:fontRef>
+        </p:style>
+        <p:txBody>
+          <a:bodyPr lIns="124733" tIns="62367" rIns="124733" bIns="62367" rtlCol="0" anchor="ctr"/>
+          <a:lstStyle/>
+          <a:p>
+            <a:pPr algn="ctr"/>
+            <a:r>
+              <a:rPr lang="ru-RU" sz="1400" dirty="0"/>
+              <a:t>Начать развитие ВВС во флоте</a:t>
+            </a:r>
+          </a:p>
+        </p:txBody>
+      </p:sp>
+      <p:sp>
+        <p:nvSpPr>
+          <p:cNvPr id="192" name="Прямоугольник 191">
+            <a:extLst>
+              <a:ext uri="{FF2B5EF4-FFF2-40B4-BE49-F238E27FC236}">
+                <a16:creationId xmlns:a16="http://schemas.microsoft.com/office/drawing/2014/main" id="{6F483C67-5C70-404C-8699-C0AB875428F5}"/>
+              </a:ext>
+            </a:extLst>
+          </p:cNvPr>
+          <p:cNvSpPr/>
+          <p:nvPr/>
+        </p:nvSpPr>
+        <p:spPr>
+          <a:xfrm>
+            <a:off x="24227321" y="5768818"/>
+            <a:ext cx="2115918" cy="1080000"/>
+          </a:xfrm>
+          <a:prstGeom prst="rect">
+            <a:avLst/>
+          </a:prstGeom>
+          <a:solidFill>
+            <a:srgbClr val="FF0000"/>
+          </a:solidFill>
+          <a:ln w="28575"/>
+        </p:spPr>
+        <p:style>
+          <a:lnRef idx="2">
+            <a:schemeClr val="accent1"/>
+          </a:lnRef>
+          <a:fillRef idx="1">
+            <a:schemeClr val="lt1"/>
+          </a:fillRef>
+          <a:effectRef idx="0">
+            <a:schemeClr val="accent1"/>
+          </a:effectRef>
+          <a:fontRef idx="minor">
+            <a:schemeClr val="dk1"/>
+          </a:fontRef>
+        </p:style>
+        <p:txBody>
+          <a:bodyPr lIns="124733" tIns="62367" rIns="124733" bIns="62367" rtlCol="0" anchor="ctr"/>
+          <a:lstStyle/>
+          <a:p>
+            <a:pPr algn="ctr"/>
+            <a:r>
+              <a:rPr lang="ru-RU" sz="1400" dirty="0"/>
+              <a:t>Создание флота эсминцев</a:t>
+            </a:r>
+          </a:p>
+        </p:txBody>
+      </p:sp>
+      <p:sp>
+        <p:nvSpPr>
+          <p:cNvPr id="203" name="Прямоугольник 202">
+            <a:extLst>
+              <a:ext uri="{FF2B5EF4-FFF2-40B4-BE49-F238E27FC236}">
+                <a16:creationId xmlns:a16="http://schemas.microsoft.com/office/drawing/2014/main" id="{FC8DB64B-A6A2-42FB-AC4E-24406897BCB2}"/>
+              </a:ext>
+            </a:extLst>
+          </p:cNvPr>
+          <p:cNvSpPr/>
+          <p:nvPr/>
+        </p:nvSpPr>
+        <p:spPr>
+          <a:xfrm>
+            <a:off x="23028903" y="7283024"/>
+            <a:ext cx="2115918" cy="1080000"/>
+          </a:xfrm>
+          <a:prstGeom prst="rect">
+            <a:avLst/>
+          </a:prstGeom>
+          <a:solidFill>
+            <a:srgbClr val="FF0000"/>
+          </a:solidFill>
+          <a:ln w="28575"/>
+        </p:spPr>
+        <p:style>
+          <a:lnRef idx="2">
+            <a:schemeClr val="accent1"/>
+          </a:lnRef>
+          <a:fillRef idx="1">
+            <a:schemeClr val="lt1"/>
+          </a:fillRef>
+          <a:effectRef idx="0">
+            <a:schemeClr val="accent1"/>
+          </a:effectRef>
+          <a:fontRef idx="minor">
+            <a:schemeClr val="dk1"/>
+          </a:fontRef>
+        </p:style>
+        <p:txBody>
+          <a:bodyPr lIns="124733" tIns="62367" rIns="124733" bIns="62367" rtlCol="0" anchor="ctr"/>
+          <a:lstStyle/>
+          <a:p>
+            <a:pPr algn="ctr"/>
+            <a:r>
+              <a:rPr lang="ru-RU" sz="1400" dirty="0"/>
+              <a:t>Национализировать и вооружить яхту шаха </a:t>
+            </a:r>
+            <a:r>
+              <a:rPr lang="ru-RU" sz="600" dirty="0"/>
+              <a:t>(В 1932 году </a:t>
+            </a:r>
+            <a:r>
+              <a:rPr lang="ru-RU" sz="600" dirty="0" err="1"/>
+              <a:t>онофициально</a:t>
+            </a:r>
+            <a:r>
+              <a:rPr lang="ru-RU" sz="600" dirty="0"/>
+              <a:t> учрежден </a:t>
+            </a:r>
+            <a:r>
+              <a:rPr lang="ru-RU" sz="600" dirty="0" err="1"/>
+              <a:t>ИмператорскийВМС</a:t>
+            </a:r>
+            <a:r>
+              <a:rPr lang="ru-RU" sz="600" dirty="0"/>
+              <a:t> Ирана (ИИН) и </a:t>
+            </a:r>
+            <a:r>
+              <a:rPr lang="ru-RU" sz="600" dirty="0" err="1"/>
+              <a:t>вскорепосле</a:t>
+            </a:r>
+            <a:r>
+              <a:rPr lang="ru-RU" sz="600" dirty="0"/>
+              <a:t> приобретения </a:t>
+            </a:r>
+            <a:r>
+              <a:rPr lang="ru-RU" sz="600" dirty="0" err="1"/>
+              <a:t>доп.четыре</a:t>
+            </a:r>
+            <a:r>
+              <a:rPr lang="ru-RU" sz="600" dirty="0"/>
+              <a:t> итальянских корабля. Эти </a:t>
+            </a:r>
+            <a:r>
+              <a:rPr lang="ru-RU" sz="600" dirty="0" err="1"/>
+              <a:t>восемьсуда</a:t>
+            </a:r>
+            <a:r>
+              <a:rPr lang="ru-RU" sz="600" dirty="0"/>
+              <a:t> составляли </a:t>
+            </a:r>
+            <a:r>
+              <a:rPr lang="ru-RU" sz="600" dirty="0" err="1"/>
+              <a:t>Южныйфлот</a:t>
+            </a:r>
+            <a:r>
+              <a:rPr lang="ru-RU" sz="600" dirty="0"/>
+              <a:t> в Персидском заливе, </a:t>
+            </a:r>
+            <a:r>
+              <a:rPr lang="ru-RU" sz="600" dirty="0" err="1"/>
+              <a:t>афлотилия</a:t>
+            </a:r>
+            <a:r>
+              <a:rPr lang="ru-RU" sz="600" dirty="0"/>
+              <a:t> из четырех кораблей меньшего </a:t>
+            </a:r>
+            <a:r>
+              <a:rPr lang="ru-RU" sz="600" dirty="0" err="1"/>
+              <a:t>размерасуда</a:t>
+            </a:r>
+            <a:r>
+              <a:rPr lang="ru-RU" sz="600" dirty="0"/>
+              <a:t> и яхта </a:t>
+            </a:r>
+            <a:r>
+              <a:rPr lang="ru-RU" sz="600" dirty="0" err="1"/>
+              <a:t>шаха,служил</a:t>
+            </a:r>
+            <a:r>
+              <a:rPr lang="ru-RU" sz="600" dirty="0"/>
+              <a:t> Каспийскому флоту.)</a:t>
+            </a:r>
+            <a:endParaRPr lang="ru-RU" sz="1400" dirty="0"/>
+          </a:p>
+        </p:txBody>
+      </p:sp>
+      <p:cxnSp>
+        <p:nvCxnSpPr>
+          <p:cNvPr id="218" name="Прямая со стрелкой 217">
+            <a:extLst>
+              <a:ext uri="{FF2B5EF4-FFF2-40B4-BE49-F238E27FC236}">
+                <a16:creationId xmlns:a16="http://schemas.microsoft.com/office/drawing/2014/main" id="{4D10BBC3-EA64-4EAA-89DB-117F0F574965}"/>
+              </a:ext>
+            </a:extLst>
+          </p:cNvPr>
+          <p:cNvCxnSpPr>
+            <a:cxnSpLocks/>
+            <a:stCxn id="183" idx="2"/>
+            <a:endCxn id="184" idx="0"/>
+          </p:cNvCxnSpPr>
+          <p:nvPr/>
+        </p:nvCxnSpPr>
+        <p:spPr>
+          <a:xfrm>
+            <a:off x="26509456" y="3841717"/>
+            <a:ext cx="3384" cy="437567"/>
+          </a:xfrm>
+          <a:prstGeom prst="straightConnector1">
+            <a:avLst/>
+          </a:prstGeom>
+          <a:ln w="28575">
+            <a:tailEnd type="arrow"/>
+          </a:ln>
+        </p:spPr>
+        <p:style>
+          <a:lnRef idx="1">
+            <a:schemeClr val="accent1"/>
+          </a:lnRef>
+          <a:fillRef idx="0">
+            <a:schemeClr val="accent1"/>
+          </a:fillRef>
+          <a:effectRef idx="0">
+            <a:schemeClr val="accent1"/>
+          </a:effectRef>
+          <a:fontRef idx="minor">
+            <a:schemeClr val="tx1"/>
+          </a:fontRef>
+        </p:style>
+      </p:cxnSp>
+      <p:cxnSp>
+        <p:nvCxnSpPr>
+          <p:cNvPr id="219" name="Соединительная линия уступом 175">
+            <a:extLst>
+              <a:ext uri="{FF2B5EF4-FFF2-40B4-BE49-F238E27FC236}">
+                <a16:creationId xmlns:a16="http://schemas.microsoft.com/office/drawing/2014/main" id="{7B688F17-38A5-40AE-A719-4D17B1A7A7D2}"/>
+              </a:ext>
+            </a:extLst>
+          </p:cNvPr>
+          <p:cNvCxnSpPr>
+            <a:cxnSpLocks/>
+            <a:stCxn id="183" idx="2"/>
+            <a:endCxn id="192" idx="0"/>
+          </p:cNvCxnSpPr>
+          <p:nvPr/>
+        </p:nvCxnSpPr>
+        <p:spPr>
+          <a:xfrm rot="5400000">
+            <a:off x="24933818" y="4193179"/>
+            <a:ext cx="1927101" cy="1224176"/>
+          </a:xfrm>
+          <a:prstGeom prst="bentConnector3">
+            <a:avLst>
+              <a:gd name="adj1" fmla="val 11757"/>
+            </a:avLst>
+          </a:prstGeom>
+          <a:ln w="28575">
+            <a:tailEnd type="arrow"/>
+          </a:ln>
+        </p:spPr>
+        <p:style>
+          <a:lnRef idx="1">
+            <a:schemeClr val="accent1"/>
+          </a:lnRef>
+          <a:fillRef idx="0">
+            <a:schemeClr val="accent1"/>
+          </a:fillRef>
+          <a:effectRef idx="0">
+            <a:schemeClr val="accent1"/>
+          </a:effectRef>
+          <a:fontRef idx="minor">
+            <a:schemeClr val="tx1"/>
+          </a:fontRef>
+        </p:style>
+      </p:cxnSp>
+      <p:cxnSp>
+        <p:nvCxnSpPr>
+          <p:cNvPr id="220" name="Соединительная линия уступом 175">
+            <a:extLst>
+              <a:ext uri="{FF2B5EF4-FFF2-40B4-BE49-F238E27FC236}">
+                <a16:creationId xmlns:a16="http://schemas.microsoft.com/office/drawing/2014/main" id="{62C9125E-6113-447C-A00D-D10BCB6CED83}"/>
+              </a:ext>
+            </a:extLst>
+          </p:cNvPr>
+          <p:cNvCxnSpPr>
+            <a:cxnSpLocks/>
+            <a:stCxn id="183" idx="2"/>
+            <a:endCxn id="189" idx="0"/>
+          </p:cNvCxnSpPr>
+          <p:nvPr/>
+        </p:nvCxnSpPr>
+        <p:spPr>
+          <a:xfrm rot="16200000" flipH="1">
+            <a:off x="26143442" y="4207731"/>
+            <a:ext cx="1940648" cy="1208620"/>
+          </a:xfrm>
+          <a:prstGeom prst="bentConnector3">
+            <a:avLst>
+              <a:gd name="adj1" fmla="val 11321"/>
+            </a:avLst>
+          </a:prstGeom>
+          <a:ln w="28575">
+            <a:tailEnd type="arrow"/>
+          </a:ln>
+        </p:spPr>
+        <p:style>
+          <a:lnRef idx="1">
+            <a:schemeClr val="accent1"/>
+          </a:lnRef>
+          <a:fillRef idx="0">
+            <a:schemeClr val="accent1"/>
+          </a:fillRef>
+          <a:effectRef idx="0">
+            <a:schemeClr val="accent1"/>
+          </a:effectRef>
+          <a:fontRef idx="minor">
+            <a:schemeClr val="tx1"/>
+          </a:fontRef>
+        </p:style>
+      </p:cxnSp>
+      <p:cxnSp>
+        <p:nvCxnSpPr>
+          <p:cNvPr id="221" name="Соединительная линия уступом 175">
+            <a:extLst>
+              <a:ext uri="{FF2B5EF4-FFF2-40B4-BE49-F238E27FC236}">
+                <a16:creationId xmlns:a16="http://schemas.microsoft.com/office/drawing/2014/main" id="{90F99ADF-AF0F-49CC-9BF5-FE851C4FCB16}"/>
+              </a:ext>
+            </a:extLst>
+          </p:cNvPr>
+          <p:cNvCxnSpPr>
+            <a:cxnSpLocks/>
+            <a:stCxn id="192" idx="2"/>
+            <a:endCxn id="203" idx="0"/>
+          </p:cNvCxnSpPr>
+          <p:nvPr/>
+        </p:nvCxnSpPr>
+        <p:spPr>
+          <a:xfrm rot="5400000">
+            <a:off x="24468968" y="6466712"/>
+            <a:ext cx="434206" cy="1198418"/>
+          </a:xfrm>
+          <a:prstGeom prst="bentConnector3">
+            <a:avLst>
+              <a:gd name="adj1" fmla="val 50000"/>
+            </a:avLst>
+          </a:prstGeom>
+          <a:ln w="28575">
+            <a:tailEnd type="arrow"/>
+          </a:ln>
+        </p:spPr>
+        <p:style>
+          <a:lnRef idx="1">
+            <a:schemeClr val="accent1"/>
+          </a:lnRef>
+          <a:fillRef idx="0">
+            <a:schemeClr val="accent1"/>
+          </a:fillRef>
+          <a:effectRef idx="0">
+            <a:schemeClr val="accent1"/>
+          </a:effectRef>
+          <a:fontRef idx="minor">
+            <a:schemeClr val="tx1"/>
+          </a:fontRef>
+        </p:style>
+      </p:cxnSp>
+      <p:cxnSp>
+        <p:nvCxnSpPr>
+          <p:cNvPr id="224" name="Соединительная линия уступом 175">
+            <a:extLst>
+              <a:ext uri="{FF2B5EF4-FFF2-40B4-BE49-F238E27FC236}">
+                <a16:creationId xmlns:a16="http://schemas.microsoft.com/office/drawing/2014/main" id="{F39DF970-0D5E-4CF2-9C7B-E7D8C46DC4B5}"/>
+              </a:ext>
+            </a:extLst>
+          </p:cNvPr>
+          <p:cNvCxnSpPr>
+            <a:cxnSpLocks/>
+            <a:stCxn id="192" idx="2"/>
+            <a:endCxn id="188" idx="0"/>
+          </p:cNvCxnSpPr>
+          <p:nvPr/>
+        </p:nvCxnSpPr>
+        <p:spPr>
+          <a:xfrm rot="16200000" flipH="1">
+            <a:off x="25678585" y="6455513"/>
+            <a:ext cx="437567" cy="1224176"/>
+          </a:xfrm>
+          <a:prstGeom prst="bentConnector3">
+            <a:avLst>
+              <a:gd name="adj1" fmla="val 50000"/>
+            </a:avLst>
+          </a:prstGeom>
+          <a:ln w="28575">
+            <a:tailEnd type="arrow"/>
+          </a:ln>
+        </p:spPr>
+        <p:style>
+          <a:lnRef idx="1">
+            <a:schemeClr val="accent1"/>
+          </a:lnRef>
+          <a:fillRef idx="0">
+            <a:schemeClr val="accent1"/>
+          </a:fillRef>
+          <a:effectRef idx="0">
+            <a:schemeClr val="accent1"/>
+          </a:effectRef>
+          <a:fontRef idx="minor">
+            <a:schemeClr val="tx1"/>
+          </a:fontRef>
+        </p:style>
+      </p:cxnSp>
+      <p:cxnSp>
+        <p:nvCxnSpPr>
+          <p:cNvPr id="226" name="Соединительная линия уступом 175">
+            <a:extLst>
+              <a:ext uri="{FF2B5EF4-FFF2-40B4-BE49-F238E27FC236}">
+                <a16:creationId xmlns:a16="http://schemas.microsoft.com/office/drawing/2014/main" id="{B986B6A1-B0F3-4ACC-B2DB-22A6F4E4CAEC}"/>
+              </a:ext>
+            </a:extLst>
+          </p:cNvPr>
+          <p:cNvCxnSpPr>
+            <a:cxnSpLocks/>
+            <a:stCxn id="189" idx="2"/>
+            <a:endCxn id="188" idx="0"/>
+          </p:cNvCxnSpPr>
+          <p:nvPr/>
+        </p:nvCxnSpPr>
+        <p:spPr>
+          <a:xfrm rot="5400000">
+            <a:off x="26901756" y="6470065"/>
+            <a:ext cx="424020" cy="1208620"/>
+          </a:xfrm>
+          <a:prstGeom prst="bentConnector3">
+            <a:avLst>
+              <a:gd name="adj1" fmla="val 50000"/>
+            </a:avLst>
+          </a:prstGeom>
+          <a:ln w="28575">
+            <a:tailEnd type="arrow"/>
+          </a:ln>
+        </p:spPr>
+        <p:style>
+          <a:lnRef idx="1">
+            <a:schemeClr val="accent1"/>
+          </a:lnRef>
+          <a:fillRef idx="0">
+            <a:schemeClr val="accent1"/>
+          </a:fillRef>
+          <a:effectRef idx="0">
+            <a:schemeClr val="accent1"/>
+          </a:effectRef>
+          <a:fontRef idx="minor">
+            <a:schemeClr val="tx1"/>
+          </a:fontRef>
+        </p:style>
+      </p:cxnSp>
+      <p:cxnSp>
+        <p:nvCxnSpPr>
+          <p:cNvPr id="228" name="Прямая со стрелкой 227">
+            <a:extLst>
+              <a:ext uri="{FF2B5EF4-FFF2-40B4-BE49-F238E27FC236}">
+                <a16:creationId xmlns:a16="http://schemas.microsoft.com/office/drawing/2014/main" id="{8EC1E294-A068-4456-8046-C017192539D0}"/>
+              </a:ext>
+            </a:extLst>
+          </p:cNvPr>
+          <p:cNvCxnSpPr>
+            <a:cxnSpLocks/>
+            <a:stCxn id="184" idx="2"/>
+            <a:endCxn id="188" idx="0"/>
+          </p:cNvCxnSpPr>
+          <p:nvPr/>
+        </p:nvCxnSpPr>
+        <p:spPr>
+          <a:xfrm flipH="1">
+            <a:off x="26509456" y="5359284"/>
+            <a:ext cx="3384" cy="1927101"/>
+          </a:xfrm>
+          <a:prstGeom prst="straightConnector1">
+            <a:avLst/>
+          </a:prstGeom>
+          <a:ln w="28575">
+            <a:tailEnd type="arrow"/>
+          </a:ln>
+        </p:spPr>
+        <p:style>
+          <a:lnRef idx="1">
+            <a:schemeClr val="accent1"/>
+          </a:lnRef>
+          <a:fillRef idx="0">
+            <a:schemeClr val="accent1"/>
+          </a:fillRef>
+          <a:effectRef idx="0">
+            <a:schemeClr val="accent1"/>
+          </a:effectRef>
+          <a:fontRef idx="minor">
+            <a:schemeClr val="tx1"/>
+          </a:fontRef>
+        </p:style>
+      </p:cxnSp>
+      <p:cxnSp>
+        <p:nvCxnSpPr>
+          <p:cNvPr id="232" name="Соединительная линия уступом 175">
+            <a:extLst>
+              <a:ext uri="{FF2B5EF4-FFF2-40B4-BE49-F238E27FC236}">
+                <a16:creationId xmlns:a16="http://schemas.microsoft.com/office/drawing/2014/main" id="{F048A91E-5CED-45E3-BC3C-97489FF5AE16}"/>
               </a:ext>
             </a:extLst>
           </p:cNvPr>
@@ -10397,12 +13219,14 @@
           <p:nvPr/>
         </p:nvCxnSpPr>
         <p:spPr>
-          <a:xfrm>
-            <a:off x="31313648" y="3856203"/>
-            <a:ext cx="0" cy="414366"/>
-          </a:xfrm>
-          <a:prstGeom prst="straightConnector1">
-            <a:avLst/>
+          <a:xfrm rot="5400000">
+            <a:off x="32361118" y="2780920"/>
+            <a:ext cx="442179" cy="2537118"/>
+          </a:xfrm>
+          <a:prstGeom prst="bentConnector3">
+            <a:avLst>
+              <a:gd name="adj1" fmla="val 50000"/>
+            </a:avLst>
           </a:prstGeom>
           <a:ln w="28575">
             <a:tailEnd type="arrow"/>
@@ -10425,10 +13249,10 @@
       </p:cxnSp>
       <p:sp>
         <p:nvSpPr>
-          <p:cNvPr id="156" name="Прямоугольник 155">
-            <a:extLst>
-              <a:ext uri="{FF2B5EF4-FFF2-40B4-BE49-F238E27FC236}">
-                <a16:creationId xmlns:a16="http://schemas.microsoft.com/office/drawing/2014/main" id="{377D5909-415A-4F8E-95B2-1775A6D6FF33}"/>
+          <p:cNvPr id="233" name="Прямоугольник 232">
+            <a:extLst>
+              <a:ext uri="{FF2B5EF4-FFF2-40B4-BE49-F238E27FC236}">
+                <a16:creationId xmlns:a16="http://schemas.microsoft.com/office/drawing/2014/main" id="{CCE3A90E-14C5-4F03-A07F-DFCDD3686E0D}"/>
               </a:ext>
             </a:extLst>
           </p:cNvPr>
@@ -10437,7 +13261,7 @@
         </p:nvSpPr>
         <p:spPr>
           <a:xfrm>
-            <a:off x="34055790" y="5768819"/>
+            <a:off x="24227524" y="8788519"/>
             <a:ext cx="2115918" cy="1080000"/>
           </a:xfrm>
           <a:prstGeom prst="rect">
@@ -10469,17 +13293,62 @@
             <a:pPr algn="ctr"/>
             <a:r>
               <a:rPr lang="ru-RU" sz="1400" dirty="0"/>
-              <a:t>Автоматизация кавалерии</a:t>
-            </a:r>
-          </a:p>
-        </p:txBody>
-      </p:sp>
-      <p:sp>
-        <p:nvSpPr>
-          <p:cNvPr id="158" name="Прямоугольник 157">
-            <a:extLst>
-              <a:ext uri="{FF2B5EF4-FFF2-40B4-BE49-F238E27FC236}">
-                <a16:creationId xmlns:a16="http://schemas.microsoft.com/office/drawing/2014/main" id="{2B29B70B-8A2E-4086-A613-0AF82C7A82D5}"/>
+              <a:t>Расположить морские базы в проливе</a:t>
+            </a:r>
+          </a:p>
+        </p:txBody>
+      </p:sp>
+      <p:cxnSp>
+        <p:nvCxnSpPr>
+          <p:cNvPr id="235" name="Соединительная линия уступом 175">
+            <a:extLst>
+              <a:ext uri="{FF2B5EF4-FFF2-40B4-BE49-F238E27FC236}">
+                <a16:creationId xmlns:a16="http://schemas.microsoft.com/office/drawing/2014/main" id="{12991036-0F78-43F6-87D7-ACE616E39399}"/>
+              </a:ext>
+            </a:extLst>
+          </p:cNvPr>
+          <p:cNvCxnSpPr>
+            <a:cxnSpLocks/>
+            <a:stCxn id="188" idx="2"/>
+            <a:endCxn id="233" idx="0"/>
+          </p:cNvCxnSpPr>
+          <p:nvPr/>
+        </p:nvCxnSpPr>
+        <p:spPr>
+          <a:xfrm rot="5400000">
+            <a:off x="25686403" y="7965466"/>
+            <a:ext cx="422134" cy="1223973"/>
+          </a:xfrm>
+          <a:prstGeom prst="bentConnector3">
+            <a:avLst>
+              <a:gd name="adj1" fmla="val 50000"/>
+            </a:avLst>
+          </a:prstGeom>
+          <a:ln w="28575">
+            <a:tailEnd type="arrow"/>
+          </a:ln>
+        </p:spPr>
+        <p:style>
+          <a:lnRef idx="1">
+            <a:schemeClr val="accent1"/>
+          </a:lnRef>
+          <a:fillRef idx="0">
+            <a:schemeClr val="accent1"/>
+          </a:fillRef>
+          <a:effectRef idx="0">
+            <a:schemeClr val="accent1"/>
+          </a:effectRef>
+          <a:fontRef idx="minor">
+            <a:schemeClr val="tx1"/>
+          </a:fontRef>
+        </p:style>
+      </p:cxnSp>
+      <p:sp>
+        <p:nvSpPr>
+          <p:cNvPr id="237" name="Прямоугольник 236">
+            <a:extLst>
+              <a:ext uri="{FF2B5EF4-FFF2-40B4-BE49-F238E27FC236}">
+                <a16:creationId xmlns:a16="http://schemas.microsoft.com/office/drawing/2014/main" id="{8A885BCE-A698-49C5-8A38-2AA25042AF8F}"/>
               </a:ext>
             </a:extLst>
           </p:cNvPr>
@@ -10488,7 +13357,7 @@
         </p:nvSpPr>
         <p:spPr>
           <a:xfrm>
-            <a:off x="36635958" y="5768819"/>
+            <a:off x="26660117" y="8790304"/>
             <a:ext cx="2115918" cy="1080000"/>
           </a:xfrm>
           <a:prstGeom prst="rect">
@@ -10520,1956 +13389,36 @@
             <a:pPr algn="ctr"/>
             <a:r>
               <a:rPr lang="ru-RU" sz="1400" dirty="0"/>
-              <a:t>Реформировать кавалерию</a:t>
+              <a:t>Выход в Индийский океан</a:t>
             </a:r>
           </a:p>
         </p:txBody>
       </p:sp>
       <p:cxnSp>
         <p:nvCxnSpPr>
-          <p:cNvPr id="160" name="Прямая соединительная линия 159">
-            <a:extLst>
-              <a:ext uri="{FF2B5EF4-FFF2-40B4-BE49-F238E27FC236}">
-                <a16:creationId xmlns:a16="http://schemas.microsoft.com/office/drawing/2014/main" id="{7B93C457-F8D5-4FC9-A67F-99B4C1247992}"/>
+          <p:cNvPr id="241" name="Соединительная линия уступом 175">
+            <a:extLst>
+              <a:ext uri="{FF2B5EF4-FFF2-40B4-BE49-F238E27FC236}">
+                <a16:creationId xmlns:a16="http://schemas.microsoft.com/office/drawing/2014/main" id="{54E3AB3F-7942-441F-B27D-DB0CFFC02024}"/>
               </a:ext>
             </a:extLst>
           </p:cNvPr>
           <p:cNvCxnSpPr>
             <a:cxnSpLocks/>
-            <a:stCxn id="158" idx="1"/>
-            <a:endCxn id="156" idx="3"/>
+            <a:stCxn id="188" idx="2"/>
+            <a:endCxn id="237" idx="0"/>
           </p:cNvCxnSpPr>
           <p:nvPr/>
         </p:nvCxnSpPr>
         <p:spPr>
-          <a:xfrm flipH="1">
-            <a:off x="36171708" y="6308819"/>
-            <a:ext cx="464250" cy="0"/>
-          </a:xfrm>
-          <a:prstGeom prst="line">
-            <a:avLst/>
-          </a:prstGeom>
-          <a:ln w="28575">
-            <a:solidFill>
-              <a:srgbClr val="FF0000"/>
-            </a:solidFill>
-          </a:ln>
-        </p:spPr>
-        <p:style>
-          <a:lnRef idx="1">
-            <a:schemeClr val="accent1"/>
-          </a:lnRef>
-          <a:fillRef idx="0">
-            <a:schemeClr val="accent1"/>
-          </a:fillRef>
-          <a:effectRef idx="0">
-            <a:schemeClr val="accent1"/>
-          </a:effectRef>
-          <a:fontRef idx="minor">
-            <a:schemeClr val="tx1"/>
-          </a:fontRef>
-        </p:style>
-      </p:cxnSp>
-      <p:cxnSp>
-        <p:nvCxnSpPr>
-          <p:cNvPr id="161" name="Соединительная линия уступом 175">
-            <a:extLst>
-              <a:ext uri="{FF2B5EF4-FFF2-40B4-BE49-F238E27FC236}">
-                <a16:creationId xmlns:a16="http://schemas.microsoft.com/office/drawing/2014/main" id="{78417968-5148-43D3-9A73-22689540E1F1}"/>
-              </a:ext>
-            </a:extLst>
-          </p:cNvPr>
-          <p:cNvCxnSpPr>
-            <a:cxnSpLocks/>
-            <a:stCxn id="146" idx="2"/>
-            <a:endCxn id="158" idx="0"/>
-          </p:cNvCxnSpPr>
-          <p:nvPr/>
-        </p:nvCxnSpPr>
-        <p:spPr>
           <a:xfrm rot="16200000" flipH="1">
-            <a:off x="36831775" y="4906676"/>
-            <a:ext cx="418251" cy="1306033"/>
+            <a:off x="26901807" y="7974034"/>
+            <a:ext cx="423919" cy="1208620"/>
           </a:xfrm>
           <a:prstGeom prst="bentConnector3">
             <a:avLst>
               <a:gd name="adj1" fmla="val 50000"/>
             </a:avLst>
-          </a:prstGeom>
-          <a:ln w="28575">
-            <a:tailEnd type="arrow"/>
-          </a:ln>
-        </p:spPr>
-        <p:style>
-          <a:lnRef idx="1">
-            <a:schemeClr val="accent1"/>
-          </a:lnRef>
-          <a:fillRef idx="0">
-            <a:schemeClr val="accent1"/>
-          </a:fillRef>
-          <a:effectRef idx="0">
-            <a:schemeClr val="accent1"/>
-          </a:effectRef>
-          <a:fontRef idx="minor">
-            <a:schemeClr val="tx1"/>
-          </a:fontRef>
-        </p:style>
-      </p:cxnSp>
-      <p:cxnSp>
-        <p:nvCxnSpPr>
-          <p:cNvPr id="168" name="Соединительная линия уступом 175">
-            <a:extLst>
-              <a:ext uri="{FF2B5EF4-FFF2-40B4-BE49-F238E27FC236}">
-                <a16:creationId xmlns:a16="http://schemas.microsoft.com/office/drawing/2014/main" id="{BEB12358-8129-41E0-B0CD-D58B7EFA044A}"/>
-              </a:ext>
-            </a:extLst>
-          </p:cNvPr>
-          <p:cNvCxnSpPr>
-            <a:cxnSpLocks/>
-            <a:stCxn id="146" idx="2"/>
-            <a:endCxn id="156" idx="0"/>
-          </p:cNvCxnSpPr>
-          <p:nvPr/>
-        </p:nvCxnSpPr>
-        <p:spPr>
-          <a:xfrm rot="5400000">
-            <a:off x="35541692" y="4922626"/>
-            <a:ext cx="418251" cy="1274135"/>
-          </a:xfrm>
-          <a:prstGeom prst="bentConnector3">
-            <a:avLst>
-              <a:gd name="adj1" fmla="val 50000"/>
-            </a:avLst>
-          </a:prstGeom>
-          <a:ln w="28575">
-            <a:tailEnd type="arrow"/>
-          </a:ln>
-        </p:spPr>
-        <p:style>
-          <a:lnRef idx="1">
-            <a:schemeClr val="accent1"/>
-          </a:lnRef>
-          <a:fillRef idx="0">
-            <a:schemeClr val="accent1"/>
-          </a:fillRef>
-          <a:effectRef idx="0">
-            <a:schemeClr val="accent1"/>
-          </a:effectRef>
-          <a:fontRef idx="minor">
-            <a:schemeClr val="tx1"/>
-          </a:fontRef>
-        </p:style>
-      </p:cxnSp>
-      <p:sp>
-        <p:nvSpPr>
-          <p:cNvPr id="169" name="Прямоугольник 168">
-            <a:extLst>
-              <a:ext uri="{FF2B5EF4-FFF2-40B4-BE49-F238E27FC236}">
-                <a16:creationId xmlns:a16="http://schemas.microsoft.com/office/drawing/2014/main" id="{B2A2D316-5D41-4326-BAB8-6BB5FF211D8B}"/>
-              </a:ext>
-            </a:extLst>
-          </p:cNvPr>
-          <p:cNvSpPr/>
-          <p:nvPr/>
-        </p:nvSpPr>
-        <p:spPr>
-          <a:xfrm>
-            <a:off x="30255689" y="4270569"/>
-            <a:ext cx="2115918" cy="1080000"/>
-          </a:xfrm>
-          <a:prstGeom prst="rect">
-            <a:avLst/>
-          </a:prstGeom>
-          <a:solidFill>
-            <a:srgbClr val="FF0000"/>
-          </a:solidFill>
-          <a:ln w="28575"/>
-        </p:spPr>
-        <p:style>
-          <a:lnRef idx="2">
-            <a:schemeClr val="accent1"/>
-          </a:lnRef>
-          <a:fillRef idx="1">
-            <a:schemeClr val="lt1"/>
-          </a:fillRef>
-          <a:effectRef idx="0">
-            <a:schemeClr val="accent1"/>
-          </a:effectRef>
-          <a:fontRef idx="minor">
-            <a:schemeClr val="dk1"/>
-          </a:fontRef>
-        </p:style>
-        <p:txBody>
-          <a:bodyPr lIns="124733" tIns="62367" rIns="124733" bIns="62367" rtlCol="0" anchor="ctr"/>
-          <a:lstStyle/>
-          <a:p>
-            <a:pPr algn="ctr"/>
-            <a:r>
-              <a:rPr lang="ru-RU" sz="1400" dirty="0"/>
-              <a:t>Совет секретарей Красной Армии Ирана </a:t>
-            </a:r>
-            <a:r>
-              <a:rPr lang="ru-RU" sz="700" dirty="0"/>
-              <a:t>(Однако целью этих офицеров в этом восстании было устранение системы слепого повиновения в армии, заявить о недовольстве тогдашним начальником штаба армии генерал-майором Арфой и провести реформы в прогнившей системе императорской армии.)</a:t>
-            </a:r>
-            <a:endParaRPr lang="ru-RU" sz="1400" dirty="0"/>
-          </a:p>
-        </p:txBody>
-      </p:sp>
-      <p:cxnSp>
-        <p:nvCxnSpPr>
-          <p:cNvPr id="198" name="Соединительная линия уступом 175">
-            <a:extLst>
-              <a:ext uri="{FF2B5EF4-FFF2-40B4-BE49-F238E27FC236}">
-                <a16:creationId xmlns:a16="http://schemas.microsoft.com/office/drawing/2014/main" id="{3F70111F-ACD9-4338-BD33-9EF7ABBD3ACB}"/>
-              </a:ext>
-            </a:extLst>
-          </p:cNvPr>
-          <p:cNvCxnSpPr>
-            <a:cxnSpLocks/>
-            <a:stCxn id="169" idx="2"/>
-            <a:endCxn id="138" idx="0"/>
-          </p:cNvCxnSpPr>
-          <p:nvPr/>
-        </p:nvCxnSpPr>
-        <p:spPr>
-          <a:xfrm rot="16200000" flipH="1">
-            <a:off x="31711883" y="4952334"/>
-            <a:ext cx="432606" cy="1229076"/>
-          </a:xfrm>
-          <a:prstGeom prst="bentConnector3">
-            <a:avLst>
-              <a:gd name="adj1" fmla="val 50000"/>
-            </a:avLst>
-          </a:prstGeom>
-          <a:ln w="28575">
-            <a:tailEnd type="arrow"/>
-          </a:ln>
-        </p:spPr>
-        <p:style>
-          <a:lnRef idx="1">
-            <a:schemeClr val="accent1"/>
-          </a:lnRef>
-          <a:fillRef idx="0">
-            <a:schemeClr val="accent1"/>
-          </a:fillRef>
-          <a:effectRef idx="0">
-            <a:schemeClr val="accent1"/>
-          </a:effectRef>
-          <a:fontRef idx="minor">
-            <a:schemeClr val="tx1"/>
-          </a:fontRef>
-        </p:style>
-      </p:cxnSp>
-      <p:cxnSp>
-        <p:nvCxnSpPr>
-          <p:cNvPr id="200" name="Соединительная линия уступом 175">
-            <a:extLst>
-              <a:ext uri="{FF2B5EF4-FFF2-40B4-BE49-F238E27FC236}">
-                <a16:creationId xmlns:a16="http://schemas.microsoft.com/office/drawing/2014/main" id="{B74973C9-CF6A-4D85-8A53-42DCB083CB73}"/>
-              </a:ext>
-            </a:extLst>
-          </p:cNvPr>
-          <p:cNvCxnSpPr>
-            <a:cxnSpLocks/>
-            <a:stCxn id="169" idx="2"/>
-            <a:endCxn id="137" idx="0"/>
-          </p:cNvCxnSpPr>
-          <p:nvPr/>
-        </p:nvCxnSpPr>
-        <p:spPr>
-          <a:xfrm rot="5400000">
-            <a:off x="30498071" y="4962426"/>
-            <a:ext cx="427435" cy="1203720"/>
-          </a:xfrm>
-          <a:prstGeom prst="bentConnector3">
-            <a:avLst>
-              <a:gd name="adj1" fmla="val 50000"/>
-            </a:avLst>
-          </a:prstGeom>
-          <a:ln w="28575">
-            <a:tailEnd type="arrow"/>
-          </a:ln>
-        </p:spPr>
-        <p:style>
-          <a:lnRef idx="1">
-            <a:schemeClr val="accent1"/>
-          </a:lnRef>
-          <a:fillRef idx="0">
-            <a:schemeClr val="accent1"/>
-          </a:fillRef>
-          <a:effectRef idx="0">
-            <a:schemeClr val="accent1"/>
-          </a:effectRef>
-          <a:fontRef idx="minor">
-            <a:schemeClr val="tx1"/>
-          </a:fontRef>
-        </p:style>
-      </p:cxnSp>
-      <p:sp>
-        <p:nvSpPr>
-          <p:cNvPr id="206" name="Прямоугольник 205">
-            <a:extLst>
-              <a:ext uri="{FF2B5EF4-FFF2-40B4-BE49-F238E27FC236}">
-                <a16:creationId xmlns:a16="http://schemas.microsoft.com/office/drawing/2014/main" id="{C166DCB1-5F79-4E75-94C5-CB720CC9BEF1}"/>
-              </a:ext>
-            </a:extLst>
-          </p:cNvPr>
-          <p:cNvSpPr/>
-          <p:nvPr/>
-        </p:nvSpPr>
-        <p:spPr>
-          <a:xfrm>
-            <a:off x="27725154" y="4270567"/>
-            <a:ext cx="2115918" cy="1080000"/>
-          </a:xfrm>
-          <a:prstGeom prst="rect">
-            <a:avLst/>
-          </a:prstGeom>
-          <a:solidFill>
-            <a:srgbClr val="FF0000"/>
-          </a:solidFill>
-          <a:ln w="28575"/>
-        </p:spPr>
-        <p:style>
-          <a:lnRef idx="2">
-            <a:schemeClr val="accent1"/>
-          </a:lnRef>
-          <a:fillRef idx="1">
-            <a:schemeClr val="lt1"/>
-          </a:fillRef>
-          <a:effectRef idx="0">
-            <a:schemeClr val="accent1"/>
-          </a:effectRef>
-          <a:fontRef idx="minor">
-            <a:schemeClr val="dk1"/>
-          </a:fontRef>
-        </p:style>
-        <p:txBody>
-          <a:bodyPr lIns="124733" tIns="62367" rIns="124733" bIns="62367" rtlCol="0" anchor="ctr"/>
-          <a:lstStyle/>
-          <a:p>
-            <a:pPr algn="ctr"/>
-            <a:r>
-              <a:rPr lang="ru-RU" sz="1400" dirty="0"/>
-              <a:t>Отдел военной разведки </a:t>
-            </a:r>
-            <a:r>
-              <a:rPr lang="ru-RU" sz="1200" dirty="0"/>
-              <a:t>(Капитан Хосров </a:t>
-            </a:r>
-            <a:r>
-              <a:rPr lang="ru-RU" sz="1200" dirty="0" err="1"/>
-              <a:t>Розбех</a:t>
-            </a:r>
-            <a:r>
-              <a:rPr lang="ru-RU" sz="1200" dirty="0"/>
-              <a:t> руководил отделом военной разведки партии.)</a:t>
-            </a:r>
-            <a:endParaRPr lang="ru-RU" sz="1400" dirty="0"/>
-          </a:p>
-        </p:txBody>
-      </p:sp>
-      <p:cxnSp>
-        <p:nvCxnSpPr>
-          <p:cNvPr id="212" name="Соединительная линия уступом 175">
-            <a:extLst>
-              <a:ext uri="{FF2B5EF4-FFF2-40B4-BE49-F238E27FC236}">
-                <a16:creationId xmlns:a16="http://schemas.microsoft.com/office/drawing/2014/main" id="{A74B013F-A059-42DB-84A2-24888EA5DA4C}"/>
-              </a:ext>
-            </a:extLst>
-          </p:cNvPr>
-          <p:cNvCxnSpPr>
-            <a:cxnSpLocks/>
-            <a:stCxn id="206" idx="2"/>
-            <a:endCxn id="137" idx="0"/>
-          </p:cNvCxnSpPr>
-          <p:nvPr/>
-        </p:nvCxnSpPr>
-        <p:spPr>
-          <a:xfrm rot="16200000" flipH="1">
-            <a:off x="29232802" y="4900877"/>
-            <a:ext cx="427437" cy="1326815"/>
-          </a:xfrm>
-          <a:prstGeom prst="bentConnector3">
-            <a:avLst>
-              <a:gd name="adj1" fmla="val 50000"/>
-            </a:avLst>
-          </a:prstGeom>
-          <a:ln w="28575">
-            <a:tailEnd type="arrow"/>
-          </a:ln>
-        </p:spPr>
-        <p:style>
-          <a:lnRef idx="1">
-            <a:schemeClr val="accent1"/>
-          </a:lnRef>
-          <a:fillRef idx="0">
-            <a:schemeClr val="accent1"/>
-          </a:fillRef>
-          <a:effectRef idx="0">
-            <a:schemeClr val="accent1"/>
-          </a:effectRef>
-          <a:fontRef idx="minor">
-            <a:schemeClr val="tx1"/>
-          </a:fontRef>
-        </p:style>
-      </p:cxnSp>
-      <p:cxnSp>
-        <p:nvCxnSpPr>
-          <p:cNvPr id="215" name="Соединительная линия уступом 175">
-            <a:extLst>
-              <a:ext uri="{FF2B5EF4-FFF2-40B4-BE49-F238E27FC236}">
-                <a16:creationId xmlns:a16="http://schemas.microsoft.com/office/drawing/2014/main" id="{6E88CED9-6007-413B-B269-C40360827C4A}"/>
-              </a:ext>
-            </a:extLst>
-          </p:cNvPr>
-          <p:cNvCxnSpPr>
-            <a:cxnSpLocks/>
-            <a:stCxn id="135" idx="2"/>
-            <a:endCxn id="206" idx="0"/>
-          </p:cNvCxnSpPr>
-          <p:nvPr/>
-        </p:nvCxnSpPr>
-        <p:spPr>
-          <a:xfrm rot="5400000">
-            <a:off x="29841199" y="2798118"/>
-            <a:ext cx="414364" cy="2530535"/>
-          </a:xfrm>
-          <a:prstGeom prst="bentConnector3">
-            <a:avLst>
-              <a:gd name="adj1" fmla="val 50000"/>
-            </a:avLst>
-          </a:prstGeom>
-          <a:ln w="28575">
-            <a:tailEnd type="arrow"/>
-          </a:ln>
-        </p:spPr>
-        <p:style>
-          <a:lnRef idx="1">
-            <a:schemeClr val="accent1"/>
-          </a:lnRef>
-          <a:fillRef idx="0">
-            <a:schemeClr val="accent1"/>
-          </a:fillRef>
-          <a:effectRef idx="0">
-            <a:schemeClr val="accent1"/>
-          </a:effectRef>
-          <a:fontRef idx="minor">
-            <a:schemeClr val="tx1"/>
-          </a:fontRef>
-        </p:style>
-      </p:cxnSp>
-      <p:sp>
-        <p:nvSpPr>
-          <p:cNvPr id="216" name="Прямоугольник 215">
-            <a:extLst>
-              <a:ext uri="{FF2B5EF4-FFF2-40B4-BE49-F238E27FC236}">
-                <a16:creationId xmlns:a16="http://schemas.microsoft.com/office/drawing/2014/main" id="{FA0F0E31-A588-49D9-906D-07782A740C37}"/>
-              </a:ext>
-            </a:extLst>
-          </p:cNvPr>
-          <p:cNvSpPr/>
-          <p:nvPr/>
-        </p:nvSpPr>
-        <p:spPr>
-          <a:xfrm>
-            <a:off x="37857245" y="8803066"/>
-            <a:ext cx="2115918" cy="1080000"/>
-          </a:xfrm>
-          <a:prstGeom prst="rect">
-            <a:avLst/>
-          </a:prstGeom>
-          <a:solidFill>
-            <a:srgbClr val="FF0000"/>
-          </a:solidFill>
-          <a:ln w="28575"/>
-        </p:spPr>
-        <p:style>
-          <a:lnRef idx="2">
-            <a:schemeClr val="accent1"/>
-          </a:lnRef>
-          <a:fillRef idx="1">
-            <a:schemeClr val="lt1"/>
-          </a:fillRef>
-          <a:effectRef idx="0">
-            <a:schemeClr val="accent1"/>
-          </a:effectRef>
-          <a:fontRef idx="minor">
-            <a:schemeClr val="dk1"/>
-          </a:fontRef>
-        </p:style>
-        <p:txBody>
-          <a:bodyPr lIns="124733" tIns="62367" rIns="124733" bIns="62367" rtlCol="0" anchor="ctr"/>
-          <a:lstStyle/>
-          <a:p>
-            <a:pPr algn="ctr"/>
-            <a:r>
-              <a:rPr lang="ru-RU" sz="1400" dirty="0"/>
-              <a:t>Подготовка верблюжьей кавалерии</a:t>
-            </a:r>
-          </a:p>
-        </p:txBody>
-      </p:sp>
-      <p:sp>
-        <p:nvSpPr>
-          <p:cNvPr id="217" name="Прямоугольник 216">
-            <a:extLst>
-              <a:ext uri="{FF2B5EF4-FFF2-40B4-BE49-F238E27FC236}">
-                <a16:creationId xmlns:a16="http://schemas.microsoft.com/office/drawing/2014/main" id="{ED56EC24-DAFD-4758-A10D-F6F44F78E81F}"/>
-              </a:ext>
-            </a:extLst>
-          </p:cNvPr>
-          <p:cNvSpPr/>
-          <p:nvPr/>
-        </p:nvSpPr>
-        <p:spPr>
-          <a:xfrm>
-            <a:off x="32792807" y="8797232"/>
-            <a:ext cx="2115918" cy="1080000"/>
-          </a:xfrm>
-          <a:prstGeom prst="rect">
-            <a:avLst/>
-          </a:prstGeom>
-          <a:solidFill>
-            <a:srgbClr val="FF0000"/>
-          </a:solidFill>
-          <a:ln w="28575"/>
-        </p:spPr>
-        <p:style>
-          <a:lnRef idx="2">
-            <a:schemeClr val="accent1"/>
-          </a:lnRef>
-          <a:fillRef idx="1">
-            <a:schemeClr val="lt1"/>
-          </a:fillRef>
-          <a:effectRef idx="0">
-            <a:schemeClr val="accent1"/>
-          </a:effectRef>
-          <a:fontRef idx="minor">
-            <a:schemeClr val="dk1"/>
-          </a:fontRef>
-        </p:style>
-        <p:txBody>
-          <a:bodyPr lIns="124733" tIns="62367" rIns="124733" bIns="62367" rtlCol="0" anchor="ctr"/>
-          <a:lstStyle/>
-          <a:p>
-            <a:pPr algn="ctr"/>
-            <a:r>
-              <a:rPr lang="ru-RU" sz="1400" dirty="0"/>
-              <a:t>Создание бронетанковых дивизий</a:t>
-            </a:r>
-          </a:p>
-        </p:txBody>
-      </p:sp>
-      <p:cxnSp>
-        <p:nvCxnSpPr>
-          <p:cNvPr id="250" name="Соединительная линия уступом 175">
-            <a:extLst>
-              <a:ext uri="{FF2B5EF4-FFF2-40B4-BE49-F238E27FC236}">
-                <a16:creationId xmlns:a16="http://schemas.microsoft.com/office/drawing/2014/main" id="{E64614AE-189E-4EDF-86AC-54FDCB76F5D9}"/>
-              </a:ext>
-            </a:extLst>
-          </p:cNvPr>
-          <p:cNvCxnSpPr>
-            <a:cxnSpLocks/>
-            <a:stCxn id="156" idx="2"/>
-            <a:endCxn id="217" idx="0"/>
-          </p:cNvCxnSpPr>
-          <p:nvPr/>
-        </p:nvCxnSpPr>
-        <p:spPr>
-          <a:xfrm rot="5400000">
-            <a:off x="33508052" y="7191534"/>
-            <a:ext cx="1948413" cy="1262983"/>
-          </a:xfrm>
-          <a:prstGeom prst="bentConnector3">
-            <a:avLst>
-              <a:gd name="adj1" fmla="val 10709"/>
-            </a:avLst>
-          </a:prstGeom>
-          <a:ln w="28575">
-            <a:tailEnd type="arrow"/>
-          </a:ln>
-        </p:spPr>
-        <p:style>
-          <a:lnRef idx="1">
-            <a:schemeClr val="accent1"/>
-          </a:lnRef>
-          <a:fillRef idx="0">
-            <a:schemeClr val="accent1"/>
-          </a:fillRef>
-          <a:effectRef idx="0">
-            <a:schemeClr val="accent1"/>
-          </a:effectRef>
-          <a:fontRef idx="minor">
-            <a:schemeClr val="tx1"/>
-          </a:fontRef>
-        </p:style>
-      </p:cxnSp>
-      <p:cxnSp>
-        <p:nvCxnSpPr>
-          <p:cNvPr id="254" name="Соединительная линия уступом 175">
-            <a:extLst>
-              <a:ext uri="{FF2B5EF4-FFF2-40B4-BE49-F238E27FC236}">
-                <a16:creationId xmlns:a16="http://schemas.microsoft.com/office/drawing/2014/main" id="{25BBF92D-4831-4347-A7CC-C0BE962A1887}"/>
-              </a:ext>
-            </a:extLst>
-          </p:cNvPr>
-          <p:cNvCxnSpPr>
-            <a:cxnSpLocks/>
-            <a:stCxn id="144" idx="2"/>
-            <a:endCxn id="217" idx="0"/>
-          </p:cNvCxnSpPr>
-          <p:nvPr/>
-        </p:nvCxnSpPr>
-        <p:spPr>
-          <a:xfrm rot="16200000" flipH="1">
-            <a:off x="32977447" y="7923912"/>
-            <a:ext cx="431791" cy="1314848"/>
-          </a:xfrm>
-          <a:prstGeom prst="bentConnector3">
-            <a:avLst>
-              <a:gd name="adj1" fmla="val 50000"/>
-            </a:avLst>
-          </a:prstGeom>
-          <a:ln w="28575">
-            <a:tailEnd type="arrow"/>
-          </a:ln>
-        </p:spPr>
-        <p:style>
-          <a:lnRef idx="1">
-            <a:schemeClr val="accent1"/>
-          </a:lnRef>
-          <a:fillRef idx="0">
-            <a:schemeClr val="accent1"/>
-          </a:fillRef>
-          <a:effectRef idx="0">
-            <a:schemeClr val="accent1"/>
-          </a:effectRef>
-          <a:fontRef idx="minor">
-            <a:schemeClr val="tx1"/>
-          </a:fontRef>
-        </p:style>
-      </p:cxnSp>
-      <p:sp>
-        <p:nvSpPr>
-          <p:cNvPr id="260" name="Прямоугольник 259">
-            <a:extLst>
-              <a:ext uri="{FF2B5EF4-FFF2-40B4-BE49-F238E27FC236}">
-                <a16:creationId xmlns:a16="http://schemas.microsoft.com/office/drawing/2014/main" id="{6F96A6F9-45C5-4070-A295-A94862F721FC}"/>
-              </a:ext>
-            </a:extLst>
-          </p:cNvPr>
-          <p:cNvSpPr/>
-          <p:nvPr/>
-        </p:nvSpPr>
-        <p:spPr>
-          <a:xfrm>
-            <a:off x="34056524" y="7283025"/>
-            <a:ext cx="2115918" cy="1080000"/>
-          </a:xfrm>
-          <a:prstGeom prst="rect">
-            <a:avLst/>
-          </a:prstGeom>
-          <a:solidFill>
-            <a:srgbClr val="FF0000"/>
-          </a:solidFill>
-          <a:ln w="28575"/>
-        </p:spPr>
-        <p:style>
-          <a:lnRef idx="2">
-            <a:schemeClr val="accent1"/>
-          </a:lnRef>
-          <a:fillRef idx="1">
-            <a:schemeClr val="lt1"/>
-          </a:fillRef>
-          <a:effectRef idx="0">
-            <a:schemeClr val="accent1"/>
-          </a:effectRef>
-          <a:fontRef idx="minor">
-            <a:schemeClr val="dk1"/>
-          </a:fontRef>
-        </p:style>
-        <p:txBody>
-          <a:bodyPr lIns="124733" tIns="62367" rIns="124733" bIns="62367" rtlCol="0" anchor="ctr"/>
-          <a:lstStyle/>
-          <a:p>
-            <a:pPr algn="ctr"/>
-            <a:r>
-              <a:rPr lang="ru-RU" sz="1400" dirty="0"/>
-              <a:t>Реформирование армейской логистики</a:t>
-            </a:r>
-          </a:p>
-        </p:txBody>
-      </p:sp>
-      <p:cxnSp>
-        <p:nvCxnSpPr>
-          <p:cNvPr id="261" name="Прямая со стрелкой 260">
-            <a:extLst>
-              <a:ext uri="{FF2B5EF4-FFF2-40B4-BE49-F238E27FC236}">
-                <a16:creationId xmlns:a16="http://schemas.microsoft.com/office/drawing/2014/main" id="{C313E580-DA0A-45C9-B638-D91CED067BCA}"/>
-              </a:ext>
-            </a:extLst>
-          </p:cNvPr>
-          <p:cNvCxnSpPr>
-            <a:cxnSpLocks/>
-            <a:stCxn id="156" idx="2"/>
-            <a:endCxn id="260" idx="0"/>
-          </p:cNvCxnSpPr>
-          <p:nvPr/>
-        </p:nvCxnSpPr>
-        <p:spPr>
-          <a:xfrm>
-            <a:off x="35113749" y="6848819"/>
-            <a:ext cx="734" cy="434206"/>
-          </a:xfrm>
-          <a:prstGeom prst="straightConnector1">
-            <a:avLst/>
-          </a:prstGeom>
-          <a:ln w="28575">
-            <a:prstDash val="dash"/>
-            <a:tailEnd type="arrow"/>
-          </a:ln>
-        </p:spPr>
-        <p:style>
-          <a:lnRef idx="1">
-            <a:schemeClr val="accent1"/>
-          </a:lnRef>
-          <a:fillRef idx="0">
-            <a:schemeClr val="accent1"/>
-          </a:fillRef>
-          <a:effectRef idx="0">
-            <a:schemeClr val="accent1"/>
-          </a:effectRef>
-          <a:fontRef idx="minor">
-            <a:schemeClr val="tx1"/>
-          </a:fontRef>
-        </p:style>
-      </p:cxnSp>
-      <p:cxnSp>
-        <p:nvCxnSpPr>
-          <p:cNvPr id="266" name="Соединительная линия уступом 175">
-            <a:extLst>
-              <a:ext uri="{FF2B5EF4-FFF2-40B4-BE49-F238E27FC236}">
-                <a16:creationId xmlns:a16="http://schemas.microsoft.com/office/drawing/2014/main" id="{BB28B076-6515-44D5-91C7-0A5EC27B1EE6}"/>
-              </a:ext>
-            </a:extLst>
-          </p:cNvPr>
-          <p:cNvCxnSpPr>
-            <a:cxnSpLocks/>
-            <a:stCxn id="158" idx="2"/>
-            <a:endCxn id="260" idx="0"/>
-          </p:cNvCxnSpPr>
-          <p:nvPr/>
-        </p:nvCxnSpPr>
-        <p:spPr>
-          <a:xfrm rot="5400000">
-            <a:off x="36187097" y="5776205"/>
-            <a:ext cx="434206" cy="2579434"/>
-          </a:xfrm>
-          <a:prstGeom prst="bentConnector3">
-            <a:avLst>
-              <a:gd name="adj1" fmla="val 50000"/>
-            </a:avLst>
-          </a:prstGeom>
-          <a:ln w="28575">
-            <a:prstDash val="dash"/>
-            <a:tailEnd type="arrow"/>
-          </a:ln>
-        </p:spPr>
-        <p:style>
-          <a:lnRef idx="1">
-            <a:schemeClr val="accent1"/>
-          </a:lnRef>
-          <a:fillRef idx="0">
-            <a:schemeClr val="accent1"/>
-          </a:fillRef>
-          <a:effectRef idx="0">
-            <a:schemeClr val="accent1"/>
-          </a:effectRef>
-          <a:fontRef idx="minor">
-            <a:schemeClr val="tx1"/>
-          </a:fontRef>
-        </p:style>
-      </p:cxnSp>
-      <p:sp>
-        <p:nvSpPr>
-          <p:cNvPr id="268" name="Прямоугольник 267">
-            <a:extLst>
-              <a:ext uri="{FF2B5EF4-FFF2-40B4-BE49-F238E27FC236}">
-                <a16:creationId xmlns:a16="http://schemas.microsoft.com/office/drawing/2014/main" id="{B0D6C94D-9A2B-481C-AB59-A367C73342FE}"/>
-              </a:ext>
-            </a:extLst>
-          </p:cNvPr>
-          <p:cNvSpPr/>
-          <p:nvPr/>
-        </p:nvSpPr>
-        <p:spPr>
-          <a:xfrm>
-            <a:off x="40456443" y="4269759"/>
-            <a:ext cx="2115918" cy="1080000"/>
-          </a:xfrm>
-          <a:prstGeom prst="rect">
-            <a:avLst/>
-          </a:prstGeom>
-          <a:solidFill>
-            <a:srgbClr val="FF0000"/>
-          </a:solidFill>
-          <a:ln w="28575"/>
-        </p:spPr>
-        <p:style>
-          <a:lnRef idx="2">
-            <a:schemeClr val="accent1"/>
-          </a:lnRef>
-          <a:fillRef idx="1">
-            <a:schemeClr val="lt1"/>
-          </a:fillRef>
-          <a:effectRef idx="0">
-            <a:schemeClr val="accent1"/>
-          </a:effectRef>
-          <a:fontRef idx="minor">
-            <a:schemeClr val="dk1"/>
-          </a:fontRef>
-        </p:style>
-        <p:txBody>
-          <a:bodyPr lIns="124733" tIns="62367" rIns="124733" bIns="62367" rtlCol="0" anchor="ctr"/>
-          <a:lstStyle/>
-          <a:p>
-            <a:pPr algn="ctr"/>
-            <a:r>
-              <a:rPr lang="ru-RU" sz="1400" dirty="0"/>
-              <a:t>Лётчики верные Марксу </a:t>
-            </a:r>
-            <a:r>
-              <a:rPr lang="ru-RU" sz="900" dirty="0"/>
-              <a:t>(с самого начала существования партии </a:t>
-            </a:r>
-            <a:r>
-              <a:rPr lang="ru-RU" sz="900" dirty="0" err="1"/>
-              <a:t>Туде</a:t>
-            </a:r>
-            <a:r>
-              <a:rPr lang="ru-RU" sz="900" dirty="0"/>
-              <a:t> к ней присоединились несколько армейских офицеров, особенно </a:t>
-            </a:r>
-            <a:r>
-              <a:rPr lang="ru-RU" sz="900" dirty="0" err="1"/>
-              <a:t>марксистски</a:t>
-            </a:r>
-            <a:r>
-              <a:rPr lang="ru-RU" sz="900" dirty="0"/>
-              <a:t> настроенных ВВС)</a:t>
-            </a:r>
-            <a:endParaRPr lang="ru-RU" sz="1400" dirty="0"/>
-          </a:p>
-        </p:txBody>
-      </p:sp>
-      <p:cxnSp>
-        <p:nvCxnSpPr>
-          <p:cNvPr id="269" name="Соединительная линия уступом 175">
-            <a:extLst>
-              <a:ext uri="{FF2B5EF4-FFF2-40B4-BE49-F238E27FC236}">
-                <a16:creationId xmlns:a16="http://schemas.microsoft.com/office/drawing/2014/main" id="{E5063ED7-9C89-40E3-92EA-F0A44644F498}"/>
-              </a:ext>
-            </a:extLst>
-          </p:cNvPr>
-          <p:cNvCxnSpPr>
-            <a:cxnSpLocks/>
-            <a:stCxn id="135" idx="2"/>
-            <a:endCxn id="268" idx="0"/>
-          </p:cNvCxnSpPr>
-          <p:nvPr/>
-        </p:nvCxnSpPr>
-        <p:spPr>
-          <a:xfrm rot="16200000" flipH="1">
-            <a:off x="36207247" y="-1037396"/>
-            <a:ext cx="413556" cy="10200754"/>
-          </a:xfrm>
-          <a:prstGeom prst="bentConnector3">
-            <a:avLst>
-              <a:gd name="adj1" fmla="val 50000"/>
-            </a:avLst>
-          </a:prstGeom>
-          <a:ln w="28575">
-            <a:tailEnd type="arrow"/>
-          </a:ln>
-        </p:spPr>
-        <p:style>
-          <a:lnRef idx="1">
-            <a:schemeClr val="accent1"/>
-          </a:lnRef>
-          <a:fillRef idx="0">
-            <a:schemeClr val="accent1"/>
-          </a:fillRef>
-          <a:effectRef idx="0">
-            <a:schemeClr val="accent1"/>
-          </a:effectRef>
-          <a:fontRef idx="minor">
-            <a:schemeClr val="tx1"/>
-          </a:fontRef>
-        </p:style>
-      </p:cxnSp>
-      <p:cxnSp>
-        <p:nvCxnSpPr>
-          <p:cNvPr id="273" name="Соединительная линия уступом 175">
-            <a:extLst>
-              <a:ext uri="{FF2B5EF4-FFF2-40B4-BE49-F238E27FC236}">
-                <a16:creationId xmlns:a16="http://schemas.microsoft.com/office/drawing/2014/main" id="{FAB12AD6-E143-4381-B5EB-508651C800B7}"/>
-              </a:ext>
-            </a:extLst>
-          </p:cNvPr>
-          <p:cNvCxnSpPr>
-            <a:cxnSpLocks/>
-            <a:stCxn id="144" idx="2"/>
-            <a:endCxn id="276" idx="0"/>
-          </p:cNvCxnSpPr>
-          <p:nvPr/>
-        </p:nvCxnSpPr>
-        <p:spPr>
-          <a:xfrm rot="5400000">
-            <a:off x="31708888" y="7970201"/>
-            <a:ext cx="431791" cy="1222270"/>
-          </a:xfrm>
-          <a:prstGeom prst="bentConnector3">
-            <a:avLst>
-              <a:gd name="adj1" fmla="val 50000"/>
-            </a:avLst>
-          </a:prstGeom>
-          <a:ln w="28575">
-            <a:prstDash val="dash"/>
-            <a:tailEnd type="arrow"/>
-          </a:ln>
-        </p:spPr>
-        <p:style>
-          <a:lnRef idx="1">
-            <a:schemeClr val="accent1"/>
-          </a:lnRef>
-          <a:fillRef idx="0">
-            <a:schemeClr val="accent1"/>
-          </a:fillRef>
-          <a:effectRef idx="0">
-            <a:schemeClr val="accent1"/>
-          </a:effectRef>
-          <a:fontRef idx="minor">
-            <a:schemeClr val="tx1"/>
-          </a:fontRef>
-        </p:style>
-      </p:cxnSp>
-      <p:sp>
-        <p:nvSpPr>
-          <p:cNvPr id="276" name="Прямоугольник 275">
-            <a:extLst>
-              <a:ext uri="{FF2B5EF4-FFF2-40B4-BE49-F238E27FC236}">
-                <a16:creationId xmlns:a16="http://schemas.microsoft.com/office/drawing/2014/main" id="{BFFA81ED-E8EF-4295-A123-44371E58EA47}"/>
-              </a:ext>
-            </a:extLst>
-          </p:cNvPr>
-          <p:cNvSpPr/>
-          <p:nvPr/>
-        </p:nvSpPr>
-        <p:spPr>
-          <a:xfrm>
-            <a:off x="30255689" y="8797232"/>
-            <a:ext cx="2115918" cy="1080000"/>
-          </a:xfrm>
-          <a:prstGeom prst="rect">
-            <a:avLst/>
-          </a:prstGeom>
-          <a:solidFill>
-            <a:srgbClr val="FF0000"/>
-          </a:solidFill>
-          <a:ln w="28575"/>
-        </p:spPr>
-        <p:style>
-          <a:lnRef idx="2">
-            <a:schemeClr val="accent1"/>
-          </a:lnRef>
-          <a:fillRef idx="1">
-            <a:schemeClr val="lt1"/>
-          </a:fillRef>
-          <a:effectRef idx="0">
-            <a:schemeClr val="accent1"/>
-          </a:effectRef>
-          <a:fontRef idx="minor">
-            <a:schemeClr val="dk1"/>
-          </a:fontRef>
-        </p:style>
-        <p:txBody>
-          <a:bodyPr lIns="124733" tIns="62367" rIns="124733" bIns="62367" rtlCol="0" anchor="ctr"/>
-          <a:lstStyle/>
-          <a:p>
-            <a:pPr algn="ctr"/>
-            <a:r>
-              <a:rPr lang="ru-RU" sz="1400" dirty="0"/>
-              <a:t>Народные офицеры </a:t>
-            </a:r>
-            <a:r>
-              <a:rPr lang="ru-RU" sz="500" dirty="0"/>
-              <a:t>(Первоначально военная академия была основным центром деятельности массового офицерства, но позже усилиями полковника </a:t>
-            </a:r>
-            <a:r>
-              <a:rPr lang="ru-RU" sz="500" dirty="0" err="1"/>
-              <a:t>Абдолреза</a:t>
-            </a:r>
-            <a:r>
-              <a:rPr lang="ru-RU" sz="500" dirty="0"/>
-              <a:t> Азара эта военная организация была организована. Али </a:t>
-            </a:r>
-            <a:r>
-              <a:rPr lang="ru-RU" sz="500" dirty="0" err="1"/>
-              <a:t>Асгар</a:t>
-            </a:r>
-            <a:r>
-              <a:rPr lang="ru-RU" sz="500" dirty="0"/>
-              <a:t> </a:t>
-            </a:r>
-            <a:r>
-              <a:rPr lang="ru-RU" sz="500" dirty="0" err="1"/>
-              <a:t>Эхсани</a:t>
-            </a:r>
-            <a:r>
-              <a:rPr lang="ru-RU" sz="500" dirty="0"/>
-              <a:t> описывает мотивы вербовки некоторых офицеров в партию </a:t>
-            </a:r>
-            <a:r>
-              <a:rPr lang="ru-RU" sz="500" dirty="0" err="1"/>
-              <a:t>Туде</a:t>
-            </a:r>
-            <a:r>
-              <a:rPr lang="ru-RU" sz="500" dirty="0"/>
-              <a:t> следующим образом: «Потому что на нас, не из влиятельных и богатых семей, смотрели свысока»)</a:t>
-            </a:r>
-          </a:p>
-        </p:txBody>
-      </p:sp>
-      <p:cxnSp>
-        <p:nvCxnSpPr>
-          <p:cNvPr id="278" name="Соединительная линия уступом 175">
-            <a:extLst>
-              <a:ext uri="{FF2B5EF4-FFF2-40B4-BE49-F238E27FC236}">
-                <a16:creationId xmlns:a16="http://schemas.microsoft.com/office/drawing/2014/main" id="{81607F1D-D0B5-4EA4-894D-E74EC4F5B485}"/>
-              </a:ext>
-            </a:extLst>
-          </p:cNvPr>
-          <p:cNvCxnSpPr>
-            <a:cxnSpLocks/>
-            <a:stCxn id="143" idx="2"/>
-            <a:endCxn id="276" idx="0"/>
-          </p:cNvCxnSpPr>
-          <p:nvPr/>
-        </p:nvCxnSpPr>
-        <p:spPr>
-          <a:xfrm rot="16200000" flipH="1">
-            <a:off x="30495893" y="7979476"/>
-            <a:ext cx="431791" cy="1203720"/>
-          </a:xfrm>
-          <a:prstGeom prst="bentConnector3">
-            <a:avLst>
-              <a:gd name="adj1" fmla="val 50000"/>
-            </a:avLst>
-          </a:prstGeom>
-          <a:ln w="28575">
-            <a:prstDash val="dash"/>
-            <a:tailEnd type="arrow"/>
-          </a:ln>
-        </p:spPr>
-        <p:style>
-          <a:lnRef idx="1">
-            <a:schemeClr val="accent1"/>
-          </a:lnRef>
-          <a:fillRef idx="0">
-            <a:schemeClr val="accent1"/>
-          </a:fillRef>
-          <a:effectRef idx="0">
-            <a:schemeClr val="accent1"/>
-          </a:effectRef>
-          <a:fontRef idx="minor">
-            <a:schemeClr val="tx1"/>
-          </a:fontRef>
-        </p:style>
-      </p:cxnSp>
-      <p:sp>
-        <p:nvSpPr>
-          <p:cNvPr id="283" name="Прямоугольник 282">
-            <a:extLst>
-              <a:ext uri="{FF2B5EF4-FFF2-40B4-BE49-F238E27FC236}">
-                <a16:creationId xmlns:a16="http://schemas.microsoft.com/office/drawing/2014/main" id="{23F47D6A-F2C2-4717-AA78-E5300EEF8D3B}"/>
-              </a:ext>
-            </a:extLst>
-          </p:cNvPr>
-          <p:cNvSpPr/>
-          <p:nvPr/>
-        </p:nvSpPr>
-        <p:spPr>
-          <a:xfrm>
-            <a:off x="36635958" y="7283025"/>
-            <a:ext cx="2115918" cy="1080000"/>
-          </a:xfrm>
-          <a:prstGeom prst="rect">
-            <a:avLst/>
-          </a:prstGeom>
-          <a:solidFill>
-            <a:srgbClr val="FF0000"/>
-          </a:solidFill>
-          <a:ln w="28575"/>
-        </p:spPr>
-        <p:style>
-          <a:lnRef idx="2">
-            <a:schemeClr val="accent1"/>
-          </a:lnRef>
-          <a:fillRef idx="1">
-            <a:schemeClr val="lt1"/>
-          </a:fillRef>
-          <a:effectRef idx="0">
-            <a:schemeClr val="accent1"/>
-          </a:effectRef>
-          <a:fontRef idx="minor">
-            <a:schemeClr val="dk1"/>
-          </a:fontRef>
-        </p:style>
-        <p:txBody>
-          <a:bodyPr lIns="124733" tIns="62367" rIns="124733" bIns="62367" rtlCol="0" anchor="ctr"/>
-          <a:lstStyle/>
-          <a:p>
-            <a:pPr algn="ctr"/>
-            <a:r>
-              <a:rPr lang="ru-RU" sz="1400" dirty="0"/>
-              <a:t>Подготовка к войне в пустыне</a:t>
-            </a:r>
-          </a:p>
-        </p:txBody>
-      </p:sp>
-      <p:cxnSp>
-        <p:nvCxnSpPr>
-          <p:cNvPr id="289" name="Соединительная линия уступом 175">
-            <a:extLst>
-              <a:ext uri="{FF2B5EF4-FFF2-40B4-BE49-F238E27FC236}">
-                <a16:creationId xmlns:a16="http://schemas.microsoft.com/office/drawing/2014/main" id="{38933410-BBAE-49A5-8E61-5B0F25DCE413}"/>
-              </a:ext>
-            </a:extLst>
-          </p:cNvPr>
-          <p:cNvCxnSpPr>
-            <a:cxnSpLocks/>
-            <a:stCxn id="156" idx="2"/>
-            <a:endCxn id="283" idx="0"/>
-          </p:cNvCxnSpPr>
-          <p:nvPr/>
-        </p:nvCxnSpPr>
-        <p:spPr>
-          <a:xfrm rot="16200000" flipH="1">
-            <a:off x="36186730" y="5775838"/>
-            <a:ext cx="434206" cy="2580168"/>
-          </a:xfrm>
-          <a:prstGeom prst="bentConnector3">
-            <a:avLst>
-              <a:gd name="adj1" fmla="val 50000"/>
-            </a:avLst>
-          </a:prstGeom>
-          <a:ln w="28575">
-            <a:prstDash val="dash"/>
-            <a:tailEnd type="arrow"/>
-          </a:ln>
-        </p:spPr>
-        <p:style>
-          <a:lnRef idx="1">
-            <a:schemeClr val="accent1"/>
-          </a:lnRef>
-          <a:fillRef idx="0">
-            <a:schemeClr val="accent1"/>
-          </a:fillRef>
-          <a:effectRef idx="0">
-            <a:schemeClr val="accent1"/>
-          </a:effectRef>
-          <a:fontRef idx="minor">
-            <a:schemeClr val="tx1"/>
-          </a:fontRef>
-        </p:style>
-      </p:cxnSp>
-      <p:cxnSp>
-        <p:nvCxnSpPr>
-          <p:cNvPr id="290" name="Прямая со стрелкой 289">
-            <a:extLst>
-              <a:ext uri="{FF2B5EF4-FFF2-40B4-BE49-F238E27FC236}">
-                <a16:creationId xmlns:a16="http://schemas.microsoft.com/office/drawing/2014/main" id="{672128C6-8ECE-4FD3-99DC-31FF4B9CDB6B}"/>
-              </a:ext>
-            </a:extLst>
-          </p:cNvPr>
-          <p:cNvCxnSpPr>
-            <a:cxnSpLocks/>
-            <a:stCxn id="158" idx="2"/>
-            <a:endCxn id="283" idx="0"/>
-          </p:cNvCxnSpPr>
-          <p:nvPr/>
-        </p:nvCxnSpPr>
-        <p:spPr>
-          <a:xfrm>
-            <a:off x="37693917" y="6848819"/>
-            <a:ext cx="0" cy="434206"/>
-          </a:xfrm>
-          <a:prstGeom prst="straightConnector1">
-            <a:avLst/>
-          </a:prstGeom>
-          <a:ln w="28575">
-            <a:prstDash val="dash"/>
-            <a:tailEnd type="arrow"/>
-          </a:ln>
-        </p:spPr>
-        <p:style>
-          <a:lnRef idx="1">
-            <a:schemeClr val="accent1"/>
-          </a:lnRef>
-          <a:fillRef idx="0">
-            <a:schemeClr val="accent1"/>
-          </a:fillRef>
-          <a:effectRef idx="0">
-            <a:schemeClr val="accent1"/>
-          </a:effectRef>
-          <a:fontRef idx="minor">
-            <a:schemeClr val="tx1"/>
-          </a:fontRef>
-        </p:style>
-      </p:cxnSp>
-      <p:cxnSp>
-        <p:nvCxnSpPr>
-          <p:cNvPr id="291" name="Соединительная линия уступом 175">
-            <a:extLst>
-              <a:ext uri="{FF2B5EF4-FFF2-40B4-BE49-F238E27FC236}">
-                <a16:creationId xmlns:a16="http://schemas.microsoft.com/office/drawing/2014/main" id="{BC61209C-F780-491E-82AD-CA454C714FA3}"/>
-              </a:ext>
-            </a:extLst>
-          </p:cNvPr>
-          <p:cNvCxnSpPr>
-            <a:cxnSpLocks/>
-            <a:stCxn id="158" idx="2"/>
-            <a:endCxn id="216" idx="0"/>
-          </p:cNvCxnSpPr>
-          <p:nvPr/>
-        </p:nvCxnSpPr>
-        <p:spPr>
-          <a:xfrm rot="16200000" flipH="1">
-            <a:off x="37327437" y="7215298"/>
-            <a:ext cx="1954247" cy="1221287"/>
-          </a:xfrm>
-          <a:prstGeom prst="bentConnector3">
-            <a:avLst>
-              <a:gd name="adj1" fmla="val 10827"/>
-            </a:avLst>
-          </a:prstGeom>
-          <a:ln w="28575">
-            <a:tailEnd type="arrow"/>
-          </a:ln>
-        </p:spPr>
-        <p:style>
-          <a:lnRef idx="1">
-            <a:schemeClr val="accent1"/>
-          </a:lnRef>
-          <a:fillRef idx="0">
-            <a:schemeClr val="accent1"/>
-          </a:fillRef>
-          <a:effectRef idx="0">
-            <a:schemeClr val="accent1"/>
-          </a:effectRef>
-          <a:fontRef idx="minor">
-            <a:schemeClr val="tx1"/>
-          </a:fontRef>
-        </p:style>
-      </p:cxnSp>
-      <p:cxnSp>
-        <p:nvCxnSpPr>
-          <p:cNvPr id="295" name="Соединительная линия уступом 175">
-            <a:extLst>
-              <a:ext uri="{FF2B5EF4-FFF2-40B4-BE49-F238E27FC236}">
-                <a16:creationId xmlns:a16="http://schemas.microsoft.com/office/drawing/2014/main" id="{EEA79DDF-E420-4D9A-9126-75E15BD2A149}"/>
-              </a:ext>
-            </a:extLst>
-          </p:cNvPr>
-          <p:cNvCxnSpPr>
-            <a:cxnSpLocks/>
-            <a:stCxn id="283" idx="2"/>
-            <a:endCxn id="216" idx="0"/>
-          </p:cNvCxnSpPr>
-          <p:nvPr/>
-        </p:nvCxnSpPr>
-        <p:spPr>
-          <a:xfrm rot="16200000" flipH="1">
-            <a:off x="38084540" y="7972401"/>
-            <a:ext cx="440041" cy="1221287"/>
-          </a:xfrm>
-          <a:prstGeom prst="bentConnector3">
-            <a:avLst>
-              <a:gd name="adj1" fmla="val 50000"/>
-            </a:avLst>
-          </a:prstGeom>
-          <a:ln w="28575">
-            <a:tailEnd type="arrow"/>
-          </a:ln>
-        </p:spPr>
-        <p:style>
-          <a:lnRef idx="1">
-            <a:schemeClr val="accent1"/>
-          </a:lnRef>
-          <a:fillRef idx="0">
-            <a:schemeClr val="accent1"/>
-          </a:fillRef>
-          <a:effectRef idx="0">
-            <a:schemeClr val="accent1"/>
-          </a:effectRef>
-          <a:fontRef idx="minor">
-            <a:schemeClr val="tx1"/>
-          </a:fontRef>
-        </p:style>
-      </p:cxnSp>
-      <p:sp>
-        <p:nvSpPr>
-          <p:cNvPr id="302" name="Прямоугольник 301">
-            <a:extLst>
-              <a:ext uri="{FF2B5EF4-FFF2-40B4-BE49-F238E27FC236}">
-                <a16:creationId xmlns:a16="http://schemas.microsoft.com/office/drawing/2014/main" id="{8E631C04-3388-4E66-AAC4-5A73E9FE06DB}"/>
-              </a:ext>
-            </a:extLst>
-          </p:cNvPr>
-          <p:cNvSpPr/>
-          <p:nvPr/>
-        </p:nvSpPr>
-        <p:spPr>
-          <a:xfrm>
-            <a:off x="35329925" y="8806168"/>
-            <a:ext cx="2115918" cy="1080000"/>
-          </a:xfrm>
-          <a:prstGeom prst="rect">
-            <a:avLst/>
-          </a:prstGeom>
-          <a:solidFill>
-            <a:srgbClr val="FF0000"/>
-          </a:solidFill>
-          <a:ln w="28575"/>
-        </p:spPr>
-        <p:style>
-          <a:lnRef idx="2">
-            <a:schemeClr val="accent1"/>
-          </a:lnRef>
-          <a:fillRef idx="1">
-            <a:schemeClr val="lt1"/>
-          </a:fillRef>
-          <a:effectRef idx="0">
-            <a:schemeClr val="accent1"/>
-          </a:effectRef>
-          <a:fontRef idx="minor">
-            <a:schemeClr val="dk1"/>
-          </a:fontRef>
-        </p:style>
-        <p:txBody>
-          <a:bodyPr lIns="124733" tIns="62367" rIns="124733" bIns="62367" rtlCol="0" anchor="ctr"/>
-          <a:lstStyle/>
-          <a:p>
-            <a:pPr algn="ctr"/>
-            <a:r>
-              <a:rPr lang="ru-RU" sz="1400" dirty="0"/>
-              <a:t>Национализация военной академии Давос</a:t>
-            </a:r>
-          </a:p>
-        </p:txBody>
-      </p:sp>
-      <p:cxnSp>
-        <p:nvCxnSpPr>
-          <p:cNvPr id="305" name="Соединительная линия уступом 175">
-            <a:extLst>
-              <a:ext uri="{FF2B5EF4-FFF2-40B4-BE49-F238E27FC236}">
-                <a16:creationId xmlns:a16="http://schemas.microsoft.com/office/drawing/2014/main" id="{BEC6142B-1911-4233-90FF-55440DC12062}"/>
-              </a:ext>
-            </a:extLst>
-          </p:cNvPr>
-          <p:cNvCxnSpPr>
-            <a:cxnSpLocks/>
-            <a:stCxn id="156" idx="2"/>
-            <a:endCxn id="302" idx="0"/>
-          </p:cNvCxnSpPr>
-          <p:nvPr/>
-        </p:nvCxnSpPr>
-        <p:spPr>
-          <a:xfrm rot="16200000" flipH="1">
-            <a:off x="34772142" y="7190425"/>
-            <a:ext cx="1957349" cy="1274135"/>
-          </a:xfrm>
-          <a:prstGeom prst="bentConnector3">
-            <a:avLst>
-              <a:gd name="adj1" fmla="val 11432"/>
-            </a:avLst>
-          </a:prstGeom>
-          <a:ln w="28575">
-            <a:prstDash val="dash"/>
-            <a:tailEnd type="arrow"/>
-          </a:ln>
-        </p:spPr>
-        <p:style>
-          <a:lnRef idx="1">
-            <a:schemeClr val="accent1"/>
-          </a:lnRef>
-          <a:fillRef idx="0">
-            <a:schemeClr val="accent1"/>
-          </a:fillRef>
-          <a:effectRef idx="0">
-            <a:schemeClr val="accent1"/>
-          </a:effectRef>
-          <a:fontRef idx="minor">
-            <a:schemeClr val="tx1"/>
-          </a:fontRef>
-        </p:style>
-      </p:cxnSp>
-      <p:cxnSp>
-        <p:nvCxnSpPr>
-          <p:cNvPr id="309" name="Соединительная линия уступом 175">
-            <a:extLst>
-              <a:ext uri="{FF2B5EF4-FFF2-40B4-BE49-F238E27FC236}">
-                <a16:creationId xmlns:a16="http://schemas.microsoft.com/office/drawing/2014/main" id="{75D47999-4D7F-44C6-9F70-A79B5B0C8A2C}"/>
-              </a:ext>
-            </a:extLst>
-          </p:cNvPr>
-          <p:cNvCxnSpPr>
-            <a:cxnSpLocks/>
-            <a:stCxn id="158" idx="2"/>
-            <a:endCxn id="302" idx="0"/>
-          </p:cNvCxnSpPr>
-          <p:nvPr/>
-        </p:nvCxnSpPr>
-        <p:spPr>
-          <a:xfrm rot="5400000">
-            <a:off x="36062227" y="7174477"/>
-            <a:ext cx="1957349" cy="1306033"/>
-          </a:xfrm>
-          <a:prstGeom prst="bentConnector3">
-            <a:avLst>
-              <a:gd name="adj1" fmla="val 11432"/>
-            </a:avLst>
-          </a:prstGeom>
-          <a:ln w="28575">
-            <a:prstDash val="dash"/>
-            <a:tailEnd type="arrow"/>
-          </a:ln>
-        </p:spPr>
-        <p:style>
-          <a:lnRef idx="1">
-            <a:schemeClr val="accent1"/>
-          </a:lnRef>
-          <a:fillRef idx="0">
-            <a:schemeClr val="accent1"/>
-          </a:fillRef>
-          <a:effectRef idx="0">
-            <a:schemeClr val="accent1"/>
-          </a:effectRef>
-          <a:fontRef idx="minor">
-            <a:schemeClr val="tx1"/>
-          </a:fontRef>
-        </p:style>
-      </p:cxnSp>
-      <p:sp>
-        <p:nvSpPr>
-          <p:cNvPr id="317" name="Прямоугольник 316">
-            <a:extLst>
-              <a:ext uri="{FF2B5EF4-FFF2-40B4-BE49-F238E27FC236}">
-                <a16:creationId xmlns:a16="http://schemas.microsoft.com/office/drawing/2014/main" id="{AF6B82F5-6B00-4594-99CE-127FF5CC9FB5}"/>
-              </a:ext>
-            </a:extLst>
-          </p:cNvPr>
-          <p:cNvSpPr/>
-          <p:nvPr/>
-        </p:nvSpPr>
-        <p:spPr>
-          <a:xfrm>
-            <a:off x="40453479" y="5768819"/>
-            <a:ext cx="2115918" cy="1080000"/>
-          </a:xfrm>
-          <a:prstGeom prst="rect">
-            <a:avLst/>
-          </a:prstGeom>
-          <a:solidFill>
-            <a:srgbClr val="FF0000"/>
-          </a:solidFill>
-          <a:ln w="28575"/>
-        </p:spPr>
-        <p:style>
-          <a:lnRef idx="2">
-            <a:schemeClr val="accent1"/>
-          </a:lnRef>
-          <a:fillRef idx="1">
-            <a:schemeClr val="lt1"/>
-          </a:fillRef>
-          <a:effectRef idx="0">
-            <a:schemeClr val="accent1"/>
-          </a:effectRef>
-          <a:fontRef idx="minor">
-            <a:schemeClr val="dk1"/>
-          </a:fontRef>
-        </p:style>
-        <p:txBody>
-          <a:bodyPr lIns="124733" tIns="62367" rIns="124733" bIns="62367" rtlCol="0" anchor="ctr"/>
-          <a:lstStyle/>
-          <a:p>
-            <a:pPr algn="ctr"/>
-            <a:r>
-              <a:rPr lang="ru-RU" sz="1400" dirty="0"/>
-              <a:t>Конструкторское бюро </a:t>
-            </a:r>
-            <a:r>
-              <a:rPr lang="ru-RU" sz="1400" dirty="0" err="1"/>
-              <a:t>Каджара</a:t>
-            </a:r>
-            <a:r>
-              <a:rPr lang="ru-RU" sz="1400" dirty="0"/>
-              <a:t> (будет доступен как министр)</a:t>
-            </a:r>
-          </a:p>
-        </p:txBody>
-      </p:sp>
-      <p:sp>
-        <p:nvSpPr>
-          <p:cNvPr id="323" name="Прямоугольник 322">
-            <a:extLst>
-              <a:ext uri="{FF2B5EF4-FFF2-40B4-BE49-F238E27FC236}">
-                <a16:creationId xmlns:a16="http://schemas.microsoft.com/office/drawing/2014/main" id="{85CF8CBD-33A5-49E1-B533-E4B7C3A2505A}"/>
-              </a:ext>
-            </a:extLst>
-          </p:cNvPr>
-          <p:cNvSpPr/>
-          <p:nvPr/>
-        </p:nvSpPr>
-        <p:spPr>
-          <a:xfrm>
-            <a:off x="39216126" y="7283025"/>
-            <a:ext cx="2115918" cy="1080000"/>
-          </a:xfrm>
-          <a:prstGeom prst="rect">
-            <a:avLst/>
-          </a:prstGeom>
-          <a:solidFill>
-            <a:srgbClr val="FF0000"/>
-          </a:solidFill>
-          <a:ln w="28575"/>
-        </p:spPr>
-        <p:style>
-          <a:lnRef idx="2">
-            <a:schemeClr val="accent1"/>
-          </a:lnRef>
-          <a:fillRef idx="1">
-            <a:schemeClr val="lt1"/>
-          </a:fillRef>
-          <a:effectRef idx="0">
-            <a:schemeClr val="accent1"/>
-          </a:effectRef>
-          <a:fontRef idx="minor">
-            <a:schemeClr val="dk1"/>
-          </a:fontRef>
-        </p:style>
-        <p:txBody>
-          <a:bodyPr lIns="124733" tIns="62367" rIns="124733" bIns="62367" rtlCol="0" anchor="ctr"/>
-          <a:lstStyle/>
-          <a:p>
-            <a:pPr algn="ctr"/>
-            <a:r>
-              <a:rPr lang="ru-RU" sz="1400" dirty="0"/>
-              <a:t>Красная земля</a:t>
-            </a:r>
-          </a:p>
-        </p:txBody>
-      </p:sp>
-      <p:sp>
-        <p:nvSpPr>
-          <p:cNvPr id="324" name="Прямоугольник 323">
-            <a:extLst>
-              <a:ext uri="{FF2B5EF4-FFF2-40B4-BE49-F238E27FC236}">
-                <a16:creationId xmlns:a16="http://schemas.microsoft.com/office/drawing/2014/main" id="{5C47D2D0-77DF-4D07-8067-E655AAA6F914}"/>
-              </a:ext>
-            </a:extLst>
-          </p:cNvPr>
-          <p:cNvSpPr/>
-          <p:nvPr/>
-        </p:nvSpPr>
-        <p:spPr>
-          <a:xfrm>
-            <a:off x="41721201" y="7283024"/>
-            <a:ext cx="2115918" cy="1080000"/>
-          </a:xfrm>
-          <a:prstGeom prst="rect">
-            <a:avLst/>
-          </a:prstGeom>
-          <a:solidFill>
-            <a:srgbClr val="FF0000"/>
-          </a:solidFill>
-          <a:ln w="28575"/>
-        </p:spPr>
-        <p:style>
-          <a:lnRef idx="2">
-            <a:schemeClr val="accent1"/>
-          </a:lnRef>
-          <a:fillRef idx="1">
-            <a:schemeClr val="lt1"/>
-          </a:fillRef>
-          <a:effectRef idx="0">
-            <a:schemeClr val="accent1"/>
-          </a:effectRef>
-          <a:fontRef idx="minor">
-            <a:schemeClr val="dk1"/>
-          </a:fontRef>
-        </p:style>
-        <p:txBody>
-          <a:bodyPr lIns="124733" tIns="62367" rIns="124733" bIns="62367" rtlCol="0" anchor="ctr"/>
-          <a:lstStyle/>
-          <a:p>
-            <a:pPr algn="ctr"/>
-            <a:r>
-              <a:rPr lang="ru-RU" sz="1400" dirty="0"/>
-              <a:t>Красное небо</a:t>
-            </a:r>
-          </a:p>
-        </p:txBody>
-      </p:sp>
-      <p:cxnSp>
-        <p:nvCxnSpPr>
-          <p:cNvPr id="325" name="Прямая соединительная линия 324">
-            <a:extLst>
-              <a:ext uri="{FF2B5EF4-FFF2-40B4-BE49-F238E27FC236}">
-                <a16:creationId xmlns:a16="http://schemas.microsoft.com/office/drawing/2014/main" id="{A1A2D9B4-645C-428A-A09F-BDDF758CE045}"/>
-              </a:ext>
-            </a:extLst>
-          </p:cNvPr>
-          <p:cNvCxnSpPr>
-            <a:cxnSpLocks/>
-            <a:stCxn id="324" idx="1"/>
-            <a:endCxn id="323" idx="3"/>
-          </p:cNvCxnSpPr>
-          <p:nvPr/>
-        </p:nvCxnSpPr>
-        <p:spPr>
-          <a:xfrm flipH="1">
-            <a:off x="41332044" y="7823024"/>
-            <a:ext cx="389157" cy="1"/>
-          </a:xfrm>
-          <a:prstGeom prst="line">
-            <a:avLst/>
-          </a:prstGeom>
-          <a:ln w="28575">
-            <a:solidFill>
-              <a:srgbClr val="FF0000"/>
-            </a:solidFill>
-          </a:ln>
-        </p:spPr>
-        <p:style>
-          <a:lnRef idx="1">
-            <a:schemeClr val="accent1"/>
-          </a:lnRef>
-          <a:fillRef idx="0">
-            <a:schemeClr val="accent1"/>
-          </a:fillRef>
-          <a:effectRef idx="0">
-            <a:schemeClr val="accent1"/>
-          </a:effectRef>
-          <a:fontRef idx="minor">
-            <a:schemeClr val="tx1"/>
-          </a:fontRef>
-        </p:style>
-      </p:cxnSp>
-      <p:cxnSp>
-        <p:nvCxnSpPr>
-          <p:cNvPr id="328" name="Соединительная линия уступом 175">
-            <a:extLst>
-              <a:ext uri="{FF2B5EF4-FFF2-40B4-BE49-F238E27FC236}">
-                <a16:creationId xmlns:a16="http://schemas.microsoft.com/office/drawing/2014/main" id="{DD2EEFDB-9CD8-4A2E-8030-FB63CD030AE0}"/>
-              </a:ext>
-            </a:extLst>
-          </p:cNvPr>
-          <p:cNvCxnSpPr>
-            <a:cxnSpLocks/>
-            <a:stCxn id="317" idx="2"/>
-            <a:endCxn id="324" idx="0"/>
-          </p:cNvCxnSpPr>
-          <p:nvPr/>
-        </p:nvCxnSpPr>
-        <p:spPr>
-          <a:xfrm rot="16200000" flipH="1">
-            <a:off x="41928197" y="6432060"/>
-            <a:ext cx="434205" cy="1267722"/>
-          </a:xfrm>
-          <a:prstGeom prst="bentConnector3">
-            <a:avLst>
-              <a:gd name="adj1" fmla="val 50000"/>
-            </a:avLst>
-          </a:prstGeom>
-          <a:ln w="28575">
-            <a:tailEnd type="arrow"/>
-          </a:ln>
-        </p:spPr>
-        <p:style>
-          <a:lnRef idx="1">
-            <a:schemeClr val="accent1"/>
-          </a:lnRef>
-          <a:fillRef idx="0">
-            <a:schemeClr val="accent1"/>
-          </a:fillRef>
-          <a:effectRef idx="0">
-            <a:schemeClr val="accent1"/>
-          </a:effectRef>
-          <a:fontRef idx="minor">
-            <a:schemeClr val="tx1"/>
-          </a:fontRef>
-        </p:style>
-      </p:cxnSp>
-      <p:sp>
-        <p:nvSpPr>
-          <p:cNvPr id="329" name="Прямоугольник 328">
-            <a:extLst>
-              <a:ext uri="{FF2B5EF4-FFF2-40B4-BE49-F238E27FC236}">
-                <a16:creationId xmlns:a16="http://schemas.microsoft.com/office/drawing/2014/main" id="{366B5609-F8E8-4337-BEE2-D472328A694B}"/>
-              </a:ext>
-            </a:extLst>
-          </p:cNvPr>
-          <p:cNvSpPr/>
-          <p:nvPr/>
-        </p:nvSpPr>
-        <p:spPr>
-          <a:xfrm>
-            <a:off x="40450410" y="8797231"/>
-            <a:ext cx="2115918" cy="1080000"/>
-          </a:xfrm>
-          <a:prstGeom prst="rect">
-            <a:avLst/>
-          </a:prstGeom>
-          <a:solidFill>
-            <a:srgbClr val="FF0000"/>
-          </a:solidFill>
-          <a:ln w="28575"/>
-        </p:spPr>
-        <p:style>
-          <a:lnRef idx="2">
-            <a:schemeClr val="accent1"/>
-          </a:lnRef>
-          <a:fillRef idx="1">
-            <a:schemeClr val="lt1"/>
-          </a:fillRef>
-          <a:effectRef idx="0">
-            <a:schemeClr val="accent1"/>
-          </a:effectRef>
-          <a:fontRef idx="minor">
-            <a:schemeClr val="dk1"/>
-          </a:fontRef>
-        </p:style>
-        <p:txBody>
-          <a:bodyPr lIns="124733" tIns="62367" rIns="124733" bIns="62367" rtlCol="0" anchor="ctr"/>
-          <a:lstStyle/>
-          <a:p>
-            <a:pPr algn="ctr"/>
-            <a:r>
-              <a:rPr lang="ru-RU" sz="1400" dirty="0"/>
-              <a:t>Следовать новой доктрине ВВС</a:t>
-            </a:r>
-          </a:p>
-        </p:txBody>
-      </p:sp>
-      <p:cxnSp>
-        <p:nvCxnSpPr>
-          <p:cNvPr id="335" name="Соединительная линия уступом 175">
-            <a:extLst>
-              <a:ext uri="{FF2B5EF4-FFF2-40B4-BE49-F238E27FC236}">
-                <a16:creationId xmlns:a16="http://schemas.microsoft.com/office/drawing/2014/main" id="{ED34560B-43F4-43B0-B80C-F3CE2DEDCEF4}"/>
-              </a:ext>
-            </a:extLst>
-          </p:cNvPr>
-          <p:cNvCxnSpPr>
-            <a:cxnSpLocks/>
-            <a:stCxn id="324" idx="2"/>
-            <a:endCxn id="329" idx="0"/>
-          </p:cNvCxnSpPr>
-          <p:nvPr/>
-        </p:nvCxnSpPr>
-        <p:spPr>
-          <a:xfrm rot="5400000">
-            <a:off x="41926662" y="7944732"/>
-            <a:ext cx="434207" cy="1270791"/>
-          </a:xfrm>
-          <a:prstGeom prst="bentConnector3">
-            <a:avLst>
-              <a:gd name="adj1" fmla="val 50000"/>
-            </a:avLst>
-          </a:prstGeom>
-          <a:ln w="28575">
-            <a:prstDash val="dash"/>
-            <a:tailEnd type="arrow"/>
-          </a:ln>
-        </p:spPr>
-        <p:style>
-          <a:lnRef idx="1">
-            <a:schemeClr val="accent1"/>
-          </a:lnRef>
-          <a:fillRef idx="0">
-            <a:schemeClr val="accent1"/>
-          </a:fillRef>
-          <a:effectRef idx="0">
-            <a:schemeClr val="accent1"/>
-          </a:effectRef>
-          <a:fontRef idx="minor">
-            <a:schemeClr val="tx1"/>
-          </a:fontRef>
-        </p:style>
-      </p:cxnSp>
-      <p:cxnSp>
-        <p:nvCxnSpPr>
-          <p:cNvPr id="340" name="Соединительная линия уступом 175">
-            <a:extLst>
-              <a:ext uri="{FF2B5EF4-FFF2-40B4-BE49-F238E27FC236}">
-                <a16:creationId xmlns:a16="http://schemas.microsoft.com/office/drawing/2014/main" id="{06E2D247-72E3-4467-AF08-59E8E1E994D2}"/>
-              </a:ext>
-            </a:extLst>
-          </p:cNvPr>
-          <p:cNvCxnSpPr>
-            <a:cxnSpLocks/>
-            <a:stCxn id="323" idx="2"/>
-            <a:endCxn id="329" idx="0"/>
-          </p:cNvCxnSpPr>
-          <p:nvPr/>
-        </p:nvCxnSpPr>
-        <p:spPr>
-          <a:xfrm rot="16200000" flipH="1">
-            <a:off x="40674124" y="7962986"/>
-            <a:ext cx="434206" cy="1234284"/>
-          </a:xfrm>
-          <a:prstGeom prst="bentConnector3">
-            <a:avLst>
-              <a:gd name="adj1" fmla="val 50000"/>
-            </a:avLst>
-          </a:prstGeom>
-          <a:ln w="28575">
-            <a:prstDash val="dash"/>
-            <a:tailEnd type="arrow"/>
-          </a:ln>
-        </p:spPr>
-        <p:style>
-          <a:lnRef idx="1">
-            <a:schemeClr val="accent1"/>
-          </a:lnRef>
-          <a:fillRef idx="0">
-            <a:schemeClr val="accent1"/>
-          </a:fillRef>
-          <a:effectRef idx="0">
-            <a:schemeClr val="accent1"/>
-          </a:effectRef>
-          <a:fontRef idx="minor">
-            <a:schemeClr val="tx1"/>
-          </a:fontRef>
-        </p:style>
-      </p:cxnSp>
-      <p:cxnSp>
-        <p:nvCxnSpPr>
-          <p:cNvPr id="345" name="Соединительная линия уступом 175">
-            <a:extLst>
-              <a:ext uri="{FF2B5EF4-FFF2-40B4-BE49-F238E27FC236}">
-                <a16:creationId xmlns:a16="http://schemas.microsoft.com/office/drawing/2014/main" id="{3EA9064E-86B9-41E7-81C2-591BD9C7EEB4}"/>
-              </a:ext>
-            </a:extLst>
-          </p:cNvPr>
-          <p:cNvCxnSpPr>
-            <a:cxnSpLocks/>
-            <a:stCxn id="317" idx="2"/>
-            <a:endCxn id="323" idx="0"/>
-          </p:cNvCxnSpPr>
-          <p:nvPr/>
-        </p:nvCxnSpPr>
-        <p:spPr>
-          <a:xfrm rot="5400000">
-            <a:off x="40675659" y="6447246"/>
-            <a:ext cx="434206" cy="1237353"/>
-          </a:xfrm>
-          <a:prstGeom prst="bentConnector3">
-            <a:avLst>
-              <a:gd name="adj1" fmla="val 50000"/>
-            </a:avLst>
-          </a:prstGeom>
-          <a:ln w="28575">
-            <a:tailEnd type="arrow"/>
-          </a:ln>
-        </p:spPr>
-        <p:style>
-          <a:lnRef idx="1">
-            <a:schemeClr val="accent1"/>
-          </a:lnRef>
-          <a:fillRef idx="0">
-            <a:schemeClr val="accent1"/>
-          </a:fillRef>
-          <a:effectRef idx="0">
-            <a:schemeClr val="accent1"/>
-          </a:effectRef>
-          <a:fontRef idx="minor">
-            <a:schemeClr val="tx1"/>
-          </a:fontRef>
-        </p:style>
-      </p:cxnSp>
-      <p:cxnSp>
-        <p:nvCxnSpPr>
-          <p:cNvPr id="348" name="Соединительная линия уступом 175">
-            <a:extLst>
-              <a:ext uri="{FF2B5EF4-FFF2-40B4-BE49-F238E27FC236}">
-                <a16:creationId xmlns:a16="http://schemas.microsoft.com/office/drawing/2014/main" id="{0048EA7C-D521-4158-B3DA-BCAD4A8E6E76}"/>
-              </a:ext>
-            </a:extLst>
-          </p:cNvPr>
-          <p:cNvCxnSpPr>
-            <a:cxnSpLocks/>
-            <a:stCxn id="146" idx="2"/>
-            <a:endCxn id="317" idx="0"/>
-          </p:cNvCxnSpPr>
-          <p:nvPr/>
-        </p:nvCxnSpPr>
-        <p:spPr>
-          <a:xfrm rot="16200000" flipH="1">
-            <a:off x="38740536" y="2997916"/>
-            <a:ext cx="418251" cy="5123554"/>
-          </a:xfrm>
-          <a:prstGeom prst="bentConnector3">
-            <a:avLst>
-              <a:gd name="adj1" fmla="val 50000"/>
-            </a:avLst>
-          </a:prstGeom>
-          <a:ln w="28575">
-            <a:tailEnd type="arrow"/>
-          </a:ln>
-        </p:spPr>
-        <p:style>
-          <a:lnRef idx="1">
-            <a:schemeClr val="accent1"/>
-          </a:lnRef>
-          <a:fillRef idx="0">
-            <a:schemeClr val="accent1"/>
-          </a:fillRef>
-          <a:effectRef idx="0">
-            <a:schemeClr val="accent1"/>
-          </a:effectRef>
-          <a:fontRef idx="minor">
-            <a:schemeClr val="tx1"/>
-          </a:fontRef>
-        </p:style>
-      </p:cxnSp>
-      <p:cxnSp>
-        <p:nvCxnSpPr>
-          <p:cNvPr id="351" name="Прямая со стрелкой 350">
-            <a:extLst>
-              <a:ext uri="{FF2B5EF4-FFF2-40B4-BE49-F238E27FC236}">
-                <a16:creationId xmlns:a16="http://schemas.microsoft.com/office/drawing/2014/main" id="{5C71E8BE-E84C-4EF4-A88D-2A51E676CA5D}"/>
-              </a:ext>
-            </a:extLst>
-          </p:cNvPr>
-          <p:cNvCxnSpPr>
-            <a:cxnSpLocks/>
-            <a:stCxn id="268" idx="2"/>
-            <a:endCxn id="317" idx="0"/>
-          </p:cNvCxnSpPr>
-          <p:nvPr/>
-        </p:nvCxnSpPr>
-        <p:spPr>
-          <a:xfrm flipH="1">
-            <a:off x="41511438" y="5349759"/>
-            <a:ext cx="2964" cy="419060"/>
-          </a:xfrm>
-          <a:prstGeom prst="straightConnector1">
-            <a:avLst/>
           </a:prstGeom>
           <a:ln w="28575">
             <a:tailEnd type="arrow"/>

--- a/Наработки/диздоки/Иран/Иран Комми.pptx
+++ b/Наработки/диздоки/Иран/Иран Комми.pptx
@@ -209,7 +209,7 @@
             <a:fld id="{33E3D7F9-E251-484C-A6FF-FA958879DF69}" type="datetimeFigureOut">
               <a:rPr lang="ru-RU" smtClean="0"/>
               <a:pPr/>
-              <a:t>12.05.2022</a:t>
+              <a:t>13.05.2022</a:t>
             </a:fld>
             <a:endParaRPr lang="ru-RU"/>
           </a:p>
@@ -699,7 +699,7 @@
             <a:fld id="{85A5DE44-605B-4D3B-B2B7-94543DF81A36}" type="datetimeFigureOut">
               <a:rPr lang="ru-RU" smtClean="0"/>
               <a:pPr/>
-              <a:t>12.05.2022</a:t>
+              <a:t>13.05.2022</a:t>
             </a:fld>
             <a:endParaRPr lang="ru-RU"/>
           </a:p>
@@ -871,7 +871,7 @@
             <a:fld id="{85A5DE44-605B-4D3B-B2B7-94543DF81A36}" type="datetimeFigureOut">
               <a:rPr lang="ru-RU" smtClean="0"/>
               <a:pPr/>
-              <a:t>12.05.2022</a:t>
+              <a:t>13.05.2022</a:t>
             </a:fld>
             <a:endParaRPr lang="ru-RU"/>
           </a:p>
@@ -1053,7 +1053,7 @@
             <a:fld id="{85A5DE44-605B-4D3B-B2B7-94543DF81A36}" type="datetimeFigureOut">
               <a:rPr lang="ru-RU" smtClean="0"/>
               <a:pPr/>
-              <a:t>12.05.2022</a:t>
+              <a:t>13.05.2022</a:t>
             </a:fld>
             <a:endParaRPr lang="ru-RU"/>
           </a:p>
@@ -1225,7 +1225,7 @@
             <a:fld id="{85A5DE44-605B-4D3B-B2B7-94543DF81A36}" type="datetimeFigureOut">
               <a:rPr lang="ru-RU" smtClean="0"/>
               <a:pPr/>
-              <a:t>12.05.2022</a:t>
+              <a:t>13.05.2022</a:t>
             </a:fld>
             <a:endParaRPr lang="ru-RU"/>
           </a:p>
@@ -1473,7 +1473,7 @@
             <a:fld id="{85A5DE44-605B-4D3B-B2B7-94543DF81A36}" type="datetimeFigureOut">
               <a:rPr lang="ru-RU" smtClean="0"/>
               <a:pPr/>
-              <a:t>12.05.2022</a:t>
+              <a:t>13.05.2022</a:t>
             </a:fld>
             <a:endParaRPr lang="ru-RU"/>
           </a:p>
@@ -1707,7 +1707,7 @@
             <a:fld id="{85A5DE44-605B-4D3B-B2B7-94543DF81A36}" type="datetimeFigureOut">
               <a:rPr lang="ru-RU" smtClean="0"/>
               <a:pPr/>
-              <a:t>12.05.2022</a:t>
+              <a:t>13.05.2022</a:t>
             </a:fld>
             <a:endParaRPr lang="ru-RU"/>
           </a:p>
@@ -2076,7 +2076,7 @@
             <a:fld id="{85A5DE44-605B-4D3B-B2B7-94543DF81A36}" type="datetimeFigureOut">
               <a:rPr lang="ru-RU" smtClean="0"/>
               <a:pPr/>
-              <a:t>12.05.2022</a:t>
+              <a:t>13.05.2022</a:t>
             </a:fld>
             <a:endParaRPr lang="ru-RU"/>
           </a:p>
@@ -2196,7 +2196,7 @@
             <a:fld id="{85A5DE44-605B-4D3B-B2B7-94543DF81A36}" type="datetimeFigureOut">
               <a:rPr lang="ru-RU" smtClean="0"/>
               <a:pPr/>
-              <a:t>12.05.2022</a:t>
+              <a:t>13.05.2022</a:t>
             </a:fld>
             <a:endParaRPr lang="ru-RU"/>
           </a:p>
@@ -2293,7 +2293,7 @@
             <a:fld id="{85A5DE44-605B-4D3B-B2B7-94543DF81A36}" type="datetimeFigureOut">
               <a:rPr lang="ru-RU" smtClean="0"/>
               <a:pPr/>
-              <a:t>12.05.2022</a:t>
+              <a:t>13.05.2022</a:t>
             </a:fld>
             <a:endParaRPr lang="ru-RU"/>
           </a:p>
@@ -2572,7 +2572,7 @@
             <a:fld id="{85A5DE44-605B-4D3B-B2B7-94543DF81A36}" type="datetimeFigureOut">
               <a:rPr lang="ru-RU" smtClean="0"/>
               <a:pPr/>
-              <a:t>12.05.2022</a:t>
+              <a:t>13.05.2022</a:t>
             </a:fld>
             <a:endParaRPr lang="ru-RU"/>
           </a:p>
@@ -2831,7 +2831,7 @@
             <a:fld id="{85A5DE44-605B-4D3B-B2B7-94543DF81A36}" type="datetimeFigureOut">
               <a:rPr lang="ru-RU" smtClean="0"/>
               <a:pPr/>
-              <a:t>12.05.2022</a:t>
+              <a:t>13.05.2022</a:t>
             </a:fld>
             <a:endParaRPr lang="ru-RU"/>
           </a:p>
@@ -3046,7 +3046,7 @@
             <a:fld id="{85A5DE44-605B-4D3B-B2B7-94543DF81A36}" type="datetimeFigureOut">
               <a:rPr lang="ru-RU" smtClean="0"/>
               <a:pPr/>
-              <a:t>12.05.2022</a:t>
+              <a:t>13.05.2022</a:t>
             </a:fld>
             <a:endParaRPr lang="ru-RU"/>
           </a:p>
@@ -12493,7 +12493,7 @@
             <a:pPr algn="ctr"/>
             <a:r>
               <a:rPr lang="ru-RU" sz="1400" dirty="0"/>
-              <a:t>Создание Красного Флота</a:t>
+              <a:t>Формирование Красного Флота</a:t>
             </a:r>
           </a:p>
         </p:txBody>

--- a/Наработки/диздоки/Иран/Иран Комми.pptx
+++ b/Наработки/диздоки/Иран/Иран Комми.pptx
@@ -209,7 +209,7 @@
             <a:fld id="{33E3D7F9-E251-484C-A6FF-FA958879DF69}" type="datetimeFigureOut">
               <a:rPr lang="ru-RU" smtClean="0"/>
               <a:pPr/>
-              <a:t>13.05.2022</a:t>
+              <a:t>15.05.2022</a:t>
             </a:fld>
             <a:endParaRPr lang="ru-RU"/>
           </a:p>
@@ -699,7 +699,7 @@
             <a:fld id="{85A5DE44-605B-4D3B-B2B7-94543DF81A36}" type="datetimeFigureOut">
               <a:rPr lang="ru-RU" smtClean="0"/>
               <a:pPr/>
-              <a:t>13.05.2022</a:t>
+              <a:t>15.05.2022</a:t>
             </a:fld>
             <a:endParaRPr lang="ru-RU"/>
           </a:p>
@@ -871,7 +871,7 @@
             <a:fld id="{85A5DE44-605B-4D3B-B2B7-94543DF81A36}" type="datetimeFigureOut">
               <a:rPr lang="ru-RU" smtClean="0"/>
               <a:pPr/>
-              <a:t>13.05.2022</a:t>
+              <a:t>15.05.2022</a:t>
             </a:fld>
             <a:endParaRPr lang="ru-RU"/>
           </a:p>
@@ -1053,7 +1053,7 @@
             <a:fld id="{85A5DE44-605B-4D3B-B2B7-94543DF81A36}" type="datetimeFigureOut">
               <a:rPr lang="ru-RU" smtClean="0"/>
               <a:pPr/>
-              <a:t>13.05.2022</a:t>
+              <a:t>15.05.2022</a:t>
             </a:fld>
             <a:endParaRPr lang="ru-RU"/>
           </a:p>
@@ -1225,7 +1225,7 @@
             <a:fld id="{85A5DE44-605B-4D3B-B2B7-94543DF81A36}" type="datetimeFigureOut">
               <a:rPr lang="ru-RU" smtClean="0"/>
               <a:pPr/>
-              <a:t>13.05.2022</a:t>
+              <a:t>15.05.2022</a:t>
             </a:fld>
             <a:endParaRPr lang="ru-RU"/>
           </a:p>
@@ -1473,7 +1473,7 @@
             <a:fld id="{85A5DE44-605B-4D3B-B2B7-94543DF81A36}" type="datetimeFigureOut">
               <a:rPr lang="ru-RU" smtClean="0"/>
               <a:pPr/>
-              <a:t>13.05.2022</a:t>
+              <a:t>15.05.2022</a:t>
             </a:fld>
             <a:endParaRPr lang="ru-RU"/>
           </a:p>
@@ -1707,7 +1707,7 @@
             <a:fld id="{85A5DE44-605B-4D3B-B2B7-94543DF81A36}" type="datetimeFigureOut">
               <a:rPr lang="ru-RU" smtClean="0"/>
               <a:pPr/>
-              <a:t>13.05.2022</a:t>
+              <a:t>15.05.2022</a:t>
             </a:fld>
             <a:endParaRPr lang="ru-RU"/>
           </a:p>
@@ -2076,7 +2076,7 @@
             <a:fld id="{85A5DE44-605B-4D3B-B2B7-94543DF81A36}" type="datetimeFigureOut">
               <a:rPr lang="ru-RU" smtClean="0"/>
               <a:pPr/>
-              <a:t>13.05.2022</a:t>
+              <a:t>15.05.2022</a:t>
             </a:fld>
             <a:endParaRPr lang="ru-RU"/>
           </a:p>
@@ -2196,7 +2196,7 @@
             <a:fld id="{85A5DE44-605B-4D3B-B2B7-94543DF81A36}" type="datetimeFigureOut">
               <a:rPr lang="ru-RU" smtClean="0"/>
               <a:pPr/>
-              <a:t>13.05.2022</a:t>
+              <a:t>15.05.2022</a:t>
             </a:fld>
             <a:endParaRPr lang="ru-RU"/>
           </a:p>
@@ -2293,7 +2293,7 @@
             <a:fld id="{85A5DE44-605B-4D3B-B2B7-94543DF81A36}" type="datetimeFigureOut">
               <a:rPr lang="ru-RU" smtClean="0"/>
               <a:pPr/>
-              <a:t>13.05.2022</a:t>
+              <a:t>15.05.2022</a:t>
             </a:fld>
             <a:endParaRPr lang="ru-RU"/>
           </a:p>
@@ -2572,7 +2572,7 @@
             <a:fld id="{85A5DE44-605B-4D3B-B2B7-94543DF81A36}" type="datetimeFigureOut">
               <a:rPr lang="ru-RU" smtClean="0"/>
               <a:pPr/>
-              <a:t>13.05.2022</a:t>
+              <a:t>15.05.2022</a:t>
             </a:fld>
             <a:endParaRPr lang="ru-RU"/>
           </a:p>
@@ -2831,7 +2831,7 @@
             <a:fld id="{85A5DE44-605B-4D3B-B2B7-94543DF81A36}" type="datetimeFigureOut">
               <a:rPr lang="ru-RU" smtClean="0"/>
               <a:pPr/>
-              <a:t>13.05.2022</a:t>
+              <a:t>15.05.2022</a:t>
             </a:fld>
             <a:endParaRPr lang="ru-RU"/>
           </a:p>
@@ -3046,7 +3046,7 @@
             <a:fld id="{85A5DE44-605B-4D3B-B2B7-94543DF81A36}" type="datetimeFigureOut">
               <a:rPr lang="ru-RU" smtClean="0"/>
               <a:pPr/>
-              <a:t>13.05.2022</a:t>
+              <a:t>15.05.2022</a:t>
             </a:fld>
             <a:endParaRPr lang="ru-RU"/>
           </a:p>
@@ -4009,57 +4009,6 @@
       </p:cxnSp>
       <p:sp>
         <p:nvSpPr>
-          <p:cNvPr id="214" name="Прямоугольник 213">
-            <a:extLst>
-              <a:ext uri="{FF2B5EF4-FFF2-40B4-BE49-F238E27FC236}">
-                <a16:creationId xmlns:a16="http://schemas.microsoft.com/office/drawing/2014/main" id="{8C25DCDB-E29C-4A78-BF64-C77768A9C020}"/>
-              </a:ext>
-            </a:extLst>
-          </p:cNvPr>
-          <p:cNvSpPr/>
-          <p:nvPr/>
-        </p:nvSpPr>
-        <p:spPr>
-          <a:xfrm>
-            <a:off x="8634039" y="7285442"/>
-            <a:ext cx="2115918" cy="1080000"/>
-          </a:xfrm>
-          <a:prstGeom prst="rect">
-            <a:avLst/>
-          </a:prstGeom>
-          <a:solidFill>
-            <a:srgbClr val="FF0000"/>
-          </a:solidFill>
-          <a:ln w="28575"/>
-        </p:spPr>
-        <p:style>
-          <a:lnRef idx="2">
-            <a:schemeClr val="accent1"/>
-          </a:lnRef>
-          <a:fillRef idx="1">
-            <a:schemeClr val="lt1"/>
-          </a:fillRef>
-          <a:effectRef idx="0">
-            <a:schemeClr val="accent1"/>
-          </a:effectRef>
-          <a:fontRef idx="minor">
-            <a:schemeClr val="dk1"/>
-          </a:fontRef>
-        </p:style>
-        <p:txBody>
-          <a:bodyPr lIns="124733" tIns="62367" rIns="124733" bIns="62367" rtlCol="0" anchor="ctr"/>
-          <a:lstStyle/>
-          <a:p>
-            <a:pPr algn="ctr"/>
-            <a:r>
-              <a:rPr lang="ru-RU" sz="1400" dirty="0"/>
-              <a:t>Создать вооружённые отряды</a:t>
-            </a:r>
-          </a:p>
-        </p:txBody>
-      </p:sp>
-      <p:sp>
-        <p:nvSpPr>
           <p:cNvPr id="227" name="Прямоугольник 226">
             <a:extLst>
               <a:ext uri="{FF2B5EF4-FFF2-40B4-BE49-F238E27FC236}">
@@ -4216,14 +4165,14 @@
           <p:cNvCxnSpPr>
             <a:cxnSpLocks/>
             <a:stCxn id="339" idx="2"/>
-            <a:endCxn id="214" idx="0"/>
+            <a:endCxn id="259" idx="0"/>
           </p:cNvCxnSpPr>
           <p:nvPr/>
         </p:nvCxnSpPr>
         <p:spPr>
-          <a:xfrm>
-            <a:off x="9691998" y="6858004"/>
-            <a:ext cx="0" cy="427438"/>
+          <a:xfrm flipH="1">
+            <a:off x="9685999" y="6858004"/>
+            <a:ext cx="5999" cy="435308"/>
           </a:xfrm>
           <a:prstGeom prst="straightConnector1">
             <a:avLst/>
@@ -4562,15 +4511,15 @@
           </p:cNvPr>
           <p:cNvCxnSpPr>
             <a:cxnSpLocks/>
-            <a:stCxn id="214" idx="2"/>
+            <a:stCxn id="259" idx="2"/>
             <a:endCxn id="245" idx="0"/>
           </p:cNvCxnSpPr>
           <p:nvPr/>
         </p:nvCxnSpPr>
         <p:spPr>
           <a:xfrm rot="16200000" flipH="1">
-            <a:off x="10737190" y="7320250"/>
-            <a:ext cx="423078" cy="2513462"/>
+            <a:off x="10738125" y="7321185"/>
+            <a:ext cx="415208" cy="2519461"/>
           </a:xfrm>
           <a:prstGeom prst="bentConnector3">
             <a:avLst>
@@ -4607,15 +4556,15 @@
           </p:cNvPr>
           <p:cNvCxnSpPr>
             <a:cxnSpLocks/>
-            <a:stCxn id="214" idx="2"/>
+            <a:stCxn id="259" idx="2"/>
             <a:endCxn id="240" idx="0"/>
           </p:cNvCxnSpPr>
           <p:nvPr/>
         </p:nvCxnSpPr>
         <p:spPr>
           <a:xfrm>
-            <a:off x="9691998" y="8365442"/>
-            <a:ext cx="0" cy="423078"/>
+            <a:off x="9685999" y="8373312"/>
+            <a:ext cx="5999" cy="415208"/>
           </a:xfrm>
           <a:prstGeom prst="straightConnector1">
             <a:avLst/>
@@ -4696,7 +4645,7 @@
         </p:nvSpPr>
         <p:spPr>
           <a:xfrm>
-            <a:off x="3639273" y="7285442"/>
+            <a:off x="3601539" y="8805331"/>
             <a:ext cx="2115918" cy="1080000"/>
           </a:xfrm>
           <a:prstGeom prst="rect">
@@ -6622,51 +6571,6 @@
       </p:cxnSp>
       <p:cxnSp>
         <p:nvCxnSpPr>
-          <p:cNvPr id="132" name="Соединительная линия уступом 175">
-            <a:extLst>
-              <a:ext uri="{FF2B5EF4-FFF2-40B4-BE49-F238E27FC236}">
-                <a16:creationId xmlns:a16="http://schemas.microsoft.com/office/drawing/2014/main" id="{F0E1896A-5E8B-4873-8742-86D6CC26E737}"/>
-              </a:ext>
-            </a:extLst>
-          </p:cNvPr>
-          <p:cNvCxnSpPr>
-            <a:cxnSpLocks/>
-            <a:stCxn id="339" idx="2"/>
-            <a:endCxn id="258" idx="0"/>
-          </p:cNvCxnSpPr>
-          <p:nvPr/>
-        </p:nvCxnSpPr>
-        <p:spPr>
-          <a:xfrm rot="5400000">
-            <a:off x="6980896" y="4574340"/>
-            <a:ext cx="427438" cy="4994766"/>
-          </a:xfrm>
-          <a:prstGeom prst="bentConnector3">
-            <a:avLst>
-              <a:gd name="adj1" fmla="val 50000"/>
-            </a:avLst>
-          </a:prstGeom>
-          <a:ln w="28575">
-            <a:tailEnd type="arrow"/>
-          </a:ln>
-        </p:spPr>
-        <p:style>
-          <a:lnRef idx="1">
-            <a:schemeClr val="accent1"/>
-          </a:lnRef>
-          <a:fillRef idx="0">
-            <a:schemeClr val="accent1"/>
-          </a:fillRef>
-          <a:effectRef idx="0">
-            <a:schemeClr val="accent1"/>
-          </a:effectRef>
-          <a:fontRef idx="minor">
-            <a:schemeClr val="tx1"/>
-          </a:fontRef>
-        </p:style>
-      </p:cxnSp>
-      <p:cxnSp>
-        <p:nvCxnSpPr>
           <p:cNvPr id="140" name="Соединительная линия уступом 175">
             <a:extLst>
               <a:ext uri="{FF2B5EF4-FFF2-40B4-BE49-F238E27FC236}">
@@ -9892,13 +9796,8 @@
             <a:pPr algn="ctr"/>
             <a:r>
               <a:rPr lang="ru-RU" sz="1400" dirty="0"/>
-              <a:t>Создание Красной Армии Ирана </a:t>
-            </a:r>
-            <a:r>
-              <a:rPr lang="ru-RU" sz="700" dirty="0"/>
-              <a:t>(Однако целью этих офицеров в этом восстании было устранение системы слепого повиновения в армии, заявить о недовольстве тогдашним начальником штаба армии генерал-майором Арфой и провести реформы в прогнившей системе императорской армии.)</a:t>
-            </a:r>
-            <a:endParaRPr lang="ru-RU" sz="1400" dirty="0"/>
+              <a:t>Создание Красной Армии Ирана</a:t>
+            </a:r>
           </a:p>
         </p:txBody>
       </p:sp>
@@ -12603,61 +12502,8 @@
             <a:pPr algn="ctr"/>
             <a:r>
               <a:rPr lang="ru-RU" sz="1400" dirty="0"/>
-              <a:t>Вернуть контроль над островами Ормузского пролива </a:t>
-            </a:r>
-            <a:r>
-              <a:rPr lang="ru-RU" sz="400" dirty="0"/>
-              <a:t>(Согласно </a:t>
-            </a:r>
-            <a:r>
-              <a:rPr lang="ru-RU" sz="400" dirty="0" err="1"/>
-              <a:t>иранологу</a:t>
-            </a:r>
-            <a:r>
-              <a:rPr lang="ru-RU" sz="400" dirty="0"/>
-              <a:t> </a:t>
-            </a:r>
-            <a:r>
-              <a:rPr lang="ru-RU" sz="400" dirty="0" err="1"/>
-              <a:t>Пирузу</a:t>
-            </a:r>
-            <a:r>
-              <a:rPr lang="ru-RU" sz="400" dirty="0"/>
-              <a:t> </a:t>
-            </a:r>
-            <a:r>
-              <a:rPr lang="ru-RU" sz="400" dirty="0" err="1"/>
-              <a:t>Моджтахедзаде</a:t>
-            </a:r>
-            <a:r>
-              <a:rPr lang="ru-RU" sz="400" dirty="0"/>
-              <a:t> , </a:t>
-            </a:r>
-            <a:r>
-              <a:rPr lang="ru-RU" sz="400" dirty="0" err="1"/>
-              <a:t>тунбы</a:t>
-            </a:r>
-            <a:r>
-              <a:rPr lang="ru-RU" sz="400" dirty="0"/>
-              <a:t> находились во владениях королей </a:t>
-            </a:r>
-            <a:r>
-              <a:rPr lang="ru-RU" sz="400" dirty="0" err="1"/>
-              <a:t>Ормуза</a:t>
-            </a:r>
-            <a:r>
-              <a:rPr lang="ru-RU" sz="400" dirty="0"/>
-              <a:t> с 1330 по 1507 год, когда они были захвачены Португалией . Португальцы оккупировали остров до 1622 года, когда они были изгнаны шахом Аббасом . Острова были частью различных персидских империй с 1622 по 7 июня 1921 года, когда они были оккупированы Британской империей и переданы под управление эмирата </a:t>
-            </a:r>
-            <a:r>
-              <a:rPr lang="ru-RU" sz="400" dirty="0" err="1"/>
-              <a:t>Шарджа</a:t>
-            </a:r>
-            <a:r>
-              <a:rPr lang="ru-RU" sz="400" dirty="0"/>
-              <a:t> .)</a:t>
-            </a:r>
-            <a:endParaRPr lang="ru-RU" sz="1400" dirty="0"/>
+              <a:t>Вернуть контроль над островами Ормузского пролива</a:t>
+            </a:r>
           </a:p>
         </p:txBody>
       </p:sp>
@@ -12707,7 +12553,7 @@
             <a:pPr algn="ctr"/>
             <a:r>
               <a:rPr lang="ru-RU" sz="1400" dirty="0"/>
-              <a:t>Начать развитие ВВС во флоте</a:t>
+              <a:t>Экспериментальные крупнотоннажные корабли</a:t>
             </a:r>
           </a:p>
         </p:txBody>
@@ -12809,85 +12655,8 @@
             <a:pPr algn="ctr"/>
             <a:r>
               <a:rPr lang="ru-RU" sz="1400" dirty="0"/>
-              <a:t>Национализировать и вооружить яхту шаха </a:t>
-            </a:r>
-            <a:r>
-              <a:rPr lang="ru-RU" sz="600" dirty="0"/>
-              <a:t>(В 1932 году </a:t>
-            </a:r>
-            <a:r>
-              <a:rPr lang="ru-RU" sz="600" dirty="0" err="1"/>
-              <a:t>онофициально</a:t>
-            </a:r>
-            <a:r>
-              <a:rPr lang="ru-RU" sz="600" dirty="0"/>
-              <a:t> учрежден </a:t>
-            </a:r>
-            <a:r>
-              <a:rPr lang="ru-RU" sz="600" dirty="0" err="1"/>
-              <a:t>ИмператорскийВМС</a:t>
-            </a:r>
-            <a:r>
-              <a:rPr lang="ru-RU" sz="600" dirty="0"/>
-              <a:t> Ирана (ИИН) и </a:t>
-            </a:r>
-            <a:r>
-              <a:rPr lang="ru-RU" sz="600" dirty="0" err="1"/>
-              <a:t>вскорепосле</a:t>
-            </a:r>
-            <a:r>
-              <a:rPr lang="ru-RU" sz="600" dirty="0"/>
-              <a:t> приобретения </a:t>
-            </a:r>
-            <a:r>
-              <a:rPr lang="ru-RU" sz="600" dirty="0" err="1"/>
-              <a:t>доп.четыре</a:t>
-            </a:r>
-            <a:r>
-              <a:rPr lang="ru-RU" sz="600" dirty="0"/>
-              <a:t> итальянских корабля. Эти </a:t>
-            </a:r>
-            <a:r>
-              <a:rPr lang="ru-RU" sz="600" dirty="0" err="1"/>
-              <a:t>восемьсуда</a:t>
-            </a:r>
-            <a:r>
-              <a:rPr lang="ru-RU" sz="600" dirty="0"/>
-              <a:t> составляли </a:t>
-            </a:r>
-            <a:r>
-              <a:rPr lang="ru-RU" sz="600" dirty="0" err="1"/>
-              <a:t>Южныйфлот</a:t>
-            </a:r>
-            <a:r>
-              <a:rPr lang="ru-RU" sz="600" dirty="0"/>
-              <a:t> в Персидском заливе, </a:t>
-            </a:r>
-            <a:r>
-              <a:rPr lang="ru-RU" sz="600" dirty="0" err="1"/>
-              <a:t>афлотилия</a:t>
-            </a:r>
-            <a:r>
-              <a:rPr lang="ru-RU" sz="600" dirty="0"/>
-              <a:t> из четырех кораблей меньшего </a:t>
-            </a:r>
-            <a:r>
-              <a:rPr lang="ru-RU" sz="600" dirty="0" err="1"/>
-              <a:t>размерасуда</a:t>
-            </a:r>
-            <a:r>
-              <a:rPr lang="ru-RU" sz="600" dirty="0"/>
-              <a:t> и яхта </a:t>
-            </a:r>
-            <a:r>
-              <a:rPr lang="ru-RU" sz="600" dirty="0" err="1"/>
-              <a:t>шаха,служил</a:t>
-            </a:r>
-            <a:r>
-              <a:rPr lang="ru-RU" sz="600" dirty="0"/>
-              <a:t> Каспийскому флоту.)</a:t>
-            </a:r>
-            <a:endParaRPr lang="ru-RU" sz="1400" dirty="0"/>
+              <a:t>Национализировать и вооружить яхту шаха</a:t>
+            </a:r>
           </a:p>
         </p:txBody>
       </p:sp>
@@ -13261,7 +13030,7 @@
         </p:nvSpPr>
         <p:spPr>
           <a:xfrm>
-            <a:off x="24227524" y="8788519"/>
+            <a:off x="23028903" y="8788519"/>
             <a:ext cx="2115918" cy="1080000"/>
           </a:xfrm>
           <a:prstGeom prst="rect">
@@ -13293,7 +13062,7 @@
             <a:pPr algn="ctr"/>
             <a:r>
               <a:rPr lang="ru-RU" sz="1400" dirty="0"/>
-              <a:t>Расположить морские базы в проливе</a:t>
+              <a:t>Расположить морскую базу в проливе</a:t>
             </a:r>
           </a:p>
         </p:txBody>
@@ -13316,8 +13085,8 @@
         </p:nvCxnSpPr>
         <p:spPr>
           <a:xfrm rot="5400000">
-            <a:off x="25686403" y="7965466"/>
-            <a:ext cx="422134" cy="1223973"/>
+            <a:off x="25087092" y="7366155"/>
+            <a:ext cx="422134" cy="2422594"/>
           </a:xfrm>
           <a:prstGeom prst="bentConnector3">
             <a:avLst>
@@ -13357,7 +13126,7 @@
         </p:nvSpPr>
         <p:spPr>
           <a:xfrm>
-            <a:off x="26660117" y="8790304"/>
+            <a:off x="25450036" y="8788519"/>
             <a:ext cx="2115918" cy="1080000"/>
           </a:xfrm>
           <a:prstGeom prst="rect">
@@ -13396,10 +13165,249 @@
       </p:sp>
       <p:cxnSp>
         <p:nvCxnSpPr>
-          <p:cNvPr id="241" name="Соединительная линия уступом 175">
-            <a:extLst>
-              <a:ext uri="{FF2B5EF4-FFF2-40B4-BE49-F238E27FC236}">
-                <a16:creationId xmlns:a16="http://schemas.microsoft.com/office/drawing/2014/main" id="{54E3AB3F-7942-441F-B27D-DB0CFFC02024}"/>
+          <p:cNvPr id="223" name="Соединительная линия уступом 175">
+            <a:extLst>
+              <a:ext uri="{FF2B5EF4-FFF2-40B4-BE49-F238E27FC236}">
+                <a16:creationId xmlns:a16="http://schemas.microsoft.com/office/drawing/2014/main" id="{D1114A2C-958E-411C-B41C-E0A6793147FD}"/>
+              </a:ext>
+            </a:extLst>
+          </p:cNvPr>
+          <p:cNvCxnSpPr>
+            <a:cxnSpLocks/>
+            <a:stCxn id="227" idx="2"/>
+            <a:endCxn id="258" idx="0"/>
+          </p:cNvCxnSpPr>
+          <p:nvPr/>
+        </p:nvCxnSpPr>
+        <p:spPr>
+          <a:xfrm rot="5400000">
+            <a:off x="5715152" y="7309788"/>
+            <a:ext cx="439889" cy="2551196"/>
+          </a:xfrm>
+          <a:prstGeom prst="bentConnector3">
+            <a:avLst>
+              <a:gd name="adj1" fmla="val 50000"/>
+            </a:avLst>
+          </a:prstGeom>
+          <a:ln w="28575">
+            <a:prstDash val="dash"/>
+            <a:tailEnd type="arrow"/>
+          </a:ln>
+        </p:spPr>
+        <p:style>
+          <a:lnRef idx="1">
+            <a:schemeClr val="accent1"/>
+          </a:lnRef>
+          <a:fillRef idx="0">
+            <a:schemeClr val="accent1"/>
+          </a:fillRef>
+          <a:effectRef idx="0">
+            <a:schemeClr val="accent1"/>
+          </a:effectRef>
+          <a:fontRef idx="minor">
+            <a:schemeClr val="tx1"/>
+          </a:fontRef>
+        </p:style>
+      </p:cxnSp>
+      <p:cxnSp>
+        <p:nvCxnSpPr>
+          <p:cNvPr id="242" name="Соединительная линия уступом 175">
+            <a:extLst>
+              <a:ext uri="{FF2B5EF4-FFF2-40B4-BE49-F238E27FC236}">
+                <a16:creationId xmlns:a16="http://schemas.microsoft.com/office/drawing/2014/main" id="{D3D259A6-73E8-448B-9B5E-00475547CAE2}"/>
+              </a:ext>
+            </a:extLst>
+          </p:cNvPr>
+          <p:cNvCxnSpPr>
+            <a:cxnSpLocks/>
+            <a:stCxn id="259" idx="2"/>
+            <a:endCxn id="258" idx="0"/>
+          </p:cNvCxnSpPr>
+          <p:nvPr/>
+        </p:nvCxnSpPr>
+        <p:spPr>
+          <a:xfrm rot="5400000">
+            <a:off x="6956740" y="6076071"/>
+            <a:ext cx="432019" cy="5026501"/>
+          </a:xfrm>
+          <a:prstGeom prst="bentConnector3">
+            <a:avLst>
+              <a:gd name="adj1" fmla="val 50000"/>
+            </a:avLst>
+          </a:prstGeom>
+          <a:ln w="28575">
+            <a:prstDash val="dash"/>
+            <a:tailEnd type="arrow"/>
+          </a:ln>
+        </p:spPr>
+        <p:style>
+          <a:lnRef idx="1">
+            <a:schemeClr val="accent1"/>
+          </a:lnRef>
+          <a:fillRef idx="0">
+            <a:schemeClr val="accent1"/>
+          </a:fillRef>
+          <a:effectRef idx="0">
+            <a:schemeClr val="accent1"/>
+          </a:effectRef>
+          <a:fontRef idx="minor">
+            <a:schemeClr val="tx1"/>
+          </a:fontRef>
+        </p:style>
+      </p:cxnSp>
+      <p:sp>
+        <p:nvSpPr>
+          <p:cNvPr id="243" name="Прямоугольник 242">
+            <a:extLst>
+              <a:ext uri="{FF2B5EF4-FFF2-40B4-BE49-F238E27FC236}">
+                <a16:creationId xmlns:a16="http://schemas.microsoft.com/office/drawing/2014/main" id="{5471351B-91C5-4464-82E0-0AFF8CEB0576}"/>
+              </a:ext>
+            </a:extLst>
+          </p:cNvPr>
+          <p:cNvSpPr/>
+          <p:nvPr/>
+        </p:nvSpPr>
+        <p:spPr>
+          <a:xfrm>
+            <a:off x="3608345" y="7286385"/>
+            <a:ext cx="2115918" cy="1080000"/>
+          </a:xfrm>
+          <a:prstGeom prst="rect">
+            <a:avLst/>
+          </a:prstGeom>
+          <a:solidFill>
+            <a:schemeClr val="tx2"/>
+          </a:solidFill>
+          <a:ln w="28575"/>
+        </p:spPr>
+        <p:style>
+          <a:lnRef idx="2">
+            <a:schemeClr val="accent1"/>
+          </a:lnRef>
+          <a:fillRef idx="1">
+            <a:schemeClr val="lt1"/>
+          </a:fillRef>
+          <a:effectRef idx="0">
+            <a:schemeClr val="accent1"/>
+          </a:effectRef>
+          <a:fontRef idx="minor">
+            <a:schemeClr val="dk1"/>
+          </a:fontRef>
+        </p:style>
+        <p:txBody>
+          <a:bodyPr lIns="124733" tIns="62367" rIns="124733" bIns="62367" rtlCol="0" anchor="ctr"/>
+          <a:lstStyle/>
+          <a:p>
+            <a:pPr algn="ctr"/>
+            <a:r>
+              <a:rPr lang="ru-RU" sz="1400" dirty="0"/>
+              <a:t>Запретить алкоголь</a:t>
+            </a:r>
+          </a:p>
+        </p:txBody>
+      </p:sp>
+      <p:cxnSp>
+        <p:nvCxnSpPr>
+          <p:cNvPr id="244" name="Соединительная линия уступом 175">
+            <a:extLst>
+              <a:ext uri="{FF2B5EF4-FFF2-40B4-BE49-F238E27FC236}">
+                <a16:creationId xmlns:a16="http://schemas.microsoft.com/office/drawing/2014/main" id="{437EB901-C626-482E-9D33-051FA29AF6E9}"/>
+              </a:ext>
+            </a:extLst>
+          </p:cNvPr>
+          <p:cNvCxnSpPr>
+            <a:cxnSpLocks/>
+            <a:stCxn id="339" idx="2"/>
+            <a:endCxn id="243" idx="0"/>
+          </p:cNvCxnSpPr>
+          <p:nvPr/>
+        </p:nvCxnSpPr>
+        <p:spPr>
+          <a:xfrm rot="5400000">
+            <a:off x="6964961" y="4559347"/>
+            <a:ext cx="428381" cy="5025694"/>
+          </a:xfrm>
+          <a:prstGeom prst="bentConnector3">
+            <a:avLst>
+              <a:gd name="adj1" fmla="val 50000"/>
+            </a:avLst>
+          </a:prstGeom>
+          <a:ln w="28575">
+            <a:tailEnd type="arrow"/>
+          </a:ln>
+        </p:spPr>
+        <p:style>
+          <a:lnRef idx="1">
+            <a:schemeClr val="accent1"/>
+          </a:lnRef>
+          <a:fillRef idx="0">
+            <a:schemeClr val="accent1"/>
+          </a:fillRef>
+          <a:effectRef idx="0">
+            <a:schemeClr val="accent1"/>
+          </a:effectRef>
+          <a:fontRef idx="minor">
+            <a:schemeClr val="tx1"/>
+          </a:fontRef>
+        </p:style>
+      </p:cxnSp>
+      <p:sp>
+        <p:nvSpPr>
+          <p:cNvPr id="246" name="Прямоугольник 245">
+            <a:extLst>
+              <a:ext uri="{FF2B5EF4-FFF2-40B4-BE49-F238E27FC236}">
+                <a16:creationId xmlns:a16="http://schemas.microsoft.com/office/drawing/2014/main" id="{EE22D176-0284-44B0-BAD7-469491274BB2}"/>
+              </a:ext>
+            </a:extLst>
+          </p:cNvPr>
+          <p:cNvSpPr/>
+          <p:nvPr/>
+        </p:nvSpPr>
+        <p:spPr>
+          <a:xfrm>
+            <a:off x="27856868" y="8794698"/>
+            <a:ext cx="2115918" cy="1080000"/>
+          </a:xfrm>
+          <a:prstGeom prst="rect">
+            <a:avLst/>
+          </a:prstGeom>
+          <a:solidFill>
+            <a:srgbClr val="FF0000"/>
+          </a:solidFill>
+          <a:ln w="28575"/>
+        </p:spPr>
+        <p:style>
+          <a:lnRef idx="2">
+            <a:schemeClr val="accent1"/>
+          </a:lnRef>
+          <a:fillRef idx="1">
+            <a:schemeClr val="lt1"/>
+          </a:fillRef>
+          <a:effectRef idx="0">
+            <a:schemeClr val="accent1"/>
+          </a:effectRef>
+          <a:fontRef idx="minor">
+            <a:schemeClr val="dk1"/>
+          </a:fontRef>
+        </p:style>
+        <p:txBody>
+          <a:bodyPr lIns="124733" tIns="62367" rIns="124733" bIns="62367" rtlCol="0" anchor="ctr"/>
+          <a:lstStyle/>
+          <a:p>
+            <a:pPr algn="ctr"/>
+            <a:r>
+              <a:rPr lang="ru-RU" sz="1400" dirty="0"/>
+              <a:t>Начать развитие ВВС во флоте</a:t>
+            </a:r>
+          </a:p>
+        </p:txBody>
+      </p:sp>
+      <p:cxnSp>
+        <p:nvCxnSpPr>
+          <p:cNvPr id="247" name="Прямая со стрелкой 246">
+            <a:extLst>
+              <a:ext uri="{FF2B5EF4-FFF2-40B4-BE49-F238E27FC236}">
+                <a16:creationId xmlns:a16="http://schemas.microsoft.com/office/drawing/2014/main" id="{6F874008-D3C5-4072-BF4A-ED64BA8430B9}"/>
               </a:ext>
             </a:extLst>
           </p:cNvPr>
@@ -13411,9 +13419,242 @@
           <p:nvPr/>
         </p:nvCxnSpPr>
         <p:spPr>
+          <a:xfrm flipH="1">
+            <a:off x="26507995" y="8366385"/>
+            <a:ext cx="1461" cy="422134"/>
+          </a:xfrm>
+          <a:prstGeom prst="straightConnector1">
+            <a:avLst/>
+          </a:prstGeom>
+          <a:ln w="28575">
+            <a:tailEnd type="arrow"/>
+          </a:ln>
+        </p:spPr>
+        <p:style>
+          <a:lnRef idx="1">
+            <a:schemeClr val="accent1"/>
+          </a:lnRef>
+          <a:fillRef idx="0">
+            <a:schemeClr val="accent1"/>
+          </a:fillRef>
+          <a:effectRef idx="0">
+            <a:schemeClr val="accent1"/>
+          </a:effectRef>
+          <a:fontRef idx="minor">
+            <a:schemeClr val="tx1"/>
+          </a:fontRef>
+        </p:style>
+      </p:cxnSp>
+      <p:cxnSp>
+        <p:nvCxnSpPr>
+          <p:cNvPr id="248" name="Соединительная линия уступом 175">
+            <a:extLst>
+              <a:ext uri="{FF2B5EF4-FFF2-40B4-BE49-F238E27FC236}">
+                <a16:creationId xmlns:a16="http://schemas.microsoft.com/office/drawing/2014/main" id="{C075FF29-2837-4F5F-930C-29D1640D3F31}"/>
+              </a:ext>
+            </a:extLst>
+          </p:cNvPr>
+          <p:cNvCxnSpPr>
+            <a:cxnSpLocks/>
+            <a:stCxn id="189" idx="2"/>
+            <a:endCxn id="246" idx="0"/>
+          </p:cNvCxnSpPr>
+          <p:nvPr/>
+        </p:nvCxnSpPr>
+        <p:spPr>
           <a:xfrm rot="16200000" flipH="1">
-            <a:off x="26901807" y="7974034"/>
-            <a:ext cx="423919" cy="1208620"/>
+            <a:off x="27350285" y="7230155"/>
+            <a:ext cx="1932333" cy="1196751"/>
+          </a:xfrm>
+          <a:prstGeom prst="bentConnector3">
+            <a:avLst>
+              <a:gd name="adj1" fmla="val 10933"/>
+            </a:avLst>
+          </a:prstGeom>
+          <a:ln w="28575">
+            <a:tailEnd type="arrow"/>
+          </a:ln>
+        </p:spPr>
+        <p:style>
+          <a:lnRef idx="1">
+            <a:schemeClr val="accent1"/>
+          </a:lnRef>
+          <a:fillRef idx="0">
+            <a:schemeClr val="accent1"/>
+          </a:fillRef>
+          <a:effectRef idx="0">
+            <a:schemeClr val="accent1"/>
+          </a:effectRef>
+          <a:fontRef idx="minor">
+            <a:schemeClr val="tx1"/>
+          </a:fontRef>
+        </p:style>
+      </p:cxnSp>
+      <p:sp>
+        <p:nvSpPr>
+          <p:cNvPr id="252" name="Прямоугольник 251">
+            <a:extLst>
+              <a:ext uri="{FF2B5EF4-FFF2-40B4-BE49-F238E27FC236}">
+                <a16:creationId xmlns:a16="http://schemas.microsoft.com/office/drawing/2014/main" id="{D43EBBF4-90BD-4DD0-BC0B-E9717A9E3329}"/>
+              </a:ext>
+            </a:extLst>
+          </p:cNvPr>
+          <p:cNvSpPr/>
+          <p:nvPr/>
+        </p:nvSpPr>
+        <p:spPr>
+          <a:xfrm>
+            <a:off x="32792807" y="4267846"/>
+            <a:ext cx="2115918" cy="1080000"/>
+          </a:xfrm>
+          <a:prstGeom prst="rect">
+            <a:avLst/>
+          </a:prstGeom>
+          <a:solidFill>
+            <a:srgbClr val="FF0000"/>
+          </a:solidFill>
+          <a:ln w="28575"/>
+        </p:spPr>
+        <p:style>
+          <a:lnRef idx="2">
+            <a:schemeClr val="accent1"/>
+          </a:lnRef>
+          <a:fillRef idx="1">
+            <a:schemeClr val="lt1"/>
+          </a:fillRef>
+          <a:effectRef idx="0">
+            <a:schemeClr val="accent1"/>
+          </a:effectRef>
+          <a:fontRef idx="minor">
+            <a:schemeClr val="dk1"/>
+          </a:fontRef>
+        </p:style>
+        <p:txBody>
+          <a:bodyPr lIns="124733" tIns="62367" rIns="124733" bIns="62367" rtlCol="0" anchor="ctr"/>
+          <a:lstStyle/>
+          <a:p>
+            <a:pPr algn="ctr"/>
+            <a:r>
+              <a:rPr lang="ru-RU" sz="1400" dirty="0"/>
+              <a:t>Создать вооружённые отряды</a:t>
+            </a:r>
+          </a:p>
+        </p:txBody>
+      </p:sp>
+      <p:cxnSp>
+        <p:nvCxnSpPr>
+          <p:cNvPr id="257" name="Прямая со стрелкой 256">
+            <a:extLst>
+              <a:ext uri="{FF2B5EF4-FFF2-40B4-BE49-F238E27FC236}">
+                <a16:creationId xmlns:a16="http://schemas.microsoft.com/office/drawing/2014/main" id="{B4D5E780-2D84-4306-A443-FB8A59824B91}"/>
+              </a:ext>
+            </a:extLst>
+          </p:cNvPr>
+          <p:cNvCxnSpPr>
+            <a:cxnSpLocks/>
+            <a:stCxn id="135" idx="2"/>
+            <a:endCxn id="252" idx="0"/>
+          </p:cNvCxnSpPr>
+          <p:nvPr/>
+        </p:nvCxnSpPr>
+        <p:spPr>
+          <a:xfrm>
+            <a:off x="33850766" y="3828390"/>
+            <a:ext cx="0" cy="439456"/>
+          </a:xfrm>
+          <a:prstGeom prst="straightConnector1">
+            <a:avLst/>
+          </a:prstGeom>
+          <a:ln w="28575">
+            <a:tailEnd type="arrow"/>
+          </a:ln>
+        </p:spPr>
+        <p:style>
+          <a:lnRef idx="1">
+            <a:schemeClr val="accent1"/>
+          </a:lnRef>
+          <a:fillRef idx="0">
+            <a:schemeClr val="accent1"/>
+          </a:fillRef>
+          <a:effectRef idx="0">
+            <a:schemeClr val="accent1"/>
+          </a:effectRef>
+          <a:fontRef idx="minor">
+            <a:schemeClr val="tx1"/>
+          </a:fontRef>
+        </p:style>
+      </p:cxnSp>
+      <p:sp>
+        <p:nvSpPr>
+          <p:cNvPr id="259" name="Прямоугольник 258">
+            <a:extLst>
+              <a:ext uri="{FF2B5EF4-FFF2-40B4-BE49-F238E27FC236}">
+                <a16:creationId xmlns:a16="http://schemas.microsoft.com/office/drawing/2014/main" id="{3B399424-4428-40FC-899B-7CCDE4700C33}"/>
+              </a:ext>
+            </a:extLst>
+          </p:cNvPr>
+          <p:cNvSpPr/>
+          <p:nvPr/>
+        </p:nvSpPr>
+        <p:spPr>
+          <a:xfrm>
+            <a:off x="8628040" y="7293312"/>
+            <a:ext cx="2115918" cy="1080000"/>
+          </a:xfrm>
+          <a:prstGeom prst="rect">
+            <a:avLst/>
+          </a:prstGeom>
+          <a:solidFill>
+            <a:schemeClr val="tx2"/>
+          </a:solidFill>
+          <a:ln w="28575"/>
+        </p:spPr>
+        <p:style>
+          <a:lnRef idx="2">
+            <a:schemeClr val="accent1"/>
+          </a:lnRef>
+          <a:fillRef idx="1">
+            <a:schemeClr val="lt1"/>
+          </a:fillRef>
+          <a:effectRef idx="0">
+            <a:schemeClr val="accent1"/>
+          </a:effectRef>
+          <a:fontRef idx="minor">
+            <a:schemeClr val="dk1"/>
+          </a:fontRef>
+        </p:style>
+        <p:txBody>
+          <a:bodyPr lIns="124733" tIns="62367" rIns="124733" bIns="62367" rtlCol="0" anchor="ctr"/>
+          <a:lstStyle/>
+          <a:p>
+            <a:pPr algn="ctr"/>
+            <a:r>
+              <a:rPr lang="ru-RU" sz="1400" dirty="0"/>
+              <a:t>???</a:t>
+            </a:r>
+          </a:p>
+        </p:txBody>
+      </p:sp>
+      <p:cxnSp>
+        <p:nvCxnSpPr>
+          <p:cNvPr id="263" name="Соединительная линия уступом 175">
+            <a:extLst>
+              <a:ext uri="{FF2B5EF4-FFF2-40B4-BE49-F238E27FC236}">
+                <a16:creationId xmlns:a16="http://schemas.microsoft.com/office/drawing/2014/main" id="{34B2BE82-85BE-4DC8-AED6-CFF2D5DB21A2}"/>
+              </a:ext>
+            </a:extLst>
+          </p:cNvPr>
+          <p:cNvCxnSpPr>
+            <a:cxnSpLocks/>
+            <a:stCxn id="260" idx="2"/>
+            <a:endCxn id="217" idx="0"/>
+          </p:cNvCxnSpPr>
+          <p:nvPr/>
+        </p:nvCxnSpPr>
+        <p:spPr>
+          <a:xfrm rot="5400000">
+            <a:off x="34265522" y="7948270"/>
+            <a:ext cx="434207" cy="1263717"/>
           </a:xfrm>
           <a:prstGeom prst="bentConnector3">
             <a:avLst>

--- a/Наработки/диздоки/Иран/Иран Комми.pptx
+++ b/Наработки/диздоки/Иран/Иран Комми.pptx
@@ -209,7 +209,7 @@
             <a:fld id="{33E3D7F9-E251-484C-A6FF-FA958879DF69}" type="datetimeFigureOut">
               <a:rPr lang="ru-RU" smtClean="0"/>
               <a:pPr/>
-              <a:t>15.05.2022</a:t>
+              <a:t>16.05.2022</a:t>
             </a:fld>
             <a:endParaRPr lang="ru-RU"/>
           </a:p>
@@ -699,7 +699,7 @@
             <a:fld id="{85A5DE44-605B-4D3B-B2B7-94543DF81A36}" type="datetimeFigureOut">
               <a:rPr lang="ru-RU" smtClean="0"/>
               <a:pPr/>
-              <a:t>15.05.2022</a:t>
+              <a:t>16.05.2022</a:t>
             </a:fld>
             <a:endParaRPr lang="ru-RU"/>
           </a:p>
@@ -871,7 +871,7 @@
             <a:fld id="{85A5DE44-605B-4D3B-B2B7-94543DF81A36}" type="datetimeFigureOut">
               <a:rPr lang="ru-RU" smtClean="0"/>
               <a:pPr/>
-              <a:t>15.05.2022</a:t>
+              <a:t>16.05.2022</a:t>
             </a:fld>
             <a:endParaRPr lang="ru-RU"/>
           </a:p>
@@ -1053,7 +1053,7 @@
             <a:fld id="{85A5DE44-605B-4D3B-B2B7-94543DF81A36}" type="datetimeFigureOut">
               <a:rPr lang="ru-RU" smtClean="0"/>
               <a:pPr/>
-              <a:t>15.05.2022</a:t>
+              <a:t>16.05.2022</a:t>
             </a:fld>
             <a:endParaRPr lang="ru-RU"/>
           </a:p>
@@ -1225,7 +1225,7 @@
             <a:fld id="{85A5DE44-605B-4D3B-B2B7-94543DF81A36}" type="datetimeFigureOut">
               <a:rPr lang="ru-RU" smtClean="0"/>
               <a:pPr/>
-              <a:t>15.05.2022</a:t>
+              <a:t>16.05.2022</a:t>
             </a:fld>
             <a:endParaRPr lang="ru-RU"/>
           </a:p>
@@ -1473,7 +1473,7 @@
             <a:fld id="{85A5DE44-605B-4D3B-B2B7-94543DF81A36}" type="datetimeFigureOut">
               <a:rPr lang="ru-RU" smtClean="0"/>
               <a:pPr/>
-              <a:t>15.05.2022</a:t>
+              <a:t>16.05.2022</a:t>
             </a:fld>
             <a:endParaRPr lang="ru-RU"/>
           </a:p>
@@ -1707,7 +1707,7 @@
             <a:fld id="{85A5DE44-605B-4D3B-B2B7-94543DF81A36}" type="datetimeFigureOut">
               <a:rPr lang="ru-RU" smtClean="0"/>
               <a:pPr/>
-              <a:t>15.05.2022</a:t>
+              <a:t>16.05.2022</a:t>
             </a:fld>
             <a:endParaRPr lang="ru-RU"/>
           </a:p>
@@ -2076,7 +2076,7 @@
             <a:fld id="{85A5DE44-605B-4D3B-B2B7-94543DF81A36}" type="datetimeFigureOut">
               <a:rPr lang="ru-RU" smtClean="0"/>
               <a:pPr/>
-              <a:t>15.05.2022</a:t>
+              <a:t>16.05.2022</a:t>
             </a:fld>
             <a:endParaRPr lang="ru-RU"/>
           </a:p>
@@ -2196,7 +2196,7 @@
             <a:fld id="{85A5DE44-605B-4D3B-B2B7-94543DF81A36}" type="datetimeFigureOut">
               <a:rPr lang="ru-RU" smtClean="0"/>
               <a:pPr/>
-              <a:t>15.05.2022</a:t>
+              <a:t>16.05.2022</a:t>
             </a:fld>
             <a:endParaRPr lang="ru-RU"/>
           </a:p>
@@ -2293,7 +2293,7 @@
             <a:fld id="{85A5DE44-605B-4D3B-B2B7-94543DF81A36}" type="datetimeFigureOut">
               <a:rPr lang="ru-RU" smtClean="0"/>
               <a:pPr/>
-              <a:t>15.05.2022</a:t>
+              <a:t>16.05.2022</a:t>
             </a:fld>
             <a:endParaRPr lang="ru-RU"/>
           </a:p>
@@ -2572,7 +2572,7 @@
             <a:fld id="{85A5DE44-605B-4D3B-B2B7-94543DF81A36}" type="datetimeFigureOut">
               <a:rPr lang="ru-RU" smtClean="0"/>
               <a:pPr/>
-              <a:t>15.05.2022</a:t>
+              <a:t>16.05.2022</a:t>
             </a:fld>
             <a:endParaRPr lang="ru-RU"/>
           </a:p>
@@ -2831,7 +2831,7 @@
             <a:fld id="{85A5DE44-605B-4D3B-B2B7-94543DF81A36}" type="datetimeFigureOut">
               <a:rPr lang="ru-RU" smtClean="0"/>
               <a:pPr/>
-              <a:t>15.05.2022</a:t>
+              <a:t>16.05.2022</a:t>
             </a:fld>
             <a:endParaRPr lang="ru-RU"/>
           </a:p>
@@ -3046,7 +3046,7 @@
             <a:fld id="{85A5DE44-605B-4D3B-B2B7-94543DF81A36}" type="datetimeFigureOut">
               <a:rPr lang="ru-RU" smtClean="0"/>
               <a:pPr/>
-              <a:t>15.05.2022</a:t>
+              <a:t>16.05.2022</a:t>
             </a:fld>
             <a:endParaRPr lang="ru-RU"/>
           </a:p>
@@ -9853,22 +9853,6 @@
               <a:rPr lang="ru-RU" sz="1400" dirty="0" err="1"/>
               <a:t>Хосро</a:t>
             </a:r>
-            <a:r>
-              <a:rPr lang="ru-RU" sz="1400" dirty="0"/>
-              <a:t> </a:t>
-            </a:r>
-            <a:r>
-              <a:rPr lang="ru-RU" sz="1050" dirty="0"/>
-              <a:t>(доктрина на партизанскую войну, </a:t>
-            </a:r>
-            <a:r>
-              <a:rPr lang="ru-RU" sz="1050" dirty="0" err="1"/>
-              <a:t>Хосро</a:t>
-            </a:r>
-            <a:r>
-              <a:rPr lang="ru-RU" sz="1050" dirty="0"/>
-              <a:t> становится фельдмаршалом, и станет доступен как теоретик</a:t>
-            </a:r>
             <a:endParaRPr lang="ru-RU" sz="1400" dirty="0"/>
           </a:p>
         </p:txBody>
@@ -9919,21 +9903,8 @@
             <a:pPr algn="ctr"/>
             <a:r>
               <a:rPr lang="ru-RU" sz="1400" dirty="0"/>
-              <a:t>Современная Красная Армия </a:t>
-            </a:r>
-            <a:r>
-              <a:rPr lang="ru-RU" sz="1050" dirty="0"/>
-              <a:t>(доктрина на арту, </a:t>
-            </a:r>
-            <a:r>
-              <a:rPr lang="ru-RU" sz="1050" dirty="0" err="1"/>
-              <a:t>Лохак</a:t>
-            </a:r>
-            <a:r>
-              <a:rPr lang="ru-RU" sz="1050" dirty="0"/>
-              <a:t> становится фельдмаршалом, и станет доступен как теоретик</a:t>
-            </a:r>
-            <a:endParaRPr lang="ru-RU" sz="1400" dirty="0"/>
+              <a:t>Современная Красная Армия</a:t>
+            </a:r>
           </a:p>
         </p:txBody>
       </p:sp>
@@ -10028,15 +9999,7 @@
             <a:pPr algn="ctr"/>
             <a:r>
               <a:rPr lang="ru-RU" sz="1400" dirty="0"/>
-              <a:t>Использовать армию в деле революции (шпионы от числа </a:t>
-            </a:r>
-            <a:r>
-              <a:rPr lang="ru-RU" sz="1400" dirty="0" err="1"/>
-              <a:t>дивок</a:t>
-            </a:r>
-            <a:r>
-              <a:rPr lang="ru-RU" sz="1400" dirty="0"/>
-              <a:t> может быть?)</a:t>
+              <a:t>Использовать армию в деле революции</a:t>
             </a:r>
           </a:p>
         </p:txBody>
@@ -10087,13 +10050,8 @@
             <a:pPr algn="ctr"/>
             <a:r>
               <a:rPr lang="ru-RU" sz="1400" dirty="0"/>
-              <a:t>Военная академия КАИ </a:t>
-            </a:r>
-            <a:r>
-              <a:rPr lang="ru-RU" sz="700" dirty="0"/>
-              <a:t>(Некогда восставший против шаха офицер, после разгрома вместе со своими солдатами был сослан в СССР, где он изучал артиллерийское ремесло в военной академии Красной армии Хмурого и даже получил звание майора)</a:t>
-            </a:r>
-            <a:endParaRPr lang="ru-RU" sz="1400" dirty="0"/>
+              <a:t>Военная академия КАИ</a:t>
+            </a:r>
           </a:p>
         </p:txBody>
       </p:sp>
@@ -10325,7 +10283,7 @@
             <a:pPr algn="ctr"/>
             <a:r>
               <a:rPr lang="ru-RU" sz="1400" dirty="0"/>
-              <a:t>Автоматизация кавалерии</a:t>
+              <a:t>Моторизация кавалерии</a:t>
             </a:r>
           </a:p>
         </p:txBody>
@@ -10562,13 +10520,8 @@
             <a:pPr algn="ctr"/>
             <a:r>
               <a:rPr lang="ru-RU" sz="1400" dirty="0"/>
-              <a:t>Совет секретарей Красной Армии Ирана </a:t>
-            </a:r>
-            <a:r>
-              <a:rPr lang="ru-RU" sz="700" dirty="0"/>
-              <a:t>(Однако целью этих офицеров в этом восстании было устранение системы слепого повиновения в армии, заявить о недовольстве тогдашним начальником штаба армии генерал-майором Арфой и провести реформы в прогнившей системе императорской армии.)</a:t>
-            </a:r>
-            <a:endParaRPr lang="ru-RU" sz="1400" dirty="0"/>
+              <a:t>Совет секретарей Красной Армии Ирана</a:t>
+            </a:r>
           </a:p>
         </p:txBody>
       </p:sp>
@@ -10708,21 +10661,8 @@
             <a:pPr algn="ctr"/>
             <a:r>
               <a:rPr lang="ru-RU" sz="1400" dirty="0"/>
-              <a:t>Отдел военной разведки </a:t>
-            </a:r>
-            <a:r>
-              <a:rPr lang="ru-RU" sz="1200" dirty="0"/>
-              <a:t>(Капитан Хосров </a:t>
-            </a:r>
-            <a:r>
-              <a:rPr lang="ru-RU" sz="1200" dirty="0" err="1"/>
-              <a:t>Розбех</a:t>
-            </a:r>
-            <a:r>
-              <a:rPr lang="ru-RU" sz="1200" dirty="0"/>
-              <a:t> руководил отделом военной разведки партии.)</a:t>
-            </a:r>
-            <a:endParaRPr lang="ru-RU" sz="1400" dirty="0"/>
+              <a:t>Отдел военной разведки</a:t>
+            </a:r>
           </a:p>
         </p:txBody>
       </p:sp>
@@ -11195,29 +11135,8 @@
             <a:pPr algn="ctr"/>
             <a:r>
               <a:rPr lang="ru-RU" sz="1400" dirty="0"/>
-              <a:t>Лётчики верные Марксу </a:t>
-            </a:r>
-            <a:r>
-              <a:rPr lang="ru-RU" sz="900" dirty="0"/>
-              <a:t>(с самого начала существования партии </a:t>
-            </a:r>
-            <a:r>
-              <a:rPr lang="ru-RU" sz="900" dirty="0" err="1"/>
-              <a:t>Туде</a:t>
-            </a:r>
-            <a:r>
-              <a:rPr lang="ru-RU" sz="900" dirty="0"/>
-              <a:t> к ней присоединились несколько армейских офицеров, особенно </a:t>
-            </a:r>
-            <a:r>
-              <a:rPr lang="ru-RU" sz="900" dirty="0" err="1"/>
-              <a:t>марксистски</a:t>
-            </a:r>
-            <a:r>
-              <a:rPr lang="ru-RU" sz="900" dirty="0"/>
-              <a:t> настроенных ВВС)</a:t>
-            </a:r>
-            <a:endParaRPr lang="ru-RU" sz="1400" dirty="0"/>
+              <a:t>Лётчики верные Марксу</a:t>
+            </a:r>
           </a:p>
         </p:txBody>
       </p:sp>
@@ -11358,44 +11277,9 @@
             <a:pPr algn="ctr"/>
             <a:r>
               <a:rPr lang="ru-RU" sz="1400" dirty="0"/>
-              <a:t>Народные офицеры </a:t>
-            </a:r>
-            <a:r>
-              <a:rPr lang="ru-RU" sz="500" dirty="0"/>
-              <a:t>(Первоначально военная академия была основным центром деятельности массового офицерства, но позже усилиями полковника </a:t>
-            </a:r>
-            <a:r>
-              <a:rPr lang="ru-RU" sz="500" dirty="0" err="1"/>
-              <a:t>Абдолреза</a:t>
-            </a:r>
-            <a:r>
-              <a:rPr lang="ru-RU" sz="500" dirty="0"/>
-              <a:t> Азара эта военная организация была организована. Али </a:t>
-            </a:r>
-            <a:r>
-              <a:rPr lang="ru-RU" sz="500" dirty="0" err="1"/>
-              <a:t>Асгар</a:t>
-            </a:r>
-            <a:r>
-              <a:rPr lang="ru-RU" sz="500" dirty="0"/>
-              <a:t> </a:t>
-            </a:r>
-            <a:r>
-              <a:rPr lang="ru-RU" sz="500" dirty="0" err="1"/>
-              <a:t>Эхсани</a:t>
-            </a:r>
-            <a:r>
-              <a:rPr lang="ru-RU" sz="500" dirty="0"/>
-              <a:t> описывает мотивы вербовки некоторых офицеров в партию </a:t>
-            </a:r>
-            <a:r>
-              <a:rPr lang="ru-RU" sz="500" dirty="0" err="1"/>
-              <a:t>Туде</a:t>
-            </a:r>
-            <a:r>
-              <a:rPr lang="ru-RU" sz="500" dirty="0"/>
-              <a:t> следующим образом: «Потому что на нас, не из влиятельных и богатых семей, смотрели свысока»)</a:t>
-            </a:r>
+              <a:t>Народные офицеры</a:t>
+            </a:r>
+            <a:endParaRPr lang="ru-RU" sz="500" dirty="0"/>
           </a:p>
         </p:txBody>
       </p:sp>
@@ -11722,7 +11606,7 @@
             <a:pPr algn="ctr"/>
             <a:r>
               <a:rPr lang="ru-RU" sz="1400" dirty="0"/>
-              <a:t>Национализация военной академии Давос</a:t>
+              <a:t>Национализация военной академии в Давосе</a:t>
             </a:r>
           </a:p>
         </p:txBody>
@@ -13536,7 +13420,7 @@
             <a:pPr algn="ctr"/>
             <a:r>
               <a:rPr lang="ru-RU" sz="1400" dirty="0"/>
-              <a:t>Создать вооружённые отряды</a:t>
+              <a:t>Создать вооружённые отряды (текущий)</a:t>
             </a:r>
           </a:p>
         </p:txBody>
